--- a/PRESENTATION-INTERNSHIP.pptx
+++ b/PRESENTATION-INTERNSHIP.pptx
@@ -4,32 +4,32 @@
   <p:sldMasterIdLst>
     <p:sldMasterId id="2147483648" r:id="rId2"/>
     <p:sldMasterId id="2147483661" r:id="rId3"/>
-    <p:sldMasterId id="2147483674" r:id="rId4"/>
   </p:sldMasterIdLst>
   <p:notesMasterIdLst>
-    <p:notesMasterId r:id="rId5"/>
+    <p:notesMasterId r:id="rId4"/>
   </p:notesMasterIdLst>
   <p:sldIdLst>
-    <p:sldId id="256" r:id="rId6"/>
-    <p:sldId id="257" r:id="rId7"/>
-    <p:sldId id="258" r:id="rId8"/>
-    <p:sldId id="259" r:id="rId9"/>
-    <p:sldId id="260" r:id="rId10"/>
-    <p:sldId id="261" r:id="rId11"/>
-    <p:sldId id="262" r:id="rId12"/>
-    <p:sldId id="263" r:id="rId13"/>
-    <p:sldId id="264" r:id="rId14"/>
-    <p:sldId id="265" r:id="rId15"/>
-    <p:sldId id="266" r:id="rId16"/>
-    <p:sldId id="267" r:id="rId17"/>
-    <p:sldId id="268" r:id="rId18"/>
-    <p:sldId id="269" r:id="rId19"/>
-    <p:sldId id="270" r:id="rId20"/>
-    <p:sldId id="271" r:id="rId21"/>
-    <p:sldId id="272" r:id="rId22"/>
-    <p:sldId id="273" r:id="rId23"/>
-    <p:sldId id="274" r:id="rId24"/>
-    <p:sldId id="275" r:id="rId25"/>
+    <p:sldId id="256" r:id="rId5"/>
+    <p:sldId id="257" r:id="rId6"/>
+    <p:sldId id="258" r:id="rId7"/>
+    <p:sldId id="259" r:id="rId8"/>
+    <p:sldId id="260" r:id="rId9"/>
+    <p:sldId id="261" r:id="rId10"/>
+    <p:sldId id="262" r:id="rId11"/>
+    <p:sldId id="263" r:id="rId12"/>
+    <p:sldId id="264" r:id="rId13"/>
+    <p:sldId id="265" r:id="rId14"/>
+    <p:sldId id="266" r:id="rId15"/>
+    <p:sldId id="267" r:id="rId16"/>
+    <p:sldId id="268" r:id="rId17"/>
+    <p:sldId id="269" r:id="rId18"/>
+    <p:sldId id="270" r:id="rId19"/>
+    <p:sldId id="271" r:id="rId20"/>
+    <p:sldId id="272" r:id="rId21"/>
+    <p:sldId id="273" r:id="rId22"/>
+    <p:sldId id="274" r:id="rId23"/>
+    <p:sldId id="275" r:id="rId24"/>
+    <p:sldId id="276" r:id="rId25"/>
   </p:sldIdLst>
   <p:sldSz cx="12192000" cy="6858000"/>
   <p:notesSz cx="6858000" cy="9144000"/>
@@ -55,7 +55,7 @@
       </p:grpSpPr>
       <p:sp>
         <p:nvSpPr>
-          <p:cNvPr id="116" name="PlaceHolder 1"/>
+          <p:cNvPr id="78" name="PlaceHolder 1"/>
           <p:cNvSpPr>
             <a:spLocks noGrp="1"/>
           </p:cNvSpPr>
@@ -90,7 +90,7 @@
       </p:sp>
       <p:sp>
         <p:nvSpPr>
-          <p:cNvPr id="117" name="PlaceHolder 2"/>
+          <p:cNvPr id="79" name="PlaceHolder 2"/>
           <p:cNvSpPr>
             <a:spLocks noGrp="1"/>
           </p:cNvSpPr>
@@ -114,13 +114,7 @@
               <a:rPr b="0" lang="en-US" sz="2000" spc="-1" strike="noStrike">
                 <a:latin typeface="Arial"/>
               </a:rPr>
-              <a:t>Click to edit the </a:t>
-            </a:r>
-            <a:r>
-              <a:rPr b="0" lang="en-US" sz="2000" spc="-1" strike="noStrike">
-                <a:latin typeface="Arial"/>
-              </a:rPr>
-              <a:t>notes format</a:t>
+              <a:t>Click to edit the notes format</a:t>
             </a:r>
             <a:endParaRPr b="0" lang="en-US" sz="2000" spc="-1" strike="noStrike">
               <a:latin typeface="Arial"/>
@@ -130,7 +124,7 @@
       </p:sp>
       <p:sp>
         <p:nvSpPr>
-          <p:cNvPr id="118" name="PlaceHolder 3"/>
+          <p:cNvPr id="80" name="PlaceHolder 3"/>
           <p:cNvSpPr>
             <a:spLocks noGrp="1"/>
           </p:cNvSpPr>
@@ -164,7 +158,7 @@
       </p:sp>
       <p:sp>
         <p:nvSpPr>
-          <p:cNvPr id="119" name="PlaceHolder 4"/>
+          <p:cNvPr id="81" name="PlaceHolder 4"/>
           <p:cNvSpPr>
             <a:spLocks noGrp="1"/>
           </p:cNvSpPr>
@@ -199,7 +193,7 @@
       </p:sp>
       <p:sp>
         <p:nvSpPr>
-          <p:cNvPr id="120" name="PlaceHolder 5"/>
+          <p:cNvPr id="82" name="PlaceHolder 5"/>
           <p:cNvSpPr>
             <a:spLocks noGrp="1"/>
           </p:cNvSpPr>
@@ -233,7 +227,7 @@
       </p:sp>
       <p:sp>
         <p:nvSpPr>
-          <p:cNvPr id="121" name="PlaceHolder 6"/>
+          <p:cNvPr id="83" name="PlaceHolder 6"/>
           <p:cNvSpPr>
             <a:spLocks noGrp="1"/>
           </p:cNvSpPr>
@@ -254,7 +248,7 @@
           <a:bodyPr lIns="0" rIns="0" tIns="0" bIns="0" anchor="b"/>
           <a:p>
             <a:pPr algn="r"/>
-            <a:fld id="{C66F1F55-7EF1-4899-8FEB-532AC0088A83}" type="slidenum">
+            <a:fld id="{19FD2399-E954-4D1F-BD3F-CA39C535107C}" type="slidenum">
               <a:rPr b="0" lang="en-US" sz="1400" spc="-1" strike="noStrike">
                 <a:latin typeface="Times New Roman"/>
               </a:rPr>
@@ -291,7 +285,7 @@
       </p:grpSpPr>
       <p:sp>
         <p:nvSpPr>
-          <p:cNvPr id="236" name="PlaceHolder 1"/>
+          <p:cNvPr id="207" name="PlaceHolder 1"/>
           <p:cNvSpPr>
             <a:spLocks noGrp="1"/>
           </p:cNvSpPr>
@@ -302,7 +296,7 @@
         <p:spPr>
           <a:xfrm>
             <a:off x="685800" y="4400640"/>
-            <a:ext cx="5484960" cy="3598920"/>
+            <a:ext cx="5484600" cy="3598560"/>
           </a:xfrm>
           <a:prstGeom prst="rect">
             <a:avLst/>
@@ -319,14 +313,14 @@
       </p:sp>
       <p:sp>
         <p:nvSpPr>
-          <p:cNvPr id="237" name="CustomShape 2"/>
+          <p:cNvPr id="208" name="CustomShape 2"/>
           <p:cNvSpPr/>
           <p:nvPr/>
         </p:nvSpPr>
         <p:spPr>
           <a:xfrm>
             <a:off x="3884760" y="8685360"/>
-            <a:ext cx="2970360" cy="457200"/>
+            <a:ext cx="2970000" cy="456840"/>
           </a:xfrm>
           <a:prstGeom prst="rect">
             <a:avLst/>
@@ -350,7 +344,7 @@
                 <a:spcPct val="100000"/>
               </a:lnSpc>
             </a:pPr>
-            <a:fld id="{E532D99E-3B30-4901-B55B-1F6D7CC07E12}" type="slidenum">
+            <a:fld id="{B0925419-47B5-479A-9584-C1CFE3050C2B}" type="slidenum">
               <a:rPr b="0" lang="en-US" sz="1200" spc="-1" strike="noStrike">
                 <a:solidFill>
                   <a:srgbClr val="000000"/>
@@ -390,7 +384,7 @@
       </p:grpSpPr>
       <p:sp>
         <p:nvSpPr>
-          <p:cNvPr id="238" name="PlaceHolder 1"/>
+          <p:cNvPr id="209" name="PlaceHolder 1"/>
           <p:cNvSpPr>
             <a:spLocks noGrp="1"/>
           </p:cNvSpPr>
@@ -401,7 +395,7 @@
         <p:spPr>
           <a:xfrm>
             <a:off x="685800" y="4400640"/>
-            <a:ext cx="5484960" cy="3598920"/>
+            <a:ext cx="5484600" cy="3598560"/>
           </a:xfrm>
           <a:prstGeom prst="rect">
             <a:avLst/>
@@ -410,7 +404,7 @@
         <p:txBody>
           <a:bodyPr lIns="0" rIns="0" tIns="0" bIns="0"/>
           <a:p>
-            <a:pPr marL="216000" indent="-215280">
+            <a:pPr marL="216000" indent="-214920">
               <a:lnSpc>
                 <a:spcPct val="100000"/>
               </a:lnSpc>
@@ -422,203 +416,14 @@
                 </a:solidFill>
                 <a:latin typeface="Cambria"/>
               </a:rPr>
-              <a:t>FootExpress est </a:t>
-            </a:r>
-            <a:r>
-              <a:rPr b="0" lang="en-US" sz="1200" spc="-1" strike="noStrike">
-                <a:solidFill>
-                  <a:srgbClr val="0070c0"/>
-                </a:solidFill>
-                <a:latin typeface="Cambria"/>
-              </a:rPr>
-              <a:t>une plateforme </a:t>
-            </a:r>
-            <a:r>
-              <a:rPr b="0" lang="en-US" sz="1200" spc="-1" strike="noStrike">
-                <a:solidFill>
-                  <a:srgbClr val="0070c0"/>
-                </a:solidFill>
-                <a:latin typeface="Cambria"/>
-              </a:rPr>
-              <a:t>mobile </a:t>
-            </a:r>
-            <a:r>
-              <a:rPr b="0" lang="en-US" sz="1200" spc="-1" strike="noStrike">
-                <a:solidFill>
-                  <a:srgbClr val="0070c0"/>
-                </a:solidFill>
-                <a:latin typeface="Cambria"/>
-              </a:rPr>
-              <a:t>suggérée par le </a:t>
-            </a:r>
-            <a:r>
-              <a:rPr b="0" lang="en-US" sz="1200" spc="-1" strike="noStrike">
-                <a:solidFill>
-                  <a:srgbClr val="0070c0"/>
-                </a:solidFill>
-                <a:latin typeface="Cambria"/>
-              </a:rPr>
-              <a:t>cabinet CANAL </a:t>
-            </a:r>
-            <a:r>
-              <a:rPr b="0" lang="en-US" sz="1200" spc="-1" strike="noStrike">
-                <a:solidFill>
-                  <a:srgbClr val="0070c0"/>
-                </a:solidFill>
-                <a:latin typeface="Cambria"/>
-              </a:rPr>
-              <a:t>INNOVATION. Il </a:t>
-            </a:r>
-            <a:r>
-              <a:rPr b="0" lang="en-US" sz="1200" spc="-1" strike="noStrike">
-                <a:solidFill>
-                  <a:srgbClr val="0070c0"/>
-                </a:solidFill>
-                <a:latin typeface="Cambria"/>
-              </a:rPr>
-              <a:t>s’agit d’une </a:t>
-            </a:r>
-            <a:r>
-              <a:rPr b="0" lang="en-US" sz="1200" spc="-1" strike="noStrike">
-                <a:solidFill>
-                  <a:srgbClr val="0070c0"/>
-                </a:solidFill>
-                <a:latin typeface="Cambria"/>
-              </a:rPr>
-              <a:t>plateforme qui </a:t>
-            </a:r>
-            <a:r>
-              <a:rPr b="0" lang="en-US" sz="1200" spc="-1" strike="noStrike">
-                <a:solidFill>
-                  <a:srgbClr val="0070c0"/>
-                </a:solidFill>
-                <a:latin typeface="Cambria"/>
-              </a:rPr>
-              <a:t>permettra de </a:t>
-            </a:r>
-            <a:r>
-              <a:rPr b="0" lang="en-US" sz="1200" spc="-1" strike="noStrike">
-                <a:solidFill>
-                  <a:srgbClr val="0070c0"/>
-                </a:solidFill>
-                <a:latin typeface="Cambria"/>
-              </a:rPr>
-              <a:t>suivre les </a:t>
-            </a:r>
-            <a:r>
-              <a:rPr b="0" lang="en-US" sz="1200" spc="-1" strike="noStrike">
-                <a:solidFill>
-                  <a:srgbClr val="0070c0"/>
-                </a:solidFill>
-                <a:latin typeface="Cambria"/>
-              </a:rPr>
-              <a:t>actualités du </a:t>
-            </a:r>
-            <a:r>
-              <a:rPr b="0" lang="en-US" sz="1200" spc="-1" strike="noStrike">
-                <a:solidFill>
-                  <a:srgbClr val="0070c0"/>
-                </a:solidFill>
-                <a:latin typeface="Cambria"/>
-              </a:rPr>
-              <a:t>football togolais. </a:t>
-            </a:r>
-            <a:r>
-              <a:rPr b="0" lang="en-US" sz="1200" spc="-1" strike="noStrike">
-                <a:solidFill>
-                  <a:srgbClr val="0070c0"/>
-                </a:solidFill>
-                <a:latin typeface="Cambria"/>
-              </a:rPr>
-              <a:t>FootExpress </a:t>
-            </a:r>
-            <a:r>
-              <a:rPr b="0" lang="en-US" sz="1200" spc="-1" strike="noStrike">
-                <a:solidFill>
-                  <a:srgbClr val="0070c0"/>
-                </a:solidFill>
-                <a:latin typeface="Cambria"/>
-              </a:rPr>
-              <a:t>permettra au </a:t>
-            </a:r>
-            <a:r>
-              <a:rPr b="0" lang="en-US" sz="1200" spc="-1" strike="noStrike">
-                <a:solidFill>
-                  <a:srgbClr val="0070c0"/>
-                </a:solidFill>
-                <a:latin typeface="Cambria"/>
-              </a:rPr>
-              <a:t>public sportif </a:t>
-            </a:r>
-            <a:r>
-              <a:rPr b="0" lang="en-US" sz="1200" spc="-1" strike="noStrike">
-                <a:solidFill>
-                  <a:srgbClr val="0070c0"/>
-                </a:solidFill>
-                <a:latin typeface="Cambria"/>
-              </a:rPr>
-              <a:t>togolais d’être </a:t>
-            </a:r>
-            <a:r>
-              <a:rPr b="0" lang="en-US" sz="1200" spc="-1" strike="noStrike">
-                <a:solidFill>
-                  <a:srgbClr val="0070c0"/>
-                </a:solidFill>
-                <a:latin typeface="Cambria"/>
-              </a:rPr>
-              <a:t>au parfum des </a:t>
-            </a:r>
-            <a:r>
-              <a:rPr b="0" lang="en-US" sz="1200" spc="-1" strike="noStrike">
-                <a:solidFill>
-                  <a:srgbClr val="0070c0"/>
-                </a:solidFill>
-                <a:latin typeface="Cambria"/>
-              </a:rPr>
-              <a:t>activités des </a:t>
-            </a:r>
-            <a:r>
-              <a:rPr b="0" lang="en-US" sz="1200" spc="-1" strike="noStrike">
-                <a:solidFill>
-                  <a:srgbClr val="0070c0"/>
-                </a:solidFill>
-                <a:latin typeface="Cambria"/>
-              </a:rPr>
-              <a:t>Eperviers et </a:t>
-            </a:r>
-            <a:r>
-              <a:rPr b="0" lang="en-US" sz="1200" spc="-1" strike="noStrike">
-                <a:solidFill>
-                  <a:srgbClr val="0070c0"/>
-                </a:solidFill>
-                <a:latin typeface="Cambria"/>
-              </a:rPr>
-              <a:t>aussi du </a:t>
-            </a:r>
-            <a:r>
-              <a:rPr b="0" lang="en-US" sz="1200" spc="-1" strike="noStrike">
-                <a:solidFill>
-                  <a:srgbClr val="0070c0"/>
-                </a:solidFill>
-                <a:latin typeface="Cambria"/>
-              </a:rPr>
-              <a:t>championnat </a:t>
-            </a:r>
-            <a:r>
-              <a:rPr b="0" lang="en-US" sz="1200" spc="-1" strike="noStrike">
-                <a:solidFill>
-                  <a:srgbClr val="0070c0"/>
-                </a:solidFill>
-                <a:latin typeface="Cambria"/>
-              </a:rPr>
-              <a:t>togolais. </a:t>
+              <a:t>FootExpress est une plateforme mobile suggérée par le cabinet CANAL INNOVATION. Il s’agit d’une plateforme qui permettra de suivre les actualités du football togolais. FootExpress permettra au public sportif togolais d’être au parfum des activités des Eperviers et aussi du championnat togolais. </a:t>
             </a:r>
             <a:endParaRPr b="0" lang="en-US" sz="1200" spc="-1" strike="noStrike">
               <a:latin typeface="Arial"/>
             </a:endParaRPr>
           </a:p>
           <a:p>
-            <a:pPr marL="216000" indent="-215280">
+            <a:pPr marL="216000" indent="-214920">
               <a:lnSpc>
                 <a:spcPct val="100000"/>
               </a:lnSpc>
@@ -631,14 +436,14 @@
       </p:sp>
       <p:sp>
         <p:nvSpPr>
-          <p:cNvPr id="239" name="CustomShape 2"/>
+          <p:cNvPr id="210" name="CustomShape 2"/>
           <p:cNvSpPr/>
           <p:nvPr/>
         </p:nvSpPr>
         <p:spPr>
           <a:xfrm>
             <a:off x="3884760" y="8685360"/>
-            <a:ext cx="2970360" cy="457200"/>
+            <a:ext cx="2970000" cy="456840"/>
           </a:xfrm>
           <a:prstGeom prst="rect">
             <a:avLst/>
@@ -662,7 +467,7 @@
                 <a:spcPct val="100000"/>
               </a:lnSpc>
             </a:pPr>
-            <a:fld id="{F16F2CCA-BE64-4B3F-A6D6-F33E70B7FACF}" type="slidenum">
+            <a:fld id="{F9E9CD8A-5B7A-441A-B636-53F8861A4B48}" type="slidenum">
               <a:rPr b="0" lang="en-US" sz="1200" spc="-1" strike="noStrike">
                 <a:solidFill>
                   <a:srgbClr val="000000"/>
@@ -702,7 +507,7 @@
       </p:grpSpPr>
       <p:sp>
         <p:nvSpPr>
-          <p:cNvPr id="240" name="PlaceHolder 1"/>
+          <p:cNvPr id="211" name="PlaceHolder 1"/>
           <p:cNvSpPr>
             <a:spLocks noGrp="1"/>
           </p:cNvSpPr>
@@ -713,7 +518,7 @@
         <p:spPr>
           <a:xfrm>
             <a:off x="685800" y="4400640"/>
-            <a:ext cx="5484960" cy="3598920"/>
+            <a:ext cx="5484600" cy="3598560"/>
           </a:xfrm>
           <a:prstGeom prst="rect">
             <a:avLst/>
@@ -722,7 +527,7 @@
         <p:txBody>
           <a:bodyPr lIns="0" rIns="0" tIns="0" bIns="0"/>
           <a:p>
-            <a:pPr marL="216000" indent="-215280" algn="just">
+            <a:pPr marL="216000" indent="-214920" algn="just">
               <a:lnSpc>
                 <a:spcPct val="150000"/>
               </a:lnSpc>
@@ -741,7 +546,7 @@
             </a:endParaRPr>
           </a:p>
           <a:p>
-            <a:pPr marL="216000" indent="-214920" algn="just">
+            <a:pPr marL="216000" indent="-214560" algn="just">
               <a:lnSpc>
                 <a:spcPct val="150000"/>
               </a:lnSpc>
@@ -765,7 +570,7 @@
             </a:endParaRPr>
           </a:p>
           <a:p>
-            <a:pPr marL="216000" indent="-214920" algn="just">
+            <a:pPr marL="216000" indent="-214560" algn="just">
               <a:lnSpc>
                 <a:spcPct val="150000"/>
               </a:lnSpc>
@@ -789,7 +594,7 @@
             </a:endParaRPr>
           </a:p>
           <a:p>
-            <a:pPr marL="216000" indent="-214920" algn="just">
+            <a:pPr marL="216000" indent="-214560" algn="just">
               <a:lnSpc>
                 <a:spcPct val="150000"/>
               </a:lnSpc>
@@ -826,14 +631,14 @@
       </p:sp>
       <p:sp>
         <p:nvSpPr>
-          <p:cNvPr id="241" name="CustomShape 2"/>
+          <p:cNvPr id="212" name="CustomShape 2"/>
           <p:cNvSpPr/>
           <p:nvPr/>
         </p:nvSpPr>
         <p:spPr>
           <a:xfrm>
             <a:off x="3884760" y="8685360"/>
-            <a:ext cx="2970360" cy="457200"/>
+            <a:ext cx="2970000" cy="456840"/>
           </a:xfrm>
           <a:prstGeom prst="rect">
             <a:avLst/>
@@ -857,7 +662,7 @@
                 <a:spcPct val="100000"/>
               </a:lnSpc>
             </a:pPr>
-            <a:fld id="{383B3B4E-8225-4F33-8783-D40F0DC4BFC1}" type="slidenum">
+            <a:fld id="{BCB18F80-9745-44D0-A992-12FF537E54E6}" type="slidenum">
               <a:rPr b="0" lang="en-US" sz="1200" spc="-1" strike="noStrike">
                 <a:solidFill>
                   <a:srgbClr val="000000"/>
@@ -865,7 +670,7 @@
                 <a:latin typeface="+mn-lt"/>
                 <a:ea typeface="+mn-ea"/>
               </a:rPr>
-              <a:t>&lt;number&gt;</a:t>
+              <a:t>1</a:t>
             </a:fld>
             <a:endParaRPr b="0" lang="en-US" sz="1200" spc="-1" strike="noStrike">
               <a:latin typeface="Arial"/>
@@ -897,7 +702,7 @@
       </p:grpSpPr>
       <p:sp>
         <p:nvSpPr>
-          <p:cNvPr id="242" name="PlaceHolder 1"/>
+          <p:cNvPr id="213" name="PlaceHolder 1"/>
           <p:cNvSpPr>
             <a:spLocks noGrp="1"/>
           </p:cNvSpPr>
@@ -908,7 +713,7 @@
         <p:spPr>
           <a:xfrm>
             <a:off x="685800" y="4400640"/>
-            <a:ext cx="5484960" cy="3598920"/>
+            <a:ext cx="5484600" cy="3598560"/>
           </a:xfrm>
           <a:prstGeom prst="rect">
             <a:avLst/>
@@ -917,7 +722,7 @@
         <p:txBody>
           <a:bodyPr lIns="0" rIns="0" tIns="0" bIns="0"/>
           <a:p>
-            <a:pPr marL="216000" indent="-215280">
+            <a:pPr marL="216000" indent="-214920">
               <a:lnSpc>
                 <a:spcPct val="100000"/>
               </a:lnSpc>
@@ -936,7 +741,7 @@
             </a:endParaRPr>
           </a:p>
           <a:p>
-            <a:pPr marL="216000" indent="-215280">
+            <a:pPr marL="216000" indent="-214920">
               <a:lnSpc>
                 <a:spcPct val="100000"/>
               </a:lnSpc>
@@ -946,7 +751,7 @@
             </a:endParaRPr>
           </a:p>
           <a:p>
-            <a:pPr marL="216000" indent="-215280">
+            <a:pPr marL="216000" indent="-214920">
               <a:lnSpc>
                 <a:spcPct val="100000"/>
               </a:lnSpc>
@@ -965,7 +770,7 @@
             </a:endParaRPr>
           </a:p>
           <a:p>
-            <a:pPr marL="216000" indent="-215280">
+            <a:pPr marL="216000" indent="-214920">
               <a:lnSpc>
                 <a:spcPct val="100000"/>
               </a:lnSpc>
@@ -975,7 +780,7 @@
             </a:endParaRPr>
           </a:p>
           <a:p>
-            <a:pPr marL="216000" indent="-215280" algn="just">
+            <a:pPr marL="216000" indent="-214920" algn="just">
               <a:lnSpc>
                 <a:spcPct val="150000"/>
               </a:lnSpc>
@@ -994,7 +799,7 @@
             </a:endParaRPr>
           </a:p>
           <a:p>
-            <a:pPr marL="216000" indent="-214920" algn="just">
+            <a:pPr marL="216000" indent="-214560" algn="just">
               <a:lnSpc>
                 <a:spcPct val="150000"/>
               </a:lnSpc>
@@ -1018,7 +823,7 @@
             </a:endParaRPr>
           </a:p>
           <a:p>
-            <a:pPr marL="216000" indent="-214920" algn="just">
+            <a:pPr marL="216000" indent="-214560" algn="just">
               <a:lnSpc>
                 <a:spcPct val="150000"/>
               </a:lnSpc>
@@ -1042,7 +847,7 @@
             </a:endParaRPr>
           </a:p>
           <a:p>
-            <a:pPr marL="216000" indent="-214920" algn="just">
+            <a:pPr marL="216000" indent="-214560" algn="just">
               <a:lnSpc>
                 <a:spcPct val="150000"/>
               </a:lnSpc>
@@ -1079,14 +884,14 @@
       </p:sp>
       <p:sp>
         <p:nvSpPr>
-          <p:cNvPr id="243" name="CustomShape 2"/>
+          <p:cNvPr id="214" name="CustomShape 2"/>
           <p:cNvSpPr/>
           <p:nvPr/>
         </p:nvSpPr>
         <p:spPr>
           <a:xfrm>
             <a:off x="3884760" y="8685360"/>
-            <a:ext cx="2970360" cy="457200"/>
+            <a:ext cx="2970000" cy="456840"/>
           </a:xfrm>
           <a:prstGeom prst="rect">
             <a:avLst/>
@@ -1110,7 +915,7 @@
                 <a:spcPct val="100000"/>
               </a:lnSpc>
             </a:pPr>
-            <a:fld id="{FA9B475C-6D13-409E-8644-913ED64E1006}" type="slidenum">
+            <a:fld id="{C104C0BD-4E4C-4DF8-91F5-6CB254A7E337}" type="slidenum">
               <a:rPr b="0" lang="en-US" sz="1200" spc="-1" strike="noStrike">
                 <a:solidFill>
                   <a:srgbClr val="000000"/>
@@ -1118,7 +923,7 @@
                 <a:latin typeface="+mn-lt"/>
                 <a:ea typeface="+mn-ea"/>
               </a:rPr>
-              <a:t>&lt;number&gt;</a:t>
+              <a:t>1</a:t>
             </a:fld>
             <a:endParaRPr b="0" lang="en-US" sz="1200" spc="-1" strike="noStrike">
               <a:latin typeface="Arial"/>
@@ -1150,7 +955,7 @@
       </p:grpSpPr>
       <p:sp>
         <p:nvSpPr>
-          <p:cNvPr id="244" name="PlaceHolder 1"/>
+          <p:cNvPr id="215" name="PlaceHolder 1"/>
           <p:cNvSpPr>
             <a:spLocks noGrp="1"/>
           </p:cNvSpPr>
@@ -1161,7 +966,7 @@
         <p:spPr>
           <a:xfrm>
             <a:off x="685800" y="4400640"/>
-            <a:ext cx="5484960" cy="3598920"/>
+            <a:ext cx="5484600" cy="3598560"/>
           </a:xfrm>
           <a:prstGeom prst="rect">
             <a:avLst/>
@@ -1170,7 +975,7 @@
         <p:txBody>
           <a:bodyPr lIns="0" rIns="0" tIns="0" bIns="0"/>
           <a:p>
-            <a:pPr marL="216000" indent="-215280">
+            <a:pPr marL="216000" indent="-214920">
               <a:lnSpc>
                 <a:spcPct val="100000"/>
               </a:lnSpc>
@@ -1189,7 +994,7 @@
             </a:endParaRPr>
           </a:p>
           <a:p>
-            <a:pPr marL="216000" indent="-215280">
+            <a:pPr marL="216000" indent="-214920">
               <a:lnSpc>
                 <a:spcPct val="100000"/>
               </a:lnSpc>
@@ -1199,7 +1004,7 @@
             </a:endParaRPr>
           </a:p>
           <a:p>
-            <a:pPr marL="216000" indent="-215280">
+            <a:pPr marL="216000" indent="-214920">
               <a:lnSpc>
                 <a:spcPct val="100000"/>
               </a:lnSpc>
@@ -1218,7 +1023,7 @@
             </a:endParaRPr>
           </a:p>
           <a:p>
-            <a:pPr marL="216000" indent="-215280">
+            <a:pPr marL="216000" indent="-214920">
               <a:lnSpc>
                 <a:spcPct val="100000"/>
               </a:lnSpc>
@@ -1228,7 +1033,7 @@
             </a:endParaRPr>
           </a:p>
           <a:p>
-            <a:pPr marL="216000" indent="-215280" algn="just">
+            <a:pPr marL="216000" indent="-214920" algn="just">
               <a:lnSpc>
                 <a:spcPct val="150000"/>
               </a:lnSpc>
@@ -1247,7 +1052,7 @@
             </a:endParaRPr>
           </a:p>
           <a:p>
-            <a:pPr marL="216000" indent="-214920" algn="just">
+            <a:pPr marL="216000" indent="-214560" algn="just">
               <a:lnSpc>
                 <a:spcPct val="150000"/>
               </a:lnSpc>
@@ -1271,7 +1076,7 @@
             </a:endParaRPr>
           </a:p>
           <a:p>
-            <a:pPr marL="216000" indent="-214920" algn="just">
+            <a:pPr marL="216000" indent="-214560" algn="just">
               <a:lnSpc>
                 <a:spcPct val="150000"/>
               </a:lnSpc>
@@ -1295,7 +1100,7 @@
             </a:endParaRPr>
           </a:p>
           <a:p>
-            <a:pPr marL="216000" indent="-214920" algn="just">
+            <a:pPr marL="216000" indent="-214560" algn="just">
               <a:lnSpc>
                 <a:spcPct val="150000"/>
               </a:lnSpc>
@@ -1332,14 +1137,14 @@
       </p:sp>
       <p:sp>
         <p:nvSpPr>
-          <p:cNvPr id="245" name="CustomShape 2"/>
+          <p:cNvPr id="216" name="CustomShape 2"/>
           <p:cNvSpPr/>
           <p:nvPr/>
         </p:nvSpPr>
         <p:spPr>
           <a:xfrm>
             <a:off x="3884760" y="8685360"/>
-            <a:ext cx="2970360" cy="457200"/>
+            <a:ext cx="2970000" cy="456840"/>
           </a:xfrm>
           <a:prstGeom prst="rect">
             <a:avLst/>
@@ -1363,7 +1168,7 @@
                 <a:spcPct val="100000"/>
               </a:lnSpc>
             </a:pPr>
-            <a:fld id="{3F2E72D2-AC8E-4BAE-BEC4-831A458D331A}" type="slidenum">
+            <a:fld id="{143CF7EA-DBFC-44CD-BD19-363CF758AE2E}" type="slidenum">
               <a:rPr b="0" lang="en-US" sz="1200" spc="-1" strike="noStrike">
                 <a:solidFill>
                   <a:srgbClr val="000000"/>
@@ -1371,7 +1176,7 @@
                 <a:latin typeface="+mn-lt"/>
                 <a:ea typeface="+mn-ea"/>
               </a:rPr>
-              <a:t>&lt;number&gt;</a:t>
+              <a:t>1</a:t>
             </a:fld>
             <a:endParaRPr b="0" lang="en-US" sz="1200" spc="-1" strike="noStrike">
               <a:latin typeface="Arial"/>
@@ -3331,351 +3136,6 @@
 </p:sldLayout>
 </file>
 
-<file path=ppt/slideLayouts/slideLayout25.xml><?xml version="1.0" encoding="utf-8"?>
-<p:sldLayout xmlns:a="http://schemas.openxmlformats.org/drawingml/2006/main" xmlns:p="http://schemas.openxmlformats.org/presentationml/2006/main" xmlns:r="http://schemas.openxmlformats.org/officeDocument/2006/relationships" xmlns:p14="http://schemas.microsoft.com/office/powerpoint/2010/main" xmlns:p15="http://schemas.microsoft.com/office/powerpoint/2012/main" xmlns:mc="http://schemas.openxmlformats.org/markup-compatibility/2006" type="blank" preserve="1">
-  <p:cSld name="Blank Slide">
-    <p:spTree>
-      <p:nvGrpSpPr>
-        <p:cNvPr id="1" name=""/>
-        <p:cNvGrpSpPr/>
-        <p:nvPr/>
-      </p:nvGrpSpPr>
-      <p:grpSpPr>
-        <a:xfrm>
-          <a:off x="0" y="0"/>
-          <a:ext cx="0" cy="0"/>
-          <a:chOff x="0" y="0"/>
-          <a:chExt cx="0" cy="0"/>
-        </a:xfrm>
-      </p:grpSpPr>
-    </p:spTree>
-  </p:cSld>
-</p:sldLayout>
-</file>
-
-<file path=ppt/slideLayouts/slideLayout26.xml><?xml version="1.0" encoding="utf-8"?>
-<p:sldLayout xmlns:a="http://schemas.openxmlformats.org/drawingml/2006/main" xmlns:p="http://schemas.openxmlformats.org/presentationml/2006/main" xmlns:r="http://schemas.openxmlformats.org/officeDocument/2006/relationships" xmlns:p14="http://schemas.microsoft.com/office/powerpoint/2010/main" xmlns:p15="http://schemas.microsoft.com/office/powerpoint/2012/main" xmlns:mc="http://schemas.openxmlformats.org/markup-compatibility/2006" type="tx" preserve="1">
-  <p:cSld name="Title Slide">
-    <p:spTree>
-      <p:nvGrpSpPr>
-        <p:cNvPr id="1" name=""/>
-        <p:cNvGrpSpPr/>
-        <p:nvPr/>
-      </p:nvGrpSpPr>
-      <p:grpSpPr>
-        <a:xfrm>
-          <a:off x="0" y="0"/>
-          <a:ext cx="0" cy="0"/>
-          <a:chOff x="0" y="0"/>
-          <a:chExt cx="0" cy="0"/>
-        </a:xfrm>
-      </p:grpSpPr>
-      <p:sp>
-        <p:nvSpPr>
-          <p:cNvPr id="80" name="PlaceHolder 1"/>
-          <p:cNvSpPr>
-            <a:spLocks noGrp="1"/>
-          </p:cNvSpPr>
-          <p:nvPr>
-            <p:ph type="title"/>
-          </p:nvPr>
-        </p:nvSpPr>
-        <p:spPr>
-          <a:xfrm>
-            <a:off x="609480" y="273600"/>
-            <a:ext cx="10972440" cy="1144800"/>
-          </a:xfrm>
-          <a:prstGeom prst="rect">
-            <a:avLst/>
-          </a:prstGeom>
-        </p:spPr>
-        <p:txBody>
-          <a:bodyPr lIns="0" rIns="0" tIns="0" bIns="0" anchor="ctr"/>
-          <a:p>
-            <a:pPr algn="ctr"/>
-            <a:endParaRPr b="0" lang="en-US" sz="4400" spc="-1" strike="noStrike">
-              <a:latin typeface="Arial"/>
-            </a:endParaRPr>
-          </a:p>
-        </p:txBody>
-      </p:sp>
-      <p:sp>
-        <p:nvSpPr>
-          <p:cNvPr id="81" name="PlaceHolder 2"/>
-          <p:cNvSpPr>
-            <a:spLocks noGrp="1"/>
-          </p:cNvSpPr>
-          <p:nvPr>
-            <p:ph type="subTitle"/>
-          </p:nvPr>
-        </p:nvSpPr>
-        <p:spPr>
-          <a:xfrm>
-            <a:off x="609480" y="1604520"/>
-            <a:ext cx="10972440" cy="3977280"/>
-          </a:xfrm>
-          <a:prstGeom prst="rect">
-            <a:avLst/>
-          </a:prstGeom>
-        </p:spPr>
-        <p:txBody>
-          <a:bodyPr lIns="0" rIns="0" tIns="0" bIns="0" anchor="ctr"/>
-          <a:p>
-            <a:pPr algn="ctr"/>
-            <a:endParaRPr b="0" lang="en-US" sz="3200" spc="-1" strike="noStrike">
-              <a:latin typeface="Arial"/>
-            </a:endParaRPr>
-          </a:p>
-        </p:txBody>
-      </p:sp>
-    </p:spTree>
-  </p:cSld>
-</p:sldLayout>
-</file>
-
-<file path=ppt/slideLayouts/slideLayout27.xml><?xml version="1.0" encoding="utf-8"?>
-<p:sldLayout xmlns:a="http://schemas.openxmlformats.org/drawingml/2006/main" xmlns:p="http://schemas.openxmlformats.org/presentationml/2006/main" xmlns:r="http://schemas.openxmlformats.org/officeDocument/2006/relationships" xmlns:p14="http://schemas.microsoft.com/office/powerpoint/2010/main" xmlns:p15="http://schemas.microsoft.com/office/powerpoint/2012/main" xmlns:mc="http://schemas.openxmlformats.org/markup-compatibility/2006" type="obj" preserve="1">
-  <p:cSld name="Title, Content">
-    <p:spTree>
-      <p:nvGrpSpPr>
-        <p:cNvPr id="1" name=""/>
-        <p:cNvGrpSpPr/>
-        <p:nvPr/>
-      </p:nvGrpSpPr>
-      <p:grpSpPr>
-        <a:xfrm>
-          <a:off x="0" y="0"/>
-          <a:ext cx="0" cy="0"/>
-          <a:chOff x="0" y="0"/>
-          <a:chExt cx="0" cy="0"/>
-        </a:xfrm>
-      </p:grpSpPr>
-      <p:sp>
-        <p:nvSpPr>
-          <p:cNvPr id="82" name="PlaceHolder 1"/>
-          <p:cNvSpPr>
-            <a:spLocks noGrp="1"/>
-          </p:cNvSpPr>
-          <p:nvPr>
-            <p:ph type="title"/>
-          </p:nvPr>
-        </p:nvSpPr>
-        <p:spPr>
-          <a:xfrm>
-            <a:off x="609480" y="273600"/>
-            <a:ext cx="10972440" cy="1144800"/>
-          </a:xfrm>
-          <a:prstGeom prst="rect">
-            <a:avLst/>
-          </a:prstGeom>
-        </p:spPr>
-        <p:txBody>
-          <a:bodyPr lIns="0" rIns="0" tIns="0" bIns="0" anchor="ctr"/>
-          <a:p>
-            <a:pPr algn="ctr"/>
-            <a:endParaRPr b="0" lang="en-US" sz="4400" spc="-1" strike="noStrike">
-              <a:latin typeface="Arial"/>
-            </a:endParaRPr>
-          </a:p>
-        </p:txBody>
-      </p:sp>
-      <p:sp>
-        <p:nvSpPr>
-          <p:cNvPr id="83" name="PlaceHolder 2"/>
-          <p:cNvSpPr>
-            <a:spLocks noGrp="1"/>
-          </p:cNvSpPr>
-          <p:nvPr>
-            <p:ph type="body"/>
-          </p:nvPr>
-        </p:nvSpPr>
-        <p:spPr>
-          <a:xfrm>
-            <a:off x="609480" y="1604520"/>
-            <a:ext cx="10972440" cy="3977280"/>
-          </a:xfrm>
-          <a:prstGeom prst="rect">
-            <a:avLst/>
-          </a:prstGeom>
-        </p:spPr>
-        <p:txBody>
-          <a:bodyPr lIns="0" rIns="0" tIns="0" bIns="0">
-            <a:normAutofit/>
-          </a:bodyPr>
-          <a:p>
-            <a:endParaRPr b="0" lang="en-US" sz="3200" spc="-1" strike="noStrike">
-              <a:latin typeface="Arial"/>
-            </a:endParaRPr>
-          </a:p>
-        </p:txBody>
-      </p:sp>
-    </p:spTree>
-  </p:cSld>
-</p:sldLayout>
-</file>
-
-<file path=ppt/slideLayouts/slideLayout28.xml><?xml version="1.0" encoding="utf-8"?>
-<p:sldLayout xmlns:a="http://schemas.openxmlformats.org/drawingml/2006/main" xmlns:p="http://schemas.openxmlformats.org/presentationml/2006/main" xmlns:r="http://schemas.openxmlformats.org/officeDocument/2006/relationships" xmlns:p14="http://schemas.microsoft.com/office/powerpoint/2010/main" xmlns:p15="http://schemas.microsoft.com/office/powerpoint/2012/main" xmlns:mc="http://schemas.openxmlformats.org/markup-compatibility/2006" type="twoObj" preserve="1">
-  <p:cSld name="Title, 2 Content">
-    <p:spTree>
-      <p:nvGrpSpPr>
-        <p:cNvPr id="1" name=""/>
-        <p:cNvGrpSpPr/>
-        <p:nvPr/>
-      </p:nvGrpSpPr>
-      <p:grpSpPr>
-        <a:xfrm>
-          <a:off x="0" y="0"/>
-          <a:ext cx="0" cy="0"/>
-          <a:chOff x="0" y="0"/>
-          <a:chExt cx="0" cy="0"/>
-        </a:xfrm>
-      </p:grpSpPr>
-      <p:sp>
-        <p:nvSpPr>
-          <p:cNvPr id="84" name="PlaceHolder 1"/>
-          <p:cNvSpPr>
-            <a:spLocks noGrp="1"/>
-          </p:cNvSpPr>
-          <p:nvPr>
-            <p:ph type="title"/>
-          </p:nvPr>
-        </p:nvSpPr>
-        <p:spPr>
-          <a:xfrm>
-            <a:off x="609480" y="273600"/>
-            <a:ext cx="10972440" cy="1144800"/>
-          </a:xfrm>
-          <a:prstGeom prst="rect">
-            <a:avLst/>
-          </a:prstGeom>
-        </p:spPr>
-        <p:txBody>
-          <a:bodyPr lIns="0" rIns="0" tIns="0" bIns="0" anchor="ctr"/>
-          <a:p>
-            <a:pPr algn="ctr"/>
-            <a:endParaRPr b="0" lang="en-US" sz="4400" spc="-1" strike="noStrike">
-              <a:latin typeface="Arial"/>
-            </a:endParaRPr>
-          </a:p>
-        </p:txBody>
-      </p:sp>
-      <p:sp>
-        <p:nvSpPr>
-          <p:cNvPr id="85" name="PlaceHolder 2"/>
-          <p:cNvSpPr>
-            <a:spLocks noGrp="1"/>
-          </p:cNvSpPr>
-          <p:nvPr>
-            <p:ph type="body"/>
-          </p:nvPr>
-        </p:nvSpPr>
-        <p:spPr>
-          <a:xfrm>
-            <a:off x="609480" y="1604520"/>
-            <a:ext cx="5354280" cy="3977280"/>
-          </a:xfrm>
-          <a:prstGeom prst="rect">
-            <a:avLst/>
-          </a:prstGeom>
-        </p:spPr>
-        <p:txBody>
-          <a:bodyPr lIns="0" rIns="0" tIns="0" bIns="0">
-            <a:normAutofit/>
-          </a:bodyPr>
-          <a:p>
-            <a:endParaRPr b="0" lang="en-US" sz="3200" spc="-1" strike="noStrike">
-              <a:latin typeface="Arial"/>
-            </a:endParaRPr>
-          </a:p>
-        </p:txBody>
-      </p:sp>
-      <p:sp>
-        <p:nvSpPr>
-          <p:cNvPr id="86" name="PlaceHolder 3"/>
-          <p:cNvSpPr>
-            <a:spLocks noGrp="1"/>
-          </p:cNvSpPr>
-          <p:nvPr>
-            <p:ph type="body"/>
-          </p:nvPr>
-        </p:nvSpPr>
-        <p:spPr>
-          <a:xfrm>
-            <a:off x="6231960" y="1604520"/>
-            <a:ext cx="5354280" cy="3977280"/>
-          </a:xfrm>
-          <a:prstGeom prst="rect">
-            <a:avLst/>
-          </a:prstGeom>
-        </p:spPr>
-        <p:txBody>
-          <a:bodyPr lIns="0" rIns="0" tIns="0" bIns="0">
-            <a:normAutofit/>
-          </a:bodyPr>
-          <a:p>
-            <a:endParaRPr b="0" lang="en-US" sz="3200" spc="-1" strike="noStrike">
-              <a:latin typeface="Arial"/>
-            </a:endParaRPr>
-          </a:p>
-        </p:txBody>
-      </p:sp>
-    </p:spTree>
-  </p:cSld>
-</p:sldLayout>
-</file>
-
-<file path=ppt/slideLayouts/slideLayout29.xml><?xml version="1.0" encoding="utf-8"?>
-<p:sldLayout xmlns:a="http://schemas.openxmlformats.org/drawingml/2006/main" xmlns:p="http://schemas.openxmlformats.org/presentationml/2006/main" xmlns:r="http://schemas.openxmlformats.org/officeDocument/2006/relationships" xmlns:p14="http://schemas.microsoft.com/office/powerpoint/2010/main" xmlns:p15="http://schemas.microsoft.com/office/powerpoint/2012/main" xmlns:mc="http://schemas.openxmlformats.org/markup-compatibility/2006" type="titleOnly" preserve="1">
-  <p:cSld name="Title Only">
-    <p:spTree>
-      <p:nvGrpSpPr>
-        <p:cNvPr id="1" name=""/>
-        <p:cNvGrpSpPr/>
-        <p:nvPr/>
-      </p:nvGrpSpPr>
-      <p:grpSpPr>
-        <a:xfrm>
-          <a:off x="0" y="0"/>
-          <a:ext cx="0" cy="0"/>
-          <a:chOff x="0" y="0"/>
-          <a:chExt cx="0" cy="0"/>
-        </a:xfrm>
-      </p:grpSpPr>
-      <p:sp>
-        <p:nvSpPr>
-          <p:cNvPr id="87" name="PlaceHolder 1"/>
-          <p:cNvSpPr>
-            <a:spLocks noGrp="1"/>
-          </p:cNvSpPr>
-          <p:nvPr>
-            <p:ph type="title"/>
-          </p:nvPr>
-        </p:nvSpPr>
-        <p:spPr>
-          <a:xfrm>
-            <a:off x="609480" y="273600"/>
-            <a:ext cx="10972440" cy="1144800"/>
-          </a:xfrm>
-          <a:prstGeom prst="rect">
-            <a:avLst/>
-          </a:prstGeom>
-        </p:spPr>
-        <p:txBody>
-          <a:bodyPr lIns="0" rIns="0" tIns="0" bIns="0" anchor="ctr"/>
-          <a:p>
-            <a:pPr algn="ctr"/>
-            <a:endParaRPr b="0" lang="en-US" sz="4400" spc="-1" strike="noStrike">
-              <a:latin typeface="Arial"/>
-            </a:endParaRPr>
-          </a:p>
-        </p:txBody>
-      </p:sp>
-    </p:spTree>
-  </p:cSld>
-</p:sldLayout>
-</file>
-
 <file path=ppt/slideLayouts/slideLayout3.xml><?xml version="1.0" encoding="utf-8"?>
 <p:sldLayout xmlns:a="http://schemas.openxmlformats.org/drawingml/2006/main" xmlns:p="http://schemas.openxmlformats.org/presentationml/2006/main" xmlns:r="http://schemas.openxmlformats.org/officeDocument/2006/relationships" xmlns:p14="http://schemas.microsoft.com/office/powerpoint/2010/main" xmlns:p15="http://schemas.microsoft.com/office/powerpoint/2012/main" xmlns:mc="http://schemas.openxmlformats.org/markup-compatibility/2006" type="obj" preserve="1">
   <p:cSld name="Title, Content">
@@ -3736,993 +3196,6 @@
           <a:xfrm>
             <a:off x="609480" y="1604520"/>
             <a:ext cx="10972440" cy="3977280"/>
-          </a:xfrm>
-          <a:prstGeom prst="rect">
-            <a:avLst/>
-          </a:prstGeom>
-        </p:spPr>
-        <p:txBody>
-          <a:bodyPr lIns="0" rIns="0" tIns="0" bIns="0">
-            <a:normAutofit/>
-          </a:bodyPr>
-          <a:p>
-            <a:endParaRPr b="0" lang="en-US" sz="3200" spc="-1" strike="noStrike">
-              <a:latin typeface="Arial"/>
-            </a:endParaRPr>
-          </a:p>
-        </p:txBody>
-      </p:sp>
-    </p:spTree>
-  </p:cSld>
-</p:sldLayout>
-</file>
-
-<file path=ppt/slideLayouts/slideLayout30.xml><?xml version="1.0" encoding="utf-8"?>
-<p:sldLayout xmlns:a="http://schemas.openxmlformats.org/drawingml/2006/main" xmlns:p="http://schemas.openxmlformats.org/presentationml/2006/main" xmlns:r="http://schemas.openxmlformats.org/officeDocument/2006/relationships" xmlns:p14="http://schemas.microsoft.com/office/powerpoint/2010/main" xmlns:p15="http://schemas.microsoft.com/office/powerpoint/2012/main" xmlns:mc="http://schemas.openxmlformats.org/markup-compatibility/2006" type="objOnly" preserve="1">
-  <p:cSld name="Centered Text">
-    <p:spTree>
-      <p:nvGrpSpPr>
-        <p:cNvPr id="1" name=""/>
-        <p:cNvGrpSpPr/>
-        <p:nvPr/>
-      </p:nvGrpSpPr>
-      <p:grpSpPr>
-        <a:xfrm>
-          <a:off x="0" y="0"/>
-          <a:ext cx="0" cy="0"/>
-          <a:chOff x="0" y="0"/>
-          <a:chExt cx="0" cy="0"/>
-        </a:xfrm>
-      </p:grpSpPr>
-      <p:sp>
-        <p:nvSpPr>
-          <p:cNvPr id="88" name="PlaceHolder 1"/>
-          <p:cNvSpPr>
-            <a:spLocks noGrp="1"/>
-          </p:cNvSpPr>
-          <p:nvPr>
-            <p:ph type="subTitle"/>
-          </p:nvPr>
-        </p:nvSpPr>
-        <p:spPr>
-          <a:xfrm>
-            <a:off x="609480" y="273600"/>
-            <a:ext cx="10972440" cy="5307840"/>
-          </a:xfrm>
-          <a:prstGeom prst="rect">
-            <a:avLst/>
-          </a:prstGeom>
-        </p:spPr>
-        <p:txBody>
-          <a:bodyPr lIns="0" rIns="0" tIns="0" bIns="0" anchor="ctr"/>
-          <a:p>
-            <a:pPr algn="ctr"/>
-            <a:endParaRPr b="0" lang="en-US" sz="3200" spc="-1" strike="noStrike">
-              <a:latin typeface="Arial"/>
-            </a:endParaRPr>
-          </a:p>
-        </p:txBody>
-      </p:sp>
-    </p:spTree>
-  </p:cSld>
-</p:sldLayout>
-</file>
-
-<file path=ppt/slideLayouts/slideLayout31.xml><?xml version="1.0" encoding="utf-8"?>
-<p:sldLayout xmlns:a="http://schemas.openxmlformats.org/drawingml/2006/main" xmlns:p="http://schemas.openxmlformats.org/presentationml/2006/main" xmlns:r="http://schemas.openxmlformats.org/officeDocument/2006/relationships" xmlns:p14="http://schemas.microsoft.com/office/powerpoint/2010/main" xmlns:p15="http://schemas.microsoft.com/office/powerpoint/2012/main" xmlns:mc="http://schemas.openxmlformats.org/markup-compatibility/2006" type="twoObjAndObj" preserve="1">
-  <p:cSld name="Title, 2 Content and Content">
-    <p:spTree>
-      <p:nvGrpSpPr>
-        <p:cNvPr id="1" name=""/>
-        <p:cNvGrpSpPr/>
-        <p:nvPr/>
-      </p:nvGrpSpPr>
-      <p:grpSpPr>
-        <a:xfrm>
-          <a:off x="0" y="0"/>
-          <a:ext cx="0" cy="0"/>
-          <a:chOff x="0" y="0"/>
-          <a:chExt cx="0" cy="0"/>
-        </a:xfrm>
-      </p:grpSpPr>
-      <p:sp>
-        <p:nvSpPr>
-          <p:cNvPr id="89" name="PlaceHolder 1"/>
-          <p:cNvSpPr>
-            <a:spLocks noGrp="1"/>
-          </p:cNvSpPr>
-          <p:nvPr>
-            <p:ph type="title"/>
-          </p:nvPr>
-        </p:nvSpPr>
-        <p:spPr>
-          <a:xfrm>
-            <a:off x="609480" y="273600"/>
-            <a:ext cx="10972440" cy="1144800"/>
-          </a:xfrm>
-          <a:prstGeom prst="rect">
-            <a:avLst/>
-          </a:prstGeom>
-        </p:spPr>
-        <p:txBody>
-          <a:bodyPr lIns="0" rIns="0" tIns="0" bIns="0" anchor="ctr"/>
-          <a:p>
-            <a:pPr algn="ctr"/>
-            <a:endParaRPr b="0" lang="en-US" sz="4400" spc="-1" strike="noStrike">
-              <a:latin typeface="Arial"/>
-            </a:endParaRPr>
-          </a:p>
-        </p:txBody>
-      </p:sp>
-      <p:sp>
-        <p:nvSpPr>
-          <p:cNvPr id="90" name="PlaceHolder 2"/>
-          <p:cNvSpPr>
-            <a:spLocks noGrp="1"/>
-          </p:cNvSpPr>
-          <p:nvPr>
-            <p:ph type="body"/>
-          </p:nvPr>
-        </p:nvSpPr>
-        <p:spPr>
-          <a:xfrm>
-            <a:off x="609480" y="1604520"/>
-            <a:ext cx="5354280" cy="1896840"/>
-          </a:xfrm>
-          <a:prstGeom prst="rect">
-            <a:avLst/>
-          </a:prstGeom>
-        </p:spPr>
-        <p:txBody>
-          <a:bodyPr lIns="0" rIns="0" tIns="0" bIns="0">
-            <a:normAutofit/>
-          </a:bodyPr>
-          <a:p>
-            <a:endParaRPr b="0" lang="en-US" sz="3200" spc="-1" strike="noStrike">
-              <a:latin typeface="Arial"/>
-            </a:endParaRPr>
-          </a:p>
-        </p:txBody>
-      </p:sp>
-      <p:sp>
-        <p:nvSpPr>
-          <p:cNvPr id="91" name="PlaceHolder 3"/>
-          <p:cNvSpPr>
-            <a:spLocks noGrp="1"/>
-          </p:cNvSpPr>
-          <p:nvPr>
-            <p:ph type="body"/>
-          </p:nvPr>
-        </p:nvSpPr>
-        <p:spPr>
-          <a:xfrm>
-            <a:off x="6231960" y="1604520"/>
-            <a:ext cx="5354280" cy="3977280"/>
-          </a:xfrm>
-          <a:prstGeom prst="rect">
-            <a:avLst/>
-          </a:prstGeom>
-        </p:spPr>
-        <p:txBody>
-          <a:bodyPr lIns="0" rIns="0" tIns="0" bIns="0">
-            <a:normAutofit/>
-          </a:bodyPr>
-          <a:p>
-            <a:endParaRPr b="0" lang="en-US" sz="3200" spc="-1" strike="noStrike">
-              <a:latin typeface="Arial"/>
-            </a:endParaRPr>
-          </a:p>
-        </p:txBody>
-      </p:sp>
-      <p:sp>
-        <p:nvSpPr>
-          <p:cNvPr id="92" name="PlaceHolder 4"/>
-          <p:cNvSpPr>
-            <a:spLocks noGrp="1"/>
-          </p:cNvSpPr>
-          <p:nvPr>
-            <p:ph type="body"/>
-          </p:nvPr>
-        </p:nvSpPr>
-        <p:spPr>
-          <a:xfrm>
-            <a:off x="609480" y="3682080"/>
-            <a:ext cx="5354280" cy="1896840"/>
-          </a:xfrm>
-          <a:prstGeom prst="rect">
-            <a:avLst/>
-          </a:prstGeom>
-        </p:spPr>
-        <p:txBody>
-          <a:bodyPr lIns="0" rIns="0" tIns="0" bIns="0">
-            <a:normAutofit/>
-          </a:bodyPr>
-          <a:p>
-            <a:endParaRPr b="0" lang="en-US" sz="3200" spc="-1" strike="noStrike">
-              <a:latin typeface="Arial"/>
-            </a:endParaRPr>
-          </a:p>
-        </p:txBody>
-      </p:sp>
-    </p:spTree>
-  </p:cSld>
-</p:sldLayout>
-</file>
-
-<file path=ppt/slideLayouts/slideLayout32.xml><?xml version="1.0" encoding="utf-8"?>
-<p:sldLayout xmlns:a="http://schemas.openxmlformats.org/drawingml/2006/main" xmlns:p="http://schemas.openxmlformats.org/presentationml/2006/main" xmlns:r="http://schemas.openxmlformats.org/officeDocument/2006/relationships" xmlns:p14="http://schemas.microsoft.com/office/powerpoint/2010/main" xmlns:p15="http://schemas.microsoft.com/office/powerpoint/2012/main" xmlns:mc="http://schemas.openxmlformats.org/markup-compatibility/2006" type="objAndTwoObj" preserve="1">
-  <p:cSld name="Title Content and 2 Content">
-    <p:spTree>
-      <p:nvGrpSpPr>
-        <p:cNvPr id="1" name=""/>
-        <p:cNvGrpSpPr/>
-        <p:nvPr/>
-      </p:nvGrpSpPr>
-      <p:grpSpPr>
-        <a:xfrm>
-          <a:off x="0" y="0"/>
-          <a:ext cx="0" cy="0"/>
-          <a:chOff x="0" y="0"/>
-          <a:chExt cx="0" cy="0"/>
-        </a:xfrm>
-      </p:grpSpPr>
-      <p:sp>
-        <p:nvSpPr>
-          <p:cNvPr id="93" name="PlaceHolder 1"/>
-          <p:cNvSpPr>
-            <a:spLocks noGrp="1"/>
-          </p:cNvSpPr>
-          <p:nvPr>
-            <p:ph type="title"/>
-          </p:nvPr>
-        </p:nvSpPr>
-        <p:spPr>
-          <a:xfrm>
-            <a:off x="609480" y="273600"/>
-            <a:ext cx="10972440" cy="1144800"/>
-          </a:xfrm>
-          <a:prstGeom prst="rect">
-            <a:avLst/>
-          </a:prstGeom>
-        </p:spPr>
-        <p:txBody>
-          <a:bodyPr lIns="0" rIns="0" tIns="0" bIns="0" anchor="ctr"/>
-          <a:p>
-            <a:pPr algn="ctr"/>
-            <a:endParaRPr b="0" lang="en-US" sz="4400" spc="-1" strike="noStrike">
-              <a:latin typeface="Arial"/>
-            </a:endParaRPr>
-          </a:p>
-        </p:txBody>
-      </p:sp>
-      <p:sp>
-        <p:nvSpPr>
-          <p:cNvPr id="94" name="PlaceHolder 2"/>
-          <p:cNvSpPr>
-            <a:spLocks noGrp="1"/>
-          </p:cNvSpPr>
-          <p:nvPr>
-            <p:ph type="body"/>
-          </p:nvPr>
-        </p:nvSpPr>
-        <p:spPr>
-          <a:xfrm>
-            <a:off x="609480" y="1604520"/>
-            <a:ext cx="5354280" cy="3977280"/>
-          </a:xfrm>
-          <a:prstGeom prst="rect">
-            <a:avLst/>
-          </a:prstGeom>
-        </p:spPr>
-        <p:txBody>
-          <a:bodyPr lIns="0" rIns="0" tIns="0" bIns="0">
-            <a:normAutofit/>
-          </a:bodyPr>
-          <a:p>
-            <a:endParaRPr b="0" lang="en-US" sz="3200" spc="-1" strike="noStrike">
-              <a:latin typeface="Arial"/>
-            </a:endParaRPr>
-          </a:p>
-        </p:txBody>
-      </p:sp>
-      <p:sp>
-        <p:nvSpPr>
-          <p:cNvPr id="95" name="PlaceHolder 3"/>
-          <p:cNvSpPr>
-            <a:spLocks noGrp="1"/>
-          </p:cNvSpPr>
-          <p:nvPr>
-            <p:ph type="body"/>
-          </p:nvPr>
-        </p:nvSpPr>
-        <p:spPr>
-          <a:xfrm>
-            <a:off x="6231960" y="1604520"/>
-            <a:ext cx="5354280" cy="1896840"/>
-          </a:xfrm>
-          <a:prstGeom prst="rect">
-            <a:avLst/>
-          </a:prstGeom>
-        </p:spPr>
-        <p:txBody>
-          <a:bodyPr lIns="0" rIns="0" tIns="0" bIns="0">
-            <a:normAutofit/>
-          </a:bodyPr>
-          <a:p>
-            <a:endParaRPr b="0" lang="en-US" sz="3200" spc="-1" strike="noStrike">
-              <a:latin typeface="Arial"/>
-            </a:endParaRPr>
-          </a:p>
-        </p:txBody>
-      </p:sp>
-      <p:sp>
-        <p:nvSpPr>
-          <p:cNvPr id="96" name="PlaceHolder 4"/>
-          <p:cNvSpPr>
-            <a:spLocks noGrp="1"/>
-          </p:cNvSpPr>
-          <p:nvPr>
-            <p:ph type="body"/>
-          </p:nvPr>
-        </p:nvSpPr>
-        <p:spPr>
-          <a:xfrm>
-            <a:off x="6231960" y="3682080"/>
-            <a:ext cx="5354280" cy="1896840"/>
-          </a:xfrm>
-          <a:prstGeom prst="rect">
-            <a:avLst/>
-          </a:prstGeom>
-        </p:spPr>
-        <p:txBody>
-          <a:bodyPr lIns="0" rIns="0" tIns="0" bIns="0">
-            <a:normAutofit/>
-          </a:bodyPr>
-          <a:p>
-            <a:endParaRPr b="0" lang="en-US" sz="3200" spc="-1" strike="noStrike">
-              <a:latin typeface="Arial"/>
-            </a:endParaRPr>
-          </a:p>
-        </p:txBody>
-      </p:sp>
-    </p:spTree>
-  </p:cSld>
-</p:sldLayout>
-</file>
-
-<file path=ppt/slideLayouts/slideLayout33.xml><?xml version="1.0" encoding="utf-8"?>
-<p:sldLayout xmlns:a="http://schemas.openxmlformats.org/drawingml/2006/main" xmlns:p="http://schemas.openxmlformats.org/presentationml/2006/main" xmlns:r="http://schemas.openxmlformats.org/officeDocument/2006/relationships" xmlns:p14="http://schemas.microsoft.com/office/powerpoint/2010/main" xmlns:p15="http://schemas.microsoft.com/office/powerpoint/2012/main" xmlns:mc="http://schemas.openxmlformats.org/markup-compatibility/2006" type="twoObjOverTx" preserve="1">
-  <p:cSld name="Title, 2 Content over Content">
-    <p:spTree>
-      <p:nvGrpSpPr>
-        <p:cNvPr id="1" name=""/>
-        <p:cNvGrpSpPr/>
-        <p:nvPr/>
-      </p:nvGrpSpPr>
-      <p:grpSpPr>
-        <a:xfrm>
-          <a:off x="0" y="0"/>
-          <a:ext cx="0" cy="0"/>
-          <a:chOff x="0" y="0"/>
-          <a:chExt cx="0" cy="0"/>
-        </a:xfrm>
-      </p:grpSpPr>
-      <p:sp>
-        <p:nvSpPr>
-          <p:cNvPr id="97" name="PlaceHolder 1"/>
-          <p:cNvSpPr>
-            <a:spLocks noGrp="1"/>
-          </p:cNvSpPr>
-          <p:nvPr>
-            <p:ph type="title"/>
-          </p:nvPr>
-        </p:nvSpPr>
-        <p:spPr>
-          <a:xfrm>
-            <a:off x="609480" y="273600"/>
-            <a:ext cx="10972440" cy="1144800"/>
-          </a:xfrm>
-          <a:prstGeom prst="rect">
-            <a:avLst/>
-          </a:prstGeom>
-        </p:spPr>
-        <p:txBody>
-          <a:bodyPr lIns="0" rIns="0" tIns="0" bIns="0" anchor="ctr"/>
-          <a:p>
-            <a:pPr algn="ctr"/>
-            <a:endParaRPr b="0" lang="en-US" sz="4400" spc="-1" strike="noStrike">
-              <a:latin typeface="Arial"/>
-            </a:endParaRPr>
-          </a:p>
-        </p:txBody>
-      </p:sp>
-      <p:sp>
-        <p:nvSpPr>
-          <p:cNvPr id="98" name="PlaceHolder 2"/>
-          <p:cNvSpPr>
-            <a:spLocks noGrp="1"/>
-          </p:cNvSpPr>
-          <p:nvPr>
-            <p:ph type="body"/>
-          </p:nvPr>
-        </p:nvSpPr>
-        <p:spPr>
-          <a:xfrm>
-            <a:off x="609480" y="1604520"/>
-            <a:ext cx="5354280" cy="1896840"/>
-          </a:xfrm>
-          <a:prstGeom prst="rect">
-            <a:avLst/>
-          </a:prstGeom>
-        </p:spPr>
-        <p:txBody>
-          <a:bodyPr lIns="0" rIns="0" tIns="0" bIns="0">
-            <a:normAutofit/>
-          </a:bodyPr>
-          <a:p>
-            <a:endParaRPr b="0" lang="en-US" sz="3200" spc="-1" strike="noStrike">
-              <a:latin typeface="Arial"/>
-            </a:endParaRPr>
-          </a:p>
-        </p:txBody>
-      </p:sp>
-      <p:sp>
-        <p:nvSpPr>
-          <p:cNvPr id="99" name="PlaceHolder 3"/>
-          <p:cNvSpPr>
-            <a:spLocks noGrp="1"/>
-          </p:cNvSpPr>
-          <p:nvPr>
-            <p:ph type="body"/>
-          </p:nvPr>
-        </p:nvSpPr>
-        <p:spPr>
-          <a:xfrm>
-            <a:off x="6231960" y="1604520"/>
-            <a:ext cx="5354280" cy="1896840"/>
-          </a:xfrm>
-          <a:prstGeom prst="rect">
-            <a:avLst/>
-          </a:prstGeom>
-        </p:spPr>
-        <p:txBody>
-          <a:bodyPr lIns="0" rIns="0" tIns="0" bIns="0">
-            <a:normAutofit/>
-          </a:bodyPr>
-          <a:p>
-            <a:endParaRPr b="0" lang="en-US" sz="3200" spc="-1" strike="noStrike">
-              <a:latin typeface="Arial"/>
-            </a:endParaRPr>
-          </a:p>
-        </p:txBody>
-      </p:sp>
-      <p:sp>
-        <p:nvSpPr>
-          <p:cNvPr id="100" name="PlaceHolder 4"/>
-          <p:cNvSpPr>
-            <a:spLocks noGrp="1"/>
-          </p:cNvSpPr>
-          <p:nvPr>
-            <p:ph type="body"/>
-          </p:nvPr>
-        </p:nvSpPr>
-        <p:spPr>
-          <a:xfrm>
-            <a:off x="609480" y="3682080"/>
-            <a:ext cx="10972440" cy="1896840"/>
-          </a:xfrm>
-          <a:prstGeom prst="rect">
-            <a:avLst/>
-          </a:prstGeom>
-        </p:spPr>
-        <p:txBody>
-          <a:bodyPr lIns="0" rIns="0" tIns="0" bIns="0">
-            <a:normAutofit/>
-          </a:bodyPr>
-          <a:p>
-            <a:endParaRPr b="0" lang="en-US" sz="3200" spc="-1" strike="noStrike">
-              <a:latin typeface="Arial"/>
-            </a:endParaRPr>
-          </a:p>
-        </p:txBody>
-      </p:sp>
-    </p:spTree>
-  </p:cSld>
-</p:sldLayout>
-</file>
-
-<file path=ppt/slideLayouts/slideLayout34.xml><?xml version="1.0" encoding="utf-8"?>
-<p:sldLayout xmlns:a="http://schemas.openxmlformats.org/drawingml/2006/main" xmlns:p="http://schemas.openxmlformats.org/presentationml/2006/main" xmlns:r="http://schemas.openxmlformats.org/officeDocument/2006/relationships" xmlns:p14="http://schemas.microsoft.com/office/powerpoint/2010/main" xmlns:p15="http://schemas.microsoft.com/office/powerpoint/2012/main" xmlns:mc="http://schemas.openxmlformats.org/markup-compatibility/2006" type="objOverTx" preserve="1">
-  <p:cSld name="Title, Content over Content">
-    <p:spTree>
-      <p:nvGrpSpPr>
-        <p:cNvPr id="1" name=""/>
-        <p:cNvGrpSpPr/>
-        <p:nvPr/>
-      </p:nvGrpSpPr>
-      <p:grpSpPr>
-        <a:xfrm>
-          <a:off x="0" y="0"/>
-          <a:ext cx="0" cy="0"/>
-          <a:chOff x="0" y="0"/>
-          <a:chExt cx="0" cy="0"/>
-        </a:xfrm>
-      </p:grpSpPr>
-      <p:sp>
-        <p:nvSpPr>
-          <p:cNvPr id="101" name="PlaceHolder 1"/>
-          <p:cNvSpPr>
-            <a:spLocks noGrp="1"/>
-          </p:cNvSpPr>
-          <p:nvPr>
-            <p:ph type="title"/>
-          </p:nvPr>
-        </p:nvSpPr>
-        <p:spPr>
-          <a:xfrm>
-            <a:off x="609480" y="273600"/>
-            <a:ext cx="10972440" cy="1144800"/>
-          </a:xfrm>
-          <a:prstGeom prst="rect">
-            <a:avLst/>
-          </a:prstGeom>
-        </p:spPr>
-        <p:txBody>
-          <a:bodyPr lIns="0" rIns="0" tIns="0" bIns="0" anchor="ctr"/>
-          <a:p>
-            <a:pPr algn="ctr"/>
-            <a:endParaRPr b="0" lang="en-US" sz="4400" spc="-1" strike="noStrike">
-              <a:latin typeface="Arial"/>
-            </a:endParaRPr>
-          </a:p>
-        </p:txBody>
-      </p:sp>
-      <p:sp>
-        <p:nvSpPr>
-          <p:cNvPr id="102" name="PlaceHolder 2"/>
-          <p:cNvSpPr>
-            <a:spLocks noGrp="1"/>
-          </p:cNvSpPr>
-          <p:nvPr>
-            <p:ph type="body"/>
-          </p:nvPr>
-        </p:nvSpPr>
-        <p:spPr>
-          <a:xfrm>
-            <a:off x="609480" y="1604520"/>
-            <a:ext cx="10972440" cy="1896840"/>
-          </a:xfrm>
-          <a:prstGeom prst="rect">
-            <a:avLst/>
-          </a:prstGeom>
-        </p:spPr>
-        <p:txBody>
-          <a:bodyPr lIns="0" rIns="0" tIns="0" bIns="0">
-            <a:normAutofit/>
-          </a:bodyPr>
-          <a:p>
-            <a:endParaRPr b="0" lang="en-US" sz="3200" spc="-1" strike="noStrike">
-              <a:latin typeface="Arial"/>
-            </a:endParaRPr>
-          </a:p>
-        </p:txBody>
-      </p:sp>
-      <p:sp>
-        <p:nvSpPr>
-          <p:cNvPr id="103" name="PlaceHolder 3"/>
-          <p:cNvSpPr>
-            <a:spLocks noGrp="1"/>
-          </p:cNvSpPr>
-          <p:nvPr>
-            <p:ph type="body"/>
-          </p:nvPr>
-        </p:nvSpPr>
-        <p:spPr>
-          <a:xfrm>
-            <a:off x="609480" y="3682080"/>
-            <a:ext cx="10972440" cy="1896840"/>
-          </a:xfrm>
-          <a:prstGeom prst="rect">
-            <a:avLst/>
-          </a:prstGeom>
-        </p:spPr>
-        <p:txBody>
-          <a:bodyPr lIns="0" rIns="0" tIns="0" bIns="0">
-            <a:normAutofit/>
-          </a:bodyPr>
-          <a:p>
-            <a:endParaRPr b="0" lang="en-US" sz="3200" spc="-1" strike="noStrike">
-              <a:latin typeface="Arial"/>
-            </a:endParaRPr>
-          </a:p>
-        </p:txBody>
-      </p:sp>
-    </p:spTree>
-  </p:cSld>
-</p:sldLayout>
-</file>
-
-<file path=ppt/slideLayouts/slideLayout35.xml><?xml version="1.0" encoding="utf-8"?>
-<p:sldLayout xmlns:a="http://schemas.openxmlformats.org/drawingml/2006/main" xmlns:p="http://schemas.openxmlformats.org/presentationml/2006/main" xmlns:r="http://schemas.openxmlformats.org/officeDocument/2006/relationships" xmlns:p14="http://schemas.microsoft.com/office/powerpoint/2010/main" xmlns:p15="http://schemas.microsoft.com/office/powerpoint/2012/main" xmlns:mc="http://schemas.openxmlformats.org/markup-compatibility/2006" type="fourObj" preserve="1">
-  <p:cSld name="Title, 4 Content">
-    <p:spTree>
-      <p:nvGrpSpPr>
-        <p:cNvPr id="1" name=""/>
-        <p:cNvGrpSpPr/>
-        <p:nvPr/>
-      </p:nvGrpSpPr>
-      <p:grpSpPr>
-        <a:xfrm>
-          <a:off x="0" y="0"/>
-          <a:ext cx="0" cy="0"/>
-          <a:chOff x="0" y="0"/>
-          <a:chExt cx="0" cy="0"/>
-        </a:xfrm>
-      </p:grpSpPr>
-      <p:sp>
-        <p:nvSpPr>
-          <p:cNvPr id="104" name="PlaceHolder 1"/>
-          <p:cNvSpPr>
-            <a:spLocks noGrp="1"/>
-          </p:cNvSpPr>
-          <p:nvPr>
-            <p:ph type="title"/>
-          </p:nvPr>
-        </p:nvSpPr>
-        <p:spPr>
-          <a:xfrm>
-            <a:off x="609480" y="273600"/>
-            <a:ext cx="10972440" cy="1144800"/>
-          </a:xfrm>
-          <a:prstGeom prst="rect">
-            <a:avLst/>
-          </a:prstGeom>
-        </p:spPr>
-        <p:txBody>
-          <a:bodyPr lIns="0" rIns="0" tIns="0" bIns="0" anchor="ctr"/>
-          <a:p>
-            <a:pPr algn="ctr"/>
-            <a:endParaRPr b="0" lang="en-US" sz="4400" spc="-1" strike="noStrike">
-              <a:latin typeface="Arial"/>
-            </a:endParaRPr>
-          </a:p>
-        </p:txBody>
-      </p:sp>
-      <p:sp>
-        <p:nvSpPr>
-          <p:cNvPr id="105" name="PlaceHolder 2"/>
-          <p:cNvSpPr>
-            <a:spLocks noGrp="1"/>
-          </p:cNvSpPr>
-          <p:nvPr>
-            <p:ph type="body"/>
-          </p:nvPr>
-        </p:nvSpPr>
-        <p:spPr>
-          <a:xfrm>
-            <a:off x="609480" y="1604520"/>
-            <a:ext cx="5354280" cy="1896840"/>
-          </a:xfrm>
-          <a:prstGeom prst="rect">
-            <a:avLst/>
-          </a:prstGeom>
-        </p:spPr>
-        <p:txBody>
-          <a:bodyPr lIns="0" rIns="0" tIns="0" bIns="0">
-            <a:normAutofit/>
-          </a:bodyPr>
-          <a:p>
-            <a:endParaRPr b="0" lang="en-US" sz="3200" spc="-1" strike="noStrike">
-              <a:latin typeface="Arial"/>
-            </a:endParaRPr>
-          </a:p>
-        </p:txBody>
-      </p:sp>
-      <p:sp>
-        <p:nvSpPr>
-          <p:cNvPr id="106" name="PlaceHolder 3"/>
-          <p:cNvSpPr>
-            <a:spLocks noGrp="1"/>
-          </p:cNvSpPr>
-          <p:nvPr>
-            <p:ph type="body"/>
-          </p:nvPr>
-        </p:nvSpPr>
-        <p:spPr>
-          <a:xfrm>
-            <a:off x="6231960" y="1604520"/>
-            <a:ext cx="5354280" cy="1896840"/>
-          </a:xfrm>
-          <a:prstGeom prst="rect">
-            <a:avLst/>
-          </a:prstGeom>
-        </p:spPr>
-        <p:txBody>
-          <a:bodyPr lIns="0" rIns="0" tIns="0" bIns="0">
-            <a:normAutofit/>
-          </a:bodyPr>
-          <a:p>
-            <a:endParaRPr b="0" lang="en-US" sz="3200" spc="-1" strike="noStrike">
-              <a:latin typeface="Arial"/>
-            </a:endParaRPr>
-          </a:p>
-        </p:txBody>
-      </p:sp>
-      <p:sp>
-        <p:nvSpPr>
-          <p:cNvPr id="107" name="PlaceHolder 4"/>
-          <p:cNvSpPr>
-            <a:spLocks noGrp="1"/>
-          </p:cNvSpPr>
-          <p:nvPr>
-            <p:ph type="body"/>
-          </p:nvPr>
-        </p:nvSpPr>
-        <p:spPr>
-          <a:xfrm>
-            <a:off x="609480" y="3682080"/>
-            <a:ext cx="5354280" cy="1896840"/>
-          </a:xfrm>
-          <a:prstGeom prst="rect">
-            <a:avLst/>
-          </a:prstGeom>
-        </p:spPr>
-        <p:txBody>
-          <a:bodyPr lIns="0" rIns="0" tIns="0" bIns="0">
-            <a:normAutofit/>
-          </a:bodyPr>
-          <a:p>
-            <a:endParaRPr b="0" lang="en-US" sz="3200" spc="-1" strike="noStrike">
-              <a:latin typeface="Arial"/>
-            </a:endParaRPr>
-          </a:p>
-        </p:txBody>
-      </p:sp>
-      <p:sp>
-        <p:nvSpPr>
-          <p:cNvPr id="108" name="PlaceHolder 5"/>
-          <p:cNvSpPr>
-            <a:spLocks noGrp="1"/>
-          </p:cNvSpPr>
-          <p:nvPr>
-            <p:ph type="body"/>
-          </p:nvPr>
-        </p:nvSpPr>
-        <p:spPr>
-          <a:xfrm>
-            <a:off x="6231960" y="3682080"/>
-            <a:ext cx="5354280" cy="1896840"/>
-          </a:xfrm>
-          <a:prstGeom prst="rect">
-            <a:avLst/>
-          </a:prstGeom>
-        </p:spPr>
-        <p:txBody>
-          <a:bodyPr lIns="0" rIns="0" tIns="0" bIns="0">
-            <a:normAutofit/>
-          </a:bodyPr>
-          <a:p>
-            <a:endParaRPr b="0" lang="en-US" sz="3200" spc="-1" strike="noStrike">
-              <a:latin typeface="Arial"/>
-            </a:endParaRPr>
-          </a:p>
-        </p:txBody>
-      </p:sp>
-    </p:spTree>
-  </p:cSld>
-</p:sldLayout>
-</file>
-
-<file path=ppt/slideLayouts/slideLayout36.xml><?xml version="1.0" encoding="utf-8"?>
-<p:sldLayout xmlns:a="http://schemas.openxmlformats.org/drawingml/2006/main" xmlns:p="http://schemas.openxmlformats.org/presentationml/2006/main" xmlns:r="http://schemas.openxmlformats.org/officeDocument/2006/relationships" xmlns:p14="http://schemas.microsoft.com/office/powerpoint/2010/main" xmlns:p15="http://schemas.microsoft.com/office/powerpoint/2012/main" xmlns:mc="http://schemas.openxmlformats.org/markup-compatibility/2006" type="blank" preserve="1">
-  <p:cSld name="Title, 6 Content">
-    <p:spTree>
-      <p:nvGrpSpPr>
-        <p:cNvPr id="1" name=""/>
-        <p:cNvGrpSpPr/>
-        <p:nvPr/>
-      </p:nvGrpSpPr>
-      <p:grpSpPr>
-        <a:xfrm>
-          <a:off x="0" y="0"/>
-          <a:ext cx="0" cy="0"/>
-          <a:chOff x="0" y="0"/>
-          <a:chExt cx="0" cy="0"/>
-        </a:xfrm>
-      </p:grpSpPr>
-      <p:sp>
-        <p:nvSpPr>
-          <p:cNvPr id="109" name="PlaceHolder 1"/>
-          <p:cNvSpPr>
-            <a:spLocks noGrp="1"/>
-          </p:cNvSpPr>
-          <p:nvPr>
-            <p:ph type="title"/>
-          </p:nvPr>
-        </p:nvSpPr>
-        <p:spPr>
-          <a:xfrm>
-            <a:off x="609480" y="273600"/>
-            <a:ext cx="10972440" cy="1144800"/>
-          </a:xfrm>
-          <a:prstGeom prst="rect">
-            <a:avLst/>
-          </a:prstGeom>
-        </p:spPr>
-        <p:txBody>
-          <a:bodyPr lIns="0" rIns="0" tIns="0" bIns="0" anchor="ctr"/>
-          <a:p>
-            <a:pPr algn="ctr"/>
-            <a:endParaRPr b="0" lang="en-US" sz="4400" spc="-1" strike="noStrike">
-              <a:latin typeface="Arial"/>
-            </a:endParaRPr>
-          </a:p>
-        </p:txBody>
-      </p:sp>
-      <p:sp>
-        <p:nvSpPr>
-          <p:cNvPr id="110" name="PlaceHolder 2"/>
-          <p:cNvSpPr>
-            <a:spLocks noGrp="1"/>
-          </p:cNvSpPr>
-          <p:nvPr>
-            <p:ph type="body"/>
-          </p:nvPr>
-        </p:nvSpPr>
-        <p:spPr>
-          <a:xfrm>
-            <a:off x="609480" y="1604520"/>
-            <a:ext cx="3533040" cy="1896840"/>
-          </a:xfrm>
-          <a:prstGeom prst="rect">
-            <a:avLst/>
-          </a:prstGeom>
-        </p:spPr>
-        <p:txBody>
-          <a:bodyPr lIns="0" rIns="0" tIns="0" bIns="0">
-            <a:normAutofit/>
-          </a:bodyPr>
-          <a:p>
-            <a:endParaRPr b="0" lang="en-US" sz="3200" spc="-1" strike="noStrike">
-              <a:latin typeface="Arial"/>
-            </a:endParaRPr>
-          </a:p>
-        </p:txBody>
-      </p:sp>
-      <p:sp>
-        <p:nvSpPr>
-          <p:cNvPr id="111" name="PlaceHolder 3"/>
-          <p:cNvSpPr>
-            <a:spLocks noGrp="1"/>
-          </p:cNvSpPr>
-          <p:nvPr>
-            <p:ph type="body"/>
-          </p:nvPr>
-        </p:nvSpPr>
-        <p:spPr>
-          <a:xfrm>
-            <a:off x="4319640" y="1604520"/>
-            <a:ext cx="3533040" cy="1896840"/>
-          </a:xfrm>
-          <a:prstGeom prst="rect">
-            <a:avLst/>
-          </a:prstGeom>
-        </p:spPr>
-        <p:txBody>
-          <a:bodyPr lIns="0" rIns="0" tIns="0" bIns="0">
-            <a:normAutofit/>
-          </a:bodyPr>
-          <a:p>
-            <a:endParaRPr b="0" lang="en-US" sz="3200" spc="-1" strike="noStrike">
-              <a:latin typeface="Arial"/>
-            </a:endParaRPr>
-          </a:p>
-        </p:txBody>
-      </p:sp>
-      <p:sp>
-        <p:nvSpPr>
-          <p:cNvPr id="112" name="PlaceHolder 4"/>
-          <p:cNvSpPr>
-            <a:spLocks noGrp="1"/>
-          </p:cNvSpPr>
-          <p:nvPr>
-            <p:ph type="body"/>
-          </p:nvPr>
-        </p:nvSpPr>
-        <p:spPr>
-          <a:xfrm>
-            <a:off x="8029800" y="1604520"/>
-            <a:ext cx="3533040" cy="1896840"/>
-          </a:xfrm>
-          <a:prstGeom prst="rect">
-            <a:avLst/>
-          </a:prstGeom>
-        </p:spPr>
-        <p:txBody>
-          <a:bodyPr lIns="0" rIns="0" tIns="0" bIns="0">
-            <a:normAutofit/>
-          </a:bodyPr>
-          <a:p>
-            <a:endParaRPr b="0" lang="en-US" sz="3200" spc="-1" strike="noStrike">
-              <a:latin typeface="Arial"/>
-            </a:endParaRPr>
-          </a:p>
-        </p:txBody>
-      </p:sp>
-      <p:sp>
-        <p:nvSpPr>
-          <p:cNvPr id="113" name="PlaceHolder 5"/>
-          <p:cNvSpPr>
-            <a:spLocks noGrp="1"/>
-          </p:cNvSpPr>
-          <p:nvPr>
-            <p:ph type="body"/>
-          </p:nvPr>
-        </p:nvSpPr>
-        <p:spPr>
-          <a:xfrm>
-            <a:off x="609480" y="3682080"/>
-            <a:ext cx="3533040" cy="1896840"/>
-          </a:xfrm>
-          <a:prstGeom prst="rect">
-            <a:avLst/>
-          </a:prstGeom>
-        </p:spPr>
-        <p:txBody>
-          <a:bodyPr lIns="0" rIns="0" tIns="0" bIns="0">
-            <a:normAutofit/>
-          </a:bodyPr>
-          <a:p>
-            <a:endParaRPr b="0" lang="en-US" sz="3200" spc="-1" strike="noStrike">
-              <a:latin typeface="Arial"/>
-            </a:endParaRPr>
-          </a:p>
-        </p:txBody>
-      </p:sp>
-      <p:sp>
-        <p:nvSpPr>
-          <p:cNvPr id="114" name="PlaceHolder 6"/>
-          <p:cNvSpPr>
-            <a:spLocks noGrp="1"/>
-          </p:cNvSpPr>
-          <p:nvPr>
-            <p:ph type="body"/>
-          </p:nvPr>
-        </p:nvSpPr>
-        <p:spPr>
-          <a:xfrm>
-            <a:off x="4319640" y="3682080"/>
-            <a:ext cx="3533040" cy="1896840"/>
-          </a:xfrm>
-          <a:prstGeom prst="rect">
-            <a:avLst/>
-          </a:prstGeom>
-        </p:spPr>
-        <p:txBody>
-          <a:bodyPr lIns="0" rIns="0" tIns="0" bIns="0">
-            <a:normAutofit/>
-          </a:bodyPr>
-          <a:p>
-            <a:endParaRPr b="0" lang="en-US" sz="3200" spc="-1" strike="noStrike">
-              <a:latin typeface="Arial"/>
-            </a:endParaRPr>
-          </a:p>
-        </p:txBody>
-      </p:sp>
-      <p:sp>
-        <p:nvSpPr>
-          <p:cNvPr id="115" name="PlaceHolder 7"/>
-          <p:cNvSpPr>
-            <a:spLocks noGrp="1"/>
-          </p:cNvSpPr>
-          <p:nvPr>
-            <p:ph type="body"/>
-          </p:nvPr>
-        </p:nvSpPr>
-        <p:spPr>
-          <a:xfrm>
-            <a:off x="8029800" y="3682080"/>
-            <a:ext cx="3533040" cy="1896840"/>
           </a:xfrm>
           <a:prstGeom prst="rect">
             <a:avLst/>
@@ -5413,7 +3886,7 @@
         <p:spPr>
           <a:xfrm>
             <a:off x="360" y="-3240"/>
-            <a:ext cx="12190680" cy="5202360"/>
+            <a:ext cx="12190320" cy="5202000"/>
           </a:xfrm>
           <a:custGeom>
             <a:avLst/>
@@ -5522,7 +3995,97 @@
               <a:rPr b="0" lang="en-US" sz="4400" spc="-1" strike="noStrike">
                 <a:latin typeface="Arial"/>
               </a:rPr>
-              <a:t>Click to edit the title text format</a:t>
+              <a:t>Cl</a:t>
+            </a:r>
+            <a:r>
+              <a:rPr b="0" lang="en-US" sz="4400" spc="-1" strike="noStrike">
+                <a:latin typeface="Arial"/>
+              </a:rPr>
+              <a:t>ic</a:t>
+            </a:r>
+            <a:r>
+              <a:rPr b="0" lang="en-US" sz="4400" spc="-1" strike="noStrike">
+                <a:latin typeface="Arial"/>
+              </a:rPr>
+              <a:t>k </a:t>
+            </a:r>
+            <a:r>
+              <a:rPr b="0" lang="en-US" sz="4400" spc="-1" strike="noStrike">
+                <a:latin typeface="Arial"/>
+              </a:rPr>
+              <a:t>to </a:t>
+            </a:r>
+            <a:r>
+              <a:rPr b="0" lang="en-US" sz="4400" spc="-1" strike="noStrike">
+                <a:latin typeface="Arial"/>
+              </a:rPr>
+              <a:t>ed</a:t>
+            </a:r>
+            <a:r>
+              <a:rPr b="0" lang="en-US" sz="4400" spc="-1" strike="noStrike">
+                <a:latin typeface="Arial"/>
+              </a:rPr>
+              <a:t>it </a:t>
+            </a:r>
+            <a:r>
+              <a:rPr b="0" lang="en-US" sz="4400" spc="-1" strike="noStrike">
+                <a:latin typeface="Arial"/>
+              </a:rPr>
+              <a:t>th</a:t>
+            </a:r>
+            <a:r>
+              <a:rPr b="0" lang="en-US" sz="4400" spc="-1" strike="noStrike">
+                <a:latin typeface="Arial"/>
+              </a:rPr>
+              <a:t>e </a:t>
+            </a:r>
+            <a:r>
+              <a:rPr b="0" lang="en-US" sz="4400" spc="-1" strike="noStrike">
+                <a:latin typeface="Arial"/>
+              </a:rPr>
+              <a:t>titl</a:t>
+            </a:r>
+            <a:r>
+              <a:rPr b="0" lang="en-US" sz="4400" spc="-1" strike="noStrike">
+                <a:latin typeface="Arial"/>
+              </a:rPr>
+              <a:t>e </a:t>
+            </a:r>
+            <a:r>
+              <a:rPr b="0" lang="en-US" sz="4400" spc="-1" strike="noStrike">
+                <a:latin typeface="Arial"/>
+              </a:rPr>
+              <a:t>te</a:t>
+            </a:r>
+            <a:r>
+              <a:rPr b="0" lang="en-US" sz="4400" spc="-1" strike="noStrike">
+                <a:latin typeface="Arial"/>
+              </a:rPr>
+              <a:t>xt </a:t>
+            </a:r>
+            <a:r>
+              <a:rPr b="0" lang="en-US" sz="4400" spc="-1" strike="noStrike">
+                <a:latin typeface="Arial"/>
+              </a:rPr>
+              <a:t>fo</a:t>
+            </a:r>
+            <a:r>
+              <a:rPr b="0" lang="en-US" sz="4400" spc="-1" strike="noStrike">
+                <a:latin typeface="Arial"/>
+              </a:rPr>
+              <a:t>r</a:t>
+            </a:r>
+            <a:r>
+              <a:rPr b="0" lang="en-US" sz="4400" spc="-1" strike="noStrike">
+                <a:latin typeface="Arial"/>
+              </a:rPr>
+              <a:t>m</a:t>
+            </a:r>
+            <a:r>
+              <a:rPr b="0" lang="en-US" sz="4400" spc="-1" strike="noStrike">
+                <a:latin typeface="Arial"/>
+              </a:rPr>
+              <a:t>at</a:t>
             </a:r>
             <a:endParaRPr b="0" lang="en-US" sz="4400" spc="-1" strike="noStrike">
               <a:latin typeface="Arial"/>
@@ -5762,7 +4325,7 @@
         <p:spPr>
           <a:xfrm>
             <a:off x="360" y="0"/>
-            <a:ext cx="12190680" cy="2184480"/>
+            <a:ext cx="12190320" cy="2184120"/>
           </a:xfrm>
           <a:custGeom>
             <a:avLst/>
@@ -5871,7 +4434,85 @@
               <a:rPr b="0" lang="en-US" sz="4400" spc="-1" strike="noStrike">
                 <a:latin typeface="Arial"/>
               </a:rPr>
-              <a:t>Click to edit the title text format</a:t>
+              <a:t>Cli</a:t>
+            </a:r>
+            <a:r>
+              <a:rPr b="0" lang="en-US" sz="4400" spc="-1" strike="noStrike">
+                <a:latin typeface="Arial"/>
+              </a:rPr>
+              <a:t>ck </a:t>
+            </a:r>
+            <a:r>
+              <a:rPr b="0" lang="en-US" sz="4400" spc="-1" strike="noStrike">
+                <a:latin typeface="Arial"/>
+              </a:rPr>
+              <a:t>to </a:t>
+            </a:r>
+            <a:r>
+              <a:rPr b="0" lang="en-US" sz="4400" spc="-1" strike="noStrike">
+                <a:latin typeface="Arial"/>
+              </a:rPr>
+              <a:t>ed</a:t>
+            </a:r>
+            <a:r>
+              <a:rPr b="0" lang="en-US" sz="4400" spc="-1" strike="noStrike">
+                <a:latin typeface="Arial"/>
+              </a:rPr>
+              <a:t>it </a:t>
+            </a:r>
+            <a:r>
+              <a:rPr b="0" lang="en-US" sz="4400" spc="-1" strike="noStrike">
+                <a:latin typeface="Arial"/>
+              </a:rPr>
+              <a:t>th</a:t>
+            </a:r>
+            <a:r>
+              <a:rPr b="0" lang="en-US" sz="4400" spc="-1" strike="noStrike">
+                <a:latin typeface="Arial"/>
+              </a:rPr>
+              <a:t>e </a:t>
+            </a:r>
+            <a:r>
+              <a:rPr b="0" lang="en-US" sz="4400" spc="-1" strike="noStrike">
+                <a:latin typeface="Arial"/>
+              </a:rPr>
+              <a:t>titl</a:t>
+            </a:r>
+            <a:r>
+              <a:rPr b="0" lang="en-US" sz="4400" spc="-1" strike="noStrike">
+                <a:latin typeface="Arial"/>
+              </a:rPr>
+              <a:t>e </a:t>
+            </a:r>
+            <a:r>
+              <a:rPr b="0" lang="en-US" sz="4400" spc="-1" strike="noStrike">
+                <a:latin typeface="Arial"/>
+              </a:rPr>
+              <a:t>te</a:t>
+            </a:r>
+            <a:r>
+              <a:rPr b="0" lang="en-US" sz="4400" spc="-1" strike="noStrike">
+                <a:latin typeface="Arial"/>
+              </a:rPr>
+              <a:t>xt </a:t>
+            </a:r>
+            <a:r>
+              <a:rPr b="0" lang="en-US" sz="4400" spc="-1" strike="noStrike">
+                <a:latin typeface="Arial"/>
+              </a:rPr>
+              <a:t>for</a:t>
+            </a:r>
+            <a:r>
+              <a:rPr b="0" lang="en-US" sz="4400" spc="-1" strike="noStrike">
+                <a:latin typeface="Arial"/>
+              </a:rPr>
+              <a:t>m</a:t>
+            </a:r>
+            <a:r>
+              <a:rPr b="0" lang="en-US" sz="4400" spc="-1" strike="noStrike">
+                <a:latin typeface="Arial"/>
+              </a:rPr>
+              <a:t>at</a:t>
             </a:r>
             <a:endParaRPr b="0" lang="en-US" sz="4400" spc="-1" strike="noStrike">
               <a:latin typeface="Arial"/>
@@ -6074,330 +4715,6 @@
     <p:sldLayoutId id="2147483671" r:id="rId12"/>
     <p:sldLayoutId id="2147483672" r:id="rId13"/>
     <p:sldLayoutId id="2147483673" r:id="rId14"/>
-  </p:sldLayoutIdLst>
-</p:sldMaster>
-</file>
-
-<file path=ppt/slideMasters/slideMaster3.xml><?xml version="1.0" encoding="utf-8"?>
-<p:sldMaster xmlns:a="http://schemas.openxmlformats.org/drawingml/2006/main" xmlns:p="http://schemas.openxmlformats.org/presentationml/2006/main" xmlns:r="http://schemas.openxmlformats.org/officeDocument/2006/relationships" xmlns:p14="http://schemas.microsoft.com/office/powerpoint/2010/main" xmlns:p15="http://schemas.microsoft.com/office/powerpoint/2012/main" xmlns:mc="http://schemas.openxmlformats.org/markup-compatibility/2006">
-  <p:cSld>
-    <p:bg>
-      <p:bgPr>
-        <a:solidFill>
-          <a:srgbClr val="ffffff"/>
-        </a:solidFill>
-      </p:bgPr>
-    </p:bg>
-    <p:spTree>
-      <p:nvGrpSpPr>
-        <p:cNvPr id="1" name=""/>
-        <p:cNvGrpSpPr/>
-        <p:nvPr/>
-      </p:nvGrpSpPr>
-      <p:grpSpPr>
-        <a:xfrm>
-          <a:off x="0" y="0"/>
-          <a:ext cx="0" cy="0"/>
-          <a:chOff x="0" y="0"/>
-          <a:chExt cx="0" cy="0"/>
-        </a:xfrm>
-      </p:grpSpPr>
-      <p:sp>
-        <p:nvSpPr>
-          <p:cNvPr id="78" name="PlaceHolder 1"/>
-          <p:cNvSpPr>
-            <a:spLocks noGrp="1"/>
-          </p:cNvSpPr>
-          <p:nvPr>
-            <p:ph type="title"/>
-          </p:nvPr>
-        </p:nvSpPr>
-        <p:spPr>
-          <a:xfrm>
-            <a:off x="609480" y="273600"/>
-            <a:ext cx="10972440" cy="1144800"/>
-          </a:xfrm>
-          <a:prstGeom prst="rect">
-            <a:avLst/>
-          </a:prstGeom>
-        </p:spPr>
-        <p:txBody>
-          <a:bodyPr lIns="0" rIns="0" tIns="0" bIns="0" anchor="ctr"/>
-          <a:p>
-            <a:pPr algn="ctr"/>
-            <a:r>
-              <a:rPr b="0" lang="en-US" sz="4400" spc="-1" strike="noStrike">
-                <a:latin typeface="Arial"/>
-              </a:rPr>
-              <a:t>Cli</a:t>
-            </a:r>
-            <a:r>
-              <a:rPr b="0" lang="en-US" sz="4400" spc="-1" strike="noStrike">
-                <a:latin typeface="Arial"/>
-              </a:rPr>
-              <a:t>ck </a:t>
-            </a:r>
-            <a:r>
-              <a:rPr b="0" lang="en-US" sz="4400" spc="-1" strike="noStrike">
-                <a:latin typeface="Arial"/>
-              </a:rPr>
-              <a:t>to </a:t>
-            </a:r>
-            <a:r>
-              <a:rPr b="0" lang="en-US" sz="4400" spc="-1" strike="noStrike">
-                <a:latin typeface="Arial"/>
-              </a:rPr>
-              <a:t>edi</a:t>
-            </a:r>
-            <a:r>
-              <a:rPr b="0" lang="en-US" sz="4400" spc="-1" strike="noStrike">
-                <a:latin typeface="Arial"/>
-              </a:rPr>
-              <a:t>t </a:t>
-            </a:r>
-            <a:r>
-              <a:rPr b="0" lang="en-US" sz="4400" spc="-1" strike="noStrike">
-                <a:latin typeface="Arial"/>
-              </a:rPr>
-              <a:t>the </a:t>
-            </a:r>
-            <a:r>
-              <a:rPr b="0" lang="en-US" sz="4400" spc="-1" strike="noStrike">
-                <a:latin typeface="Arial"/>
-              </a:rPr>
-              <a:t>title </a:t>
-            </a:r>
-            <a:r>
-              <a:rPr b="0" lang="en-US" sz="4400" spc="-1" strike="noStrike">
-                <a:latin typeface="Arial"/>
-              </a:rPr>
-              <a:t>tex</a:t>
-            </a:r>
-            <a:r>
-              <a:rPr b="0" lang="en-US" sz="4400" spc="-1" strike="noStrike">
-                <a:latin typeface="Arial"/>
-              </a:rPr>
-              <a:t>t </a:t>
-            </a:r>
-            <a:r>
-              <a:rPr b="0" lang="en-US" sz="4400" spc="-1" strike="noStrike">
-                <a:latin typeface="Arial"/>
-              </a:rPr>
-              <a:t>for</a:t>
-            </a:r>
-            <a:r>
-              <a:rPr b="0" lang="en-US" sz="4400" spc="-1" strike="noStrike">
-                <a:latin typeface="Arial"/>
-              </a:rPr>
-              <a:t>ma</a:t>
-            </a:r>
-            <a:r>
-              <a:rPr b="0" lang="en-US" sz="4400" spc="-1" strike="noStrike">
-                <a:latin typeface="Arial"/>
-              </a:rPr>
-              <a:t>t</a:t>
-            </a:r>
-            <a:endParaRPr b="0" lang="en-US" sz="4400" spc="-1" strike="noStrike">
-              <a:latin typeface="Arial"/>
-            </a:endParaRPr>
-          </a:p>
-        </p:txBody>
-      </p:sp>
-      <p:sp>
-        <p:nvSpPr>
-          <p:cNvPr id="79" name="PlaceHolder 2"/>
-          <p:cNvSpPr>
-            <a:spLocks noGrp="1"/>
-          </p:cNvSpPr>
-          <p:nvPr>
-            <p:ph type="body"/>
-          </p:nvPr>
-        </p:nvSpPr>
-        <p:spPr>
-          <a:xfrm>
-            <a:off x="609480" y="1604520"/>
-            <a:ext cx="10972440" cy="3977280"/>
-          </a:xfrm>
-          <a:prstGeom prst="rect">
-            <a:avLst/>
-          </a:prstGeom>
-        </p:spPr>
-        <p:txBody>
-          <a:bodyPr lIns="0" rIns="0" tIns="0" bIns="0">
-            <a:normAutofit/>
-          </a:bodyPr>
-          <a:p>
-            <a:pPr marL="432000" indent="-324000">
-              <a:spcBef>
-                <a:spcPts val="1417"/>
-              </a:spcBef>
-              <a:buClr>
-                <a:srgbClr val="000000"/>
-              </a:buClr>
-              <a:buSzPct val="45000"/>
-              <a:buFont typeface="Wingdings" charset="2"/>
-              <a:buChar char=""/>
-            </a:pPr>
-            <a:r>
-              <a:rPr b="0" lang="en-US" sz="3200" spc="-1" strike="noStrike">
-                <a:latin typeface="Arial"/>
-              </a:rPr>
-              <a:t>Click to edit the outline text format</a:t>
-            </a:r>
-            <a:endParaRPr b="0" lang="en-US" sz="3200" spc="-1" strike="noStrike">
-              <a:latin typeface="Arial"/>
-            </a:endParaRPr>
-          </a:p>
-          <a:p>
-            <a:pPr lvl="1" marL="864000" indent="-324000">
-              <a:spcBef>
-                <a:spcPts val="1134"/>
-              </a:spcBef>
-              <a:buClr>
-                <a:srgbClr val="000000"/>
-              </a:buClr>
-              <a:buSzPct val="75000"/>
-              <a:buFont typeface="Symbol" charset="2"/>
-              <a:buChar char=""/>
-            </a:pPr>
-            <a:r>
-              <a:rPr b="0" lang="en-US" sz="2800" spc="-1" strike="noStrike">
-                <a:latin typeface="Arial"/>
-              </a:rPr>
-              <a:t>Second Outline Level</a:t>
-            </a:r>
-            <a:endParaRPr b="0" lang="en-US" sz="2800" spc="-1" strike="noStrike">
-              <a:latin typeface="Arial"/>
-            </a:endParaRPr>
-          </a:p>
-          <a:p>
-            <a:pPr lvl="2" marL="1296000" indent="-288000">
-              <a:spcBef>
-                <a:spcPts val="850"/>
-              </a:spcBef>
-              <a:buClr>
-                <a:srgbClr val="000000"/>
-              </a:buClr>
-              <a:buSzPct val="45000"/>
-              <a:buFont typeface="Wingdings" charset="2"/>
-              <a:buChar char=""/>
-            </a:pPr>
-            <a:r>
-              <a:rPr b="0" lang="en-US" sz="2400" spc="-1" strike="noStrike">
-                <a:latin typeface="Arial"/>
-              </a:rPr>
-              <a:t>Third Outline Level</a:t>
-            </a:r>
-            <a:endParaRPr b="0" lang="en-US" sz="2400" spc="-1" strike="noStrike">
-              <a:latin typeface="Arial"/>
-            </a:endParaRPr>
-          </a:p>
-          <a:p>
-            <a:pPr lvl="3" marL="1728000" indent="-216000">
-              <a:spcBef>
-                <a:spcPts val="567"/>
-              </a:spcBef>
-              <a:buClr>
-                <a:srgbClr val="000000"/>
-              </a:buClr>
-              <a:buSzPct val="75000"/>
-              <a:buFont typeface="Symbol" charset="2"/>
-              <a:buChar char=""/>
-            </a:pPr>
-            <a:r>
-              <a:rPr b="0" lang="en-US" sz="2000" spc="-1" strike="noStrike">
-                <a:latin typeface="Arial"/>
-              </a:rPr>
-              <a:t>Fourth Outline Level</a:t>
-            </a:r>
-            <a:endParaRPr b="0" lang="en-US" sz="2000" spc="-1" strike="noStrike">
-              <a:latin typeface="Arial"/>
-            </a:endParaRPr>
-          </a:p>
-          <a:p>
-            <a:pPr lvl="4" marL="2160000" indent="-216000">
-              <a:spcBef>
-                <a:spcPts val="283"/>
-              </a:spcBef>
-              <a:buClr>
-                <a:srgbClr val="000000"/>
-              </a:buClr>
-              <a:buSzPct val="45000"/>
-              <a:buFont typeface="Wingdings" charset="2"/>
-              <a:buChar char=""/>
-            </a:pPr>
-            <a:r>
-              <a:rPr b="0" lang="en-US" sz="2000" spc="-1" strike="noStrike">
-                <a:latin typeface="Arial"/>
-              </a:rPr>
-              <a:t>Fifth Outline Level</a:t>
-            </a:r>
-            <a:endParaRPr b="0" lang="en-US" sz="2000" spc="-1" strike="noStrike">
-              <a:latin typeface="Arial"/>
-            </a:endParaRPr>
-          </a:p>
-          <a:p>
-            <a:pPr lvl="5" marL="2592000" indent="-216000">
-              <a:spcBef>
-                <a:spcPts val="283"/>
-              </a:spcBef>
-              <a:buClr>
-                <a:srgbClr val="000000"/>
-              </a:buClr>
-              <a:buSzPct val="45000"/>
-              <a:buFont typeface="Wingdings" charset="2"/>
-              <a:buChar char=""/>
-            </a:pPr>
-            <a:r>
-              <a:rPr b="0" lang="en-US" sz="2000" spc="-1" strike="noStrike">
-                <a:latin typeface="Arial"/>
-              </a:rPr>
-              <a:t>Sixth Outline Level</a:t>
-            </a:r>
-            <a:endParaRPr b="0" lang="en-US" sz="2000" spc="-1" strike="noStrike">
-              <a:latin typeface="Arial"/>
-            </a:endParaRPr>
-          </a:p>
-          <a:p>
-            <a:pPr lvl="6" marL="3024000" indent="-216000">
-              <a:spcBef>
-                <a:spcPts val="283"/>
-              </a:spcBef>
-              <a:buClr>
-                <a:srgbClr val="000000"/>
-              </a:buClr>
-              <a:buSzPct val="45000"/>
-              <a:buFont typeface="Wingdings" charset="2"/>
-              <a:buChar char=""/>
-            </a:pPr>
-            <a:r>
-              <a:rPr b="0" lang="en-US" sz="2000" spc="-1" strike="noStrike">
-                <a:latin typeface="Arial"/>
-              </a:rPr>
-              <a:t>Seventh Outline Level</a:t>
-            </a:r>
-            <a:endParaRPr b="0" lang="en-US" sz="2000" spc="-1" strike="noStrike">
-              <a:latin typeface="Arial"/>
-            </a:endParaRPr>
-          </a:p>
-        </p:txBody>
-      </p:sp>
-    </p:spTree>
-  </p:cSld>
-  <p:clrMap bg1="lt1" bg2="lt2" tx1="dk1" tx2="dk2" accent1="accent1" accent2="accent2" accent3="accent3" accent4="accent4" accent5="accent5" accent6="accent6" hlink="hlink" folHlink="folHlink"/>
-  <p:sldLayoutIdLst>
-    <p:sldLayoutId id="2147483675" r:id="rId2"/>
-    <p:sldLayoutId id="2147483676" r:id="rId3"/>
-    <p:sldLayoutId id="2147483677" r:id="rId4"/>
-    <p:sldLayoutId id="2147483678" r:id="rId5"/>
-    <p:sldLayoutId id="2147483679" r:id="rId6"/>
-    <p:sldLayoutId id="2147483680" r:id="rId7"/>
-    <p:sldLayoutId id="2147483681" r:id="rId8"/>
-    <p:sldLayoutId id="2147483682" r:id="rId9"/>
-    <p:sldLayoutId id="2147483683" r:id="rId10"/>
-    <p:sldLayoutId id="2147483684" r:id="rId11"/>
-    <p:sldLayoutId id="2147483685" r:id="rId12"/>
-    <p:sldLayoutId id="2147483686" r:id="rId13"/>
   </p:sldLayoutIdLst>
 </p:sldMaster>
 </file>
@@ -6421,14 +4738,14 @@
       </p:grpSpPr>
       <p:sp>
         <p:nvSpPr>
-          <p:cNvPr id="122" name="CustomShape 1"/>
+          <p:cNvPr id="84" name="CustomShape 1"/>
           <p:cNvSpPr/>
           <p:nvPr/>
         </p:nvSpPr>
         <p:spPr>
           <a:xfrm>
             <a:off x="492480" y="1371600"/>
-            <a:ext cx="10570680" cy="2060640"/>
+            <a:ext cx="10570320" cy="2060280"/>
           </a:xfrm>
           <a:prstGeom prst="rect">
             <a:avLst/>
@@ -6470,14 +4787,14 @@
       </p:sp>
       <p:sp>
         <p:nvSpPr>
-          <p:cNvPr id="123" name="CustomShape 2"/>
+          <p:cNvPr id="85" name="CustomShape 2"/>
           <p:cNvSpPr/>
           <p:nvPr/>
         </p:nvSpPr>
         <p:spPr>
           <a:xfrm>
             <a:off x="809640" y="5280840"/>
-            <a:ext cx="10570680" cy="433440"/>
+            <a:ext cx="10570320" cy="433080"/>
           </a:xfrm>
           <a:prstGeom prst="rect">
             <a:avLst/>
@@ -6529,14 +4846,14 @@
       </p:sp>
       <p:sp>
         <p:nvSpPr>
-          <p:cNvPr id="124" name="CustomShape 3"/>
+          <p:cNvPr id="86" name="CustomShape 3"/>
           <p:cNvSpPr/>
           <p:nvPr/>
         </p:nvSpPr>
         <p:spPr>
           <a:xfrm>
             <a:off x="6127200" y="5577840"/>
-            <a:ext cx="5394240" cy="351720"/>
+            <a:ext cx="5393880" cy="351360"/>
           </a:xfrm>
           <a:prstGeom prst="rect">
             <a:avLst/>
@@ -6570,15 +4887,15 @@
               </a:rPr>
               <a:t>Biyalou-Sama Asbathou</a:t>
             </a:r>
-            <a:endParaRPr b="1" lang="en-US" sz="2400" spc="-1" strike="noStrike">
-              <a:latin typeface="Cambria"/>
+            <a:endParaRPr b="0" lang="en-US" sz="2400" spc="-1" strike="noStrike">
+              <a:latin typeface="Arial"/>
             </a:endParaRPr>
           </a:p>
         </p:txBody>
       </p:sp>
       <p:pic>
         <p:nvPicPr>
-          <p:cNvPr id="125" name="" descr=""/>
+          <p:cNvPr id="87" name="" descr=""/>
           <p:cNvPicPr/>
           <p:nvPr/>
         </p:nvPicPr>
@@ -6589,7 +4906,7 @@
         <p:spPr>
           <a:xfrm>
             <a:off x="457200" y="5394960"/>
-            <a:ext cx="1737360" cy="822960"/>
+            <a:ext cx="1737000" cy="822600"/>
           </a:xfrm>
           <a:prstGeom prst="rect">
             <a:avLst/>
@@ -6601,7 +4918,7 @@
       </p:pic>
       <p:pic>
         <p:nvPicPr>
-          <p:cNvPr id="126" name="" descr=""/>
+          <p:cNvPr id="88" name="" descr=""/>
           <p:cNvPicPr/>
           <p:nvPr/>
         </p:nvPicPr>
@@ -6612,7 +4929,7 @@
         <p:spPr>
           <a:xfrm>
             <a:off x="2827440" y="5486400"/>
-            <a:ext cx="2110320" cy="699840"/>
+            <a:ext cx="2109960" cy="699480"/>
           </a:xfrm>
           <a:prstGeom prst="rect">
             <a:avLst/>
@@ -6673,14 +4990,14 @@
       </p:grpSpPr>
       <p:sp>
         <p:nvSpPr>
-          <p:cNvPr id="168" name="CustomShape 1"/>
+          <p:cNvPr id="130" name="CustomShape 1"/>
           <p:cNvSpPr/>
           <p:nvPr/>
         </p:nvSpPr>
         <p:spPr>
           <a:xfrm>
             <a:off x="809640" y="447120"/>
-            <a:ext cx="10570680" cy="969120"/>
+            <a:ext cx="10570320" cy="968760"/>
           </a:xfrm>
           <a:prstGeom prst="rect">
             <a:avLst/>
@@ -6712,7 +5029,7 @@
                 <a:latin typeface="Cambria"/>
                 <a:ea typeface="DejaVu Sans"/>
               </a:rPr>
-              <a:t>Automatic Deploy : Github + Travis</a:t>
+              <a:t>Rendering the TOC</a:t>
             </a:r>
             <a:endParaRPr b="0" lang="en-US" sz="4800" spc="-1" strike="noStrike">
               <a:latin typeface="Arial"/>
@@ -6722,14 +5039,14 @@
       </p:sp>
       <p:sp>
         <p:nvSpPr>
-          <p:cNvPr id="169" name="CustomShape 2"/>
+          <p:cNvPr id="131" name="CustomShape 2"/>
           <p:cNvSpPr/>
           <p:nvPr/>
         </p:nvSpPr>
         <p:spPr>
           <a:xfrm>
             <a:off x="10677960" y="5915880"/>
-            <a:ext cx="1060560" cy="489240"/>
+            <a:ext cx="1060200" cy="488880"/>
           </a:xfrm>
           <a:prstGeom prst="rect">
             <a:avLst/>
@@ -6753,7 +5070,7 @@
                 <a:spcPct val="100000"/>
               </a:lnSpc>
             </a:pPr>
-            <a:fld id="{85C52010-ABDA-4522-AD3E-9E036D7C435C}" type="slidenum">
+            <a:fld id="{AE15D71D-BEBB-4B1C-A129-F5B5C8C0ACE5}" type="slidenum">
               <a:rPr b="0" lang="en-US" sz="2000" spc="-1" strike="noStrike">
                 <a:solidFill>
                   <a:srgbClr val="00c6bb"/>
@@ -6771,14 +5088,14 @@
       </p:sp>
       <p:sp>
         <p:nvSpPr>
-          <p:cNvPr id="170" name="CustomShape 3"/>
+          <p:cNvPr id="132" name="CustomShape 3"/>
           <p:cNvSpPr/>
           <p:nvPr/>
         </p:nvSpPr>
         <p:spPr>
           <a:xfrm>
             <a:off x="809640" y="2179080"/>
-            <a:ext cx="10369080" cy="4226400"/>
+            <a:ext cx="10368720" cy="4226040"/>
           </a:xfrm>
           <a:prstGeom prst="rect">
             <a:avLst/>
@@ -6818,468 +5135,61 @@
           </a:p>
         </p:txBody>
       </p:sp>
-      <p:cxnSp>
-        <p:nvCxnSpPr>
-          <p:cNvPr id="171" name="Line 4"/>
-          <p:cNvCxnSpPr/>
+      <p:pic>
+        <p:nvPicPr>
+          <p:cNvPr id="133" name="" descr=""/>
+          <p:cNvPicPr/>
           <p:nvPr/>
-        </p:nvCxnSpPr>
-        <p:spPr>
-          <a:xfrm>
-            <a:off x="2194560" y="3642120"/>
-            <a:ext cx="1920600" cy="850320"/>
-          </a:xfrm>
-          <a:prstGeom prst="curvedConnector3">
+        </p:nvPicPr>
+        <p:blipFill>
+          <a:blip r:embed="rId1"/>
+          <a:stretch/>
+        </p:blipFill>
+        <p:spPr>
+          <a:xfrm>
+            <a:off x="3286440" y="1913400"/>
+            <a:ext cx="15367320" cy="7596360"/>
+          </a:xfrm>
+          <a:prstGeom prst="rect">
             <a:avLst/>
           </a:prstGeom>
           <a:ln>
+            <a:noFill/>
+          </a:ln>
+        </p:spPr>
+      </p:pic>
+      <p:sp>
+        <p:nvSpPr>
+          <p:cNvPr id="134" name="CustomShape 4"/>
+          <p:cNvSpPr/>
+          <p:nvPr/>
+        </p:nvSpPr>
+        <p:spPr>
+          <a:xfrm>
+            <a:off x="3200760" y="2468880"/>
+            <a:ext cx="2285640" cy="4297680"/>
+          </a:xfrm>
+          <a:prstGeom prst="rect">
+            <a:avLst/>
+          </a:prstGeom>
+          <a:noFill/>
+          <a:ln cap="rnd" w="57240">
             <a:solidFill>
-              <a:srgbClr val="000000"/>
+              <a:srgbClr val="ed1c24"/>
             </a:solidFill>
-            <a:tailEnd len="med" type="triangle" w="med"/>
+            <a:custDash>
+              <a:ds d="100000" sp="100000"/>
+            </a:custDash>
+            <a:round/>
           </a:ln>
         </p:spPr>
-      </p:cxnSp>
-      <p:grpSp>
-        <p:nvGrpSpPr>
-          <p:cNvPr id="172" name="Group 5"/>
-          <p:cNvGrpSpPr/>
-          <p:nvPr/>
-        </p:nvGrpSpPr>
-        <p:grpSpPr>
-          <a:xfrm>
-            <a:off x="822960" y="2103120"/>
-            <a:ext cx="10915560" cy="4023360"/>
-            <a:chOff x="822960" y="2103120"/>
-            <a:chExt cx="10915560" cy="4023360"/>
-          </a:xfrm>
-        </p:grpSpPr>
-        <p:grpSp>
-          <p:nvGrpSpPr>
-            <p:cNvPr id="173" name="Group 6"/>
-            <p:cNvGrpSpPr/>
-            <p:nvPr/>
-          </p:nvGrpSpPr>
-          <p:grpSpPr>
-            <a:xfrm>
-              <a:off x="1371600" y="2179080"/>
-              <a:ext cx="9692640" cy="3322800"/>
-              <a:chOff x="1371600" y="2179080"/>
-              <a:chExt cx="9692640" cy="3322800"/>
-            </a:xfrm>
-          </p:grpSpPr>
-          <p:sp>
-            <p:nvSpPr>
-              <p:cNvPr id="174" name="TextShape 7"/>
-              <p:cNvSpPr txBox="1"/>
-              <p:nvPr/>
-            </p:nvSpPr>
-            <p:spPr>
-              <a:xfrm>
-                <a:off x="8412480" y="5196600"/>
-                <a:ext cx="2651760" cy="305280"/>
-              </a:xfrm>
-              <a:prstGeom prst="rect">
-                <a:avLst/>
-              </a:prstGeom>
-              <a:noFill/>
-              <a:ln>
-                <a:noFill/>
-              </a:ln>
-            </p:spPr>
-            <p:txBody>
-              <a:bodyPr lIns="90000" rIns="90000" tIns="45000" bIns="45000"/>
-              <a:p>
-                <a:pPr algn="ctr"/>
-                <a:r>
-                  <a:rPr b="0" lang="en-US" sz="1800" spc="-1" strike="noStrike">
-                    <a:latin typeface="Arial"/>
-                  </a:rPr>
-                  <a:t>Github.io</a:t>
-                </a:r>
-                <a:endParaRPr b="0" lang="en-US" sz="1800" spc="-1" strike="noStrike">
-                  <a:latin typeface="Arial"/>
-                </a:endParaRPr>
-              </a:p>
-            </p:txBody>
-          </p:sp>
-          <p:grpSp>
-            <p:nvGrpSpPr>
-              <p:cNvPr id="175" name="Group 8"/>
-              <p:cNvGrpSpPr/>
-              <p:nvPr/>
-            </p:nvGrpSpPr>
-            <p:grpSpPr>
-              <a:xfrm>
-                <a:off x="1371600" y="2179080"/>
-                <a:ext cx="9601200" cy="3200400"/>
-                <a:chOff x="1371600" y="2179080"/>
-                <a:chExt cx="9601200" cy="3200400"/>
-              </a:xfrm>
-            </p:grpSpPr>
-            <p:sp>
-              <p:nvSpPr>
-                <p:cNvPr id="176" name="CustomShape 9"/>
-                <p:cNvSpPr/>
-                <p:nvPr/>
-              </p:nvSpPr>
-              <p:spPr>
-                <a:xfrm>
-                  <a:off x="1371600" y="3002040"/>
-                  <a:ext cx="822960" cy="1280160"/>
-                </a:xfrm>
-                <a:prstGeom prst="flowChartMagneticDisk">
-                  <a:avLst/>
-                </a:prstGeom>
-                <a:solidFill>
-                  <a:srgbClr val="ffffff"/>
-                </a:solidFill>
-                <a:ln>
-                  <a:solidFill>
-                    <a:srgbClr val="000000"/>
-                  </a:solidFill>
-                </a:ln>
-              </p:spPr>
-              <p:style>
-                <a:lnRef idx="0"/>
-                <a:fillRef idx="0"/>
-                <a:effectRef idx="0"/>
-                <a:fontRef idx="minor"/>
-              </p:style>
-              <p:txBody>
-                <a:bodyPr wrap="none" lIns="90000" rIns="90000" tIns="45000" bIns="45000" anchor="ctr"/>
-                <a:p>
-                  <a:pPr algn="ctr"/>
-                  <a:r>
-                    <a:rPr b="0" lang="en-US" sz="1800" spc="-1" strike="noStrike">
-                      <a:latin typeface="Arial"/>
-                    </a:rPr>
-                    <a:t>Github </a:t>
-                  </a:r>
-                  <a:endParaRPr b="0" lang="en-US" sz="1800" spc="-1" strike="noStrike">
-                    <a:latin typeface="Arial"/>
-                  </a:endParaRPr>
-                </a:p>
-                <a:p>
-                  <a:pPr algn="ctr"/>
-                  <a:r>
-                    <a:rPr b="0" lang="en-US" sz="1800" spc="-1" strike="noStrike">
-                      <a:latin typeface="Arial"/>
-                    </a:rPr>
-                    <a:t>repo</a:t>
-                  </a:r>
-                  <a:endParaRPr b="0" lang="en-US" sz="1800" spc="-1" strike="noStrike">
-                    <a:latin typeface="Arial"/>
-                  </a:endParaRPr>
-                </a:p>
-              </p:txBody>
-            </p:sp>
-            <p:sp>
-              <p:nvSpPr>
-                <p:cNvPr id="177" name="Line 10"/>
-                <p:cNvSpPr/>
-                <p:nvPr/>
-              </p:nvSpPr>
-              <p:spPr>
-                <a:xfrm>
-                  <a:off x="1809360" y="4373640"/>
-                  <a:ext cx="0" cy="822960"/>
-                </a:xfrm>
-                <a:prstGeom prst="line">
-                  <a:avLst/>
-                </a:prstGeom>
-                <a:ln>
-                  <a:solidFill>
-                    <a:srgbClr val="000000"/>
-                  </a:solidFill>
-                  <a:headEnd len="med" type="triangle" w="med"/>
-                </a:ln>
-              </p:spPr>
-              <p:style>
-                <a:lnRef idx="0"/>
-                <a:fillRef idx="0"/>
-                <a:effectRef idx="0"/>
-                <a:fontRef idx="minor"/>
-              </p:style>
-            </p:sp>
-            <p:sp>
-              <p:nvSpPr>
-                <p:cNvPr id="178" name="TextShape 11"/>
-                <p:cNvSpPr txBox="1"/>
-                <p:nvPr/>
-              </p:nvSpPr>
-              <p:spPr>
-                <a:xfrm>
-                  <a:off x="1828800" y="4732560"/>
-                  <a:ext cx="1005840" cy="281160"/>
-                </a:xfrm>
-                <a:prstGeom prst="rect">
-                  <a:avLst/>
-                </a:prstGeom>
-                <a:noFill/>
-                <a:ln>
-                  <a:noFill/>
-                </a:ln>
-              </p:spPr>
-              <p:txBody>
-                <a:bodyPr lIns="90000" rIns="90000" tIns="45000" bIns="45000"/>
-                <a:p>
-                  <a:r>
-                    <a:rPr b="0" lang="en-US" sz="1600" spc="-1" strike="noStrike">
-                      <a:latin typeface="Arial"/>
-                    </a:rPr>
-                    <a:t>commit</a:t>
-                  </a:r>
-                  <a:endParaRPr b="0" lang="en-US" sz="1600" spc="-1" strike="noStrike">
-                    <a:latin typeface="Arial"/>
-                  </a:endParaRPr>
-                </a:p>
-              </p:txBody>
-            </p:sp>
-            <p:sp>
-              <p:nvSpPr>
-                <p:cNvPr id="179" name="TextShape 12"/>
-                <p:cNvSpPr txBox="1"/>
-                <p:nvPr/>
-              </p:nvSpPr>
-              <p:spPr>
-                <a:xfrm>
-                  <a:off x="4114800" y="3605040"/>
-                  <a:ext cx="1774440" cy="1774440"/>
-                </a:xfrm>
-                <a:prstGeom prst="rect">
-                  <a:avLst/>
-                </a:prstGeom>
-                <a:blipFill rotWithShape="0">
-                  <a:blip r:embed="rId1"/>
-                  <a:stretch>
-                    <a:fillRect/>
-                  </a:stretch>
-                </a:blipFill>
-                <a:ln>
-                  <a:noFill/>
-                </a:ln>
-              </p:spPr>
-              <p:txBody>
-                <a:bodyPr lIns="90000" rIns="90000" tIns="45000" bIns="45000" anchor="ctr"/>
-                <a:p>
-                  <a:pPr algn="ctr"/>
-                  <a:r>
-                    <a:rPr b="0" lang="en-US" sz="1800" spc="-1" strike="noStrike">
-                      <a:latin typeface="Arial"/>
-                    </a:rPr>
-                    <a:t>site</a:t>
-                  </a:r>
-                  <a:endParaRPr b="0" lang="en-US" sz="1800" spc="-1" strike="noStrike">
-                    <a:latin typeface="Arial"/>
-                  </a:endParaRPr>
-                </a:p>
-              </p:txBody>
-            </p:sp>
-            <p:sp>
-              <p:nvSpPr>
-                <p:cNvPr id="180" name="TextShape 13"/>
-                <p:cNvSpPr txBox="1"/>
-                <p:nvPr/>
-              </p:nvSpPr>
-              <p:spPr>
-                <a:xfrm>
-                  <a:off x="8067960" y="2179080"/>
-                  <a:ext cx="2904840" cy="2980800"/>
-                </a:xfrm>
-                <a:prstGeom prst="rect">
-                  <a:avLst/>
-                </a:prstGeom>
-                <a:blipFill rotWithShape="0">
-                  <a:blip r:embed="rId2"/>
-                  <a:stretch>
-                    <a:fillRect/>
-                  </a:stretch>
-                </a:blipFill>
-                <a:ln>
-                  <a:noFill/>
-                </a:ln>
-              </p:spPr>
-              <p:txBody>
-                <a:bodyPr lIns="90000" rIns="90000" tIns="45000" bIns="45000" anchor="ctr"/>
-                <a:p>
-                  <a:pPr algn="ctr"/>
-                  <a:r>
-                    <a:rPr b="0" lang="en-US" sz="2200" spc="-1" strike="noStrike">
-                      <a:latin typeface="Arial"/>
-                    </a:rPr>
-                    <a:t>Html</a:t>
-                  </a:r>
-                  <a:endParaRPr b="0" lang="en-US" sz="2200" spc="-1" strike="noStrike">
-                    <a:latin typeface="Arial"/>
-                  </a:endParaRPr>
-                </a:p>
-              </p:txBody>
-            </p:sp>
-            <p:cxnSp>
-              <p:nvCxnSpPr>
-                <p:cNvPr id="181" name="Line 14"/>
-                <p:cNvCxnSpPr>
-                  <a:stCxn id="179" idx="3"/>
-                  <a:endCxn id="180" idx="1"/>
-                </p:cNvCxnSpPr>
-                <p:nvPr/>
-              </p:nvCxnSpPr>
-              <p:spPr>
-                <a:xfrm flipV="1">
-                  <a:off x="5889240" y="3669480"/>
-                  <a:ext cx="2179080" cy="822960"/>
-                </a:xfrm>
-                <a:prstGeom prst="curvedConnector3">
-                  <a:avLst/>
-                </a:prstGeom>
-                <a:ln>
-                  <a:solidFill>
-                    <a:srgbClr val="000000"/>
-                  </a:solidFill>
-                  <a:tailEnd len="med" type="triangle" w="med"/>
-                </a:ln>
-              </p:spPr>
-            </p:cxnSp>
-            <p:sp>
-              <p:nvSpPr>
-                <p:cNvPr id="182" name="TextShape 15"/>
-                <p:cNvSpPr txBox="1"/>
-                <p:nvPr/>
-              </p:nvSpPr>
-              <p:spPr>
-                <a:xfrm>
-                  <a:off x="2834640" y="3550680"/>
-                  <a:ext cx="914400" cy="305280"/>
-                </a:xfrm>
-                <a:prstGeom prst="rect">
-                  <a:avLst/>
-                </a:prstGeom>
-                <a:noFill/>
-                <a:ln>
-                  <a:noFill/>
-                </a:ln>
-              </p:spPr>
-              <p:txBody>
-                <a:bodyPr lIns="90000" rIns="90000" tIns="45000" bIns="45000"/>
-                <a:p>
-                  <a:r>
-                    <a:rPr b="0" lang="en-US" sz="1800" spc="-1" strike="noStrike">
-                      <a:latin typeface="Arial"/>
-                    </a:rPr>
-                    <a:t>build</a:t>
-                  </a:r>
-                  <a:endParaRPr b="0" lang="en-US" sz="1800" spc="-1" strike="noStrike">
-                    <a:latin typeface="Arial"/>
-                  </a:endParaRPr>
-                </a:p>
-              </p:txBody>
-            </p:sp>
-            <p:sp>
-              <p:nvSpPr>
-                <p:cNvPr id="183" name="TextShape 16"/>
-                <p:cNvSpPr txBox="1"/>
-                <p:nvPr/>
-              </p:nvSpPr>
-              <p:spPr>
-                <a:xfrm>
-                  <a:off x="6217920" y="3642120"/>
-                  <a:ext cx="914400" cy="337320"/>
-                </a:xfrm>
-                <a:prstGeom prst="rect">
-                  <a:avLst/>
-                </a:prstGeom>
-                <a:noFill/>
-                <a:ln>
-                  <a:noFill/>
-                </a:ln>
-              </p:spPr>
-              <p:txBody>
-                <a:bodyPr lIns="90000" rIns="90000" tIns="45000" bIns="45000"/>
-                <a:p>
-                  <a:r>
-                    <a:rPr b="0" lang="en-US" sz="1800" spc="-1" strike="noStrike">
-                      <a:latin typeface="Arial"/>
-                    </a:rPr>
-                    <a:t>deplo</a:t>
-                  </a:r>
-                  <a:r>
-                    <a:rPr b="0" lang="en-US" sz="1800" spc="-1" strike="noStrike">
-                      <a:latin typeface="Arial"/>
-                    </a:rPr>
-                    <a:t>y</a:t>
-                  </a:r>
-                  <a:endParaRPr b="0" lang="en-US" sz="1800" spc="-1" strike="noStrike">
-                    <a:latin typeface="Arial"/>
-                  </a:endParaRPr>
-                </a:p>
-              </p:txBody>
-            </p:sp>
-          </p:grpSp>
-        </p:grpSp>
-        <p:sp>
-          <p:nvSpPr>
-            <p:cNvPr id="184" name="CustomShape 17"/>
-            <p:cNvSpPr/>
-            <p:nvPr/>
-          </p:nvSpPr>
-          <p:spPr>
-            <a:xfrm>
-              <a:off x="822960" y="2103120"/>
-              <a:ext cx="10915560" cy="4023360"/>
-            </a:xfrm>
-            <a:prstGeom prst="rect">
-              <a:avLst/>
-            </a:prstGeom>
-            <a:noFill/>
-            <a:ln>
-              <a:solidFill>
-                <a:srgbClr val="0066b3"/>
-              </a:solidFill>
-            </a:ln>
-          </p:spPr>
-          <p:style>
-            <a:lnRef idx="0"/>
-            <a:fillRef idx="0"/>
-            <a:effectRef idx="0"/>
-            <a:fontRef idx="minor"/>
-          </p:style>
-        </p:sp>
-        <p:sp>
-          <p:nvSpPr>
-            <p:cNvPr id="185" name="TextShape 18"/>
-            <p:cNvSpPr txBox="1"/>
-            <p:nvPr/>
-          </p:nvSpPr>
-          <p:spPr>
-            <a:xfrm>
-              <a:off x="4188600" y="5740560"/>
-              <a:ext cx="5229720" cy="385920"/>
-            </a:xfrm>
-            <a:prstGeom prst="rect">
-              <a:avLst/>
-            </a:prstGeom>
-            <a:noFill/>
-            <a:ln>
-              <a:noFill/>
-            </a:ln>
-          </p:spPr>
-          <p:txBody>
-            <a:bodyPr lIns="90000" rIns="90000" tIns="45000" bIns="45000"/>
-            <a:p>
-              <a:r>
-                <a:rPr b="1" lang="en-US" sz="2000" spc="-1" strike="noStrike">
-                  <a:latin typeface="Cambrai"/>
-                </a:rPr>
-                <a:t>TRAVIS CONTINUOUS INTEGRATION</a:t>
-              </a:r>
-              <a:endParaRPr b="0" lang="en-US" sz="2000" spc="-1" strike="noStrike">
-                <a:latin typeface="Arial"/>
-              </a:endParaRPr>
-            </a:p>
-          </p:txBody>
-        </p:sp>
-      </p:grpSp>
+        <p:style>
+          <a:lnRef idx="0"/>
+          <a:fillRef idx="0"/>
+          <a:effectRef idx="0"/>
+          <a:fontRef idx="minor"/>
+        </p:style>
+      </p:sp>
     </p:spTree>
   </p:cSld>
   <p:timing>
@@ -7331,14 +5241,14 @@
       </p:grpSpPr>
       <p:sp>
         <p:nvSpPr>
-          <p:cNvPr id="186" name="CustomShape 1"/>
+          <p:cNvPr id="135" name="CustomShape 1"/>
           <p:cNvSpPr/>
           <p:nvPr/>
         </p:nvSpPr>
         <p:spPr>
           <a:xfrm>
             <a:off x="809640" y="447120"/>
-            <a:ext cx="10570680" cy="969120"/>
+            <a:ext cx="10570320" cy="968760"/>
           </a:xfrm>
           <a:prstGeom prst="rect">
             <a:avLst/>
@@ -7370,7 +5280,7 @@
                 <a:latin typeface="Cambria"/>
                 <a:ea typeface="DejaVu Sans"/>
               </a:rPr>
-              <a:t>Personal Sites Archetype</a:t>
+              <a:t>Automatic Deploy : Github + Travis</a:t>
             </a:r>
             <a:endParaRPr b="0" lang="en-US" sz="4800" spc="-1" strike="noStrike">
               <a:latin typeface="Arial"/>
@@ -7380,14 +5290,14 @@
       </p:sp>
       <p:sp>
         <p:nvSpPr>
-          <p:cNvPr id="187" name="CustomShape 2"/>
+          <p:cNvPr id="136" name="CustomShape 2"/>
           <p:cNvSpPr/>
           <p:nvPr/>
         </p:nvSpPr>
         <p:spPr>
           <a:xfrm>
             <a:off x="10677960" y="5915880"/>
-            <a:ext cx="1060560" cy="489240"/>
+            <a:ext cx="1060200" cy="488880"/>
           </a:xfrm>
           <a:prstGeom prst="rect">
             <a:avLst/>
@@ -7411,7 +5321,7 @@
                 <a:spcPct val="100000"/>
               </a:lnSpc>
             </a:pPr>
-            <a:fld id="{AB34036E-8D9F-405D-8846-1E6BF6999F11}" type="slidenum">
+            <a:fld id="{E4517D17-7E9F-46C9-ADAA-79D89E0C224E}" type="slidenum">
               <a:rPr b="0" lang="en-US" sz="2000" spc="-1" strike="noStrike">
                 <a:solidFill>
                   <a:srgbClr val="00c6bb"/>
@@ -7429,14 +5339,14 @@
       </p:sp>
       <p:sp>
         <p:nvSpPr>
-          <p:cNvPr id="188" name="CustomShape 3"/>
+          <p:cNvPr id="137" name="CustomShape 3"/>
           <p:cNvSpPr/>
           <p:nvPr/>
         </p:nvSpPr>
         <p:spPr>
           <a:xfrm>
             <a:off x="809640" y="2179080"/>
-            <a:ext cx="10369080" cy="4226400"/>
+            <a:ext cx="10368720" cy="4226040"/>
           </a:xfrm>
           <a:prstGeom prst="rect">
             <a:avLst/>
@@ -7476,29 +5386,130 @@
           </a:p>
         </p:txBody>
       </p:sp>
-      <p:pic>
-        <p:nvPicPr>
-          <p:cNvPr id="189" name="" descr=""/>
-          <p:cNvPicPr/>
+      <p:sp>
+        <p:nvSpPr>
+          <p:cNvPr id="138" name="CustomShape 4"/>
+          <p:cNvSpPr/>
           <p:nvPr/>
-        </p:nvPicPr>
-        <p:blipFill>
-          <a:blip r:embed="rId1"/>
-          <a:stretch/>
-        </p:blipFill>
-        <p:spPr>
-          <a:xfrm>
-            <a:off x="1007280" y="2289240"/>
-            <a:ext cx="9231840" cy="4293720"/>
-          </a:xfrm>
-          <a:prstGeom prst="rect">
-            <a:avLst/>
-          </a:prstGeom>
+        </p:nvSpPr>
+        <p:spPr>
+          <a:xfrm>
+            <a:off x="822960" y="2103120"/>
+            <a:ext cx="10915200" cy="4023000"/>
+          </a:xfrm>
+          <a:prstGeom prst="rect">
+            <a:avLst/>
+          </a:prstGeom>
+          <a:noFill/>
+          <a:ln>
+            <a:solidFill>
+              <a:srgbClr val="0066b3"/>
+            </a:solidFill>
+          </a:ln>
+        </p:spPr>
+        <p:style>
+          <a:lnRef idx="0"/>
+          <a:fillRef idx="0"/>
+          <a:effectRef idx="0"/>
+          <a:fontRef idx="minor"/>
+        </p:style>
+      </p:sp>
+      <p:sp>
+        <p:nvSpPr>
+          <p:cNvPr id="139" name="CustomShape 5"/>
+          <p:cNvSpPr/>
+          <p:nvPr/>
+        </p:nvSpPr>
+        <p:spPr>
+          <a:xfrm>
+            <a:off x="4188600" y="5740560"/>
+            <a:ext cx="5229360" cy="385560"/>
+          </a:xfrm>
+          <a:prstGeom prst="rect">
+            <a:avLst/>
+          </a:prstGeom>
+          <a:noFill/>
           <a:ln>
             <a:noFill/>
           </a:ln>
         </p:spPr>
-      </p:pic>
+        <p:style>
+          <a:lnRef idx="0"/>
+          <a:fillRef idx="0"/>
+          <a:effectRef idx="0"/>
+          <a:fontRef idx="minor"/>
+        </p:style>
+        <p:txBody>
+          <a:bodyPr lIns="90000" rIns="90000" tIns="45000" bIns="45000"/>
+          <a:p>
+            <a:pPr>
+              <a:lnSpc>
+                <a:spcPct val="100000"/>
+              </a:lnSpc>
+            </a:pPr>
+            <a:r>
+              <a:rPr b="1" lang="en-US" sz="2000" spc="-1" strike="noStrike">
+                <a:latin typeface="Cambrai"/>
+              </a:rPr>
+              <a:t>TRAVIS </a:t>
+            </a:r>
+            <a:r>
+              <a:rPr b="1" lang="en-US" sz="2000" spc="-1" strike="noStrike">
+                <a:latin typeface="Cambrai"/>
+              </a:rPr>
+              <a:t>CONTINUOUS </a:t>
+            </a:r>
+            <a:r>
+              <a:rPr b="1" lang="en-US" sz="2000" spc="-1" strike="noStrike">
+                <a:latin typeface="Cambrai"/>
+              </a:rPr>
+              <a:t>INTEGRATION</a:t>
+            </a:r>
+            <a:endParaRPr b="0" lang="en-US" sz="2000" spc="-1" strike="noStrike">
+              <a:latin typeface="Arial"/>
+            </a:endParaRPr>
+          </a:p>
+        </p:txBody>
+      </p:sp>
+      <p:sp>
+        <p:nvSpPr>
+          <p:cNvPr id="140" name="TextShape 6"/>
+          <p:cNvSpPr txBox="1"/>
+          <p:nvPr/>
+        </p:nvSpPr>
+        <p:spPr>
+          <a:xfrm>
+            <a:off x="5205240" y="1695600"/>
+            <a:ext cx="2377440" cy="684720"/>
+          </a:xfrm>
+          <a:prstGeom prst="rect">
+            <a:avLst/>
+          </a:prstGeom>
+          <a:noFill/>
+          <a:ln>
+            <a:noFill/>
+          </a:ln>
+        </p:spPr>
+        <p:txBody>
+          <a:bodyPr lIns="90000" rIns="90000" tIns="45000" bIns="45000"/>
+          <a:p>
+            <a:pPr algn="ctr"/>
+            <a:r>
+              <a:rPr b="1" lang="en-US" sz="4000" spc="-1" strike="noStrike">
+                <a:solidFill>
+                  <a:srgbClr val="000000"/>
+                </a:solidFill>
+                <a:latin typeface="Cambria"/>
+                <a:ea typeface="DejaVu Sans"/>
+              </a:rPr>
+              <a:t>Before</a:t>
+            </a:r>
+            <a:endParaRPr b="0" lang="en-US" sz="4000" spc="-1" strike="noStrike">
+              <a:latin typeface="Arial"/>
+            </a:endParaRPr>
+          </a:p>
+        </p:txBody>
+      </p:sp>
     </p:spTree>
   </p:cSld>
   <p:timing>
@@ -7550,14 +5561,14 @@
       </p:grpSpPr>
       <p:sp>
         <p:nvSpPr>
-          <p:cNvPr id="190" name="CustomShape 1"/>
+          <p:cNvPr id="141" name="CustomShape 1"/>
           <p:cNvSpPr/>
           <p:nvPr/>
         </p:nvSpPr>
         <p:spPr>
           <a:xfrm>
             <a:off x="809640" y="447120"/>
-            <a:ext cx="10570680" cy="969120"/>
+            <a:ext cx="10570320" cy="968760"/>
           </a:xfrm>
           <a:prstGeom prst="rect">
             <a:avLst/>
@@ -7589,7 +5600,77 @@
                 <a:latin typeface="Cambria"/>
                 <a:ea typeface="DejaVu Sans"/>
               </a:rPr>
-              <a:t>Demo</a:t>
+              <a:t>Auto</a:t>
+            </a:r>
+            <a:r>
+              <a:rPr b="1" lang="en-US" sz="4800" spc="-1" strike="noStrike">
+                <a:solidFill>
+                  <a:srgbClr val="000000"/>
+                </a:solidFill>
+                <a:latin typeface="Cambria"/>
+                <a:ea typeface="DejaVu Sans"/>
+              </a:rPr>
+              <a:t>matic </a:t>
+            </a:r>
+            <a:r>
+              <a:rPr b="1" lang="en-US" sz="4800" spc="-1" strike="noStrike">
+                <a:solidFill>
+                  <a:srgbClr val="000000"/>
+                </a:solidFill>
+                <a:latin typeface="Cambria"/>
+                <a:ea typeface="DejaVu Sans"/>
+              </a:rPr>
+              <a:t>Depl</a:t>
+            </a:r>
+            <a:r>
+              <a:rPr b="1" lang="en-US" sz="4800" spc="-1" strike="noStrike">
+                <a:solidFill>
+                  <a:srgbClr val="000000"/>
+                </a:solidFill>
+                <a:latin typeface="Cambria"/>
+                <a:ea typeface="DejaVu Sans"/>
+              </a:rPr>
+              <a:t>oy : </a:t>
+            </a:r>
+            <a:r>
+              <a:rPr b="1" lang="en-US" sz="4800" spc="-1" strike="noStrike">
+                <a:solidFill>
+                  <a:srgbClr val="000000"/>
+                </a:solidFill>
+                <a:latin typeface="Cambria"/>
+                <a:ea typeface="DejaVu Sans"/>
+              </a:rPr>
+              <a:t>Githu</a:t>
+            </a:r>
+            <a:r>
+              <a:rPr b="1" lang="en-US" sz="4800" spc="-1" strike="noStrike">
+                <a:solidFill>
+                  <a:srgbClr val="000000"/>
+                </a:solidFill>
+                <a:latin typeface="Cambria"/>
+                <a:ea typeface="DejaVu Sans"/>
+              </a:rPr>
+              <a:t>b + </a:t>
+            </a:r>
+            <a:r>
+              <a:rPr b="1" lang="en-US" sz="4800" spc="-1" strike="noStrike">
+                <a:solidFill>
+                  <a:srgbClr val="000000"/>
+                </a:solidFill>
+                <a:latin typeface="Cambria"/>
+                <a:ea typeface="DejaVu Sans"/>
+              </a:rPr>
+              <a:t>Travi</a:t>
+            </a:r>
+            <a:r>
+              <a:rPr b="1" lang="en-US" sz="4800" spc="-1" strike="noStrike">
+                <a:solidFill>
+                  <a:srgbClr val="000000"/>
+                </a:solidFill>
+                <a:latin typeface="Cambria"/>
+                <a:ea typeface="DejaVu Sans"/>
+              </a:rPr>
+              <a:t>s</a:t>
             </a:r>
             <a:endParaRPr b="0" lang="en-US" sz="4800" spc="-1" strike="noStrike">
               <a:latin typeface="Arial"/>
@@ -7599,14 +5680,14 @@
       </p:sp>
       <p:sp>
         <p:nvSpPr>
-          <p:cNvPr id="191" name="CustomShape 2"/>
+          <p:cNvPr id="142" name="CustomShape 2"/>
           <p:cNvSpPr/>
           <p:nvPr/>
         </p:nvSpPr>
         <p:spPr>
           <a:xfrm>
-            <a:off x="480240" y="2227320"/>
-            <a:ext cx="10899720" cy="4363920"/>
+            <a:off x="10677960" y="5915880"/>
+            <a:ext cx="1060200" cy="488880"/>
           </a:xfrm>
           <a:prstGeom prst="rect">
             <a:avLst/>
@@ -7623,39 +5704,39 @@
           <a:fontRef idx="minor"/>
         </p:style>
         <p:txBody>
-          <a:bodyPr lIns="90000" rIns="90000" tIns="45000" bIns="45000" anchor="ctr"/>
-          <a:p>
-            <a:pPr>
+          <a:bodyPr lIns="90000" rIns="90000" tIns="45000" bIns="10800" anchor="b"/>
+          <a:p>
+            <a:pPr algn="r">
               <a:lnSpc>
                 <a:spcPct val="100000"/>
               </a:lnSpc>
             </a:pPr>
-            <a:endParaRPr b="0" lang="en-US" sz="1800" spc="-1" strike="noStrike">
-              <a:latin typeface="Arial"/>
-            </a:endParaRPr>
-          </a:p>
-          <a:p>
-            <a:pPr>
-              <a:lnSpc>
-                <a:spcPct val="100000"/>
-              </a:lnSpc>
-            </a:pPr>
-            <a:endParaRPr b="0" lang="en-US" sz="1800" spc="-1" strike="noStrike">
-              <a:latin typeface="Arial"/>
-            </a:endParaRPr>
-          </a:p>
-        </p:txBody>
-      </p:sp>
-      <p:sp>
-        <p:nvSpPr>
-          <p:cNvPr id="192" name="CustomShape 3"/>
+            <a:fld id="{E8B4DCE4-ECB3-43AE-972D-387BA7BB5EE1}" type="slidenum">
+              <a:rPr b="0" lang="en-US" sz="2000" spc="-1" strike="noStrike">
+                <a:solidFill>
+                  <a:srgbClr val="00c6bb"/>
+                </a:solidFill>
+                <a:latin typeface="Century Gothic"/>
+                <a:ea typeface="DejaVu Sans"/>
+              </a:rPr>
+              <a:t>1</a:t>
+            </a:fld>
+            <a:endParaRPr b="0" lang="en-US" sz="2000" spc="-1" strike="noStrike">
+              <a:latin typeface="Arial"/>
+            </a:endParaRPr>
+          </a:p>
+        </p:txBody>
+      </p:sp>
+      <p:sp>
+        <p:nvSpPr>
+          <p:cNvPr id="143" name="CustomShape 3"/>
           <p:cNvSpPr/>
           <p:nvPr/>
         </p:nvSpPr>
         <p:spPr>
           <a:xfrm>
-            <a:off x="10677960" y="5915880"/>
-            <a:ext cx="1060560" cy="489240"/>
+            <a:off x="809640" y="2179080"/>
+            <a:ext cx="10368720" cy="4226040"/>
           </a:xfrm>
           <a:prstGeom prst="rect">
             <a:avLst/>
@@ -7672,52 +5753,691 @@
           <a:fontRef idx="minor"/>
         </p:style>
         <p:txBody>
-          <a:bodyPr lIns="90000" rIns="90000" tIns="45000" bIns="10800" anchor="b"/>
-          <a:p>
-            <a:pPr algn="r">
-              <a:lnSpc>
-                <a:spcPct val="100000"/>
-              </a:lnSpc>
-            </a:pPr>
-            <a:fld id="{6174A539-E994-4B75-8D23-0113B9571DA4}" type="slidenum">
-              <a:rPr b="0" lang="en-US" sz="2000" spc="-1" strike="noStrike">
+          <a:bodyPr lIns="90000" rIns="90000" tIns="45000" bIns="45000" anchor="ctr"/>
+          <a:p>
+            <a:pPr algn="ctr">
+              <a:lnSpc>
+                <a:spcPct val="150000"/>
+              </a:lnSpc>
+            </a:pPr>
+            <a:endParaRPr b="0" lang="en-US" sz="1800" spc="-1" strike="noStrike">
+              <a:latin typeface="Arial"/>
+            </a:endParaRPr>
+          </a:p>
+          <a:p>
+            <a:pPr algn="just">
+              <a:lnSpc>
+                <a:spcPct val="150000"/>
+              </a:lnSpc>
+            </a:pPr>
+            <a:endParaRPr b="0" lang="en-US" sz="1800" spc="-1" strike="noStrike">
+              <a:latin typeface="Arial"/>
+            </a:endParaRPr>
+          </a:p>
+        </p:txBody>
+      </p:sp>
+      <p:sp>
+        <p:nvSpPr>
+          <p:cNvPr id="144" name="CustomShape 4"/>
+          <p:cNvSpPr/>
+          <p:nvPr/>
+        </p:nvSpPr>
+        <p:spPr>
+          <a:xfrm>
+            <a:off x="2194560" y="3642120"/>
+            <a:ext cx="1920240" cy="849960"/>
+          </a:xfrm>
+          <a:prstGeom prst="curvedConnector3">
+            <a:avLst>
+              <a:gd name="adj1" fmla="val 50000"/>
+            </a:avLst>
+          </a:prstGeom>
+          <a:noFill/>
+          <a:ln>
+            <a:solidFill>
+              <a:srgbClr val="000000"/>
+            </a:solidFill>
+            <a:tailEnd len="med" type="triangle" w="med"/>
+          </a:ln>
+        </p:spPr>
+        <p:style>
+          <a:lnRef idx="0"/>
+          <a:fillRef idx="0"/>
+          <a:effectRef idx="0"/>
+          <a:fontRef idx="minor"/>
+        </p:style>
+      </p:sp>
+      <p:grpSp>
+        <p:nvGrpSpPr>
+          <p:cNvPr id="145" name="Group 5"/>
+          <p:cNvGrpSpPr/>
+          <p:nvPr/>
+        </p:nvGrpSpPr>
+        <p:grpSpPr>
+          <a:xfrm>
+            <a:off x="822960" y="2103120"/>
+            <a:ext cx="10915200" cy="4023000"/>
+            <a:chOff x="822960" y="2103120"/>
+            <a:chExt cx="10915200" cy="4023000"/>
+          </a:xfrm>
+        </p:grpSpPr>
+        <p:grpSp>
+          <p:nvGrpSpPr>
+            <p:cNvPr id="146" name="Group 6"/>
+            <p:cNvGrpSpPr/>
+            <p:nvPr/>
+          </p:nvGrpSpPr>
+          <p:grpSpPr>
+            <a:xfrm>
+              <a:off x="1371600" y="2179080"/>
+              <a:ext cx="9692280" cy="3322440"/>
+              <a:chOff x="1371600" y="2179080"/>
+              <a:chExt cx="9692280" cy="3322440"/>
+            </a:xfrm>
+          </p:grpSpPr>
+          <p:sp>
+            <p:nvSpPr>
+              <p:cNvPr id="147" name="CustomShape 7"/>
+              <p:cNvSpPr/>
+              <p:nvPr/>
+            </p:nvSpPr>
+            <p:spPr>
+              <a:xfrm>
+                <a:off x="8412480" y="5196600"/>
+                <a:ext cx="2651400" cy="304920"/>
+              </a:xfrm>
+              <a:prstGeom prst="rect">
+                <a:avLst/>
+              </a:prstGeom>
+              <a:noFill/>
+              <a:ln>
+                <a:noFill/>
+              </a:ln>
+            </p:spPr>
+            <p:style>
+              <a:lnRef idx="0"/>
+              <a:fillRef idx="0"/>
+              <a:effectRef idx="0"/>
+              <a:fontRef idx="minor"/>
+            </p:style>
+            <p:txBody>
+              <a:bodyPr lIns="90000" rIns="90000" tIns="45000" bIns="45000"/>
+              <a:p>
+                <a:pPr algn="ctr">
+                  <a:lnSpc>
+                    <a:spcPct val="100000"/>
+                  </a:lnSpc>
+                </a:pPr>
+                <a:r>
+                  <a:rPr b="0" lang="en-US" sz="1800" spc="-1" strike="noStrike">
+                    <a:latin typeface="Arial"/>
+                  </a:rPr>
+                  <a:t>Github.io</a:t>
+                </a:r>
+                <a:endParaRPr b="0" lang="en-US" sz="1800" spc="-1" strike="noStrike">
+                  <a:latin typeface="Arial"/>
+                </a:endParaRPr>
+              </a:p>
+            </p:txBody>
+          </p:sp>
+          <p:grpSp>
+            <p:nvGrpSpPr>
+              <p:cNvPr id="148" name="Group 8"/>
+              <p:cNvGrpSpPr/>
+              <p:nvPr/>
+            </p:nvGrpSpPr>
+            <p:grpSpPr>
+              <a:xfrm>
+                <a:off x="1371600" y="2179080"/>
+                <a:ext cx="9600840" cy="3200040"/>
+                <a:chOff x="1371600" y="2179080"/>
+                <a:chExt cx="9600840" cy="3200040"/>
+              </a:xfrm>
+            </p:grpSpPr>
+            <p:sp>
+              <p:nvSpPr>
+                <p:cNvPr id="149" name="CustomShape 9"/>
+                <p:cNvSpPr/>
+                <p:nvPr/>
+              </p:nvSpPr>
+              <p:spPr>
+                <a:xfrm>
+                  <a:off x="1371600" y="3002040"/>
+                  <a:ext cx="822600" cy="1279800"/>
+                </a:xfrm>
+                <a:prstGeom prst="flowChartMagneticDisk">
+                  <a:avLst/>
+                </a:prstGeom>
                 <a:solidFill>
-                  <a:srgbClr val="00c6bb"/>
+                  <a:srgbClr val="ffffff"/>
                 </a:solidFill>
-                <a:latin typeface="Century Gothic"/>
-                <a:ea typeface="DejaVu Sans"/>
-              </a:rPr>
-              <a:t>1</a:t>
-            </a:fld>
-            <a:endParaRPr b="0" lang="en-US" sz="2000" spc="-1" strike="noStrike">
-              <a:latin typeface="Arial"/>
-            </a:endParaRPr>
-          </a:p>
-        </p:txBody>
-      </p:sp>
-      <p:pic>
-        <p:nvPicPr>
-          <p:cNvPr id="193" name="" descr=""/>
-          <p:cNvPicPr/>
+                <a:ln>
+                  <a:solidFill>
+                    <a:srgbClr val="000000"/>
+                  </a:solidFill>
+                </a:ln>
+              </p:spPr>
+              <p:style>
+                <a:lnRef idx="0"/>
+                <a:fillRef idx="0"/>
+                <a:effectRef idx="0"/>
+                <a:fontRef idx="minor"/>
+              </p:style>
+              <p:txBody>
+                <a:bodyPr wrap="none" lIns="90000" rIns="90000" tIns="45000" bIns="45000" anchor="ctr"/>
+                <a:p>
+                  <a:pPr algn="ctr">
+                    <a:lnSpc>
+                      <a:spcPct val="100000"/>
+                    </a:lnSpc>
+                  </a:pPr>
+                  <a:r>
+                    <a:rPr b="0" lang="en-US" sz="1800" spc="-1" strike="noStrike">
+                      <a:solidFill>
+                        <a:srgbClr val="000000"/>
+                      </a:solidFill>
+                      <a:latin typeface="Arial"/>
+                      <a:ea typeface="DejaVu Sans"/>
+                    </a:rPr>
+                    <a:t>Github </a:t>
+                  </a:r>
+                  <a:endParaRPr b="0" lang="en-US" sz="1800" spc="-1" strike="noStrike">
+                    <a:latin typeface="Arial"/>
+                  </a:endParaRPr>
+                </a:p>
+                <a:p>
+                  <a:pPr algn="ctr">
+                    <a:lnSpc>
+                      <a:spcPct val="100000"/>
+                    </a:lnSpc>
+                  </a:pPr>
+                  <a:r>
+                    <a:rPr b="0" lang="en-US" sz="1800" spc="-1" strike="noStrike">
+                      <a:solidFill>
+                        <a:srgbClr val="000000"/>
+                      </a:solidFill>
+                      <a:latin typeface="Arial"/>
+                      <a:ea typeface="DejaVu Sans"/>
+                    </a:rPr>
+                    <a:t>repo</a:t>
+                  </a:r>
+                  <a:endParaRPr b="0" lang="en-US" sz="1800" spc="-1" strike="noStrike">
+                    <a:latin typeface="Arial"/>
+                  </a:endParaRPr>
+                </a:p>
+              </p:txBody>
+            </p:sp>
+            <p:sp>
+              <p:nvSpPr>
+                <p:cNvPr id="150" name="Line 10"/>
+                <p:cNvSpPr/>
+                <p:nvPr/>
+              </p:nvSpPr>
+              <p:spPr>
+                <a:xfrm>
+                  <a:off x="1809000" y="4373640"/>
+                  <a:ext cx="360" cy="822960"/>
+                </a:xfrm>
+                <a:prstGeom prst="line">
+                  <a:avLst/>
+                </a:prstGeom>
+                <a:ln>
+                  <a:solidFill>
+                    <a:srgbClr val="000000"/>
+                  </a:solidFill>
+                  <a:headEnd len="med" type="triangle" w="med"/>
+                </a:ln>
+              </p:spPr>
+              <p:style>
+                <a:lnRef idx="0"/>
+                <a:fillRef idx="0"/>
+                <a:effectRef idx="0"/>
+                <a:fontRef idx="minor"/>
+              </p:style>
+            </p:sp>
+            <p:sp>
+              <p:nvSpPr>
+                <p:cNvPr id="151" name="CustomShape 11"/>
+                <p:cNvSpPr/>
+                <p:nvPr/>
+              </p:nvSpPr>
+              <p:spPr>
+                <a:xfrm>
+                  <a:off x="1828800" y="4732560"/>
+                  <a:ext cx="1005480" cy="280800"/>
+                </a:xfrm>
+                <a:prstGeom prst="rect">
+                  <a:avLst/>
+                </a:prstGeom>
+                <a:noFill/>
+                <a:ln>
+                  <a:noFill/>
+                </a:ln>
+              </p:spPr>
+              <p:style>
+                <a:lnRef idx="0"/>
+                <a:fillRef idx="0"/>
+                <a:effectRef idx="0"/>
+                <a:fontRef idx="minor"/>
+              </p:style>
+              <p:txBody>
+                <a:bodyPr lIns="90000" rIns="90000" tIns="45000" bIns="45000"/>
+                <a:p>
+                  <a:pPr>
+                    <a:lnSpc>
+                      <a:spcPct val="100000"/>
+                    </a:lnSpc>
+                  </a:pPr>
+                  <a:r>
+                    <a:rPr b="0" lang="en-US" sz="1600" spc="-1" strike="noStrike">
+                      <a:latin typeface="Arial"/>
+                    </a:rPr>
+                    <a:t>commit</a:t>
+                  </a:r>
+                  <a:endParaRPr b="0" lang="en-US" sz="1600" spc="-1" strike="noStrike">
+                    <a:latin typeface="Arial"/>
+                  </a:endParaRPr>
+                </a:p>
+              </p:txBody>
+            </p:sp>
+            <p:sp>
+              <p:nvSpPr>
+                <p:cNvPr id="152" name="CustomShape 12"/>
+                <p:cNvSpPr/>
+                <p:nvPr/>
+              </p:nvSpPr>
+              <p:spPr>
+                <a:xfrm>
+                  <a:off x="4114800" y="3605040"/>
+                  <a:ext cx="1774080" cy="1774080"/>
+                </a:xfrm>
+                <a:prstGeom prst="rect">
+                  <a:avLst/>
+                </a:prstGeom>
+                <a:blipFill rotWithShape="0">
+                  <a:blip r:embed="rId1"/>
+                  <a:stretch>
+                    <a:fillRect/>
+                  </a:stretch>
+                </a:blipFill>
+                <a:ln>
+                  <a:noFill/>
+                </a:ln>
+              </p:spPr>
+              <p:style>
+                <a:lnRef idx="0"/>
+                <a:fillRef idx="0"/>
+                <a:effectRef idx="0"/>
+                <a:fontRef idx="minor"/>
+              </p:style>
+              <p:txBody>
+                <a:bodyPr lIns="90000" rIns="90000" tIns="45000" bIns="45000" anchor="ctr"/>
+                <a:p>
+                  <a:pPr algn="ctr">
+                    <a:lnSpc>
+                      <a:spcPct val="100000"/>
+                    </a:lnSpc>
+                  </a:pPr>
+                  <a:r>
+                    <a:rPr b="0" lang="en-US" sz="1800" spc="-1" strike="noStrike">
+                      <a:latin typeface="Arial"/>
+                    </a:rPr>
+                    <a:t>site</a:t>
+                  </a:r>
+                  <a:endParaRPr b="0" lang="en-US" sz="1800" spc="-1" strike="noStrike">
+                    <a:latin typeface="Arial"/>
+                  </a:endParaRPr>
+                </a:p>
+              </p:txBody>
+            </p:sp>
+            <p:sp>
+              <p:nvSpPr>
+                <p:cNvPr id="153" name="CustomShape 13"/>
+                <p:cNvSpPr/>
+                <p:nvPr/>
+              </p:nvSpPr>
+              <p:spPr>
+                <a:xfrm>
+                  <a:off x="8067960" y="2179080"/>
+                  <a:ext cx="2904480" cy="2980440"/>
+                </a:xfrm>
+                <a:prstGeom prst="rect">
+                  <a:avLst/>
+                </a:prstGeom>
+                <a:blipFill rotWithShape="0">
+                  <a:blip r:embed="rId2"/>
+                  <a:stretch>
+                    <a:fillRect/>
+                  </a:stretch>
+                </a:blipFill>
+                <a:ln>
+                  <a:noFill/>
+                </a:ln>
+              </p:spPr>
+              <p:style>
+                <a:lnRef idx="0"/>
+                <a:fillRef idx="0"/>
+                <a:effectRef idx="0"/>
+                <a:fontRef idx="minor"/>
+              </p:style>
+              <p:txBody>
+                <a:bodyPr lIns="90000" rIns="90000" tIns="45000" bIns="45000" anchor="ctr"/>
+                <a:p>
+                  <a:pPr algn="ctr">
+                    <a:lnSpc>
+                      <a:spcPct val="100000"/>
+                    </a:lnSpc>
+                  </a:pPr>
+                  <a:r>
+                    <a:rPr b="0" lang="en-US" sz="2200" spc="-1" strike="noStrike">
+                      <a:latin typeface="Arial"/>
+                    </a:rPr>
+                    <a:t>Html</a:t>
+                  </a:r>
+                  <a:endParaRPr b="0" lang="en-US" sz="2200" spc="-1" strike="noStrike">
+                    <a:latin typeface="Arial"/>
+                  </a:endParaRPr>
+                </a:p>
+              </p:txBody>
+            </p:sp>
+            <p:sp>
+              <p:nvSpPr>
+                <p:cNvPr id="154" name="CustomShape 14"/>
+                <p:cNvSpPr/>
+                <p:nvPr/>
+              </p:nvSpPr>
+              <p:spPr>
+                <a:xfrm flipV="1">
+                  <a:off x="5889240" y="2846160"/>
+                  <a:ext cx="2178720" cy="822600"/>
+                </a:xfrm>
+                <a:prstGeom prst="curvedConnector3">
+                  <a:avLst>
+                    <a:gd name="adj1" fmla="val 50000"/>
+                  </a:avLst>
+                </a:prstGeom>
+                <a:noFill/>
+                <a:ln>
+                  <a:solidFill>
+                    <a:srgbClr val="000000"/>
+                  </a:solidFill>
+                  <a:tailEnd len="med" type="triangle" w="med"/>
+                </a:ln>
+              </p:spPr>
+              <p:style>
+                <a:lnRef idx="0"/>
+                <a:fillRef idx="0"/>
+                <a:effectRef idx="0"/>
+                <a:fontRef idx="minor"/>
+              </p:style>
+            </p:sp>
+            <p:sp>
+              <p:nvSpPr>
+                <p:cNvPr id="155" name="CustomShape 15"/>
+                <p:cNvSpPr/>
+                <p:nvPr/>
+              </p:nvSpPr>
+              <p:spPr>
+                <a:xfrm>
+                  <a:off x="2834640" y="3550680"/>
+                  <a:ext cx="914040" cy="304920"/>
+                </a:xfrm>
+                <a:prstGeom prst="rect">
+                  <a:avLst/>
+                </a:prstGeom>
+                <a:noFill/>
+                <a:ln>
+                  <a:noFill/>
+                </a:ln>
+              </p:spPr>
+              <p:style>
+                <a:lnRef idx="0"/>
+                <a:fillRef idx="0"/>
+                <a:effectRef idx="0"/>
+                <a:fontRef idx="minor"/>
+              </p:style>
+              <p:txBody>
+                <a:bodyPr lIns="90000" rIns="90000" tIns="45000" bIns="45000"/>
+                <a:p>
+                  <a:pPr>
+                    <a:lnSpc>
+                      <a:spcPct val="100000"/>
+                    </a:lnSpc>
+                  </a:pPr>
+                  <a:r>
+                    <a:rPr b="0" lang="en-US" sz="1800" spc="-1" strike="noStrike">
+                      <a:latin typeface="Arial"/>
+                    </a:rPr>
+                    <a:t>build</a:t>
+                  </a:r>
+                  <a:endParaRPr b="0" lang="en-US" sz="1800" spc="-1" strike="noStrike">
+                    <a:latin typeface="Arial"/>
+                  </a:endParaRPr>
+                </a:p>
+              </p:txBody>
+            </p:sp>
+            <p:sp>
+              <p:nvSpPr>
+                <p:cNvPr id="156" name="CustomShape 16"/>
+                <p:cNvSpPr/>
+                <p:nvPr/>
+              </p:nvSpPr>
+              <p:spPr>
+                <a:xfrm>
+                  <a:off x="6217920" y="3642120"/>
+                  <a:ext cx="914040" cy="336960"/>
+                </a:xfrm>
+                <a:prstGeom prst="rect">
+                  <a:avLst/>
+                </a:prstGeom>
+                <a:noFill/>
+                <a:ln>
+                  <a:noFill/>
+                </a:ln>
+              </p:spPr>
+              <p:style>
+                <a:lnRef idx="0"/>
+                <a:fillRef idx="0"/>
+                <a:effectRef idx="0"/>
+                <a:fontRef idx="minor"/>
+              </p:style>
+              <p:txBody>
+                <a:bodyPr lIns="90000" rIns="90000" tIns="45000" bIns="45000"/>
+                <a:p>
+                  <a:pPr>
+                    <a:lnSpc>
+                      <a:spcPct val="100000"/>
+                    </a:lnSpc>
+                  </a:pPr>
+                  <a:r>
+                    <a:rPr b="0" lang="en-US" sz="1800" spc="-1" strike="noStrike">
+                      <a:latin typeface="Arial"/>
+                    </a:rPr>
+                    <a:t>deploy</a:t>
+                  </a:r>
+                  <a:endParaRPr b="0" lang="en-US" sz="1800" spc="-1" strike="noStrike">
+                    <a:latin typeface="Arial"/>
+                  </a:endParaRPr>
+                </a:p>
+              </p:txBody>
+            </p:sp>
+          </p:grpSp>
+        </p:grpSp>
+        <p:sp>
+          <p:nvSpPr>
+            <p:cNvPr id="157" name="CustomShape 17"/>
+            <p:cNvSpPr/>
+            <p:nvPr/>
+          </p:nvSpPr>
+          <p:spPr>
+            <a:xfrm>
+              <a:off x="822960" y="2103120"/>
+              <a:ext cx="10915200" cy="4023000"/>
+            </a:xfrm>
+            <a:prstGeom prst="rect">
+              <a:avLst/>
+            </a:prstGeom>
+            <a:noFill/>
+            <a:ln>
+              <a:solidFill>
+                <a:srgbClr val="0066b3"/>
+              </a:solidFill>
+            </a:ln>
+          </p:spPr>
+          <p:style>
+            <a:lnRef idx="0"/>
+            <a:fillRef idx="0"/>
+            <a:effectRef idx="0"/>
+            <a:fontRef idx="minor"/>
+          </p:style>
+        </p:sp>
+        <p:sp>
+          <p:nvSpPr>
+            <p:cNvPr id="158" name="CustomShape 18"/>
+            <p:cNvSpPr/>
+            <p:nvPr/>
+          </p:nvSpPr>
+          <p:spPr>
+            <a:xfrm>
+              <a:off x="4188600" y="5740560"/>
+              <a:ext cx="5229360" cy="385560"/>
+            </a:xfrm>
+            <a:prstGeom prst="rect">
+              <a:avLst/>
+            </a:prstGeom>
+            <a:noFill/>
+            <a:ln>
+              <a:noFill/>
+            </a:ln>
+          </p:spPr>
+          <p:style>
+            <a:lnRef idx="0"/>
+            <a:fillRef idx="0"/>
+            <a:effectRef idx="0"/>
+            <a:fontRef idx="minor"/>
+          </p:style>
+          <p:txBody>
+            <a:bodyPr lIns="90000" rIns="90000" tIns="45000" bIns="45000"/>
+            <a:p>
+              <a:pPr>
+                <a:lnSpc>
+                  <a:spcPct val="100000"/>
+                </a:lnSpc>
+              </a:pPr>
+              <a:r>
+                <a:rPr b="1" lang="en-US" sz="2000" spc="-1" strike="noStrike">
+                  <a:latin typeface="Cambrai"/>
+                </a:rPr>
+                <a:t>TRAVI</a:t>
+              </a:r>
+              <a:r>
+                <a:rPr b="1" lang="en-US" sz="2000" spc="-1" strike="noStrike">
+                  <a:latin typeface="Cambrai"/>
+                </a:rPr>
+                <a:t>S </a:t>
+              </a:r>
+              <a:r>
+                <a:rPr b="1" lang="en-US" sz="2000" spc="-1" strike="noStrike">
+                  <a:latin typeface="Cambrai"/>
+                </a:rPr>
+                <a:t>CONT</a:t>
+              </a:r>
+              <a:r>
+                <a:rPr b="1" lang="en-US" sz="2000" spc="-1" strike="noStrike">
+                  <a:latin typeface="Cambrai"/>
+                </a:rPr>
+                <a:t>INUO</a:t>
+              </a:r>
+              <a:r>
+                <a:rPr b="1" lang="en-US" sz="2000" spc="-1" strike="noStrike">
+                  <a:latin typeface="Cambrai"/>
+                </a:rPr>
+                <a:t>US </a:t>
+              </a:r>
+              <a:r>
+                <a:rPr b="1" lang="en-US" sz="2000" spc="-1" strike="noStrike">
+                  <a:latin typeface="Cambrai"/>
+                </a:rPr>
+                <a:t>INTEG</a:t>
+              </a:r>
+              <a:r>
+                <a:rPr b="1" lang="en-US" sz="2000" spc="-1" strike="noStrike">
+                  <a:latin typeface="Cambrai"/>
+                </a:rPr>
+                <a:t>RATIO</a:t>
+              </a:r>
+              <a:r>
+                <a:rPr b="1" lang="en-US" sz="2000" spc="-1" strike="noStrike">
+                  <a:latin typeface="Cambrai"/>
+                </a:rPr>
+                <a:t>N</a:t>
+              </a:r>
+              <a:endParaRPr b="0" lang="en-US" sz="2000" spc="-1" strike="noStrike">
+                <a:latin typeface="Arial"/>
+              </a:endParaRPr>
+            </a:p>
+          </p:txBody>
+        </p:sp>
+      </p:grpSp>
+      <p:sp>
+        <p:nvSpPr>
+          <p:cNvPr id="159" name="TextShape 19"/>
+          <p:cNvSpPr txBox="1"/>
           <p:nvPr/>
-        </p:nvPicPr>
-        <p:blipFill>
-          <a:blip r:embed="rId1"/>
-          <a:stretch/>
-        </p:blipFill>
-        <p:spPr>
-          <a:xfrm>
-            <a:off x="4317120" y="2834640"/>
-            <a:ext cx="2814480" cy="2385720"/>
-          </a:xfrm>
-          <a:prstGeom prst="rect">
-            <a:avLst/>
-          </a:prstGeom>
+        </p:nvSpPr>
+        <p:spPr>
+          <a:xfrm>
+            <a:off x="5212080" y="1737360"/>
+            <a:ext cx="2103120" cy="684720"/>
+          </a:xfrm>
+          <a:prstGeom prst="rect">
+            <a:avLst/>
+          </a:prstGeom>
+          <a:noFill/>
           <a:ln>
             <a:noFill/>
           </a:ln>
         </p:spPr>
-      </p:pic>
+        <p:txBody>
+          <a:bodyPr lIns="90000" rIns="90000" tIns="45000" bIns="45000"/>
+          <a:p>
+            <a:pPr algn="ctr"/>
+            <a:r>
+              <a:rPr b="1" lang="en-US" sz="4000" spc="-1" strike="noStrike">
+                <a:solidFill>
+                  <a:srgbClr val="000000"/>
+                </a:solidFill>
+                <a:latin typeface="Cambria"/>
+                <a:ea typeface="DejaVu Sans"/>
+              </a:rPr>
+              <a:t>N</a:t>
+            </a:r>
+            <a:r>
+              <a:rPr b="1" lang="en-US" sz="4000" spc="-1" strike="noStrike">
+                <a:solidFill>
+                  <a:srgbClr val="000000"/>
+                </a:solidFill>
+                <a:latin typeface="Cambria"/>
+                <a:ea typeface="DejaVu Sans"/>
+              </a:rPr>
+              <a:t>o</a:t>
+            </a:r>
+            <a:r>
+              <a:rPr b="1" lang="en-US" sz="4000" spc="-1" strike="noStrike">
+                <a:solidFill>
+                  <a:srgbClr val="000000"/>
+                </a:solidFill>
+                <a:latin typeface="Cambria"/>
+                <a:ea typeface="DejaVu Sans"/>
+              </a:rPr>
+              <a:t>w</a:t>
+            </a:r>
+            <a:endParaRPr b="0" lang="en-US" sz="4000" spc="-1" strike="noStrike">
+              <a:latin typeface="Arial"/>
+            </a:endParaRPr>
+          </a:p>
+        </p:txBody>
+      </p:sp>
     </p:spTree>
   </p:cSld>
   <p:timing>
@@ -7769,14 +6489,14 @@
       </p:grpSpPr>
       <p:sp>
         <p:nvSpPr>
-          <p:cNvPr id="194" name="CustomShape 1"/>
+          <p:cNvPr id="160" name="CustomShape 1"/>
           <p:cNvSpPr/>
           <p:nvPr/>
         </p:nvSpPr>
         <p:spPr>
           <a:xfrm>
             <a:off x="809640" y="447120"/>
-            <a:ext cx="10570680" cy="969120"/>
+            <a:ext cx="10570320" cy="968760"/>
           </a:xfrm>
           <a:prstGeom prst="rect">
             <a:avLst/>
@@ -7818,14 +6538,14 @@
       </p:sp>
       <p:sp>
         <p:nvSpPr>
-          <p:cNvPr id="195" name="CustomShape 2"/>
+          <p:cNvPr id="161" name="CustomShape 2"/>
           <p:cNvSpPr/>
           <p:nvPr/>
         </p:nvSpPr>
         <p:spPr>
           <a:xfrm>
             <a:off x="480240" y="2227320"/>
-            <a:ext cx="10899720" cy="4363920"/>
+            <a:ext cx="10899360" cy="4363560"/>
           </a:xfrm>
           <a:prstGeom prst="rect">
             <a:avLst/>
@@ -7844,7 +6564,7 @@
         <p:txBody>
           <a:bodyPr lIns="90000" rIns="90000" tIns="45000" bIns="45000" anchor="ctr"/>
           <a:p>
-            <a:pPr marL="514440" indent="-513000">
+            <a:pPr marL="514440" indent="-512640">
               <a:lnSpc>
                 <a:spcPct val="100000"/>
               </a:lnSpc>
@@ -7862,14 +6582,14 @@
                 <a:latin typeface="Cambria"/>
                 <a:ea typeface="DejaVu Sans"/>
               </a:rPr>
-              <a:t>Blogging Plugin for personal sites</a:t>
+              <a:t>Blogging Plugin for personal sites </a:t>
             </a:r>
             <a:endParaRPr b="0" lang="en-US" sz="2800" spc="-1" strike="noStrike">
               <a:latin typeface="Arial"/>
             </a:endParaRPr>
           </a:p>
           <a:p>
-            <a:pPr marL="514440" indent="-513000">
+            <a:pPr marL="514440" indent="-512640">
               <a:lnSpc>
                 <a:spcPct val="100000"/>
               </a:lnSpc>
@@ -7887,14 +6607,14 @@
                 <a:latin typeface="Cambria"/>
                 <a:ea typeface="DejaVu Sans"/>
               </a:rPr>
-              <a:t>New system of compilation : Mike</a:t>
+              <a:t>New system of compilation</a:t>
             </a:r>
             <a:endParaRPr b="0" lang="en-US" sz="2800" spc="-1" strike="noStrike">
               <a:latin typeface="Arial"/>
             </a:endParaRPr>
           </a:p>
           <a:p>
-            <a:pPr marL="514440" indent="-513000">
+            <a:pPr marL="514440" indent="-512640">
               <a:lnSpc>
                 <a:spcPct val="100000"/>
               </a:lnSpc>
@@ -7932,14 +6652,14 @@
       </p:sp>
       <p:sp>
         <p:nvSpPr>
-          <p:cNvPr id="196" name="CustomShape 3"/>
+          <p:cNvPr id="162" name="CustomShape 3"/>
           <p:cNvSpPr/>
           <p:nvPr/>
         </p:nvSpPr>
         <p:spPr>
           <a:xfrm>
             <a:off x="10677960" y="5915880"/>
-            <a:ext cx="1060560" cy="489240"/>
+            <a:ext cx="1060200" cy="488880"/>
           </a:xfrm>
           <a:prstGeom prst="rect">
             <a:avLst/>
@@ -7963,7 +6683,7 @@
                 <a:spcPct val="100000"/>
               </a:lnSpc>
             </a:pPr>
-            <a:fld id="{E8306D20-550E-44A4-8C53-EA95F50B9DC5}" type="slidenum">
+            <a:fld id="{CFEFFE62-AD7F-4FA2-AB8B-2923E3F0619B}" type="slidenum">
               <a:rPr b="0" lang="en-US" sz="2000" spc="-1" strike="noStrike">
                 <a:solidFill>
                   <a:srgbClr val="00c6bb"/>
@@ -7975,6 +6695,44 @@
             </a:fld>
             <a:endParaRPr b="0" lang="en-US" sz="2000" spc="-1" strike="noStrike">
               <a:latin typeface="Arial"/>
+            </a:endParaRPr>
+          </a:p>
+        </p:txBody>
+      </p:sp>
+      <p:sp>
+        <p:nvSpPr>
+          <p:cNvPr id="163" name="TextShape 4"/>
+          <p:cNvSpPr txBox="1"/>
+          <p:nvPr/>
+        </p:nvSpPr>
+        <p:spPr>
+          <a:xfrm>
+            <a:off x="5029200" y="2558520"/>
+            <a:ext cx="6583680" cy="550440"/>
+          </a:xfrm>
+          <a:prstGeom prst="rect">
+            <a:avLst/>
+          </a:prstGeom>
+          <a:noFill/>
+          <a:ln>
+            <a:noFill/>
+          </a:ln>
+        </p:spPr>
+        <p:txBody>
+          <a:bodyPr lIns="90000" rIns="90000" tIns="45000" bIns="45000"/>
+          <a:p>
+            <a:r>
+              <a:rPr b="0" lang="en-US" sz="2800" spc="-1" strike="noStrike">
+                <a:solidFill>
+                  <a:srgbClr val="000000"/>
+                </a:solidFill>
+                <a:latin typeface="Cambria"/>
+                <a:ea typeface="DejaVu Sans"/>
+              </a:rPr>
+              <a:t>${docList:path=blogs|limit=5|sort=date}$</a:t>
+            </a:r>
+            <a:endParaRPr b="0" lang="en-US" sz="2800" spc="-1" strike="noStrike">
+              <a:latin typeface="Cambrai"/>
             </a:endParaRPr>
           </a:p>
         </p:txBody>
@@ -8030,14 +6788,14 @@
       </p:grpSpPr>
       <p:sp>
         <p:nvSpPr>
-          <p:cNvPr id="197" name="CustomShape 1"/>
+          <p:cNvPr id="164" name="CustomShape 1"/>
           <p:cNvSpPr/>
           <p:nvPr/>
         </p:nvSpPr>
         <p:spPr>
           <a:xfrm>
             <a:off x="809640" y="447120"/>
-            <a:ext cx="10570680" cy="969120"/>
+            <a:ext cx="10570320" cy="968760"/>
           </a:xfrm>
           <a:prstGeom prst="rect">
             <a:avLst/>
@@ -8079,14 +6837,14 @@
       </p:sp>
       <p:sp>
         <p:nvSpPr>
-          <p:cNvPr id="198" name="CustomShape 2"/>
+          <p:cNvPr id="165" name="CustomShape 2"/>
           <p:cNvSpPr/>
           <p:nvPr/>
         </p:nvSpPr>
         <p:spPr>
           <a:xfrm>
             <a:off x="10677960" y="5915880"/>
-            <a:ext cx="1060560" cy="489240"/>
+            <a:ext cx="1060200" cy="488880"/>
           </a:xfrm>
           <a:prstGeom prst="rect">
             <a:avLst/>
@@ -8110,7 +6868,7 @@
                 <a:spcPct val="100000"/>
               </a:lnSpc>
             </a:pPr>
-            <a:fld id="{C9E6D83F-F8E6-4348-9CD9-8FC9889EF7F1}" type="slidenum">
+            <a:fld id="{822367EB-983F-4486-B289-EBF701AF64B7}" type="slidenum">
               <a:rPr b="0" lang="en-US" sz="2000" spc="-1" strike="noStrike">
                 <a:solidFill>
                   <a:srgbClr val="00c6bb"/>
@@ -8128,7 +6886,7 @@
       </p:sp>
       <p:pic>
         <p:nvPicPr>
-          <p:cNvPr id="199" name="" descr=""/>
+          <p:cNvPr id="166" name="" descr=""/>
           <p:cNvPicPr/>
           <p:nvPr/>
         </p:nvPicPr>
@@ -8139,7 +6897,7 @@
         <p:spPr>
           <a:xfrm>
             <a:off x="5303520" y="4114800"/>
-            <a:ext cx="7768800" cy="3840480"/>
+            <a:ext cx="7768440" cy="3840120"/>
           </a:xfrm>
           <a:prstGeom prst="rect">
             <a:avLst/>
@@ -8148,7 +6906,7 @@
             <a:noFill/>
           </a:ln>
           <a:effectLst>
-            <a:outerShdw dist="101823" dir="2700000">
+            <a:outerShdw dir="2700000" dist="101823">
               <a:srgbClr val="808080"/>
             </a:outerShdw>
           </a:effectLst>
@@ -8156,7 +6914,7 @@
       </p:pic>
       <p:pic>
         <p:nvPicPr>
-          <p:cNvPr id="200" name="" descr=""/>
+          <p:cNvPr id="167" name="" descr=""/>
           <p:cNvPicPr/>
           <p:nvPr/>
         </p:nvPicPr>
@@ -8167,7 +6925,7 @@
         <p:spPr>
           <a:xfrm>
             <a:off x="-2286000" y="2468880"/>
-            <a:ext cx="7076880" cy="3291480"/>
+            <a:ext cx="7076520" cy="3291120"/>
           </a:xfrm>
           <a:prstGeom prst="rect">
             <a:avLst/>
@@ -8176,7 +6934,7 @@
             <a:noFill/>
           </a:ln>
           <a:effectLst>
-            <a:outerShdw dist="101823" dir="2700000">
+            <a:outerShdw dir="2700000" dist="101823">
               <a:srgbClr val="808080"/>
             </a:outerShdw>
           </a:effectLst>
@@ -8184,14 +6942,14 @@
       </p:pic>
       <p:sp>
         <p:nvSpPr>
-          <p:cNvPr id="201" name="CustomShape 3"/>
+          <p:cNvPr id="168" name="CustomShape 3"/>
           <p:cNvSpPr/>
           <p:nvPr/>
         </p:nvSpPr>
         <p:spPr>
           <a:xfrm>
             <a:off x="5943600" y="2103120"/>
-            <a:ext cx="640080" cy="822960"/>
+            <a:ext cx="639720" cy="822600"/>
           </a:xfrm>
           <a:prstGeom prst="flowChartMagneticDisk">
             <a:avLst/>
@@ -8214,47 +6972,57 @@
         <p:txBody>
           <a:bodyPr wrap="none" lIns="90000" rIns="90000" tIns="45000" bIns="45000" anchor="ctr"/>
           <a:p>
-            <a:pPr algn="ctr"/>
+            <a:pPr algn="ctr">
+              <a:lnSpc>
+                <a:spcPct val="100000"/>
+              </a:lnSpc>
+            </a:pPr>
             <a:r>
               <a:rPr b="0" lang="en-US" sz="1300" spc="-1" strike="noStrike">
+                <a:solidFill>
+                  <a:srgbClr val="000000"/>
+                </a:solidFill>
                 <a:latin typeface="Arial"/>
-              </a:rPr>
-              <a:t>Gith</a:t>
-            </a:r>
+                <a:ea typeface="DejaVu Sans"/>
+              </a:rPr>
+              <a:t>Github</a:t>
+            </a:r>
+            <a:endParaRPr b="0" lang="en-US" sz="1300" spc="-1" strike="noStrike">
+              <a:latin typeface="Arial"/>
+            </a:endParaRPr>
+          </a:p>
+          <a:p>
+            <a:pPr algn="ctr">
+              <a:lnSpc>
+                <a:spcPct val="100000"/>
+              </a:lnSpc>
+            </a:pPr>
             <a:r>
               <a:rPr b="0" lang="en-US" sz="1300" spc="-1" strike="noStrike">
+                <a:solidFill>
+                  <a:srgbClr val="000000"/>
+                </a:solidFill>
                 <a:latin typeface="Arial"/>
-              </a:rPr>
-              <a:t>ub</a:t>
+                <a:ea typeface="DejaVu Sans"/>
+              </a:rPr>
+              <a:t>repo</a:t>
             </a:r>
             <a:endParaRPr b="0" lang="en-US" sz="1300" spc="-1" strike="noStrike">
               <a:latin typeface="Arial"/>
             </a:endParaRPr>
           </a:p>
-          <a:p>
-            <a:pPr algn="ctr"/>
-            <a:r>
-              <a:rPr b="0" lang="en-US" sz="1300" spc="-1" strike="noStrike">
-                <a:latin typeface="Arial"/>
-              </a:rPr>
-              <a:t>repo</a:t>
-            </a:r>
-            <a:endParaRPr b="0" lang="en-US" sz="1300" spc="-1" strike="noStrike">
-              <a:latin typeface="Arial"/>
-            </a:endParaRPr>
-          </a:p>
-        </p:txBody>
-      </p:sp>
-      <p:sp>
-        <p:nvSpPr>
-          <p:cNvPr id="202" name="Line 4"/>
+        </p:txBody>
+      </p:sp>
+      <p:sp>
+        <p:nvSpPr>
+          <p:cNvPr id="169" name="Line 4"/>
           <p:cNvSpPr/>
           <p:nvPr/>
         </p:nvSpPr>
         <p:spPr>
           <a:xfrm>
             <a:off x="6309360" y="2926080"/>
-            <a:ext cx="0" cy="640080"/>
+            <a:ext cx="360" cy="640080"/>
           </a:xfrm>
           <a:prstGeom prst="line">
             <a:avLst/>
@@ -8275,14 +7043,14 @@
       </p:sp>
       <p:sp>
         <p:nvSpPr>
-          <p:cNvPr id="203" name="TextShape 5"/>
-          <p:cNvSpPr txBox="1"/>
+          <p:cNvPr id="170" name="CustomShape 5"/>
+          <p:cNvSpPr/>
           <p:nvPr/>
         </p:nvSpPr>
         <p:spPr>
           <a:xfrm>
             <a:off x="6309360" y="3200400"/>
-            <a:ext cx="1097280" cy="274320"/>
+            <a:ext cx="1096920" cy="273960"/>
           </a:xfrm>
           <a:prstGeom prst="rect">
             <a:avLst/>
@@ -8292,9 +7060,20 @@
             <a:noFill/>
           </a:ln>
         </p:spPr>
+        <p:style>
+          <a:lnRef idx="0"/>
+          <a:fillRef idx="0"/>
+          <a:effectRef idx="0"/>
+          <a:fontRef idx="minor"/>
+        </p:style>
         <p:txBody>
           <a:bodyPr lIns="90000" rIns="90000" tIns="45000" bIns="45000"/>
           <a:p>
+            <a:pPr>
+              <a:lnSpc>
+                <a:spcPct val="100000"/>
+              </a:lnSpc>
+            </a:pPr>
             <a:r>
               <a:rPr b="0" lang="en-US" sz="1200" spc="-1" strike="noStrike">
                 <a:latin typeface="Cambrai"/>
@@ -8302,21 +7081,21 @@
               <a:t>commit</a:t>
             </a:r>
             <a:endParaRPr b="0" lang="en-US" sz="1200" spc="-1" strike="noStrike">
-              <a:latin typeface="Cambrai"/>
-            </a:endParaRPr>
-          </a:p>
-        </p:txBody>
-      </p:sp>
-      <p:sp>
-        <p:nvSpPr>
-          <p:cNvPr id="204" name="TextShape 6"/>
-          <p:cNvSpPr txBox="1"/>
+              <a:latin typeface="Arial"/>
+            </a:endParaRPr>
+          </a:p>
+        </p:txBody>
+      </p:sp>
+      <p:sp>
+        <p:nvSpPr>
+          <p:cNvPr id="171" name="CustomShape 6"/>
+          <p:cNvSpPr/>
           <p:nvPr/>
         </p:nvSpPr>
         <p:spPr>
           <a:xfrm>
             <a:off x="8379360" y="2600280"/>
-            <a:ext cx="914400" cy="1188720"/>
+            <a:ext cx="914040" cy="1188360"/>
           </a:xfrm>
           <a:prstGeom prst="rect">
             <a:avLst/>
@@ -8331,10 +7110,20 @@
             <a:noFill/>
           </a:ln>
         </p:spPr>
+        <p:style>
+          <a:lnRef idx="0"/>
+          <a:fillRef idx="0"/>
+          <a:effectRef idx="0"/>
+          <a:fontRef idx="minor"/>
+        </p:style>
         <p:txBody>
           <a:bodyPr lIns="90000" rIns="90000" tIns="45000" bIns="45000" anchor="ctr"/>
           <a:p>
-            <a:pPr algn="ctr"/>
+            <a:pPr algn="ctr">
+              <a:lnSpc>
+                <a:spcPct val="100000"/>
+              </a:lnSpc>
+            </a:pPr>
             <a:r>
               <a:rPr b="0" lang="en-US" sz="1300" spc="-1" strike="noStrike">
                 <a:latin typeface="Arial"/>
@@ -8349,7 +7138,7 @@
       </p:sp>
       <p:pic>
         <p:nvPicPr>
-          <p:cNvPr id="205" name="" descr=""/>
+          <p:cNvPr id="172" name="" descr=""/>
           <p:cNvPicPr/>
           <p:nvPr/>
         </p:nvPicPr>
@@ -8360,7 +7149,7 @@
         <p:spPr>
           <a:xfrm>
             <a:off x="10149840" y="2031480"/>
-            <a:ext cx="1371600" cy="894600"/>
+            <a:ext cx="1371240" cy="894240"/>
           </a:xfrm>
           <a:prstGeom prst="rect">
             <a:avLst/>
@@ -8372,14 +7161,14 @@
       </p:pic>
       <p:sp>
         <p:nvSpPr>
-          <p:cNvPr id="206" name="TextShape 7"/>
-          <p:cNvSpPr txBox="1"/>
+          <p:cNvPr id="173" name="CustomShape 7"/>
+          <p:cNvSpPr/>
           <p:nvPr/>
         </p:nvSpPr>
         <p:spPr>
           <a:xfrm>
             <a:off x="10149840" y="3017520"/>
-            <a:ext cx="1554480" cy="245880"/>
+            <a:ext cx="1554120" cy="245520"/>
           </a:xfrm>
           <a:prstGeom prst="rect">
             <a:avLst/>
@@ -8389,10 +7178,20 @@
             <a:noFill/>
           </a:ln>
         </p:spPr>
+        <p:style>
+          <a:lnRef idx="0"/>
+          <a:fillRef idx="0"/>
+          <a:effectRef idx="0"/>
+          <a:fontRef idx="minor"/>
+        </p:style>
         <p:txBody>
           <a:bodyPr lIns="90000" rIns="90000" tIns="45000" bIns="45000"/>
           <a:p>
-            <a:pPr algn="ctr"/>
+            <a:pPr algn="ctr">
+              <a:lnSpc>
+                <a:spcPct val="100000"/>
+              </a:lnSpc>
+            </a:pPr>
             <a:r>
               <a:rPr b="0" lang="en-US" sz="1300" spc="-1" strike="noStrike">
                 <a:latin typeface="Arial"/>
@@ -8405,23 +7204,23 @@
           </a:p>
         </p:txBody>
       </p:sp>
-      <p:cxnSp>
-        <p:nvCxnSpPr>
-          <p:cNvPr id="207" name="Line 8"/>
-          <p:cNvCxnSpPr>
-            <a:stCxn id="201" idx="4"/>
-            <a:endCxn id="204" idx="1"/>
-          </p:cNvCxnSpPr>
+      <p:sp>
+        <p:nvSpPr>
+          <p:cNvPr id="174" name="CustomShape 8"/>
+          <p:cNvSpPr/>
           <p:nvPr/>
-        </p:nvCxnSpPr>
+        </p:nvSpPr>
         <p:spPr>
           <a:xfrm>
             <a:off x="6583680" y="2514600"/>
-            <a:ext cx="1796040" cy="680400"/>
+            <a:ext cx="1795680" cy="680040"/>
           </a:xfrm>
           <a:prstGeom prst="curvedConnector3">
-            <a:avLst/>
-          </a:prstGeom>
+            <a:avLst>
+              <a:gd name="adj1" fmla="val 50000"/>
+            </a:avLst>
+          </a:prstGeom>
+          <a:noFill/>
           <a:ln>
             <a:solidFill>
               <a:srgbClr val="000000"/>
@@ -8429,24 +7228,30 @@
             <a:tailEnd len="med" type="triangle" w="med"/>
           </a:ln>
         </p:spPr>
-      </p:cxnSp>
-      <p:cxnSp>
-        <p:nvCxnSpPr>
-          <p:cNvPr id="208" name="Line 9"/>
-          <p:cNvCxnSpPr>
-            <a:stCxn id="204" idx="3"/>
-            <a:endCxn id="205" idx="1"/>
-          </p:cNvCxnSpPr>
+        <p:style>
+          <a:lnRef idx="0"/>
+          <a:fillRef idx="0"/>
+          <a:effectRef idx="0"/>
+          <a:fontRef idx="minor"/>
+        </p:style>
+      </p:sp>
+      <p:sp>
+        <p:nvSpPr>
+          <p:cNvPr id="175" name="CustomShape 9"/>
+          <p:cNvSpPr/>
           <p:nvPr/>
-        </p:nvCxnSpPr>
+        </p:nvSpPr>
         <p:spPr>
           <a:xfrm flipV="1">
-            <a:off x="9293760" y="2478600"/>
-            <a:ext cx="856440" cy="716400"/>
+            <a:off x="9293760" y="1761840"/>
+            <a:ext cx="856080" cy="716040"/>
           </a:xfrm>
           <a:prstGeom prst="curvedConnector3">
-            <a:avLst/>
-          </a:prstGeom>
+            <a:avLst>
+              <a:gd name="adj1" fmla="val 50000"/>
+            </a:avLst>
+          </a:prstGeom>
+          <a:noFill/>
           <a:ln>
             <a:solidFill>
               <a:srgbClr val="000000"/>
@@ -8454,17 +7259,23 @@
             <a:tailEnd len="med" type="triangle" w="med"/>
           </a:ln>
         </p:spPr>
-      </p:cxnSp>
-      <p:sp>
-        <p:nvSpPr>
-          <p:cNvPr id="209" name="TextShape 10"/>
-          <p:cNvSpPr txBox="1"/>
+        <p:style>
+          <a:lnRef idx="0"/>
+          <a:fillRef idx="0"/>
+          <a:effectRef idx="0"/>
+          <a:fontRef idx="minor"/>
+        </p:style>
+      </p:sp>
+      <p:sp>
+        <p:nvSpPr>
+          <p:cNvPr id="176" name="CustomShape 10"/>
+          <p:cNvSpPr/>
           <p:nvPr/>
         </p:nvSpPr>
         <p:spPr>
           <a:xfrm>
             <a:off x="7406640" y="2514600"/>
-            <a:ext cx="640080" cy="221400"/>
+            <a:ext cx="639720" cy="221040"/>
           </a:xfrm>
           <a:prstGeom prst="rect">
             <a:avLst/>
@@ -8474,9 +7285,20 @@
             <a:noFill/>
           </a:ln>
         </p:spPr>
+        <p:style>
+          <a:lnRef idx="0"/>
+          <a:fillRef idx="0"/>
+          <a:effectRef idx="0"/>
+          <a:fontRef idx="minor"/>
+        </p:style>
         <p:txBody>
           <a:bodyPr lIns="90000" rIns="90000" tIns="45000" bIns="45000"/>
           <a:p>
+            <a:pPr>
+              <a:lnSpc>
+                <a:spcPct val="100000"/>
+              </a:lnSpc>
+            </a:pPr>
             <a:r>
               <a:rPr b="0" lang="en-US" sz="1100" spc="-1" strike="noStrike">
                 <a:latin typeface="Arial"/>
@@ -8491,14 +7313,14 @@
       </p:sp>
       <p:sp>
         <p:nvSpPr>
-          <p:cNvPr id="210" name="TextShape 11"/>
-          <p:cNvSpPr txBox="1"/>
+          <p:cNvPr id="177" name="CustomShape 11"/>
+          <p:cNvSpPr/>
           <p:nvPr/>
         </p:nvSpPr>
         <p:spPr>
           <a:xfrm>
             <a:off x="9144000" y="2521800"/>
-            <a:ext cx="640080" cy="221400"/>
+            <a:ext cx="639720" cy="221040"/>
           </a:xfrm>
           <a:prstGeom prst="rect">
             <a:avLst/>
@@ -8508,9 +7330,20 @@
             <a:noFill/>
           </a:ln>
         </p:spPr>
+        <p:style>
+          <a:lnRef idx="0"/>
+          <a:fillRef idx="0"/>
+          <a:effectRef idx="0"/>
+          <a:fontRef idx="minor"/>
+        </p:style>
         <p:txBody>
           <a:bodyPr lIns="90000" rIns="90000" tIns="45000" bIns="45000"/>
           <a:p>
+            <a:pPr>
+              <a:lnSpc>
+                <a:spcPct val="100000"/>
+              </a:lnSpc>
+            </a:pPr>
             <a:r>
               <a:rPr b="0" lang="en-US" sz="1100" spc="-1" strike="noStrike">
                 <a:latin typeface="Arial"/>
@@ -8525,14 +7358,14 @@
       </p:sp>
       <p:sp>
         <p:nvSpPr>
-          <p:cNvPr id="211" name="TextShape 12"/>
-          <p:cNvSpPr txBox="1"/>
+          <p:cNvPr id="178" name="CustomShape 12"/>
+          <p:cNvSpPr/>
           <p:nvPr/>
         </p:nvSpPr>
         <p:spPr>
           <a:xfrm>
             <a:off x="7223760" y="3657600"/>
-            <a:ext cx="4297680" cy="305280"/>
+            <a:ext cx="4297320" cy="304920"/>
           </a:xfrm>
           <a:prstGeom prst="rect">
             <a:avLst/>
@@ -8542,9 +7375,20 @@
             <a:noFill/>
           </a:ln>
         </p:spPr>
+        <p:style>
+          <a:lnRef idx="0"/>
+          <a:fillRef idx="0"/>
+          <a:effectRef idx="0"/>
+          <a:fontRef idx="minor"/>
+        </p:style>
         <p:txBody>
           <a:bodyPr lIns="90000" rIns="90000" tIns="45000" bIns="45000"/>
           <a:p>
+            <a:pPr>
+              <a:lnSpc>
+                <a:spcPct val="100000"/>
+              </a:lnSpc>
+            </a:pPr>
             <a:r>
               <a:rPr b="0" lang="en-US" sz="1800" spc="-1" strike="noStrike">
                 <a:latin typeface="Arial"/>
@@ -8608,14 +7452,14 @@
       </p:grpSpPr>
       <p:sp>
         <p:nvSpPr>
-          <p:cNvPr id="212" name="CustomShape 1"/>
+          <p:cNvPr id="179" name="CustomShape 1"/>
           <p:cNvSpPr/>
           <p:nvPr/>
         </p:nvSpPr>
         <p:spPr>
           <a:xfrm>
             <a:off x="809640" y="447120"/>
-            <a:ext cx="10570680" cy="969120"/>
+            <a:ext cx="10570320" cy="968760"/>
           </a:xfrm>
           <a:prstGeom prst="rect">
             <a:avLst/>
@@ -8647,7 +7491,7 @@
                 <a:latin typeface="Cambria"/>
                 <a:ea typeface="DejaVu Sans"/>
               </a:rPr>
-              <a:t>Toc Visit</a:t>
+              <a:t>Demo</a:t>
             </a:r>
             <a:endParaRPr b="0" lang="en-US" sz="4800" spc="-1" strike="noStrike">
               <a:latin typeface="Arial"/>
@@ -8657,14 +7501,14 @@
       </p:sp>
       <p:sp>
         <p:nvSpPr>
-          <p:cNvPr id="213" name="CustomShape 2"/>
+          <p:cNvPr id="180" name="CustomShape 2"/>
           <p:cNvSpPr/>
           <p:nvPr/>
         </p:nvSpPr>
         <p:spPr>
           <a:xfrm>
-            <a:off x="10677960" y="5915880"/>
-            <a:ext cx="1060560" cy="489240"/>
+            <a:off x="480240" y="2227320"/>
+            <a:ext cx="10899360" cy="4363560"/>
           </a:xfrm>
           <a:prstGeom prst="rect">
             <a:avLst/>
@@ -8681,6 +7525,55 @@
           <a:fontRef idx="minor"/>
         </p:style>
         <p:txBody>
+          <a:bodyPr lIns="90000" rIns="90000" tIns="45000" bIns="45000" anchor="ctr"/>
+          <a:p>
+            <a:pPr>
+              <a:lnSpc>
+                <a:spcPct val="100000"/>
+              </a:lnSpc>
+            </a:pPr>
+            <a:endParaRPr b="0" lang="en-US" sz="1800" spc="-1" strike="noStrike">
+              <a:latin typeface="Arial"/>
+            </a:endParaRPr>
+          </a:p>
+          <a:p>
+            <a:pPr>
+              <a:lnSpc>
+                <a:spcPct val="100000"/>
+              </a:lnSpc>
+            </a:pPr>
+            <a:endParaRPr b="0" lang="en-US" sz="1800" spc="-1" strike="noStrike">
+              <a:latin typeface="Arial"/>
+            </a:endParaRPr>
+          </a:p>
+        </p:txBody>
+      </p:sp>
+      <p:sp>
+        <p:nvSpPr>
+          <p:cNvPr id="181" name="CustomShape 3"/>
+          <p:cNvSpPr/>
+          <p:nvPr/>
+        </p:nvSpPr>
+        <p:spPr>
+          <a:xfrm>
+            <a:off x="10677960" y="5915880"/>
+            <a:ext cx="1060200" cy="488880"/>
+          </a:xfrm>
+          <a:prstGeom prst="rect">
+            <a:avLst/>
+          </a:prstGeom>
+          <a:noFill/>
+          <a:ln>
+            <a:noFill/>
+          </a:ln>
+        </p:spPr>
+        <p:style>
+          <a:lnRef idx="0"/>
+          <a:fillRef idx="0"/>
+          <a:effectRef idx="0"/>
+          <a:fontRef idx="minor"/>
+        </p:style>
+        <p:txBody>
           <a:bodyPr lIns="90000" rIns="90000" tIns="45000" bIns="10800" anchor="b"/>
           <a:p>
             <a:pPr algn="r">
@@ -8688,7 +7581,7 @@
                 <a:spcPct val="100000"/>
               </a:lnSpc>
             </a:pPr>
-            <a:fld id="{20EB2830-9AA7-4DF6-9117-649E3FCF3198}" type="slidenum">
+            <a:fld id="{73BA5E68-2905-4AF7-BD31-6F327684CAA6}" type="slidenum">
               <a:rPr b="0" lang="en-US" sz="2000" spc="-1" strike="noStrike">
                 <a:solidFill>
                   <a:srgbClr val="00c6bb"/>
@@ -8704,58 +7597,9 @@
           </a:p>
         </p:txBody>
       </p:sp>
-      <p:sp>
-        <p:nvSpPr>
-          <p:cNvPr id="214" name="CustomShape 3"/>
-          <p:cNvSpPr/>
-          <p:nvPr/>
-        </p:nvSpPr>
-        <p:spPr>
-          <a:xfrm>
-            <a:off x="809640" y="2179080"/>
-            <a:ext cx="10369080" cy="4226400"/>
-          </a:xfrm>
-          <a:prstGeom prst="rect">
-            <a:avLst/>
-          </a:prstGeom>
-          <a:noFill/>
-          <a:ln>
-            <a:noFill/>
-          </a:ln>
-        </p:spPr>
-        <p:style>
-          <a:lnRef idx="0"/>
-          <a:fillRef idx="0"/>
-          <a:effectRef idx="0"/>
-          <a:fontRef idx="minor"/>
-        </p:style>
-        <p:txBody>
-          <a:bodyPr lIns="90000" rIns="90000" tIns="45000" bIns="45000" anchor="ctr"/>
-          <a:p>
-            <a:pPr algn="ctr">
-              <a:lnSpc>
-                <a:spcPct val="150000"/>
-              </a:lnSpc>
-            </a:pPr>
-            <a:endParaRPr b="0" lang="en-US" sz="1800" spc="-1" strike="noStrike">
-              <a:latin typeface="Arial"/>
-            </a:endParaRPr>
-          </a:p>
-          <a:p>
-            <a:pPr algn="just">
-              <a:lnSpc>
-                <a:spcPct val="150000"/>
-              </a:lnSpc>
-            </a:pPr>
-            <a:endParaRPr b="0" lang="en-US" sz="1800" spc="-1" strike="noStrike">
-              <a:latin typeface="Arial"/>
-            </a:endParaRPr>
-          </a:p>
-        </p:txBody>
-      </p:sp>
       <p:pic>
         <p:nvPicPr>
-          <p:cNvPr id="215" name="" descr=""/>
+          <p:cNvPr id="182" name="" descr=""/>
           <p:cNvPicPr/>
           <p:nvPr/>
         </p:nvPicPr>
@@ -8765,8 +7609,8 @@
         </p:blipFill>
         <p:spPr>
           <a:xfrm>
-            <a:off x="276120" y="1556640"/>
-            <a:ext cx="11647440" cy="5757120"/>
+            <a:off x="4317120" y="2834640"/>
+            <a:ext cx="2814120" cy="2385360"/>
           </a:xfrm>
           <a:prstGeom prst="rect">
             <a:avLst/>
@@ -8827,14 +7671,14 @@
       </p:grpSpPr>
       <p:sp>
         <p:nvSpPr>
-          <p:cNvPr id="216" name="CustomShape 1"/>
+          <p:cNvPr id="183" name="CustomShape 1"/>
           <p:cNvSpPr/>
           <p:nvPr/>
         </p:nvSpPr>
         <p:spPr>
           <a:xfrm>
             <a:off x="809640" y="447120"/>
-            <a:ext cx="10570680" cy="969120"/>
+            <a:ext cx="10570320" cy="968760"/>
           </a:xfrm>
           <a:prstGeom prst="rect">
             <a:avLst/>
@@ -8866,7 +7710,7 @@
                 <a:latin typeface="Cambria"/>
                 <a:ea typeface="DejaVu Sans"/>
               </a:rPr>
-              <a:t>Toc Tests</a:t>
+              <a:t>Toc Visit</a:t>
             </a:r>
             <a:endParaRPr b="0" lang="en-US" sz="4800" spc="-1" strike="noStrike">
               <a:latin typeface="Arial"/>
@@ -8876,14 +7720,14 @@
       </p:sp>
       <p:sp>
         <p:nvSpPr>
-          <p:cNvPr id="217" name="CustomShape 2"/>
+          <p:cNvPr id="184" name="CustomShape 2"/>
           <p:cNvSpPr/>
           <p:nvPr/>
         </p:nvSpPr>
         <p:spPr>
           <a:xfrm>
             <a:off x="10677960" y="5915880"/>
-            <a:ext cx="1060560" cy="489240"/>
+            <a:ext cx="1060200" cy="488880"/>
           </a:xfrm>
           <a:prstGeom prst="rect">
             <a:avLst/>
@@ -8907,7 +7751,7 @@
                 <a:spcPct val="100000"/>
               </a:lnSpc>
             </a:pPr>
-            <a:fld id="{4E1ECBE7-D2A7-44EE-AE67-EC30D397C9EF}" type="slidenum">
+            <a:fld id="{AA4458A2-A569-404B-AEC0-9656080BF231}" type="slidenum">
               <a:rPr b="0" lang="en-US" sz="2000" spc="-1" strike="noStrike">
                 <a:solidFill>
                   <a:srgbClr val="00c6bb"/>
@@ -8925,14 +7769,14 @@
       </p:sp>
       <p:sp>
         <p:nvSpPr>
-          <p:cNvPr id="218" name="CustomShape 3"/>
+          <p:cNvPr id="185" name="CustomShape 3"/>
           <p:cNvSpPr/>
           <p:nvPr/>
         </p:nvSpPr>
         <p:spPr>
           <a:xfrm>
             <a:off x="809640" y="2179080"/>
-            <a:ext cx="10369080" cy="4226400"/>
+            <a:ext cx="10368720" cy="4226040"/>
           </a:xfrm>
           <a:prstGeom prst="rect">
             <a:avLst/>
@@ -8974,7 +7818,7 @@
       </p:sp>
       <p:pic>
         <p:nvPicPr>
-          <p:cNvPr id="219" name="" descr=""/>
+          <p:cNvPr id="186" name="" descr=""/>
           <p:cNvPicPr/>
           <p:nvPr/>
         </p:nvPicPr>
@@ -8984,8 +7828,8 @@
         </p:blipFill>
         <p:spPr>
           <a:xfrm>
-            <a:off x="275040" y="1555560"/>
-            <a:ext cx="11649960" cy="5759280"/>
+            <a:off x="276120" y="1556640"/>
+            <a:ext cx="11647080" cy="5756760"/>
           </a:xfrm>
           <a:prstGeom prst="rect">
             <a:avLst/>
@@ -9046,14 +7890,14 @@
       </p:grpSpPr>
       <p:sp>
         <p:nvSpPr>
-          <p:cNvPr id="220" name="CustomShape 1"/>
+          <p:cNvPr id="187" name="CustomShape 1"/>
           <p:cNvSpPr/>
           <p:nvPr/>
         </p:nvSpPr>
         <p:spPr>
           <a:xfrm>
             <a:off x="809640" y="447120"/>
-            <a:ext cx="10570680" cy="969120"/>
+            <a:ext cx="10570320" cy="968760"/>
           </a:xfrm>
           <a:prstGeom prst="rect">
             <a:avLst/>
@@ -9085,7 +7929,7 @@
                 <a:latin typeface="Cambria"/>
                 <a:ea typeface="DejaVu Sans"/>
               </a:rPr>
-              <a:t>Travis config</a:t>
+              <a:t>Toc Tests</a:t>
             </a:r>
             <a:endParaRPr b="0" lang="en-US" sz="4800" spc="-1" strike="noStrike">
               <a:latin typeface="Arial"/>
@@ -9095,14 +7939,14 @@
       </p:sp>
       <p:sp>
         <p:nvSpPr>
-          <p:cNvPr id="221" name="CustomShape 2"/>
+          <p:cNvPr id="188" name="CustomShape 2"/>
           <p:cNvSpPr/>
           <p:nvPr/>
         </p:nvSpPr>
         <p:spPr>
           <a:xfrm>
             <a:off x="10677960" y="5915880"/>
-            <a:ext cx="1060560" cy="489240"/>
+            <a:ext cx="1060200" cy="488880"/>
           </a:xfrm>
           <a:prstGeom prst="rect">
             <a:avLst/>
@@ -9126,7 +7970,7 @@
                 <a:spcPct val="100000"/>
               </a:lnSpc>
             </a:pPr>
-            <a:fld id="{93649D2C-928C-48AC-BA2A-9DF7ADB4D8CA}" type="slidenum">
+            <a:fld id="{C2A42F26-D850-4437-AF98-3799E3E3922F}" type="slidenum">
               <a:rPr b="0" lang="en-US" sz="2000" spc="-1" strike="noStrike">
                 <a:solidFill>
                   <a:srgbClr val="00c6bb"/>
@@ -9144,14 +7988,14 @@
       </p:sp>
       <p:sp>
         <p:nvSpPr>
-          <p:cNvPr id="222" name="CustomShape 3"/>
+          <p:cNvPr id="189" name="CustomShape 3"/>
           <p:cNvSpPr/>
           <p:nvPr/>
         </p:nvSpPr>
         <p:spPr>
           <a:xfrm>
             <a:off x="809640" y="2179080"/>
-            <a:ext cx="10369080" cy="4226400"/>
+            <a:ext cx="10368720" cy="4226040"/>
           </a:xfrm>
           <a:prstGeom prst="rect">
             <a:avLst/>
@@ -9193,7 +8037,7 @@
       </p:sp>
       <p:pic>
         <p:nvPicPr>
-          <p:cNvPr id="223" name="" descr=""/>
+          <p:cNvPr id="190" name="" descr=""/>
           <p:cNvPicPr/>
           <p:nvPr/>
         </p:nvPicPr>
@@ -9203,8 +8047,8 @@
         </p:blipFill>
         <p:spPr>
           <a:xfrm>
-            <a:off x="275400" y="1555920"/>
-            <a:ext cx="11648880" cy="5758560"/>
+            <a:off x="275040" y="1555560"/>
+            <a:ext cx="11649600" cy="5758920"/>
           </a:xfrm>
           <a:prstGeom prst="rect">
             <a:avLst/>
@@ -9265,14 +8109,14 @@
       </p:grpSpPr>
       <p:sp>
         <p:nvSpPr>
-          <p:cNvPr id="224" name="CustomShape 1"/>
+          <p:cNvPr id="191" name="CustomShape 1"/>
           <p:cNvSpPr/>
           <p:nvPr/>
         </p:nvSpPr>
         <p:spPr>
           <a:xfrm>
             <a:off x="809640" y="447120"/>
-            <a:ext cx="10570680" cy="969120"/>
+            <a:ext cx="10570320" cy="968760"/>
           </a:xfrm>
           <a:prstGeom prst="rect">
             <a:avLst/>
@@ -9304,137 +8148,7 @@
                 <a:latin typeface="Cambria"/>
                 <a:ea typeface="DejaVu Sans"/>
               </a:rPr>
-              <a:t>Mu</a:t>
-            </a:r>
-            <a:r>
-              <a:rPr b="1" lang="en-US" sz="4800" spc="-1" strike="noStrike">
-                <a:solidFill>
-                  <a:srgbClr val="000000"/>
-                </a:solidFill>
-                <a:latin typeface="Cambria"/>
-                <a:ea typeface="DejaVu Sans"/>
-              </a:rPr>
-              <a:t>sta</a:t>
-            </a:r>
-            <a:r>
-              <a:rPr b="1" lang="en-US" sz="4800" spc="-1" strike="noStrike">
-                <a:solidFill>
-                  <a:srgbClr val="000000"/>
-                </a:solidFill>
-                <a:latin typeface="Cambria"/>
-                <a:ea typeface="DejaVu Sans"/>
-              </a:rPr>
-              <a:t>ch</a:t>
-            </a:r>
-            <a:r>
-              <a:rPr b="1" lang="en-US" sz="4800" spc="-1" strike="noStrike">
-                <a:solidFill>
-                  <a:srgbClr val="000000"/>
-                </a:solidFill>
-                <a:latin typeface="Cambria"/>
-                <a:ea typeface="DejaVu Sans"/>
-              </a:rPr>
-              <a:t>e </a:t>
-            </a:r>
-            <a:r>
-              <a:rPr b="1" lang="en-US" sz="4800" spc="-1" strike="noStrike">
-                <a:solidFill>
-                  <a:srgbClr val="000000"/>
-                </a:solidFill>
-                <a:latin typeface="Cambria"/>
-                <a:ea typeface="DejaVu Sans"/>
-              </a:rPr>
-              <a:t>te</a:t>
-            </a:r>
-            <a:r>
-              <a:rPr b="1" lang="en-US" sz="4800" spc="-1" strike="noStrike">
-                <a:solidFill>
-                  <a:srgbClr val="000000"/>
-                </a:solidFill>
-                <a:latin typeface="Cambria"/>
-                <a:ea typeface="DejaVu Sans"/>
-              </a:rPr>
-              <a:t>m</a:t>
-            </a:r>
-            <a:r>
-              <a:rPr b="1" lang="en-US" sz="4800" spc="-1" strike="noStrike">
-                <a:solidFill>
-                  <a:srgbClr val="000000"/>
-                </a:solidFill>
-                <a:latin typeface="Cambria"/>
-                <a:ea typeface="DejaVu Sans"/>
-              </a:rPr>
-              <a:t>pla</a:t>
-            </a:r>
-            <a:r>
-              <a:rPr b="1" lang="en-US" sz="4800" spc="-1" strike="noStrike">
-                <a:solidFill>
-                  <a:srgbClr val="000000"/>
-                </a:solidFill>
-                <a:latin typeface="Cambria"/>
-                <a:ea typeface="DejaVu Sans"/>
-              </a:rPr>
-              <a:t>te </a:t>
-            </a:r>
-            <a:r>
-              <a:rPr b="1" lang="en-US" sz="4800" spc="-1" strike="noStrike">
-                <a:solidFill>
-                  <a:srgbClr val="000000"/>
-                </a:solidFill>
-                <a:latin typeface="Cambria"/>
-                <a:ea typeface="DejaVu Sans"/>
-              </a:rPr>
-              <a:t>Ne</a:t>
-            </a:r>
-            <a:r>
-              <a:rPr b="1" lang="en-US" sz="4800" spc="-1" strike="noStrike">
-                <a:solidFill>
-                  <a:srgbClr val="000000"/>
-                </a:solidFill>
-                <a:latin typeface="Cambria"/>
-                <a:ea typeface="DejaVu Sans"/>
-              </a:rPr>
-              <a:t>w </a:t>
-            </a:r>
-            <a:r>
-              <a:rPr b="1" lang="en-US" sz="4800" spc="-1" strike="noStrike">
-                <a:solidFill>
-                  <a:srgbClr val="000000"/>
-                </a:solidFill>
-                <a:latin typeface="Cambria"/>
-                <a:ea typeface="DejaVu Sans"/>
-              </a:rPr>
-              <a:t>ar</a:t>
-            </a:r>
-            <a:r>
-              <a:rPr b="1" lang="en-US" sz="4800" spc="-1" strike="noStrike">
-                <a:solidFill>
-                  <a:srgbClr val="000000"/>
-                </a:solidFill>
-                <a:latin typeface="Cambria"/>
-                <a:ea typeface="DejaVu Sans"/>
-              </a:rPr>
-              <a:t>ch</a:t>
-            </a:r>
-            <a:r>
-              <a:rPr b="1" lang="en-US" sz="4800" spc="-1" strike="noStrike">
-                <a:solidFill>
-                  <a:srgbClr val="000000"/>
-                </a:solidFill>
-                <a:latin typeface="Cambria"/>
-                <a:ea typeface="DejaVu Sans"/>
-              </a:rPr>
-              <a:t>ety</a:t>
-            </a:r>
-            <a:r>
-              <a:rPr b="1" lang="en-US" sz="4800" spc="-1" strike="noStrike">
-                <a:solidFill>
-                  <a:srgbClr val="000000"/>
-                </a:solidFill>
-                <a:latin typeface="Cambria"/>
-                <a:ea typeface="DejaVu Sans"/>
-              </a:rPr>
-              <a:t>pe</a:t>
+              <a:t>Travis config</a:t>
             </a:r>
             <a:endParaRPr b="0" lang="en-US" sz="4800" spc="-1" strike="noStrike">
               <a:latin typeface="Arial"/>
@@ -9444,14 +8158,14 @@
       </p:sp>
       <p:sp>
         <p:nvSpPr>
-          <p:cNvPr id="225" name="CustomShape 2"/>
+          <p:cNvPr id="192" name="CustomShape 2"/>
           <p:cNvSpPr/>
           <p:nvPr/>
         </p:nvSpPr>
         <p:spPr>
           <a:xfrm>
             <a:off x="10677960" y="5915880"/>
-            <a:ext cx="1060560" cy="489240"/>
+            <a:ext cx="1060200" cy="488880"/>
           </a:xfrm>
           <a:prstGeom prst="rect">
             <a:avLst/>
@@ -9475,7 +8189,7 @@
                 <a:spcPct val="100000"/>
               </a:lnSpc>
             </a:pPr>
-            <a:fld id="{4F329E2C-FD20-40AE-8BF9-C57534CD92D6}" type="slidenum">
+            <a:fld id="{2B58E9B4-A788-41C8-8C39-8EE386679904}" type="slidenum">
               <a:rPr b="0" lang="en-US" sz="2000" spc="-1" strike="noStrike">
                 <a:solidFill>
                   <a:srgbClr val="00c6bb"/>
@@ -9493,14 +8207,14 @@
       </p:sp>
       <p:sp>
         <p:nvSpPr>
-          <p:cNvPr id="226" name="CustomShape 3"/>
+          <p:cNvPr id="193" name="CustomShape 3"/>
           <p:cNvSpPr/>
           <p:nvPr/>
         </p:nvSpPr>
         <p:spPr>
           <a:xfrm>
             <a:off x="809640" y="2179080"/>
-            <a:ext cx="10369080" cy="4226400"/>
+            <a:ext cx="10368720" cy="4226040"/>
           </a:xfrm>
           <a:prstGeom prst="rect">
             <a:avLst/>
@@ -9542,7 +8256,7 @@
       </p:sp>
       <p:pic>
         <p:nvPicPr>
-          <p:cNvPr id="227" name="" descr=""/>
+          <p:cNvPr id="194" name="" descr=""/>
           <p:cNvPicPr/>
           <p:nvPr/>
         </p:nvPicPr>
@@ -9552,8 +8266,8 @@
         </p:blipFill>
         <p:spPr>
           <a:xfrm>
-            <a:off x="275760" y="1556280"/>
-            <a:ext cx="11647800" cy="5757840"/>
+            <a:off x="275400" y="1555920"/>
+            <a:ext cx="11648520" cy="5758200"/>
           </a:xfrm>
           <a:prstGeom prst="rect">
             <a:avLst/>
@@ -9614,14 +8328,14 @@
       </p:grpSpPr>
       <p:sp>
         <p:nvSpPr>
-          <p:cNvPr id="228" name="CustomShape 1"/>
+          <p:cNvPr id="195" name="CustomShape 1"/>
           <p:cNvSpPr/>
           <p:nvPr/>
         </p:nvSpPr>
         <p:spPr>
           <a:xfrm>
             <a:off x="809640" y="447120"/>
-            <a:ext cx="10570680" cy="969120"/>
+            <a:ext cx="10570320" cy="968760"/>
           </a:xfrm>
           <a:prstGeom prst="rect">
             <a:avLst/>
@@ -9653,7 +8367,7 @@
                 <a:latin typeface="Cambria"/>
                 <a:ea typeface="DejaVu Sans"/>
               </a:rPr>
-              <a:t>Archetype architecture</a:t>
+              <a:t>Mustache template New archetype</a:t>
             </a:r>
             <a:endParaRPr b="0" lang="en-US" sz="4800" spc="-1" strike="noStrike">
               <a:latin typeface="Arial"/>
@@ -9663,14 +8377,14 @@
       </p:sp>
       <p:sp>
         <p:nvSpPr>
-          <p:cNvPr id="229" name="CustomShape 2"/>
+          <p:cNvPr id="196" name="CustomShape 2"/>
           <p:cNvSpPr/>
           <p:nvPr/>
         </p:nvSpPr>
         <p:spPr>
           <a:xfrm>
             <a:off x="10677960" y="5915880"/>
-            <a:ext cx="1060560" cy="489240"/>
+            <a:ext cx="1060200" cy="488880"/>
           </a:xfrm>
           <a:prstGeom prst="rect">
             <a:avLst/>
@@ -9694,7 +8408,7 @@
                 <a:spcPct val="100000"/>
               </a:lnSpc>
             </a:pPr>
-            <a:fld id="{E25F4B3D-C8DA-4AF9-95E3-630785EC2A18}" type="slidenum">
+            <a:fld id="{47736E0F-D75F-4962-88A6-3542582839C3}" type="slidenum">
               <a:rPr b="0" lang="en-US" sz="2000" spc="-1" strike="noStrike">
                 <a:solidFill>
                   <a:srgbClr val="00c6bb"/>
@@ -9712,14 +8426,14 @@
       </p:sp>
       <p:sp>
         <p:nvSpPr>
-          <p:cNvPr id="230" name="CustomShape 3"/>
+          <p:cNvPr id="197" name="CustomShape 3"/>
           <p:cNvSpPr/>
           <p:nvPr/>
         </p:nvSpPr>
         <p:spPr>
           <a:xfrm>
             <a:off x="809640" y="2179080"/>
-            <a:ext cx="10369080" cy="4226400"/>
+            <a:ext cx="10368720" cy="4226040"/>
           </a:xfrm>
           <a:prstGeom prst="rect">
             <a:avLst/>
@@ -9761,7 +8475,7 @@
       </p:sp>
       <p:pic>
         <p:nvPicPr>
-          <p:cNvPr id="231" name="" descr=""/>
+          <p:cNvPr id="198" name="" descr=""/>
           <p:cNvPicPr/>
           <p:nvPr/>
         </p:nvPicPr>
@@ -9771,8 +8485,8 @@
         </p:blipFill>
         <p:spPr>
           <a:xfrm>
-            <a:off x="276840" y="1557000"/>
-            <a:ext cx="11645280" cy="5756040"/>
+            <a:off x="275760" y="1556280"/>
+            <a:ext cx="11647440" cy="5757480"/>
           </a:xfrm>
           <a:prstGeom prst="rect">
             <a:avLst/>
@@ -9833,14 +8547,14 @@
       </p:grpSpPr>
       <p:sp>
         <p:nvSpPr>
-          <p:cNvPr id="127" name="CustomShape 1"/>
+          <p:cNvPr id="89" name="CustomShape 1"/>
           <p:cNvSpPr/>
           <p:nvPr/>
         </p:nvSpPr>
         <p:spPr>
           <a:xfrm>
             <a:off x="809640" y="447120"/>
-            <a:ext cx="10570680" cy="969120"/>
+            <a:ext cx="10570320" cy="968760"/>
           </a:xfrm>
           <a:prstGeom prst="rect">
             <a:avLst/>
@@ -9882,14 +8596,14 @@
       </p:sp>
       <p:sp>
         <p:nvSpPr>
-          <p:cNvPr id="128" name="CustomShape 2"/>
+          <p:cNvPr id="90" name="CustomShape 2"/>
           <p:cNvSpPr/>
           <p:nvPr/>
         </p:nvSpPr>
         <p:spPr>
           <a:xfrm>
             <a:off x="480240" y="2227320"/>
-            <a:ext cx="10899720" cy="4363920"/>
+            <a:ext cx="10899360" cy="4363560"/>
           </a:xfrm>
           <a:prstGeom prst="rect">
             <a:avLst/>
@@ -9908,7 +8622,7 @@
         <p:txBody>
           <a:bodyPr lIns="90000" rIns="90000" tIns="45000" bIns="45000" anchor="ctr"/>
           <a:p>
-            <a:pPr marL="514440" indent="-513000">
+            <a:pPr marL="514440" indent="-512640">
               <a:lnSpc>
                 <a:spcPct val="100000"/>
               </a:lnSpc>
@@ -9933,7 +8647,7 @@
             </a:endParaRPr>
           </a:p>
           <a:p>
-            <a:pPr marL="514440" indent="-513000">
+            <a:pPr marL="514440" indent="-512640">
               <a:lnSpc>
                 <a:spcPct val="100000"/>
               </a:lnSpc>
@@ -9958,7 +8672,7 @@
             </a:endParaRPr>
           </a:p>
           <a:p>
-            <a:pPr marL="514440" indent="-513000">
+            <a:pPr marL="514440" indent="-512640">
               <a:lnSpc>
                 <a:spcPct val="100000"/>
               </a:lnSpc>
@@ -9983,7 +8697,7 @@
             </a:endParaRPr>
           </a:p>
           <a:p>
-            <a:pPr marL="514440" indent="-513000">
+            <a:pPr marL="514440" indent="-512640">
               <a:lnSpc>
                 <a:spcPct val="100000"/>
               </a:lnSpc>
@@ -10001,59 +8715,34 @@
                 <a:latin typeface="Cambria"/>
                 <a:ea typeface="DejaVu Sans"/>
               </a:rPr>
-              <a:t>Demo</a:t>
+              <a:t>Next Steps</a:t>
             </a:r>
             <a:endParaRPr b="0" lang="en-US" sz="2800" spc="-1" strike="noStrike">
               <a:latin typeface="Arial"/>
             </a:endParaRPr>
           </a:p>
           <a:p>
-            <a:pPr marL="514440" indent="-513000">
+            <a:pPr>
               <a:lnSpc>
                 <a:spcPct val="100000"/>
               </a:lnSpc>
-              <a:buClr>
-                <a:srgbClr val="00c6bb"/>
-              </a:buClr>
-              <a:buFont typeface="Wingdings" charset="2"/>
-              <a:buChar char=""/>
-            </a:pPr>
-            <a:r>
-              <a:rPr b="0" lang="en-US" sz="2800" spc="-1" strike="noStrike">
-                <a:solidFill>
-                  <a:srgbClr val="000000"/>
-                </a:solidFill>
-                <a:latin typeface="Cambria"/>
-                <a:ea typeface="DejaVu Sans"/>
-              </a:rPr>
-              <a:t>Next Steps</a:t>
-            </a:r>
+            </a:pPr>
             <a:endParaRPr b="0" lang="en-US" sz="2800" spc="-1" strike="noStrike">
               <a:latin typeface="Arial"/>
             </a:endParaRPr>
           </a:p>
-          <a:p>
-            <a:pPr>
-              <a:lnSpc>
-                <a:spcPct val="100000"/>
-              </a:lnSpc>
-            </a:pPr>
-            <a:endParaRPr b="0" lang="en-US" sz="2800" spc="-1" strike="noStrike">
-              <a:latin typeface="Arial"/>
-            </a:endParaRPr>
-          </a:p>
-        </p:txBody>
-      </p:sp>
-      <p:sp>
-        <p:nvSpPr>
-          <p:cNvPr id="129" name="CustomShape 3"/>
+        </p:txBody>
+      </p:sp>
+      <p:sp>
+        <p:nvSpPr>
+          <p:cNvPr id="91" name="CustomShape 3"/>
           <p:cNvSpPr/>
           <p:nvPr/>
         </p:nvSpPr>
         <p:spPr>
           <a:xfrm>
             <a:off x="10677960" y="5915880"/>
-            <a:ext cx="1060560" cy="489240"/>
+            <a:ext cx="1060200" cy="488880"/>
           </a:xfrm>
           <a:prstGeom prst="rect">
             <a:avLst/>
@@ -10077,7 +8766,7 @@
                 <a:spcPct val="100000"/>
               </a:lnSpc>
             </a:pPr>
-            <a:fld id="{9EA5159A-1E3A-440D-9566-2F61FD52800F}" type="slidenum">
+            <a:fld id="{813F57A3-7C1C-4BD8-A2AE-3128E2C59D20}" type="slidenum">
               <a:rPr b="0" lang="en-US" sz="2000" spc="-1" strike="noStrike">
                 <a:solidFill>
                   <a:srgbClr val="00c6bb"/>
@@ -10144,14 +8833,14 @@
       </p:grpSpPr>
       <p:sp>
         <p:nvSpPr>
-          <p:cNvPr id="232" name="CustomShape 1"/>
+          <p:cNvPr id="199" name="CustomShape 1"/>
           <p:cNvSpPr/>
           <p:nvPr/>
         </p:nvSpPr>
         <p:spPr>
           <a:xfrm>
             <a:off x="809640" y="447120"/>
-            <a:ext cx="10570680" cy="969120"/>
+            <a:ext cx="10570320" cy="968760"/>
           </a:xfrm>
           <a:prstGeom prst="rect">
             <a:avLst/>
@@ -10183,7 +8872,7 @@
                 <a:latin typeface="Cambria"/>
                 <a:ea typeface="DejaVu Sans"/>
               </a:rPr>
-              <a:t>Pillar syntax</a:t>
+              <a:t>Archetype architecture</a:t>
             </a:r>
             <a:endParaRPr b="0" lang="en-US" sz="4800" spc="-1" strike="noStrike">
               <a:latin typeface="Arial"/>
@@ -10193,14 +8882,14 @@
       </p:sp>
       <p:sp>
         <p:nvSpPr>
-          <p:cNvPr id="233" name="CustomShape 2"/>
+          <p:cNvPr id="200" name="CustomShape 2"/>
           <p:cNvSpPr/>
           <p:nvPr/>
         </p:nvSpPr>
         <p:spPr>
           <a:xfrm>
             <a:off x="10677960" y="5915880"/>
-            <a:ext cx="1060560" cy="489240"/>
+            <a:ext cx="1060200" cy="488880"/>
           </a:xfrm>
           <a:prstGeom prst="rect">
             <a:avLst/>
@@ -10224,7 +8913,7 @@
                 <a:spcPct val="100000"/>
               </a:lnSpc>
             </a:pPr>
-            <a:fld id="{1DACEE61-77C5-43E2-833E-6E2A951F43F3}" type="slidenum">
+            <a:fld id="{86801B05-E085-4332-8540-DF6EB0F75F9B}" type="slidenum">
               <a:rPr b="0" lang="en-US" sz="2000" spc="-1" strike="noStrike">
                 <a:solidFill>
                   <a:srgbClr val="00c6bb"/>
@@ -10242,14 +8931,14 @@
       </p:sp>
       <p:sp>
         <p:nvSpPr>
-          <p:cNvPr id="234" name="CustomShape 3"/>
+          <p:cNvPr id="201" name="CustomShape 3"/>
           <p:cNvSpPr/>
           <p:nvPr/>
         </p:nvSpPr>
         <p:spPr>
           <a:xfrm>
             <a:off x="809640" y="2179080"/>
-            <a:ext cx="10369080" cy="4226400"/>
+            <a:ext cx="10368720" cy="4226040"/>
           </a:xfrm>
           <a:prstGeom prst="rect">
             <a:avLst/>
@@ -10291,7 +8980,7 @@
       </p:sp>
       <p:pic>
         <p:nvPicPr>
-          <p:cNvPr id="235" name="" descr=""/>
+          <p:cNvPr id="202" name="" descr=""/>
           <p:cNvPicPr/>
           <p:nvPr/>
         </p:nvPicPr>
@@ -10301,8 +8990,8 @@
         </p:blipFill>
         <p:spPr>
           <a:xfrm>
-            <a:off x="277200" y="1557360"/>
-            <a:ext cx="11644560" cy="5755320"/>
+            <a:off x="276840" y="1557000"/>
+            <a:ext cx="11644920" cy="5755680"/>
           </a:xfrm>
           <a:prstGeom prst="rect">
             <a:avLst/>
@@ -10321,6 +9010,225 @@
           <p:childTnLst>
             <p:seq>
               <p:cTn id="40" dur="indefinite" nodeType="mainSeq"/>
+              <p:prevCondLst>
+                <p:cond delay="0" evt="onPrev">
+                  <p:tgtEl>
+                    <p:sldTgt/>
+                  </p:tgtEl>
+                </p:cond>
+              </p:prevCondLst>
+              <p:nextCondLst>
+                <p:cond delay="0" evt="onNext">
+                  <p:tgtEl>
+                    <p:sldTgt/>
+                  </p:tgtEl>
+                </p:cond>
+              </p:nextCondLst>
+            </p:seq>
+          </p:childTnLst>
+        </p:cTn>
+      </p:par>
+    </p:tnLst>
+  </p:timing>
+</p:sld>
+</file>
+
+<file path=ppt/slides/slide21.xml><?xml version="1.0" encoding="utf-8"?>
+<p:sld xmlns:a="http://schemas.openxmlformats.org/drawingml/2006/main" xmlns:p="http://schemas.openxmlformats.org/presentationml/2006/main" xmlns:r="http://schemas.openxmlformats.org/officeDocument/2006/relationships" xmlns:p14="http://schemas.microsoft.com/office/powerpoint/2010/main" xmlns:p15="http://schemas.microsoft.com/office/powerpoint/2012/main" xmlns:mc="http://schemas.openxmlformats.org/markup-compatibility/2006">
+  <p:cSld>
+    <p:spTree>
+      <p:nvGrpSpPr>
+        <p:cNvPr id="1" name=""/>
+        <p:cNvGrpSpPr/>
+        <p:nvPr/>
+      </p:nvGrpSpPr>
+      <p:grpSpPr>
+        <a:xfrm>
+          <a:off x="0" y="0"/>
+          <a:ext cx="0" cy="0"/>
+          <a:chOff x="0" y="0"/>
+          <a:chExt cx="0" cy="0"/>
+        </a:xfrm>
+      </p:grpSpPr>
+      <p:sp>
+        <p:nvSpPr>
+          <p:cNvPr id="203" name="CustomShape 1"/>
+          <p:cNvSpPr/>
+          <p:nvPr/>
+        </p:nvSpPr>
+        <p:spPr>
+          <a:xfrm>
+            <a:off x="809640" y="447120"/>
+            <a:ext cx="10570320" cy="968760"/>
+          </a:xfrm>
+          <a:prstGeom prst="rect">
+            <a:avLst/>
+          </a:prstGeom>
+          <a:noFill/>
+          <a:ln>
+            <a:noFill/>
+          </a:ln>
+        </p:spPr>
+        <p:style>
+          <a:lnRef idx="0"/>
+          <a:fillRef idx="0"/>
+          <a:effectRef idx="0"/>
+          <a:fontRef idx="minor"/>
+        </p:style>
+        <p:txBody>
+          <a:bodyPr lIns="90000" rIns="90000" tIns="45000" bIns="45000" anchor="b"/>
+          <a:p>
+            <a:pPr algn="ctr">
+              <a:lnSpc>
+                <a:spcPct val="100000"/>
+              </a:lnSpc>
+            </a:pPr>
+            <a:r>
+              <a:rPr b="1" lang="en-US" sz="4800" spc="-1" strike="noStrike">
+                <a:solidFill>
+                  <a:srgbClr val="000000"/>
+                </a:solidFill>
+                <a:latin typeface="Cambria"/>
+                <a:ea typeface="DejaVu Sans"/>
+              </a:rPr>
+              <a:t>Pillar syntax</a:t>
+            </a:r>
+            <a:endParaRPr b="0" lang="en-US" sz="4800" spc="-1" strike="noStrike">
+              <a:latin typeface="Arial"/>
+            </a:endParaRPr>
+          </a:p>
+        </p:txBody>
+      </p:sp>
+      <p:sp>
+        <p:nvSpPr>
+          <p:cNvPr id="204" name="CustomShape 2"/>
+          <p:cNvSpPr/>
+          <p:nvPr/>
+        </p:nvSpPr>
+        <p:spPr>
+          <a:xfrm>
+            <a:off x="10677960" y="5915880"/>
+            <a:ext cx="1060200" cy="488880"/>
+          </a:xfrm>
+          <a:prstGeom prst="rect">
+            <a:avLst/>
+          </a:prstGeom>
+          <a:noFill/>
+          <a:ln>
+            <a:noFill/>
+          </a:ln>
+        </p:spPr>
+        <p:style>
+          <a:lnRef idx="0"/>
+          <a:fillRef idx="0"/>
+          <a:effectRef idx="0"/>
+          <a:fontRef idx="minor"/>
+        </p:style>
+        <p:txBody>
+          <a:bodyPr lIns="90000" rIns="90000" tIns="45000" bIns="10800" anchor="b"/>
+          <a:p>
+            <a:pPr algn="r">
+              <a:lnSpc>
+                <a:spcPct val="100000"/>
+              </a:lnSpc>
+            </a:pPr>
+            <a:fld id="{36EBBC60-E3AC-4BFD-8B1C-06478B1BE118}" type="slidenum">
+              <a:rPr b="0" lang="en-US" sz="2000" spc="-1" strike="noStrike">
+                <a:solidFill>
+                  <a:srgbClr val="00c6bb"/>
+                </a:solidFill>
+                <a:latin typeface="Century Gothic"/>
+                <a:ea typeface="DejaVu Sans"/>
+              </a:rPr>
+              <a:t>1</a:t>
+            </a:fld>
+            <a:endParaRPr b="0" lang="en-US" sz="2000" spc="-1" strike="noStrike">
+              <a:latin typeface="Arial"/>
+            </a:endParaRPr>
+          </a:p>
+        </p:txBody>
+      </p:sp>
+      <p:sp>
+        <p:nvSpPr>
+          <p:cNvPr id="205" name="CustomShape 3"/>
+          <p:cNvSpPr/>
+          <p:nvPr/>
+        </p:nvSpPr>
+        <p:spPr>
+          <a:xfrm>
+            <a:off x="809640" y="2179080"/>
+            <a:ext cx="10368720" cy="4226040"/>
+          </a:xfrm>
+          <a:prstGeom prst="rect">
+            <a:avLst/>
+          </a:prstGeom>
+          <a:noFill/>
+          <a:ln>
+            <a:noFill/>
+          </a:ln>
+        </p:spPr>
+        <p:style>
+          <a:lnRef idx="0"/>
+          <a:fillRef idx="0"/>
+          <a:effectRef idx="0"/>
+          <a:fontRef idx="minor"/>
+        </p:style>
+        <p:txBody>
+          <a:bodyPr lIns="90000" rIns="90000" tIns="45000" bIns="45000" anchor="ctr"/>
+          <a:p>
+            <a:pPr algn="ctr">
+              <a:lnSpc>
+                <a:spcPct val="150000"/>
+              </a:lnSpc>
+            </a:pPr>
+            <a:endParaRPr b="0" lang="en-US" sz="1800" spc="-1" strike="noStrike">
+              <a:latin typeface="Arial"/>
+            </a:endParaRPr>
+          </a:p>
+          <a:p>
+            <a:pPr algn="just">
+              <a:lnSpc>
+                <a:spcPct val="150000"/>
+              </a:lnSpc>
+            </a:pPr>
+            <a:endParaRPr b="0" lang="en-US" sz="1800" spc="-1" strike="noStrike">
+              <a:latin typeface="Arial"/>
+            </a:endParaRPr>
+          </a:p>
+        </p:txBody>
+      </p:sp>
+      <p:pic>
+        <p:nvPicPr>
+          <p:cNvPr id="206" name="" descr=""/>
+          <p:cNvPicPr/>
+          <p:nvPr/>
+        </p:nvPicPr>
+        <p:blipFill>
+          <a:blip r:embed="rId1"/>
+          <a:stretch/>
+        </p:blipFill>
+        <p:spPr>
+          <a:xfrm>
+            <a:off x="277200" y="1557360"/>
+            <a:ext cx="11644200" cy="5754960"/>
+          </a:xfrm>
+          <a:prstGeom prst="rect">
+            <a:avLst/>
+          </a:prstGeom>
+          <a:ln>
+            <a:noFill/>
+          </a:ln>
+        </p:spPr>
+      </p:pic>
+    </p:spTree>
+  </p:cSld>
+  <p:timing>
+    <p:tnLst>
+      <p:par>
+        <p:cTn id="41" dur="indefinite" restart="never" nodeType="tmRoot">
+          <p:childTnLst>
+            <p:seq>
+              <p:cTn id="42" dur="indefinite" nodeType="mainSeq"/>
               <p:prevCondLst>
                 <p:cond delay="0" evt="onPrev">
                   <p:tgtEl>
@@ -10363,14 +9271,14 @@
       </p:grpSpPr>
       <p:sp>
         <p:nvSpPr>
-          <p:cNvPr id="130" name="CustomShape 1"/>
+          <p:cNvPr id="92" name="CustomShape 1"/>
           <p:cNvSpPr/>
           <p:nvPr/>
         </p:nvSpPr>
         <p:spPr>
           <a:xfrm>
             <a:off x="809640" y="447120"/>
-            <a:ext cx="10570680" cy="969120"/>
+            <a:ext cx="10570320" cy="968760"/>
           </a:xfrm>
           <a:prstGeom prst="rect">
             <a:avLst/>
@@ -10412,14 +9320,14 @@
       </p:sp>
       <p:sp>
         <p:nvSpPr>
-          <p:cNvPr id="131" name="CustomShape 2"/>
+          <p:cNvPr id="93" name="CustomShape 2"/>
           <p:cNvSpPr/>
           <p:nvPr/>
         </p:nvSpPr>
         <p:spPr>
           <a:xfrm>
             <a:off x="10677960" y="5915880"/>
-            <a:ext cx="1060560" cy="489240"/>
+            <a:ext cx="1060200" cy="488880"/>
           </a:xfrm>
           <a:prstGeom prst="rect">
             <a:avLst/>
@@ -10443,7 +9351,7 @@
                 <a:spcPct val="100000"/>
               </a:lnSpc>
             </a:pPr>
-            <a:fld id="{BF65DD19-EDE1-40AF-8C50-4B4D71E602B2}" type="slidenum">
+            <a:fld id="{0A2961CD-97E8-4394-8474-612134D5C8E8}" type="slidenum">
               <a:rPr b="0" lang="en-US" sz="2000" spc="-1" strike="noStrike">
                 <a:solidFill>
                   <a:srgbClr val="00c6bb"/>
@@ -10461,14 +9369,14 @@
       </p:sp>
       <p:sp>
         <p:nvSpPr>
-          <p:cNvPr id="132" name="CustomShape 3"/>
+          <p:cNvPr id="94" name="CustomShape 3"/>
           <p:cNvSpPr/>
           <p:nvPr/>
         </p:nvSpPr>
         <p:spPr>
           <a:xfrm>
             <a:off x="1463040" y="3566160"/>
-            <a:ext cx="914400" cy="1097280"/>
+            <a:ext cx="914040" cy="1096920"/>
           </a:xfrm>
           <a:prstGeom prst="foldedCorner">
             <a:avLst>
@@ -10493,10 +9401,18 @@
         <p:txBody>
           <a:bodyPr wrap="none" lIns="90000" rIns="90000" tIns="45000" bIns="45000" anchor="ctr"/>
           <a:p>
-            <a:pPr algn="ctr"/>
+            <a:pPr algn="ctr">
+              <a:lnSpc>
+                <a:spcPct val="100000"/>
+              </a:lnSpc>
+            </a:pPr>
             <a:r>
               <a:rPr b="0" lang="en-US" sz="1800" spc="-1" strike="noStrike">
+                <a:solidFill>
+                  <a:srgbClr val="000000"/>
+                </a:solidFill>
                 <a:latin typeface="Arial"/>
+                <a:ea typeface="DejaVu Sans"/>
               </a:rPr>
               <a:t>Doc.</a:t>
             </a:r>
@@ -10505,10 +9421,18 @@
             </a:endParaRPr>
           </a:p>
           <a:p>
-            <a:pPr algn="ctr"/>
+            <a:pPr algn="ctr">
+              <a:lnSpc>
+                <a:spcPct val="100000"/>
+              </a:lnSpc>
+            </a:pPr>
             <a:r>
               <a:rPr b="0" lang="en-US" sz="1800" spc="-1" strike="noStrike">
+                <a:solidFill>
+                  <a:srgbClr val="000000"/>
+                </a:solidFill>
                 <a:latin typeface="Arial"/>
+                <a:ea typeface="DejaVu Sans"/>
               </a:rPr>
               <a:t>pillar</a:t>
             </a:r>
@@ -10520,14 +9444,14 @@
       </p:sp>
       <p:sp>
         <p:nvSpPr>
-          <p:cNvPr id="133" name="CustomShape 4"/>
+          <p:cNvPr id="95" name="CustomShape 4"/>
           <p:cNvSpPr/>
           <p:nvPr/>
         </p:nvSpPr>
         <p:spPr>
           <a:xfrm>
             <a:off x="9326880" y="2103120"/>
-            <a:ext cx="822960" cy="1097280"/>
+            <a:ext cx="822600" cy="1096920"/>
           </a:xfrm>
           <a:prstGeom prst="foldedCorner">
             <a:avLst>
@@ -10552,29 +9476,37 @@
         <p:txBody>
           <a:bodyPr wrap="none" lIns="90000" rIns="90000" tIns="45000" bIns="45000" anchor="ctr"/>
           <a:p>
-            <a:pPr algn="ctr"/>
+            <a:pPr algn="ctr">
+              <a:lnSpc>
+                <a:spcPct val="100000"/>
+              </a:lnSpc>
+            </a:pPr>
             <a:r>
               <a:rPr b="0" lang="en-US" sz="1800" spc="-1" strike="noStrike">
+                <a:solidFill>
+                  <a:srgbClr val="000000"/>
+                </a:solidFill>
                 <a:latin typeface="Cambrai"/>
+                <a:ea typeface="DejaVu Sans"/>
               </a:rPr>
               <a:t>Pdf</a:t>
             </a:r>
             <a:endParaRPr b="0" lang="en-US" sz="1800" spc="-1" strike="noStrike">
-              <a:latin typeface="Cambrai"/>
-            </a:endParaRPr>
-          </a:p>
-        </p:txBody>
-      </p:sp>
-      <p:sp>
-        <p:nvSpPr>
-          <p:cNvPr id="134" name="CustomShape 5"/>
+              <a:latin typeface="Arial"/>
+            </a:endParaRPr>
+          </a:p>
+        </p:txBody>
+      </p:sp>
+      <p:sp>
+        <p:nvSpPr>
+          <p:cNvPr id="96" name="CustomShape 5"/>
           <p:cNvSpPr/>
           <p:nvPr/>
         </p:nvSpPr>
         <p:spPr>
           <a:xfrm>
             <a:off x="9326880" y="3566160"/>
-            <a:ext cx="822960" cy="1097280"/>
+            <a:ext cx="822600" cy="1096920"/>
           </a:xfrm>
           <a:prstGeom prst="foldedCorner">
             <a:avLst>
@@ -10599,29 +9531,37 @@
         <p:txBody>
           <a:bodyPr wrap="none" lIns="90000" rIns="90000" tIns="45000" bIns="45000" anchor="ctr"/>
           <a:p>
-            <a:pPr algn="ctr"/>
+            <a:pPr algn="ctr">
+              <a:lnSpc>
+                <a:spcPct val="100000"/>
+              </a:lnSpc>
+            </a:pPr>
             <a:r>
               <a:rPr b="0" lang="en-US" sz="1800" spc="-1" strike="noStrike">
+                <a:solidFill>
+                  <a:srgbClr val="000000"/>
+                </a:solidFill>
                 <a:latin typeface="Cambrai"/>
+                <a:ea typeface="DejaVu Sans"/>
               </a:rPr>
               <a:t>Epub</a:t>
             </a:r>
             <a:endParaRPr b="0" lang="en-US" sz="1800" spc="-1" strike="noStrike">
-              <a:latin typeface="Cambrai"/>
-            </a:endParaRPr>
-          </a:p>
-        </p:txBody>
-      </p:sp>
-      <p:sp>
-        <p:nvSpPr>
-          <p:cNvPr id="135" name="CustomShape 6"/>
+              <a:latin typeface="Arial"/>
+            </a:endParaRPr>
+          </a:p>
+        </p:txBody>
+      </p:sp>
+      <p:sp>
+        <p:nvSpPr>
+          <p:cNvPr id="97" name="CustomShape 6"/>
           <p:cNvSpPr/>
           <p:nvPr/>
         </p:nvSpPr>
         <p:spPr>
           <a:xfrm>
             <a:off x="9326880" y="4937760"/>
-            <a:ext cx="822960" cy="1097280"/>
+            <a:ext cx="822600" cy="1096920"/>
           </a:xfrm>
           <a:prstGeom prst="foldedCorner">
             <a:avLst>
@@ -10646,35 +9586,43 @@
         <p:txBody>
           <a:bodyPr wrap="none" lIns="90000" rIns="90000" tIns="45000" bIns="45000" anchor="ctr"/>
           <a:p>
-            <a:pPr algn="ctr"/>
+            <a:pPr algn="ctr">
+              <a:lnSpc>
+                <a:spcPct val="100000"/>
+              </a:lnSpc>
+            </a:pPr>
             <a:r>
               <a:rPr b="0" lang="en-US" sz="1800" spc="-1" strike="noStrike">
+                <a:solidFill>
+                  <a:srgbClr val="000000"/>
+                </a:solidFill>
                 <a:latin typeface="Cambrai"/>
+                <a:ea typeface="DejaVu Sans"/>
               </a:rPr>
               <a:t>Html</a:t>
             </a:r>
             <a:endParaRPr b="0" lang="en-US" sz="1800" spc="-1" strike="noStrike">
-              <a:latin typeface="Cambrai"/>
-            </a:endParaRPr>
-          </a:p>
-        </p:txBody>
-      </p:sp>
-      <p:sp>
-        <p:nvSpPr>
-          <p:cNvPr id="136" name="CustomShape 7"/>
+              <a:latin typeface="Arial"/>
+            </a:endParaRPr>
+          </a:p>
+        </p:txBody>
+      </p:sp>
+      <p:sp>
+        <p:nvSpPr>
+          <p:cNvPr id="98" name="CustomShape 7"/>
           <p:cNvSpPr/>
           <p:nvPr/>
         </p:nvSpPr>
         <p:spPr>
           <a:xfrm rot="5400000">
-            <a:off x="1737360" y="4114800"/>
-            <a:ext cx="274320" cy="1554480"/>
+            <a:off x="1737720" y="4114800"/>
+            <a:ext cx="273960" cy="1554120"/>
           </a:xfrm>
           <a:custGeom>
             <a:avLst/>
             <a:gdLst/>
             <a:ahLst/>
-            <a:rect l="0" t="0" r="r" b="b"/>
+            <a:rect l="l" t="t" r="r" b="b"/>
             <a:pathLst>
               <a:path w="764" h="4320">
                 <a:moveTo>
@@ -10725,14 +9673,14 @@
       </p:sp>
       <p:sp>
         <p:nvSpPr>
-          <p:cNvPr id="137" name="TextShape 8"/>
-          <p:cNvSpPr txBox="1"/>
+          <p:cNvPr id="99" name="CustomShape 8"/>
+          <p:cNvSpPr/>
           <p:nvPr/>
         </p:nvSpPr>
         <p:spPr>
           <a:xfrm>
             <a:off x="-91440" y="5029200"/>
-            <a:ext cx="4023360" cy="1809720"/>
+            <a:ext cx="4023000" cy="1809360"/>
           </a:xfrm>
           <a:prstGeom prst="rect">
             <a:avLst/>
@@ -10740,109 +9688,6 @@
           <a:noFill/>
           <a:ln>
             <a:noFill/>
-          </a:ln>
-        </p:spPr>
-        <p:txBody>
-          <a:bodyPr lIns="90000" rIns="90000" tIns="45000" bIns="45000"/>
-          <a:p>
-            <a:pPr algn="ctr"/>
-            <a:r>
-              <a:rPr b="0" lang="en-US" sz="1800" spc="-1" strike="noStrike">
-                <a:latin typeface="Arial"/>
-              </a:rPr>
-              <a:t>!! title</a:t>
-            </a:r>
-            <a:endParaRPr b="0" lang="en-US" sz="1800" spc="-1" strike="noStrike">
-              <a:latin typeface="Arial"/>
-            </a:endParaRPr>
-          </a:p>
-          <a:p>
-            <a:pPr algn="ctr"/>
-            <a:r>
-              <a:rPr b="0" lang="en-US" sz="1800" spc="-1" strike="noStrike">
-                <a:latin typeface="Arial"/>
-              </a:rPr>
-              <a:t>- list element 1</a:t>
-            </a:r>
-            <a:endParaRPr b="0" lang="en-US" sz="1800" spc="-1" strike="noStrike">
-              <a:latin typeface="Arial"/>
-            </a:endParaRPr>
-          </a:p>
-          <a:p>
-            <a:pPr algn="ctr"/>
-            <a:r>
-              <a:rPr b="0" lang="en-US" sz="1800" spc="-1" strike="noStrike">
-                <a:latin typeface="Arial"/>
-              </a:rPr>
-              <a:t>- list element 2</a:t>
-            </a:r>
-            <a:endParaRPr b="0" lang="en-US" sz="1800" spc="-1" strike="noStrike">
-              <a:latin typeface="Arial"/>
-            </a:endParaRPr>
-          </a:p>
-          <a:p>
-            <a:pPr algn="ctr"/>
-            <a:r>
-              <a:rPr b="0" lang="en-US" sz="1800" spc="-1" strike="noStrike">
-                <a:latin typeface="Arial"/>
-              </a:rPr>
-              <a:t>__underlined__</a:t>
-            </a:r>
-            <a:endParaRPr b="0" lang="en-US" sz="1800" spc="-1" strike="noStrike">
-              <a:latin typeface="Arial"/>
-            </a:endParaRPr>
-          </a:p>
-          <a:p>
-            <a:pPr algn="ctr"/>
-            <a:r>
-              <a:rPr b="0" lang="en-US" sz="1800" spc="-1" strike="noStrike">
-                <a:latin typeface="Arial"/>
-                <a:hlinkClick r:id="rId1"/>
-              </a:rPr>
-              <a:t>*@Internal</a:t>
-            </a:r>
-            <a:r>
-              <a:rPr b="0" lang="en-US" sz="1800" spc="-1" strike="noStrike">
-                <a:latin typeface="Arial"/>
-              </a:rPr>
-              <a:t> Link*</a:t>
-            </a:r>
-            <a:endParaRPr b="0" lang="en-US" sz="1800" spc="-1" strike="noStrike">
-              <a:latin typeface="Arial"/>
-            </a:endParaRPr>
-          </a:p>
-          <a:p>
-            <a:pPr algn="ctr"/>
-            <a:r>
-              <a:rPr b="0" lang="en-US" sz="1800" spc="-1" strike="noStrike">
-                <a:latin typeface="Arial"/>
-              </a:rPr>
-              <a:t>${inputFile:path=MonRapport.pillar}$</a:t>
-            </a:r>
-            <a:endParaRPr b="0" lang="en-US" sz="1800" spc="-1" strike="noStrike">
-              <a:latin typeface="Arial"/>
-            </a:endParaRPr>
-          </a:p>
-        </p:txBody>
-      </p:sp>
-      <p:sp>
-        <p:nvSpPr>
-          <p:cNvPr id="138" name="Line 9"/>
-          <p:cNvSpPr/>
-          <p:nvPr/>
-        </p:nvSpPr>
-        <p:spPr>
-          <a:xfrm flipV="1">
-            <a:off x="2377440" y="4103280"/>
-            <a:ext cx="4216680" cy="11520"/>
-          </a:xfrm>
-          <a:prstGeom prst="line">
-            <a:avLst/>
-          </a:prstGeom>
-          <a:ln>
-            <a:solidFill>
-              <a:srgbClr val="000000"/>
-            </a:solidFill>
           </a:ln>
         </p:spPr>
         <p:style>
@@ -10851,23 +9696,167 @@
           <a:effectRef idx="0"/>
           <a:fontRef idx="minor"/>
         </p:style>
-      </p:sp>
-      <p:cxnSp>
-        <p:nvCxnSpPr>
-          <p:cNvPr id="139" name="Line 10"/>
-          <p:cNvCxnSpPr>
-            <a:endCxn id="133" idx="1"/>
-          </p:cNvCxnSpPr>
+        <p:txBody>
+          <a:bodyPr lIns="90000" rIns="90000" tIns="45000" bIns="45000"/>
+          <a:p>
+            <a:pPr algn="ctr">
+              <a:lnSpc>
+                <a:spcPct val="100000"/>
+              </a:lnSpc>
+            </a:pPr>
+            <a:r>
+              <a:rPr b="0" lang="en-US" sz="1800" spc="-1" strike="noStrike">
+                <a:latin typeface="Arial"/>
+              </a:rPr>
+              <a:t>!! title</a:t>
+            </a:r>
+            <a:endParaRPr b="0" lang="en-US" sz="1800" spc="-1" strike="noStrike">
+              <a:latin typeface="Arial"/>
+            </a:endParaRPr>
+          </a:p>
+          <a:p>
+            <a:pPr algn="ctr">
+              <a:lnSpc>
+                <a:spcPct val="100000"/>
+              </a:lnSpc>
+            </a:pPr>
+            <a:r>
+              <a:rPr b="0" lang="en-US" sz="1800" spc="-1" strike="noStrike">
+                <a:latin typeface="Arial"/>
+              </a:rPr>
+              <a:t>- list element 1</a:t>
+            </a:r>
+            <a:endParaRPr b="0" lang="en-US" sz="1800" spc="-1" strike="noStrike">
+              <a:latin typeface="Arial"/>
+            </a:endParaRPr>
+          </a:p>
+          <a:p>
+            <a:pPr algn="ctr">
+              <a:lnSpc>
+                <a:spcPct val="100000"/>
+              </a:lnSpc>
+            </a:pPr>
+            <a:r>
+              <a:rPr b="0" lang="en-US" sz="1800" spc="-1" strike="noStrike">
+                <a:latin typeface="Arial"/>
+              </a:rPr>
+              <a:t>- list element 2</a:t>
+            </a:r>
+            <a:endParaRPr b="0" lang="en-US" sz="1800" spc="-1" strike="noStrike">
+              <a:latin typeface="Arial"/>
+            </a:endParaRPr>
+          </a:p>
+          <a:p>
+            <a:pPr algn="ctr">
+              <a:lnSpc>
+                <a:spcPct val="100000"/>
+              </a:lnSpc>
+            </a:pPr>
+            <a:r>
+              <a:rPr b="0" lang="en-US" sz="1800" spc="-1" strike="noStrike">
+                <a:latin typeface="Arial"/>
+              </a:rPr>
+              <a:t>__underlined__</a:t>
+            </a:r>
+            <a:endParaRPr b="0" lang="en-US" sz="1800" spc="-1" strike="noStrike">
+              <a:latin typeface="Arial"/>
+            </a:endParaRPr>
+          </a:p>
+          <a:p>
+            <a:pPr algn="ctr">
+              <a:lnSpc>
+                <a:spcPct val="100000"/>
+              </a:lnSpc>
+            </a:pPr>
+            <a:r>
+              <a:rPr b="0" lang="en-US" sz="1800" spc="-1" strike="noStrike" u="sng">
+                <a:solidFill>
+                  <a:srgbClr val="0000ff"/>
+                </a:solidFill>
+                <a:uFillTx/>
+                <a:latin typeface="Arial"/>
+                <a:hlinkClick r:id="rId1"/>
+              </a:rPr>
+              <a:t>*@Internal</a:t>
+            </a:r>
+            <a:r>
+              <a:rPr b="0" lang="en-US" sz="1800" spc="-1" strike="noStrike">
+                <a:solidFill>
+                  <a:srgbClr val="0000ff"/>
+                </a:solidFill>
+                <a:latin typeface="Arial"/>
+              </a:rPr>
+              <a:t> Link*</a:t>
+            </a:r>
+            <a:endParaRPr b="0" lang="en-US" sz="1800" spc="-1" strike="noStrike">
+              <a:latin typeface="Arial"/>
+            </a:endParaRPr>
+          </a:p>
+          <a:p>
+            <a:pPr algn="ctr">
+              <a:lnSpc>
+                <a:spcPct val="100000"/>
+              </a:lnSpc>
+            </a:pPr>
+            <a:r>
+              <a:rPr b="0" lang="en-US" sz="1800" spc="-1" strike="noStrike">
+                <a:solidFill>
+                  <a:srgbClr val="0000ff"/>
+                </a:solidFill>
+                <a:latin typeface="Arial"/>
+              </a:rPr>
+              <a:t>${inputFile:path=MonRapport.pillar}$</a:t>
+            </a:r>
+            <a:endParaRPr b="0" lang="en-US" sz="1800" spc="-1" strike="noStrike">
+              <a:latin typeface="Arial"/>
+            </a:endParaRPr>
+          </a:p>
+        </p:txBody>
+      </p:sp>
+      <p:sp>
+        <p:nvSpPr>
+          <p:cNvPr id="100" name="Line 9"/>
+          <p:cNvSpPr/>
           <p:nvPr/>
-        </p:nvCxnSpPr>
+        </p:nvSpPr>
         <p:spPr>
           <a:xfrm flipV="1">
-            <a:off x="6714000" y="2651760"/>
-            <a:ext cx="2613240" cy="1458360"/>
+            <a:off x="2377440" y="4103280"/>
+            <a:ext cx="4216680" cy="11520"/>
+          </a:xfrm>
+          <a:prstGeom prst="line">
+            <a:avLst/>
+          </a:prstGeom>
+          <a:ln>
+            <a:solidFill>
+              <a:srgbClr val="000000"/>
+            </a:solidFill>
+          </a:ln>
+        </p:spPr>
+        <p:style>
+          <a:lnRef idx="0"/>
+          <a:fillRef idx="0"/>
+          <a:effectRef idx="0"/>
+          <a:fontRef idx="minor"/>
+        </p:style>
+      </p:sp>
+      <p:sp>
+        <p:nvSpPr>
+          <p:cNvPr id="101" name="CustomShape 10"/>
+          <p:cNvSpPr/>
+          <p:nvPr/>
+        </p:nvSpPr>
+        <p:spPr>
+          <a:xfrm flipV="1">
+            <a:off x="6714000" y="1193760"/>
+            <a:ext cx="2612880" cy="1458000"/>
           </a:xfrm>
           <a:prstGeom prst="curvedConnector3">
-            <a:avLst/>
-          </a:prstGeom>
+            <a:avLst>
+              <a:gd name="adj1" fmla="val 50000"/>
+            </a:avLst>
+          </a:prstGeom>
+          <a:noFill/>
           <a:ln>
             <a:solidFill>
               <a:srgbClr val="000000"/>
@@ -10875,23 +9864,30 @@
             <a:tailEnd len="med" type="triangle" w="med"/>
           </a:ln>
         </p:spPr>
-      </p:cxnSp>
-      <p:cxnSp>
-        <p:nvCxnSpPr>
-          <p:cNvPr id="140" name="Line 11"/>
-          <p:cNvCxnSpPr>
-            <a:endCxn id="134" idx="1"/>
-          </p:cNvCxnSpPr>
+        <p:style>
+          <a:lnRef idx="0"/>
+          <a:fillRef idx="0"/>
+          <a:effectRef idx="0"/>
+          <a:fontRef idx="minor"/>
+        </p:style>
+      </p:sp>
+      <p:sp>
+        <p:nvSpPr>
+          <p:cNvPr id="102" name="CustomShape 11"/>
+          <p:cNvSpPr/>
           <p:nvPr/>
-        </p:nvCxnSpPr>
+        </p:nvSpPr>
         <p:spPr>
           <a:xfrm>
             <a:off x="6514200" y="4109760"/>
-            <a:ext cx="2813040" cy="5400"/>
+            <a:ext cx="2812680" cy="5040"/>
           </a:xfrm>
           <a:prstGeom prst="curvedConnector3">
-            <a:avLst/>
-          </a:prstGeom>
+            <a:avLst>
+              <a:gd name="adj1" fmla="val 50000"/>
+            </a:avLst>
+          </a:prstGeom>
+          <a:noFill/>
           <a:ln>
             <a:solidFill>
               <a:srgbClr val="000000"/>
@@ -10899,23 +9895,30 @@
             <a:tailEnd len="med" type="triangle" w="med"/>
           </a:ln>
         </p:spPr>
-      </p:cxnSp>
-      <p:cxnSp>
-        <p:nvCxnSpPr>
-          <p:cNvPr id="141" name="Line 12"/>
-          <p:cNvCxnSpPr>
-            <a:endCxn id="135" idx="1"/>
-          </p:cNvCxnSpPr>
+        <p:style>
+          <a:lnRef idx="0"/>
+          <a:fillRef idx="0"/>
+          <a:effectRef idx="0"/>
+          <a:fontRef idx="minor"/>
+        </p:style>
+      </p:sp>
+      <p:sp>
+        <p:nvSpPr>
+          <p:cNvPr id="103" name="CustomShape 12"/>
+          <p:cNvSpPr/>
           <p:nvPr/>
-        </p:nvCxnSpPr>
+        </p:nvSpPr>
         <p:spPr>
           <a:xfrm>
             <a:off x="6594120" y="4103280"/>
-            <a:ext cx="2733120" cy="1383480"/>
+            <a:ext cx="2732760" cy="1383120"/>
           </a:xfrm>
           <a:prstGeom prst="curvedConnector3">
-            <a:avLst/>
-          </a:prstGeom>
+            <a:avLst>
+              <a:gd name="adj1" fmla="val 50000"/>
+            </a:avLst>
+          </a:prstGeom>
+          <a:noFill/>
           <a:ln>
             <a:solidFill>
               <a:srgbClr val="000000"/>
@@ -10923,17 +9926,23 @@
             <a:tailEnd len="med" type="triangle" w="med"/>
           </a:ln>
         </p:spPr>
-      </p:cxnSp>
-      <p:sp>
-        <p:nvSpPr>
-          <p:cNvPr id="142" name="CustomShape 13"/>
+        <p:style>
+          <a:lnRef idx="0"/>
+          <a:fillRef idx="0"/>
+          <a:effectRef idx="0"/>
+          <a:fontRef idx="minor"/>
+        </p:style>
+      </p:sp>
+      <p:sp>
+        <p:nvSpPr>
+          <p:cNvPr id="104" name="CustomShape 13"/>
           <p:cNvSpPr/>
           <p:nvPr/>
         </p:nvSpPr>
         <p:spPr>
           <a:xfrm>
             <a:off x="3657600" y="3200400"/>
-            <a:ext cx="2834640" cy="1920240"/>
+            <a:ext cx="2834280" cy="1919880"/>
           </a:xfrm>
           <a:custGeom>
             <a:avLst/>
@@ -11165,14 +10174,14 @@
       </p:sp>
       <p:sp>
         <p:nvSpPr>
-          <p:cNvPr id="143" name="TextShape 14"/>
-          <p:cNvSpPr txBox="1"/>
+          <p:cNvPr id="105" name="CustomShape 14"/>
+          <p:cNvSpPr/>
           <p:nvPr/>
         </p:nvSpPr>
         <p:spPr>
           <a:xfrm>
             <a:off x="4480560" y="3657600"/>
-            <a:ext cx="1188720" cy="355680"/>
+            <a:ext cx="1188360" cy="355320"/>
           </a:xfrm>
           <a:prstGeom prst="rect">
             <a:avLst/>
@@ -11182,10 +10191,20 @@
             <a:noFill/>
           </a:ln>
         </p:spPr>
+        <p:style>
+          <a:lnRef idx="0"/>
+          <a:fillRef idx="0"/>
+          <a:effectRef idx="0"/>
+          <a:fontRef idx="minor"/>
+        </p:style>
         <p:txBody>
           <a:bodyPr lIns="90000" rIns="90000" tIns="45000" bIns="45000"/>
           <a:p>
-            <a:pPr algn="ctr"/>
+            <a:pPr algn="ctr">
+              <a:lnSpc>
+                <a:spcPct val="100000"/>
+              </a:lnSpc>
+            </a:pPr>
             <a:r>
               <a:rPr b="0" lang="en-US" sz="1800" spc="-1" strike="noStrike">
                 <a:latin typeface="Cambrai"/>
@@ -11193,7 +10212,7 @@
               <a:t>Pillar</a:t>
             </a:r>
             <a:endParaRPr b="0" lang="en-US" sz="1800" spc="-1" strike="noStrike">
-              <a:latin typeface="Cambrai"/>
+              <a:latin typeface="Arial"/>
             </a:endParaRPr>
           </a:p>
         </p:txBody>
@@ -11249,14 +10268,14 @@
       </p:grpSpPr>
       <p:sp>
         <p:nvSpPr>
-          <p:cNvPr id="144" name="CustomShape 1"/>
+          <p:cNvPr id="106" name="CustomShape 1"/>
           <p:cNvSpPr/>
           <p:nvPr/>
         </p:nvSpPr>
         <p:spPr>
           <a:xfrm>
             <a:off x="809640" y="447120"/>
-            <a:ext cx="10570680" cy="969120"/>
+            <a:ext cx="10570320" cy="968760"/>
           </a:xfrm>
           <a:prstGeom prst="rect">
             <a:avLst/>
@@ -11298,14 +10317,14 @@
       </p:sp>
       <p:sp>
         <p:nvSpPr>
-          <p:cNvPr id="145" name="CustomShape 2"/>
+          <p:cNvPr id="107" name="CustomShape 2"/>
           <p:cNvSpPr/>
           <p:nvPr/>
         </p:nvSpPr>
         <p:spPr>
           <a:xfrm>
             <a:off x="809640" y="2350080"/>
-            <a:ext cx="10410840" cy="4226400"/>
+            <a:ext cx="10410480" cy="4226040"/>
           </a:xfrm>
           <a:prstGeom prst="rect">
             <a:avLst/>
@@ -11324,7 +10343,7 @@
         <p:txBody>
           <a:bodyPr lIns="90000" rIns="90000" tIns="45000" bIns="45000" anchor="ctr"/>
           <a:p>
-            <a:pPr marL="343080" indent="-341640">
+            <a:pPr marL="343080" indent="-341280">
               <a:lnSpc>
                 <a:spcPct val="100000"/>
               </a:lnSpc>
@@ -11352,11 +10371,10 @@
             </a:r>
             <a:endParaRPr b="0" lang="en-US" sz="2400" spc="-1" strike="noStrike">
               <a:latin typeface="Arial"/>
-              <a:ea typeface="AR PL SungtiL GB"/>
-            </a:endParaRPr>
-          </a:p>
-          <a:p>
-            <a:pPr marL="343080" indent="-341640">
+            </a:endParaRPr>
+          </a:p>
+          <a:p>
+            <a:pPr marL="343080" indent="-341280">
               <a:lnSpc>
                 <a:spcPct val="100000"/>
               </a:lnSpc>
@@ -11384,11 +10402,10 @@
             </a:r>
             <a:endParaRPr b="0" lang="en-US" sz="2400" spc="-1" strike="noStrike">
               <a:latin typeface="Arial"/>
-              <a:ea typeface="AR PL SungtiL GB"/>
-            </a:endParaRPr>
-          </a:p>
-          <a:p>
-            <a:pPr marL="343080" indent="-341640">
+            </a:endParaRPr>
+          </a:p>
+          <a:p>
+            <a:pPr marL="343080" indent="-341280">
               <a:lnSpc>
                 <a:spcPct val="100000"/>
               </a:lnSpc>
@@ -11416,11 +10433,10 @@
             </a:r>
             <a:endParaRPr b="0" lang="en-US" sz="2400" spc="-1" strike="noStrike">
               <a:latin typeface="Arial"/>
-              <a:ea typeface="AR PL SungtiL GB"/>
-            </a:endParaRPr>
-          </a:p>
-          <a:p>
-            <a:pPr marL="343080" indent="-341640">
+            </a:endParaRPr>
+          </a:p>
+          <a:p>
+            <a:pPr marL="343080" indent="-341280">
               <a:lnSpc>
                 <a:spcPct val="100000"/>
               </a:lnSpc>
@@ -11448,21 +10464,20 @@
             </a:r>
             <a:endParaRPr b="0" lang="en-US" sz="2400" spc="-1" strike="noStrike">
               <a:latin typeface="Arial"/>
-              <a:ea typeface="AR PL SungtiL GB"/>
-            </a:endParaRPr>
-          </a:p>
-        </p:txBody>
-      </p:sp>
-      <p:sp>
-        <p:nvSpPr>
-          <p:cNvPr id="146" name="CustomShape 3"/>
+            </a:endParaRPr>
+          </a:p>
+        </p:txBody>
+      </p:sp>
+      <p:sp>
+        <p:nvSpPr>
+          <p:cNvPr id="108" name="CustomShape 3"/>
           <p:cNvSpPr/>
           <p:nvPr/>
         </p:nvSpPr>
         <p:spPr>
           <a:xfrm>
             <a:off x="10677960" y="5915880"/>
-            <a:ext cx="1060560" cy="489240"/>
+            <a:ext cx="1060200" cy="488880"/>
           </a:xfrm>
           <a:prstGeom prst="rect">
             <a:avLst/>
@@ -11486,7 +10501,7 @@
                 <a:spcPct val="100000"/>
               </a:lnSpc>
             </a:pPr>
-            <a:fld id="{5913FE81-BAEE-43CA-97C8-7D139C0456B4}" type="slidenum">
+            <a:fld id="{773921FF-D7B8-4D5A-80BB-ED5CF01F348D}" type="slidenum">
               <a:rPr b="0" lang="en-US" sz="2000" spc="-1" strike="noStrike">
                 <a:solidFill>
                   <a:srgbClr val="00c6bb"/>
@@ -11502,6 +10517,29 @@
           </a:p>
         </p:txBody>
       </p:sp>
+      <p:pic>
+        <p:nvPicPr>
+          <p:cNvPr id="109" name="" descr=""/>
+          <p:cNvPicPr/>
+          <p:nvPr/>
+        </p:nvPicPr>
+        <p:blipFill>
+          <a:blip r:embed="rId1"/>
+          <a:stretch/>
+        </p:blipFill>
+        <p:spPr>
+          <a:xfrm>
+            <a:off x="6949440" y="2011680"/>
+            <a:ext cx="4762800" cy="3200400"/>
+          </a:xfrm>
+          <a:prstGeom prst="rect">
+            <a:avLst/>
+          </a:prstGeom>
+          <a:ln>
+            <a:noFill/>
+          </a:ln>
+        </p:spPr>
+      </p:pic>
     </p:spTree>
   </p:cSld>
   <p:timing>
@@ -11553,14 +10591,14 @@
       </p:grpSpPr>
       <p:sp>
         <p:nvSpPr>
-          <p:cNvPr id="147" name="CustomShape 1"/>
+          <p:cNvPr id="110" name="CustomShape 1"/>
           <p:cNvSpPr/>
           <p:nvPr/>
         </p:nvSpPr>
         <p:spPr>
           <a:xfrm>
             <a:off x="809640" y="447120"/>
-            <a:ext cx="10570680" cy="969120"/>
+            <a:ext cx="10570320" cy="968760"/>
           </a:xfrm>
           <a:prstGeom prst="rect">
             <a:avLst/>
@@ -11602,14 +10640,14 @@
       </p:sp>
       <p:sp>
         <p:nvSpPr>
-          <p:cNvPr id="148" name="CustomShape 2"/>
+          <p:cNvPr id="111" name="CustomShape 2"/>
           <p:cNvSpPr/>
           <p:nvPr/>
         </p:nvSpPr>
         <p:spPr>
           <a:xfrm>
             <a:off x="809640" y="2178720"/>
-            <a:ext cx="10369080" cy="4226400"/>
+            <a:ext cx="10368720" cy="4226040"/>
           </a:xfrm>
           <a:prstGeom prst="rect">
             <a:avLst/>
@@ -11628,7 +10666,7 @@
         <p:txBody>
           <a:bodyPr lIns="90000" rIns="90000" tIns="45000" bIns="45000" anchor="ctr"/>
           <a:p>
-            <a:pPr marL="343080" indent="-341640" algn="just">
+            <a:pPr marL="343080" indent="-341280" algn="just">
               <a:lnSpc>
                 <a:spcPct val="150000"/>
               </a:lnSpc>
@@ -11653,7 +10691,7 @@
             </a:endParaRPr>
           </a:p>
           <a:p>
-            <a:pPr marL="343080" indent="-341640" algn="just">
+            <a:pPr marL="343080" indent="-341280" algn="just">
               <a:lnSpc>
                 <a:spcPct val="150000"/>
               </a:lnSpc>
@@ -11678,7 +10716,7 @@
             </a:endParaRPr>
           </a:p>
           <a:p>
-            <a:pPr marL="343080" indent="-341640" algn="just">
+            <a:pPr marL="343080" indent="-341280" algn="just">
               <a:lnSpc>
                 <a:spcPct val="150000"/>
               </a:lnSpc>
@@ -11703,7 +10741,7 @@
             </a:endParaRPr>
           </a:p>
           <a:p>
-            <a:pPr marL="343080" indent="-341640" algn="just">
+            <a:pPr marL="343080" indent="-341280" algn="just">
               <a:lnSpc>
                 <a:spcPct val="150000"/>
               </a:lnSpc>
@@ -11731,14 +10769,14 @@
       </p:sp>
       <p:sp>
         <p:nvSpPr>
-          <p:cNvPr id="149" name="CustomShape 3"/>
+          <p:cNvPr id="112" name="CustomShape 3"/>
           <p:cNvSpPr/>
           <p:nvPr/>
         </p:nvSpPr>
         <p:spPr>
           <a:xfrm>
             <a:off x="10677960" y="5915880"/>
-            <a:ext cx="1060560" cy="489240"/>
+            <a:ext cx="1060200" cy="488880"/>
           </a:xfrm>
           <a:prstGeom prst="rect">
             <a:avLst/>
@@ -11762,7 +10800,7 @@
                 <a:spcPct val="100000"/>
               </a:lnSpc>
             </a:pPr>
-            <a:fld id="{30FA0E8C-1476-4DA9-9FC2-E8F70C435B68}" type="slidenum">
+            <a:fld id="{DDC9E8AD-414B-4848-B0D9-76441A3AD613}" type="slidenum">
               <a:rPr b="0" lang="en-US" sz="2000" spc="-1" strike="noStrike">
                 <a:solidFill>
                   <a:srgbClr val="00c6bb"/>
@@ -11829,14 +10867,14 @@
       </p:grpSpPr>
       <p:sp>
         <p:nvSpPr>
-          <p:cNvPr id="150" name="CustomShape 1"/>
+          <p:cNvPr id="113" name="CustomShape 1"/>
           <p:cNvSpPr/>
           <p:nvPr/>
         </p:nvSpPr>
         <p:spPr>
           <a:xfrm>
             <a:off x="809640" y="447120"/>
-            <a:ext cx="10570680" cy="969120"/>
+            <a:ext cx="10570320" cy="968760"/>
           </a:xfrm>
           <a:prstGeom prst="rect">
             <a:avLst/>
@@ -11868,97 +10906,7 @@
                 <a:latin typeface="Cambria"/>
                 <a:ea typeface="DejaVu Sans"/>
               </a:rPr>
-              <a:t>A </a:t>
-            </a:r>
-            <a:r>
-              <a:rPr b="1" lang="en-US" sz="4800" spc="-1" strike="noStrike">
-                <a:solidFill>
-                  <a:srgbClr val="000000"/>
-                </a:solidFill>
-                <a:latin typeface="Cambria"/>
-                <a:ea typeface="DejaVu Sans"/>
-              </a:rPr>
-              <a:t>ne</a:t>
-            </a:r>
-            <a:r>
-              <a:rPr b="1" lang="en-US" sz="4800" spc="-1" strike="noStrike">
-                <a:solidFill>
-                  <a:srgbClr val="000000"/>
-                </a:solidFill>
-                <a:latin typeface="Cambria"/>
-                <a:ea typeface="DejaVu Sans"/>
-              </a:rPr>
-              <a:t>w </a:t>
-            </a:r>
-            <a:r>
-              <a:rPr b="1" lang="en-US" sz="4800" spc="-1" strike="noStrike">
-                <a:solidFill>
-                  <a:srgbClr val="000000"/>
-                </a:solidFill>
-                <a:latin typeface="Cambria"/>
-                <a:ea typeface="DejaVu Sans"/>
-              </a:rPr>
-              <a:t>ar</a:t>
-            </a:r>
-            <a:r>
-              <a:rPr b="1" lang="en-US" sz="4800" spc="-1" strike="noStrike">
-                <a:solidFill>
-                  <a:srgbClr val="000000"/>
-                </a:solidFill>
-                <a:latin typeface="Cambria"/>
-                <a:ea typeface="DejaVu Sans"/>
-              </a:rPr>
-              <a:t>ch</a:t>
-            </a:r>
-            <a:r>
-              <a:rPr b="1" lang="en-US" sz="4800" spc="-1" strike="noStrike">
-                <a:solidFill>
-                  <a:srgbClr val="000000"/>
-                </a:solidFill>
-                <a:latin typeface="Cambria"/>
-                <a:ea typeface="DejaVu Sans"/>
-              </a:rPr>
-              <a:t>ety</a:t>
-            </a:r>
-            <a:r>
-              <a:rPr b="1" lang="en-US" sz="4800" spc="-1" strike="noStrike">
-                <a:solidFill>
-                  <a:srgbClr val="000000"/>
-                </a:solidFill>
-                <a:latin typeface="Cambria"/>
-                <a:ea typeface="DejaVu Sans"/>
-              </a:rPr>
-              <a:t>pe </a:t>
-            </a:r>
-            <a:r>
-              <a:rPr b="1" lang="en-US" sz="4800" spc="-1" strike="noStrike">
-                <a:solidFill>
-                  <a:srgbClr val="000000"/>
-                </a:solidFill>
-                <a:latin typeface="Cambria"/>
-                <a:ea typeface="DejaVu Sans"/>
-              </a:rPr>
-              <a:t>for </a:t>
-            </a:r>
-            <a:r>
-              <a:rPr b="1" lang="en-US" sz="4800" spc="-1" strike="noStrike">
-                <a:solidFill>
-                  <a:srgbClr val="000000"/>
-                </a:solidFill>
-                <a:latin typeface="Cambria"/>
-                <a:ea typeface="DejaVu Sans"/>
-              </a:rPr>
-              <a:t>Ht</a:t>
-            </a:r>
-            <a:r>
-              <a:rPr b="1" lang="en-US" sz="4800" spc="-1" strike="noStrike">
-                <a:solidFill>
-                  <a:srgbClr val="000000"/>
-                </a:solidFill>
-                <a:latin typeface="Cambria"/>
-                <a:ea typeface="DejaVu Sans"/>
-              </a:rPr>
-              <a:t>ml</a:t>
+              <a:t>A new archetype for Html</a:t>
             </a:r>
             <a:endParaRPr b="0" lang="en-US" sz="4800" spc="-1" strike="noStrike">
               <a:latin typeface="Arial"/>
@@ -11968,14 +10916,14 @@
       </p:sp>
       <p:sp>
         <p:nvSpPr>
-          <p:cNvPr id="151" name="CustomShape 2"/>
+          <p:cNvPr id="114" name="CustomShape 2"/>
           <p:cNvSpPr/>
           <p:nvPr/>
         </p:nvSpPr>
         <p:spPr>
           <a:xfrm>
             <a:off x="809640" y="2178720"/>
-            <a:ext cx="10369080" cy="4226400"/>
+            <a:ext cx="10368720" cy="4226040"/>
           </a:xfrm>
           <a:prstGeom prst="rect">
             <a:avLst/>
@@ -11994,7 +10942,7 @@
         <p:txBody>
           <a:bodyPr lIns="90000" rIns="90000" tIns="45000" bIns="45000" anchor="ctr"/>
           <a:p>
-            <a:pPr marL="343080" indent="-341640" algn="just">
+            <a:pPr marL="343080" indent="-341280" algn="just">
               <a:lnSpc>
                 <a:spcPct val="150000"/>
               </a:lnSpc>
@@ -12019,7 +10967,7 @@
             </a:endParaRPr>
           </a:p>
           <a:p>
-            <a:pPr marL="343080" indent="-341640" algn="just">
+            <a:pPr marL="343080" indent="-341280" algn="just">
               <a:lnSpc>
                 <a:spcPct val="150000"/>
               </a:lnSpc>
@@ -12037,14 +10985,14 @@
                 <a:latin typeface="Cambria"/>
                 <a:ea typeface="DejaVu Sans"/>
               </a:rPr>
-              <a:t>Adapt templates to Mustache template system</a:t>
+              <a:t>Adapt templates to the template engine of Pillar</a:t>
             </a:r>
             <a:endParaRPr b="0" lang="en-US" sz="2800" spc="-1" strike="noStrike">
               <a:latin typeface="Arial"/>
             </a:endParaRPr>
           </a:p>
           <a:p>
-            <a:pPr marL="343080" indent="-341640" algn="just">
+            <a:pPr marL="343080" indent="-341280" algn="just">
               <a:lnSpc>
                 <a:spcPct val="150000"/>
               </a:lnSpc>
@@ -12072,14 +11020,14 @@
       </p:sp>
       <p:sp>
         <p:nvSpPr>
-          <p:cNvPr id="152" name="CustomShape 3"/>
+          <p:cNvPr id="115" name="CustomShape 3"/>
           <p:cNvSpPr/>
           <p:nvPr/>
         </p:nvSpPr>
         <p:spPr>
           <a:xfrm>
             <a:off x="10677960" y="5915880"/>
-            <a:ext cx="1060560" cy="489240"/>
+            <a:ext cx="1060200" cy="488880"/>
           </a:xfrm>
           <a:prstGeom prst="rect">
             <a:avLst/>
@@ -12103,7 +11051,7 @@
                 <a:spcPct val="100000"/>
               </a:lnSpc>
             </a:pPr>
-            <a:fld id="{2FF1308E-BF73-41EF-AE13-E3596F501DFE}" type="slidenum">
+            <a:fld id="{8756B0CF-D780-481B-A4E6-5586D7B619FE}" type="slidenum">
               <a:rPr b="0" lang="en-US" sz="2000" spc="-1" strike="noStrike">
                 <a:solidFill>
                   <a:srgbClr val="00c6bb"/>
@@ -12170,14 +11118,14 @@
       </p:grpSpPr>
       <p:sp>
         <p:nvSpPr>
-          <p:cNvPr id="153" name="CustomShape 1"/>
+          <p:cNvPr id="116" name="CustomShape 1"/>
           <p:cNvSpPr/>
           <p:nvPr/>
         </p:nvSpPr>
         <p:spPr>
           <a:xfrm>
             <a:off x="809640" y="447120"/>
-            <a:ext cx="10570680" cy="969120"/>
+            <a:ext cx="10570320" cy="968760"/>
           </a:xfrm>
           <a:prstGeom prst="rect">
             <a:avLst/>
@@ -12219,14 +11167,14 @@
       </p:sp>
       <p:sp>
         <p:nvSpPr>
-          <p:cNvPr id="154" name="CustomShape 2"/>
+          <p:cNvPr id="117" name="CustomShape 2"/>
           <p:cNvSpPr/>
           <p:nvPr/>
         </p:nvSpPr>
         <p:spPr>
           <a:xfrm>
             <a:off x="10677960" y="5915880"/>
-            <a:ext cx="1060560" cy="489240"/>
+            <a:ext cx="1060200" cy="488880"/>
           </a:xfrm>
           <a:prstGeom prst="rect">
             <a:avLst/>
@@ -12250,7 +11198,7 @@
                 <a:spcPct val="100000"/>
               </a:lnSpc>
             </a:pPr>
-            <a:fld id="{F13B592A-073B-4BFC-8ABA-AA939DFF2169}" type="slidenum">
+            <a:fld id="{61EB596D-5209-46FC-A74A-3AD7F2172077}" type="slidenum">
               <a:rPr b="0" lang="en-US" sz="2000" spc="-1" strike="noStrike">
                 <a:solidFill>
                   <a:srgbClr val="00c6bb"/>
@@ -12268,14 +11216,14 @@
       </p:sp>
       <p:sp>
         <p:nvSpPr>
-          <p:cNvPr id="155" name="CustomShape 3"/>
+          <p:cNvPr id="118" name="CustomShape 3"/>
           <p:cNvSpPr/>
           <p:nvPr/>
         </p:nvSpPr>
         <p:spPr>
           <a:xfrm>
             <a:off x="809640" y="2179080"/>
-            <a:ext cx="10369080" cy="4226400"/>
+            <a:ext cx="10368720" cy="4226040"/>
           </a:xfrm>
           <a:prstGeom prst="rect">
             <a:avLst/>
@@ -12317,7 +11265,7 @@
       </p:sp>
       <p:pic>
         <p:nvPicPr>
-          <p:cNvPr id="156" name="" descr=""/>
+          <p:cNvPr id="119" name="" descr=""/>
           <p:cNvPicPr/>
           <p:nvPr/>
         </p:nvPicPr>
@@ -12328,7 +11276,7 @@
         <p:spPr>
           <a:xfrm>
             <a:off x="274320" y="1555200"/>
-            <a:ext cx="11651760" cy="5760000"/>
+            <a:ext cx="11651400" cy="5759640"/>
           </a:xfrm>
           <a:prstGeom prst="rect">
             <a:avLst/>
@@ -12389,14 +11337,14 @@
       </p:grpSpPr>
       <p:sp>
         <p:nvSpPr>
-          <p:cNvPr id="157" name="CustomShape 1"/>
+          <p:cNvPr id="120" name="CustomShape 1"/>
           <p:cNvSpPr/>
           <p:nvPr/>
         </p:nvSpPr>
         <p:spPr>
           <a:xfrm>
             <a:off x="809640" y="447120"/>
-            <a:ext cx="10570680" cy="969120"/>
+            <a:ext cx="10570320" cy="968760"/>
           </a:xfrm>
           <a:prstGeom prst="rect">
             <a:avLst/>
@@ -12428,7 +11376,117 @@
                 <a:latin typeface="Cambria"/>
                 <a:ea typeface="DejaVu Sans"/>
               </a:rPr>
-              <a:t>Pillar Toc module</a:t>
+              <a:t>Pe</a:t>
+            </a:r>
+            <a:r>
+              <a:rPr b="1" lang="en-US" sz="4800" spc="-1" strike="noStrike">
+                <a:solidFill>
+                  <a:srgbClr val="000000"/>
+                </a:solidFill>
+                <a:latin typeface="Cambria"/>
+                <a:ea typeface="DejaVu Sans"/>
+              </a:rPr>
+              <a:t>rso</a:t>
+            </a:r>
+            <a:r>
+              <a:rPr b="1" lang="en-US" sz="4800" spc="-1" strike="noStrike">
+                <a:solidFill>
+                  <a:srgbClr val="000000"/>
+                </a:solidFill>
+                <a:latin typeface="Cambria"/>
+                <a:ea typeface="DejaVu Sans"/>
+              </a:rPr>
+              <a:t>nal </a:t>
+            </a:r>
+            <a:r>
+              <a:rPr b="1" lang="en-US" sz="4800" spc="-1" strike="noStrike">
+                <a:solidFill>
+                  <a:srgbClr val="000000"/>
+                </a:solidFill>
+                <a:latin typeface="Cambria"/>
+                <a:ea typeface="DejaVu Sans"/>
+              </a:rPr>
+              <a:t>Sit</a:t>
+            </a:r>
+            <a:r>
+              <a:rPr b="1" lang="en-US" sz="4800" spc="-1" strike="noStrike">
+                <a:solidFill>
+                  <a:srgbClr val="000000"/>
+                </a:solidFill>
+                <a:latin typeface="Cambria"/>
+                <a:ea typeface="DejaVu Sans"/>
+              </a:rPr>
+              <a:t>es </a:t>
+            </a:r>
+            <a:r>
+              <a:rPr b="1" lang="en-US" sz="4800" spc="-1" strike="noStrike">
+                <a:solidFill>
+                  <a:srgbClr val="000000"/>
+                </a:solidFill>
+                <a:latin typeface="Cambria"/>
+                <a:ea typeface="DejaVu Sans"/>
+              </a:rPr>
+              <a:t>Ar</a:t>
+            </a:r>
+            <a:r>
+              <a:rPr b="1" lang="en-US" sz="4800" spc="-1" strike="noStrike">
+                <a:solidFill>
+                  <a:srgbClr val="000000"/>
+                </a:solidFill>
+                <a:latin typeface="Cambria"/>
+                <a:ea typeface="DejaVu Sans"/>
+              </a:rPr>
+              <a:t>ch</a:t>
+            </a:r>
+            <a:r>
+              <a:rPr b="1" lang="en-US" sz="4800" spc="-1" strike="noStrike">
+                <a:solidFill>
+                  <a:srgbClr val="000000"/>
+                </a:solidFill>
+                <a:latin typeface="Cambria"/>
+                <a:ea typeface="DejaVu Sans"/>
+              </a:rPr>
+              <a:t>ety</a:t>
+            </a:r>
+            <a:r>
+              <a:rPr b="1" lang="en-US" sz="4800" spc="-1" strike="noStrike">
+                <a:solidFill>
+                  <a:srgbClr val="000000"/>
+                </a:solidFill>
+                <a:latin typeface="Cambria"/>
+                <a:ea typeface="DejaVu Sans"/>
+              </a:rPr>
+              <a:t>pe </a:t>
+            </a:r>
+            <a:r>
+              <a:rPr b="1" lang="en-US" sz="4800" spc="-1" strike="noStrike">
+                <a:solidFill>
+                  <a:srgbClr val="000000"/>
+                </a:solidFill>
+                <a:latin typeface="Cambria"/>
+                <a:ea typeface="DejaVu Sans"/>
+              </a:rPr>
+              <a:t>Ex</a:t>
+            </a:r>
+            <a:r>
+              <a:rPr b="1" lang="en-US" sz="4800" spc="-1" strike="noStrike">
+                <a:solidFill>
+                  <a:srgbClr val="000000"/>
+                </a:solidFill>
+                <a:latin typeface="Cambria"/>
+                <a:ea typeface="DejaVu Sans"/>
+              </a:rPr>
+              <a:t>am</a:t>
+            </a:r>
+            <a:r>
+              <a:rPr b="1" lang="en-US" sz="4800" spc="-1" strike="noStrike">
+                <a:solidFill>
+                  <a:srgbClr val="000000"/>
+                </a:solidFill>
+                <a:latin typeface="Cambria"/>
+                <a:ea typeface="DejaVu Sans"/>
+              </a:rPr>
+              <a:t>ple</a:t>
             </a:r>
             <a:endParaRPr b="0" lang="en-US" sz="4800" spc="-1" strike="noStrike">
               <a:latin typeface="Arial"/>
@@ -12438,14 +11496,14 @@
       </p:sp>
       <p:sp>
         <p:nvSpPr>
-          <p:cNvPr id="158" name="CustomShape 2"/>
+          <p:cNvPr id="121" name="CustomShape 2"/>
           <p:cNvSpPr/>
           <p:nvPr/>
         </p:nvSpPr>
         <p:spPr>
           <a:xfrm>
             <a:off x="10677960" y="5915880"/>
-            <a:ext cx="1060560" cy="489240"/>
+            <a:ext cx="1060200" cy="488880"/>
           </a:xfrm>
           <a:prstGeom prst="rect">
             <a:avLst/>
@@ -12469,7 +11527,7 @@
                 <a:spcPct val="100000"/>
               </a:lnSpc>
             </a:pPr>
-            <a:fld id="{D96F28C6-7594-4772-A3C5-7C2A61187305}" type="slidenum">
+            <a:fld id="{DE7263AE-EF1D-4484-AEE4-A91678F2B812}" type="slidenum">
               <a:rPr b="0" lang="en-US" sz="2000" spc="-1" strike="noStrike">
                 <a:solidFill>
                   <a:srgbClr val="00c6bb"/>
@@ -12487,14 +11545,14 @@
       </p:sp>
       <p:sp>
         <p:nvSpPr>
-          <p:cNvPr id="159" name="CustomShape 3"/>
+          <p:cNvPr id="122" name="CustomShape 3"/>
           <p:cNvSpPr/>
           <p:nvPr/>
         </p:nvSpPr>
         <p:spPr>
           <a:xfrm>
             <a:off x="809640" y="2179080"/>
-            <a:ext cx="10369080" cy="4226400"/>
+            <a:ext cx="10368720" cy="4226040"/>
           </a:xfrm>
           <a:prstGeom prst="rect">
             <a:avLst/>
@@ -12536,7 +11594,7 @@
       </p:sp>
       <p:pic>
         <p:nvPicPr>
-          <p:cNvPr id="160" name="" descr=""/>
+          <p:cNvPr id="123" name="" descr=""/>
           <p:cNvPicPr/>
           <p:nvPr/>
         </p:nvPicPr>
@@ -12546,8 +11604,8 @@
         </p:blipFill>
         <p:spPr>
           <a:xfrm>
-            <a:off x="2468880" y="2286000"/>
-            <a:ext cx="6583680" cy="4023360"/>
+            <a:off x="-2743200" y="2221200"/>
+            <a:ext cx="17244360" cy="8020080"/>
           </a:xfrm>
           <a:prstGeom prst="rect">
             <a:avLst/>
@@ -12557,78 +11615,6 @@
           </a:ln>
         </p:spPr>
       </p:pic>
-      <p:sp>
-        <p:nvSpPr>
-          <p:cNvPr id="161" name="CustomShape 4"/>
-          <p:cNvSpPr/>
-          <p:nvPr/>
-        </p:nvSpPr>
-        <p:spPr>
-          <a:xfrm>
-            <a:off x="5486400" y="2377440"/>
-            <a:ext cx="3840480" cy="3474720"/>
-          </a:xfrm>
-          <a:prstGeom prst="rect">
-            <a:avLst/>
-          </a:prstGeom>
-          <a:noFill/>
-          <a:ln w="38160">
-            <a:solidFill>
-              <a:srgbClr val="ef413d"/>
-            </a:solidFill>
-            <a:custDash>
-              <a:ds d="100000" sp="100000"/>
-            </a:custDash>
-            <a:round/>
-          </a:ln>
-        </p:spPr>
-        <p:style>
-          <a:lnRef idx="0"/>
-          <a:fillRef idx="0"/>
-          <a:effectRef idx="0"/>
-          <a:fontRef idx="minor"/>
-        </p:style>
-      </p:sp>
-      <p:sp>
-        <p:nvSpPr>
-          <p:cNvPr id="162" name="TextShape 5"/>
-          <p:cNvSpPr txBox="1"/>
-          <p:nvPr/>
-        </p:nvSpPr>
-        <p:spPr>
-          <a:xfrm>
-            <a:off x="8138160" y="2377440"/>
-            <a:ext cx="2103120" cy="415080"/>
-          </a:xfrm>
-          <a:prstGeom prst="rect">
-            <a:avLst/>
-          </a:prstGeom>
-          <a:noFill/>
-          <a:ln>
-            <a:noFill/>
-          </a:ln>
-        </p:spPr>
-        <p:txBody>
-          <a:bodyPr lIns="90000" rIns="90000" tIns="45000" bIns="45000"/>
-          <a:p>
-            <a:r>
-              <a:rPr b="1" lang="en-US" sz="2200" spc="-1" strike="noStrike">
-                <a:solidFill>
-                  <a:srgbClr val="ef413d"/>
-                </a:solidFill>
-                <a:latin typeface="Cambrai"/>
-              </a:rPr>
-              <a:t>Toc module</a:t>
-            </a:r>
-            <a:endParaRPr b="1" lang="en-US" sz="2200" spc="-1" strike="noStrike">
-              <a:solidFill>
-                <a:srgbClr val="ef413d"/>
-              </a:solidFill>
-              <a:latin typeface="Cambrai"/>
-            </a:endParaRPr>
-          </a:p>
-        </p:txBody>
-      </p:sp>
     </p:spTree>
   </p:cSld>
   <p:timing>
@@ -12678,156 +11664,9 @@
           <a:chExt cx="0" cy="0"/>
         </a:xfrm>
       </p:grpSpPr>
-      <p:sp>
-        <p:nvSpPr>
-          <p:cNvPr id="163" name="CustomShape 1"/>
-          <p:cNvSpPr/>
-          <p:nvPr/>
-        </p:nvSpPr>
-        <p:spPr>
-          <a:xfrm>
-            <a:off x="809640" y="447120"/>
-            <a:ext cx="10570680" cy="969120"/>
-          </a:xfrm>
-          <a:prstGeom prst="rect">
-            <a:avLst/>
-          </a:prstGeom>
-          <a:noFill/>
-          <a:ln>
-            <a:noFill/>
-          </a:ln>
-        </p:spPr>
-        <p:style>
-          <a:lnRef idx="0"/>
-          <a:fillRef idx="0"/>
-          <a:effectRef idx="0"/>
-          <a:fontRef idx="minor"/>
-        </p:style>
-        <p:txBody>
-          <a:bodyPr lIns="90000" rIns="90000" tIns="45000" bIns="45000" anchor="b"/>
-          <a:p>
-            <a:pPr algn="ctr">
-              <a:lnSpc>
-                <a:spcPct val="100000"/>
-              </a:lnSpc>
-            </a:pPr>
-            <a:r>
-              <a:rPr b="1" lang="en-US" sz="4800" spc="-1" strike="noStrike">
-                <a:solidFill>
-                  <a:srgbClr val="000000"/>
-                </a:solidFill>
-                <a:latin typeface="Cambria"/>
-                <a:ea typeface="DejaVu Sans"/>
-              </a:rPr>
-              <a:t>Rendering the TOC</a:t>
-            </a:r>
-            <a:endParaRPr b="0" lang="en-US" sz="4800" spc="-1" strike="noStrike">
-              <a:latin typeface="Arial"/>
-            </a:endParaRPr>
-          </a:p>
-        </p:txBody>
-      </p:sp>
-      <p:sp>
-        <p:nvSpPr>
-          <p:cNvPr id="164" name="CustomShape 2"/>
-          <p:cNvSpPr/>
-          <p:nvPr/>
-        </p:nvSpPr>
-        <p:spPr>
-          <a:xfrm>
-            <a:off x="10677960" y="5915880"/>
-            <a:ext cx="1060560" cy="489240"/>
-          </a:xfrm>
-          <a:prstGeom prst="rect">
-            <a:avLst/>
-          </a:prstGeom>
-          <a:noFill/>
-          <a:ln>
-            <a:noFill/>
-          </a:ln>
-        </p:spPr>
-        <p:style>
-          <a:lnRef idx="0"/>
-          <a:fillRef idx="0"/>
-          <a:effectRef idx="0"/>
-          <a:fontRef idx="minor"/>
-        </p:style>
-        <p:txBody>
-          <a:bodyPr lIns="90000" rIns="90000" tIns="45000" bIns="10800" anchor="b"/>
-          <a:p>
-            <a:pPr algn="r">
-              <a:lnSpc>
-                <a:spcPct val="100000"/>
-              </a:lnSpc>
-            </a:pPr>
-            <a:fld id="{70046263-4EFF-48DB-AE5E-0C33ED54BC34}" type="slidenum">
-              <a:rPr b="0" lang="en-US" sz="2000" spc="-1" strike="noStrike">
-                <a:solidFill>
-                  <a:srgbClr val="00c6bb"/>
-                </a:solidFill>
-                <a:latin typeface="Century Gothic"/>
-                <a:ea typeface="DejaVu Sans"/>
-              </a:rPr>
-              <a:t>1</a:t>
-            </a:fld>
-            <a:endParaRPr b="0" lang="en-US" sz="2000" spc="-1" strike="noStrike">
-              <a:latin typeface="Arial"/>
-            </a:endParaRPr>
-          </a:p>
-        </p:txBody>
-      </p:sp>
-      <p:sp>
-        <p:nvSpPr>
-          <p:cNvPr id="165" name="CustomShape 3"/>
-          <p:cNvSpPr/>
-          <p:nvPr/>
-        </p:nvSpPr>
-        <p:spPr>
-          <a:xfrm>
-            <a:off x="809640" y="2179080"/>
-            <a:ext cx="10369080" cy="4226400"/>
-          </a:xfrm>
-          <a:prstGeom prst="rect">
-            <a:avLst/>
-          </a:prstGeom>
-          <a:noFill/>
-          <a:ln>
-            <a:noFill/>
-          </a:ln>
-        </p:spPr>
-        <p:style>
-          <a:lnRef idx="0"/>
-          <a:fillRef idx="0"/>
-          <a:effectRef idx="0"/>
-          <a:fontRef idx="minor"/>
-        </p:style>
-        <p:txBody>
-          <a:bodyPr lIns="90000" rIns="90000" tIns="45000" bIns="45000" anchor="ctr"/>
-          <a:p>
-            <a:pPr algn="ctr">
-              <a:lnSpc>
-                <a:spcPct val="150000"/>
-              </a:lnSpc>
-            </a:pPr>
-            <a:endParaRPr b="0" lang="en-US" sz="1800" spc="-1" strike="noStrike">
-              <a:latin typeface="Arial"/>
-            </a:endParaRPr>
-          </a:p>
-          <a:p>
-            <a:pPr algn="just">
-              <a:lnSpc>
-                <a:spcPct val="150000"/>
-              </a:lnSpc>
-            </a:pPr>
-            <a:endParaRPr b="0" lang="en-US" sz="1800" spc="-1" strike="noStrike">
-              <a:latin typeface="Arial"/>
-            </a:endParaRPr>
-          </a:p>
-        </p:txBody>
-      </p:sp>
       <p:pic>
         <p:nvPicPr>
-          <p:cNvPr id="166" name="" descr=""/>
+          <p:cNvPr id="124" name="" descr=""/>
           <p:cNvPicPr/>
           <p:nvPr/>
         </p:nvPicPr>
@@ -12837,8 +11676,8 @@
         </p:blipFill>
         <p:spPr>
           <a:xfrm>
-            <a:off x="3285000" y="1912320"/>
-            <a:ext cx="15368760" cy="7597440"/>
+            <a:off x="274320" y="2195640"/>
+            <a:ext cx="6582600" cy="4022280"/>
           </a:xfrm>
           <a:prstGeom prst="rect">
             <a:avLst/>
@@ -12850,22 +11689,217 @@
       </p:pic>
       <p:sp>
         <p:nvSpPr>
-          <p:cNvPr id="167" name="CustomShape 4"/>
+          <p:cNvPr id="125" name="CustomShape 1"/>
           <p:cNvSpPr/>
           <p:nvPr/>
         </p:nvSpPr>
         <p:spPr>
           <a:xfrm>
-            <a:off x="3200400" y="2743200"/>
-            <a:ext cx="2286000" cy="3291840"/>
+            <a:off x="809640" y="447120"/>
+            <a:ext cx="10570320" cy="968760"/>
           </a:xfrm>
           <a:prstGeom prst="rect">
             <a:avLst/>
           </a:prstGeom>
           <a:noFill/>
-          <a:ln w="57240">
+          <a:ln>
+            <a:noFill/>
+          </a:ln>
+        </p:spPr>
+        <p:style>
+          <a:lnRef idx="0"/>
+          <a:fillRef idx="0"/>
+          <a:effectRef idx="0"/>
+          <a:fontRef idx="minor"/>
+        </p:style>
+        <p:txBody>
+          <a:bodyPr lIns="90000" rIns="90000" tIns="45000" bIns="45000" anchor="b"/>
+          <a:p>
+            <a:pPr algn="ctr">
+              <a:lnSpc>
+                <a:spcPct val="100000"/>
+              </a:lnSpc>
+            </a:pPr>
+            <a:r>
+              <a:rPr b="1" lang="en-US" sz="4800" spc="-1" strike="noStrike">
+                <a:solidFill>
+                  <a:srgbClr val="000000"/>
+                </a:solidFill>
+                <a:latin typeface="Cambria"/>
+                <a:ea typeface="DejaVu Sans"/>
+              </a:rPr>
+              <a:t>Pillar Toc module</a:t>
+            </a:r>
+            <a:endParaRPr b="0" lang="en-US" sz="4800" spc="-1" strike="noStrike">
+              <a:latin typeface="Arial"/>
+            </a:endParaRPr>
+          </a:p>
+        </p:txBody>
+      </p:sp>
+      <p:sp>
+        <p:nvSpPr>
+          <p:cNvPr id="126" name="CustomShape 2"/>
+          <p:cNvSpPr/>
+          <p:nvPr/>
+        </p:nvSpPr>
+        <p:spPr>
+          <a:xfrm>
+            <a:off x="10677960" y="5915880"/>
+            <a:ext cx="1060200" cy="488880"/>
+          </a:xfrm>
+          <a:prstGeom prst="rect">
+            <a:avLst/>
+          </a:prstGeom>
+          <a:noFill/>
+          <a:ln>
+            <a:noFill/>
+          </a:ln>
+        </p:spPr>
+        <p:style>
+          <a:lnRef idx="0"/>
+          <a:fillRef idx="0"/>
+          <a:effectRef idx="0"/>
+          <a:fontRef idx="minor"/>
+        </p:style>
+        <p:txBody>
+          <a:bodyPr lIns="90000" rIns="90000" tIns="45000" bIns="10800" anchor="b"/>
+          <a:p>
+            <a:pPr algn="r">
+              <a:lnSpc>
+                <a:spcPct val="100000"/>
+              </a:lnSpc>
+            </a:pPr>
+            <a:fld id="{104D66AA-FC05-4F75-B909-8E310ECBCC81}" type="slidenum">
+              <a:rPr b="0" lang="en-US" sz="2000" spc="-1" strike="noStrike">
+                <a:solidFill>
+                  <a:srgbClr val="00c6bb"/>
+                </a:solidFill>
+                <a:latin typeface="Century Gothic"/>
+                <a:ea typeface="DejaVu Sans"/>
+              </a:rPr>
+              <a:t>1</a:t>
+            </a:fld>
+            <a:endParaRPr b="0" lang="en-US" sz="2000" spc="-1" strike="noStrike">
+              <a:latin typeface="Arial"/>
+            </a:endParaRPr>
+          </a:p>
+        </p:txBody>
+      </p:sp>
+      <p:sp>
+        <p:nvSpPr>
+          <p:cNvPr id="127" name="CustomShape 3"/>
+          <p:cNvSpPr/>
+          <p:nvPr/>
+        </p:nvSpPr>
+        <p:spPr>
+          <a:xfrm>
+            <a:off x="809640" y="2179080"/>
+            <a:ext cx="10368720" cy="4226040"/>
+          </a:xfrm>
+          <a:prstGeom prst="rect">
+            <a:avLst/>
+          </a:prstGeom>
+          <a:noFill/>
+          <a:ln>
+            <a:noFill/>
+          </a:ln>
+        </p:spPr>
+        <p:style>
+          <a:lnRef idx="0"/>
+          <a:fillRef idx="0"/>
+          <a:effectRef idx="0"/>
+          <a:fontRef idx="minor"/>
+        </p:style>
+        <p:txBody>
+          <a:bodyPr lIns="90000" rIns="90000" tIns="45000" bIns="45000" anchor="ctr"/>
+          <a:p>
+            <a:pPr algn="ctr">
+              <a:lnSpc>
+                <a:spcPct val="150000"/>
+              </a:lnSpc>
+            </a:pPr>
+            <a:endParaRPr b="0" lang="en-US" sz="1800" spc="-1" strike="noStrike">
+              <a:latin typeface="Arial"/>
+            </a:endParaRPr>
+          </a:p>
+          <a:p>
+            <a:pPr algn="just">
+              <a:lnSpc>
+                <a:spcPct val="150000"/>
+              </a:lnSpc>
+            </a:pPr>
+            <a:endParaRPr b="0" lang="en-US" sz="1800" spc="-1" strike="noStrike">
+              <a:latin typeface="Arial"/>
+            </a:endParaRPr>
+          </a:p>
+        </p:txBody>
+      </p:sp>
+      <p:sp>
+        <p:nvSpPr>
+          <p:cNvPr id="128" name="CustomShape 4"/>
+          <p:cNvSpPr/>
+          <p:nvPr/>
+        </p:nvSpPr>
+        <p:spPr>
+          <a:xfrm>
+            <a:off x="5852520" y="2067840"/>
+            <a:ext cx="2102760" cy="414720"/>
+          </a:xfrm>
+          <a:prstGeom prst="rect">
+            <a:avLst/>
+          </a:prstGeom>
+          <a:noFill/>
+          <a:ln>
+            <a:noFill/>
+          </a:ln>
+        </p:spPr>
+        <p:style>
+          <a:lnRef idx="0"/>
+          <a:fillRef idx="0"/>
+          <a:effectRef idx="0"/>
+          <a:fontRef idx="minor"/>
+        </p:style>
+        <p:txBody>
+          <a:bodyPr lIns="90000" rIns="90000" tIns="45000" bIns="45000"/>
+          <a:p>
+            <a:pPr>
+              <a:lnSpc>
+                <a:spcPct val="100000"/>
+              </a:lnSpc>
+            </a:pPr>
+            <a:r>
+              <a:rPr b="1" lang="en-US" sz="2200" spc="-1" strike="noStrike">
+                <a:solidFill>
+                  <a:srgbClr val="ef413d"/>
+                </a:solidFill>
+                <a:latin typeface="Cambrai"/>
+              </a:rPr>
+              <a:t>Toc module</a:t>
+            </a:r>
+            <a:endParaRPr b="0" lang="en-US" sz="2200" spc="-1" strike="noStrike">
+              <a:latin typeface="Arial"/>
+            </a:endParaRPr>
+          </a:p>
+        </p:txBody>
+      </p:sp>
+      <p:sp>
+        <p:nvSpPr>
+          <p:cNvPr id="129" name="CustomShape 5"/>
+          <p:cNvSpPr/>
+          <p:nvPr/>
+        </p:nvSpPr>
+        <p:spPr>
+          <a:xfrm>
+            <a:off x="3252240" y="2482560"/>
+            <a:ext cx="3840120" cy="3474360"/>
+          </a:xfrm>
+          <a:prstGeom prst="rect">
+            <a:avLst/>
+          </a:prstGeom>
+          <a:noFill/>
+          <a:ln cap="rnd" w="38160">
             <a:solidFill>
-              <a:srgbClr val="ed1c24"/>
+              <a:srgbClr val="ef413d"/>
             </a:solidFill>
             <a:custDash>
               <a:ds d="100000" sp="100000"/>
@@ -13579,227 +12613,4 @@
     </a:fmtScheme>
   </a:themeElements>
 </a:theme>
-</file>
-
-<file path=ppt/theme/theme4.xml><?xml version="1.0" encoding="utf-8"?>
-<a:theme xmlns:a="http://schemas.openxmlformats.org/drawingml/2006/main" name="Office Theme">
-  <a:themeElements>
-    <a:clrScheme name="Office">
-      <a:dk1>
-        <a:sysClr val="windowText" lastClr="000000"/>
-      </a:dk1>
-      <a:lt1>
-        <a:sysClr val="window" lastClr="FFFFFF"/>
-      </a:lt1>
-      <a:dk2>
-        <a:srgbClr val="1f497d"/>
-      </a:dk2>
-      <a:lt2>
-        <a:srgbClr val="eeece1"/>
-      </a:lt2>
-      <a:accent1>
-        <a:srgbClr val="4f81bd"/>
-      </a:accent1>
-      <a:accent2>
-        <a:srgbClr val="c0504d"/>
-      </a:accent2>
-      <a:accent3>
-        <a:srgbClr val="9bbb59"/>
-      </a:accent3>
-      <a:accent4>
-        <a:srgbClr val="8064a2"/>
-      </a:accent4>
-      <a:accent5>
-        <a:srgbClr val="4bacc6"/>
-      </a:accent5>
-      <a:accent6>
-        <a:srgbClr val="f79646"/>
-      </a:accent6>
-      <a:hlink>
-        <a:srgbClr val="0000ff"/>
-      </a:hlink>
-      <a:folHlink>
-        <a:srgbClr val="800080"/>
-      </a:folHlink>
-    </a:clrScheme>
-    <a:fontScheme name="Office">
-      <a:majorFont>
-        <a:latin typeface="Arial"/>
-        <a:ea typeface="DejaVu Sans"/>
-        <a:cs typeface="DejaVu Sans"/>
-      </a:majorFont>
-      <a:minorFont>
-        <a:latin typeface="Arial"/>
-        <a:ea typeface="DejaVu Sans"/>
-        <a:cs typeface="DejaVu Sans"/>
-      </a:minorFont>
-    </a:fontScheme>
-    <a:fmtScheme name="Office">
-      <a:fillStyleLst>
-        <a:solidFill>
-          <a:schemeClr val="phClr"/>
-        </a:solidFill>
-        <a:gradFill rotWithShape="1">
-          <a:gsLst>
-            <a:gs pos="0">
-              <a:schemeClr val="phClr">
-                <a:tint val="50000"/>
-                <a:satMod val="300000"/>
-              </a:schemeClr>
-            </a:gs>
-            <a:gs pos="35000">
-              <a:schemeClr val="phClr">
-                <a:tint val="37000"/>
-                <a:satMod val="300000"/>
-              </a:schemeClr>
-            </a:gs>
-            <a:gs pos="100000">
-              <a:schemeClr val="phClr">
-                <a:tint val="15000"/>
-                <a:satMod val="350000"/>
-              </a:schemeClr>
-            </a:gs>
-          </a:gsLst>
-          <a:lin ang="16200000" scaled="1"/>
-        </a:gradFill>
-        <a:gradFill rotWithShape="1">
-          <a:gsLst>
-            <a:gs pos="0">
-              <a:schemeClr val="phClr">
-                <a:shade val="51000"/>
-                <a:satMod val="130000"/>
-              </a:schemeClr>
-            </a:gs>
-            <a:gs pos="80000">
-              <a:schemeClr val="phClr">
-                <a:shade val="93000"/>
-                <a:satMod val="130000"/>
-              </a:schemeClr>
-            </a:gs>
-            <a:gs pos="100000">
-              <a:schemeClr val="phClr">
-                <a:shade val="94000"/>
-                <a:satMod val="135000"/>
-              </a:schemeClr>
-            </a:gs>
-          </a:gsLst>
-          <a:lin ang="16200000" scaled="0"/>
-        </a:gradFill>
-      </a:fillStyleLst>
-      <a:lnStyleLst>
-        <a:ln w="9525" cap="flat" cmpd="sng" algn="ctr">
-          <a:solidFill>
-            <a:schemeClr val="phClr">
-              <a:shade val="95000"/>
-              <a:satMod val="105000"/>
-            </a:schemeClr>
-          </a:solidFill>
-          <a:prstDash val="solid"/>
-        </a:ln>
-        <a:ln w="25400" cap="flat" cmpd="sng" algn="ctr">
-          <a:solidFill>
-            <a:schemeClr val="phClr"/>
-          </a:solidFill>
-          <a:prstDash val="solid"/>
-        </a:ln>
-        <a:ln w="38100" cap="flat" cmpd="sng" algn="ctr">
-          <a:solidFill>
-            <a:schemeClr val="phClr"/>
-          </a:solidFill>
-          <a:prstDash val="solid"/>
-        </a:ln>
-      </a:lnStyleLst>
-      <a:effectStyleLst>
-        <a:effectStyle>
-          <a:effectLst>
-            <a:outerShdw blurRad="40000" dist="20000" dir="5400000" rotWithShape="0">
-              <a:srgbClr val="000000">
-                <a:alpha val="38000"/>
-              </a:srgbClr>
-            </a:outerShdw>
-          </a:effectLst>
-        </a:effectStyle>
-        <a:effectStyle>
-          <a:effectLst>
-            <a:outerShdw blurRad="40000" dist="23000" dir="5400000" rotWithShape="0">
-              <a:srgbClr val="000000">
-                <a:alpha val="35000"/>
-              </a:srgbClr>
-            </a:outerShdw>
-          </a:effectLst>
-        </a:effectStyle>
-        <a:effectStyle>
-          <a:effectLst>
-            <a:outerShdw blurRad="40000" dist="23000" dir="5400000" rotWithShape="0">
-              <a:srgbClr val="000000">
-                <a:alpha val="35000"/>
-              </a:srgbClr>
-            </a:outerShdw>
-          </a:effectLst>
-          <a:scene3d>
-            <a:camera prst="orthographicFront">
-              <a:rot lat="0" lon="0" rev="0"/>
-            </a:camera>
-            <a:lightRig rig="threePt" dir="t">
-              <a:rot lat="0" lon="0" rev="1200000"/>
-            </a:lightRig>
-          </a:scene3d>
-          <a:sp3d>
-            <a:bevelT w="63500" h="25400"/>
-          </a:sp3d>
-        </a:effectStyle>
-      </a:effectStyleLst>
-      <a:bgFillStyleLst>
-        <a:solidFill>
-          <a:schemeClr val="phClr"/>
-        </a:solidFill>
-        <a:gradFill rotWithShape="1">
-          <a:gsLst>
-            <a:gs pos="0">
-              <a:schemeClr val="phClr">
-                <a:tint val="40000"/>
-                <a:satMod val="350000"/>
-              </a:schemeClr>
-            </a:gs>
-            <a:gs pos="40000">
-              <a:schemeClr val="phClr">
-                <a:tint val="45000"/>
-                <a:shade val="99000"/>
-                <a:satMod val="350000"/>
-              </a:schemeClr>
-            </a:gs>
-            <a:gs pos="100000">
-              <a:schemeClr val="phClr">
-                <a:shade val="20000"/>
-                <a:satMod val="255000"/>
-              </a:schemeClr>
-            </a:gs>
-          </a:gsLst>
-          <a:path path="circle">
-            <a:fillToRect l="50000" t="-80000" r="50000" b="180000"/>
-          </a:path>
-        </a:gradFill>
-        <a:gradFill rotWithShape="1">
-          <a:gsLst>
-            <a:gs pos="0">
-              <a:schemeClr val="phClr">
-                <a:tint val="80000"/>
-                <a:satMod val="300000"/>
-              </a:schemeClr>
-            </a:gs>
-            <a:gs pos="100000">
-              <a:schemeClr val="phClr">
-                <a:shade val="30000"/>
-                <a:satMod val="200000"/>
-              </a:schemeClr>
-            </a:gs>
-          </a:gsLst>
-          <a:path path="circle">
-            <a:fillToRect l="50000" t="50000" r="50000" b="50000"/>
-          </a:path>
-        </a:gradFill>
-      </a:bgFillStyleLst>
-    </a:fmtScheme>
-  </a:themeElements>
-</a:theme>
 </file>
--- a/PRESENTATION-INTERNSHIP.pptx
+++ b/PRESENTATION-INTERNSHIP.pptx
@@ -36,6 +36,23 @@
 </p:presentation>
 </file>
 
+<file path=ppt/commentAuthors.xml><?xml version="1.0" encoding="utf-8"?>
+<p:cmAuthorLst xmlns:p="http://schemas.openxmlformats.org/presentationml/2006/main">
+  <p:cmAuthor id="0" name="" initials="" lastIdx="1" clrIdx="0"/>
+</p:cmAuthorLst>
+</file>
+
+<file path=ppt/comments/comment11.xml><?xml version="1.0" encoding="utf-8"?>
+<p:cmLst xmlns:p="http://schemas.openxmlformats.org/presentationml/2006/main">
+  <p:cm authorId="0" dt="2018-06-25T15:12:39.000000000" idx="1">
+    <p:pos x="0" y="0"/>
+    <p:text>Standardisation du processus. 
+Chacun avait sa manière de faire l’hébergement de ses documents.
+Mais là j’apporte une manière standardisée de le faire. Mutualisé</p:text>
+  </p:cm>
+</p:cmLst>
+</file>
+
 <file path=ppt/notesMasters/notesMaster1.xml><?xml version="1.0" encoding="utf-8"?>
 <p:notesMaster xmlns:a="http://schemas.openxmlformats.org/drawingml/2006/main" xmlns:p="http://schemas.openxmlformats.org/presentationml/2006/main" xmlns:r="http://schemas.openxmlformats.org/officeDocument/2006/relationships" xmlns:p14="http://schemas.microsoft.com/office/powerpoint/2010/main" xmlns:p15="http://schemas.microsoft.com/office/powerpoint/2012/main" xmlns:mc="http://schemas.openxmlformats.org/markup-compatibility/2006">
   <p:cSld>
@@ -80,7 +97,139 @@
               <a:rPr b="0" lang="en-US" sz="4400" spc="-1" strike="noStrike">
                 <a:latin typeface="Arial"/>
               </a:rPr>
-              <a:t>Click to move the slide</a:t>
+              <a:t>C</a:t>
+            </a:r>
+            <a:r>
+              <a:rPr b="0" lang="en-US" sz="4400" spc="-1" strike="noStrike">
+                <a:latin typeface="Arial"/>
+              </a:rPr>
+              <a:t>l</a:t>
+            </a:r>
+            <a:r>
+              <a:rPr b="0" lang="en-US" sz="4400" spc="-1" strike="noStrike">
+                <a:latin typeface="Arial"/>
+              </a:rPr>
+              <a:t>i</a:t>
+            </a:r>
+            <a:r>
+              <a:rPr b="0" lang="en-US" sz="4400" spc="-1" strike="noStrike">
+                <a:latin typeface="Arial"/>
+              </a:rPr>
+              <a:t>c</a:t>
+            </a:r>
+            <a:r>
+              <a:rPr b="0" lang="en-US" sz="4400" spc="-1" strike="noStrike">
+                <a:latin typeface="Arial"/>
+              </a:rPr>
+              <a:t>k</a:t>
+            </a:r>
+            <a:r>
+              <a:rPr b="0" lang="en-US" sz="4400" spc="-1" strike="noStrike">
+                <a:latin typeface="Arial"/>
+              </a:rPr>
+              <a:t> </a:t>
+            </a:r>
+            <a:r>
+              <a:rPr b="0" lang="en-US" sz="4400" spc="-1" strike="noStrike">
+                <a:latin typeface="Arial"/>
+              </a:rPr>
+              <a:t>t</a:t>
+            </a:r>
+            <a:r>
+              <a:rPr b="0" lang="en-US" sz="4400" spc="-1" strike="noStrike">
+                <a:latin typeface="Arial"/>
+              </a:rPr>
+              <a:t>o</a:t>
+            </a:r>
+            <a:r>
+              <a:rPr b="0" lang="en-US" sz="4400" spc="-1" strike="noStrike">
+                <a:latin typeface="Arial"/>
+              </a:rPr>
+              <a:t> </a:t>
+            </a:r>
+            <a:r>
+              <a:rPr b="0" lang="en-US" sz="4400" spc="-1" strike="noStrike">
+                <a:latin typeface="Arial"/>
+              </a:rPr>
+              <a:t>m</a:t>
+            </a:r>
+            <a:r>
+              <a:rPr b="0" lang="en-US" sz="4400" spc="-1" strike="noStrike">
+                <a:latin typeface="Arial"/>
+              </a:rPr>
+              <a:t>o</a:t>
+            </a:r>
+            <a:r>
+              <a:rPr b="0" lang="en-US" sz="4400" spc="-1" strike="noStrike">
+                <a:latin typeface="Arial"/>
+              </a:rPr>
+              <a:t>v</a:t>
+            </a:r>
+            <a:r>
+              <a:rPr b="0" lang="en-US" sz="4400" spc="-1" strike="noStrike">
+                <a:latin typeface="Arial"/>
+              </a:rPr>
+              <a:t>e</a:t>
+            </a:r>
+            <a:r>
+              <a:rPr b="0" lang="en-US" sz="4400" spc="-1" strike="noStrike">
+                <a:latin typeface="Arial"/>
+              </a:rPr>
+              <a:t> </a:t>
+            </a:r>
+            <a:r>
+              <a:rPr b="0" lang="en-US" sz="4400" spc="-1" strike="noStrike">
+                <a:latin typeface="Arial"/>
+              </a:rPr>
+              <a:t>t</a:t>
+            </a:r>
+            <a:r>
+              <a:rPr b="0" lang="en-US" sz="4400" spc="-1" strike="noStrike">
+                <a:latin typeface="Arial"/>
+              </a:rPr>
+              <a:t>h</a:t>
+            </a:r>
+            <a:r>
+              <a:rPr b="0" lang="en-US" sz="4400" spc="-1" strike="noStrike">
+                <a:latin typeface="Arial"/>
+              </a:rPr>
+              <a:t>e</a:t>
+            </a:r>
+            <a:r>
+              <a:rPr b="0" lang="en-US" sz="4400" spc="-1" strike="noStrike">
+                <a:latin typeface="Arial"/>
+              </a:rPr>
+              <a:t> </a:t>
+            </a:r>
+            <a:r>
+              <a:rPr b="0" lang="en-US" sz="4400" spc="-1" strike="noStrike">
+                <a:latin typeface="Arial"/>
+              </a:rPr>
+              <a:t>s</a:t>
+            </a:r>
+            <a:r>
+              <a:rPr b="0" lang="en-US" sz="4400" spc="-1" strike="noStrike">
+                <a:latin typeface="Arial"/>
+              </a:rPr>
+              <a:t>l</a:t>
+            </a:r>
+            <a:r>
+              <a:rPr b="0" lang="en-US" sz="4400" spc="-1" strike="noStrike">
+                <a:latin typeface="Arial"/>
+              </a:rPr>
+              <a:t>i</a:t>
+            </a:r>
+            <a:r>
+              <a:rPr b="0" lang="en-US" sz="4400" spc="-1" strike="noStrike">
+                <a:latin typeface="Arial"/>
+              </a:rPr>
+              <a:t>d</a:t>
+            </a:r>
+            <a:r>
+              <a:rPr b="0" lang="en-US" sz="4400" spc="-1" strike="noStrike">
+                <a:latin typeface="Arial"/>
+              </a:rPr>
+              <a:t>e</a:t>
             </a:r>
             <a:endParaRPr b="0" lang="en-US" sz="4400" spc="-1" strike="noStrike">
               <a:latin typeface="Arial"/>
@@ -248,7 +397,7 @@
           <a:bodyPr lIns="0" rIns="0" tIns="0" bIns="0" anchor="b"/>
           <a:p>
             <a:pPr algn="r"/>
-            <a:fld id="{19FD2399-E954-4D1F-BD3F-CA39C535107C}" type="slidenum">
+            <a:fld id="{C24CCE20-9169-464D-88FF-797371D8AD2E}" type="slidenum">
               <a:rPr b="0" lang="en-US" sz="1400" spc="-1" strike="noStrike">
                 <a:latin typeface="Times New Roman"/>
               </a:rPr>
@@ -285,7 +434,7 @@
       </p:grpSpPr>
       <p:sp>
         <p:nvSpPr>
-          <p:cNvPr id="207" name="PlaceHolder 1"/>
+          <p:cNvPr id="267" name="PlaceHolder 1"/>
           <p:cNvSpPr>
             <a:spLocks noGrp="1"/>
           </p:cNvSpPr>
@@ -296,7 +445,7 @@
         <p:spPr>
           <a:xfrm>
             <a:off x="685800" y="4400640"/>
-            <a:ext cx="5484600" cy="3598560"/>
+            <a:ext cx="5483880" cy="3597840"/>
           </a:xfrm>
           <a:prstGeom prst="rect">
             <a:avLst/>
@@ -313,14 +462,14 @@
       </p:sp>
       <p:sp>
         <p:nvSpPr>
-          <p:cNvPr id="208" name="CustomShape 2"/>
+          <p:cNvPr id="268" name="CustomShape 2"/>
           <p:cNvSpPr/>
           <p:nvPr/>
         </p:nvSpPr>
         <p:spPr>
           <a:xfrm>
             <a:off x="3884760" y="8685360"/>
-            <a:ext cx="2970000" cy="456840"/>
+            <a:ext cx="2969280" cy="456120"/>
           </a:xfrm>
           <a:prstGeom prst="rect">
             <a:avLst/>
@@ -344,7 +493,7 @@
                 <a:spcPct val="100000"/>
               </a:lnSpc>
             </a:pPr>
-            <a:fld id="{B0925419-47B5-479A-9584-C1CFE3050C2B}" type="slidenum">
+            <a:fld id="{B78C2022-0C85-409D-AD5A-D86A088405BC}" type="slidenum">
               <a:rPr b="0" lang="en-US" sz="1200" spc="-1" strike="noStrike">
                 <a:solidFill>
                   <a:srgbClr val="000000"/>
@@ -352,7 +501,7 @@
                 <a:latin typeface="+mn-lt"/>
                 <a:ea typeface="+mn-ea"/>
               </a:rPr>
-              <a:t>1</a:t>
+              <a:t>&lt;number&gt;</a:t>
             </a:fld>
             <a:endParaRPr b="0" lang="en-US" sz="1200" spc="-1" strike="noStrike">
               <a:latin typeface="Arial"/>
@@ -384,7 +533,7 @@
       </p:grpSpPr>
       <p:sp>
         <p:nvSpPr>
-          <p:cNvPr id="209" name="PlaceHolder 1"/>
+          <p:cNvPr id="269" name="PlaceHolder 1"/>
           <p:cNvSpPr>
             <a:spLocks noGrp="1"/>
           </p:cNvSpPr>
@@ -395,7 +544,7 @@
         <p:spPr>
           <a:xfrm>
             <a:off x="685800" y="4400640"/>
-            <a:ext cx="5484600" cy="3598560"/>
+            <a:ext cx="5483880" cy="3597840"/>
           </a:xfrm>
           <a:prstGeom prst="rect">
             <a:avLst/>
@@ -404,7 +553,7 @@
         <p:txBody>
           <a:bodyPr lIns="0" rIns="0" tIns="0" bIns="0"/>
           <a:p>
-            <a:pPr marL="216000" indent="-214920">
+            <a:pPr marL="216000" indent="-214200">
               <a:lnSpc>
                 <a:spcPct val="100000"/>
               </a:lnSpc>
@@ -423,7 +572,7 @@
             </a:endParaRPr>
           </a:p>
           <a:p>
-            <a:pPr marL="216000" indent="-214920">
+            <a:pPr marL="216000" indent="-214200">
               <a:lnSpc>
                 <a:spcPct val="100000"/>
               </a:lnSpc>
@@ -436,14 +585,14 @@
       </p:sp>
       <p:sp>
         <p:nvSpPr>
-          <p:cNvPr id="210" name="CustomShape 2"/>
+          <p:cNvPr id="270" name="CustomShape 2"/>
           <p:cNvSpPr/>
           <p:nvPr/>
         </p:nvSpPr>
         <p:spPr>
           <a:xfrm>
             <a:off x="3884760" y="8685360"/>
-            <a:ext cx="2970000" cy="456840"/>
+            <a:ext cx="2969280" cy="456120"/>
           </a:xfrm>
           <a:prstGeom prst="rect">
             <a:avLst/>
@@ -467,7 +616,7 @@
                 <a:spcPct val="100000"/>
               </a:lnSpc>
             </a:pPr>
-            <a:fld id="{F9E9CD8A-5B7A-441A-B636-53F8861A4B48}" type="slidenum">
+            <a:fld id="{4FB8A339-7175-4D94-937F-2F5FC203E2B2}" type="slidenum">
               <a:rPr b="0" lang="en-US" sz="1200" spc="-1" strike="noStrike">
                 <a:solidFill>
                   <a:srgbClr val="000000"/>
@@ -475,7 +624,7 @@
                 <a:latin typeface="+mn-lt"/>
                 <a:ea typeface="+mn-ea"/>
               </a:rPr>
-              <a:t>1</a:t>
+              <a:t>&lt;number&gt;</a:t>
             </a:fld>
             <a:endParaRPr b="0" lang="en-US" sz="1200" spc="-1" strike="noStrike">
               <a:latin typeface="Arial"/>
@@ -507,7 +656,7 @@
       </p:grpSpPr>
       <p:sp>
         <p:nvSpPr>
-          <p:cNvPr id="211" name="PlaceHolder 1"/>
+          <p:cNvPr id="271" name="PlaceHolder 1"/>
           <p:cNvSpPr>
             <a:spLocks noGrp="1"/>
           </p:cNvSpPr>
@@ -518,7 +667,7 @@
         <p:spPr>
           <a:xfrm>
             <a:off x="685800" y="4400640"/>
-            <a:ext cx="5484600" cy="3598560"/>
+            <a:ext cx="5483880" cy="3597840"/>
           </a:xfrm>
           <a:prstGeom prst="rect">
             <a:avLst/>
@@ -527,7 +676,7 @@
         <p:txBody>
           <a:bodyPr lIns="0" rIns="0" tIns="0" bIns="0"/>
           <a:p>
-            <a:pPr marL="216000" indent="-214920" algn="just">
+            <a:pPr marL="216000" indent="-214200" algn="just">
               <a:lnSpc>
                 <a:spcPct val="150000"/>
               </a:lnSpc>
@@ -539,14 +688,221 @@
                 </a:solidFill>
                 <a:latin typeface="Cambria"/>
               </a:rPr>
-              <a:t>Cette plateforme vise un certain nombre d’objectifs:</a:t>
+              <a:t>Cette </a:t>
+            </a:r>
+            <a:r>
+              <a:rPr b="0" lang="en-US" sz="1200" spc="-1" strike="noStrike">
+                <a:solidFill>
+                  <a:srgbClr val="0070c0"/>
+                </a:solidFill>
+                <a:latin typeface="Cambria"/>
+              </a:rPr>
+              <a:t>pl</a:t>
+            </a:r>
+            <a:r>
+              <a:rPr b="0" lang="en-US" sz="1200" spc="-1" strike="noStrike">
+                <a:solidFill>
+                  <a:srgbClr val="0070c0"/>
+                </a:solidFill>
+                <a:latin typeface="Cambria"/>
+              </a:rPr>
+              <a:t>at</a:t>
+            </a:r>
+            <a:r>
+              <a:rPr b="0" lang="en-US" sz="1200" spc="-1" strike="noStrike">
+                <a:solidFill>
+                  <a:srgbClr val="0070c0"/>
+                </a:solidFill>
+                <a:latin typeface="Cambria"/>
+              </a:rPr>
+              <a:t>ef</a:t>
+            </a:r>
+            <a:r>
+              <a:rPr b="0" lang="en-US" sz="1200" spc="-1" strike="noStrike">
+                <a:solidFill>
+                  <a:srgbClr val="0070c0"/>
+                </a:solidFill>
+                <a:latin typeface="Cambria"/>
+              </a:rPr>
+              <a:t>or</a:t>
+            </a:r>
+            <a:r>
+              <a:rPr b="0" lang="en-US" sz="1200" spc="-1" strike="noStrike">
+                <a:solidFill>
+                  <a:srgbClr val="0070c0"/>
+                </a:solidFill>
+                <a:latin typeface="Cambria"/>
+              </a:rPr>
+              <a:t>m</a:t>
+            </a:r>
+            <a:r>
+              <a:rPr b="0" lang="en-US" sz="1200" spc="-1" strike="noStrike">
+                <a:solidFill>
+                  <a:srgbClr val="0070c0"/>
+                </a:solidFill>
+                <a:latin typeface="Cambria"/>
+              </a:rPr>
+              <a:t>e </a:t>
+            </a:r>
+            <a:r>
+              <a:rPr b="0" lang="en-US" sz="1200" spc="-1" strike="noStrike">
+                <a:solidFill>
+                  <a:srgbClr val="0070c0"/>
+                </a:solidFill>
+                <a:latin typeface="Cambria"/>
+              </a:rPr>
+              <a:t>vi</a:t>
+            </a:r>
+            <a:r>
+              <a:rPr b="0" lang="en-US" sz="1200" spc="-1" strike="noStrike">
+                <a:solidFill>
+                  <a:srgbClr val="0070c0"/>
+                </a:solidFill>
+                <a:latin typeface="Cambria"/>
+              </a:rPr>
+              <a:t>se </a:t>
+            </a:r>
+            <a:r>
+              <a:rPr b="0" lang="en-US" sz="1200" spc="-1" strike="noStrike">
+                <a:solidFill>
+                  <a:srgbClr val="0070c0"/>
+                </a:solidFill>
+                <a:latin typeface="Cambria"/>
+              </a:rPr>
+              <a:t>u</a:t>
+            </a:r>
+            <a:r>
+              <a:rPr b="0" lang="en-US" sz="1200" spc="-1" strike="noStrike">
+                <a:solidFill>
+                  <a:srgbClr val="0070c0"/>
+                </a:solidFill>
+                <a:latin typeface="Cambria"/>
+              </a:rPr>
+              <a:t>n </a:t>
+            </a:r>
+            <a:r>
+              <a:rPr b="0" lang="en-US" sz="1200" spc="-1" strike="noStrike">
+                <a:solidFill>
+                  <a:srgbClr val="0070c0"/>
+                </a:solidFill>
+                <a:latin typeface="Cambria"/>
+              </a:rPr>
+              <a:t>ce</a:t>
+            </a:r>
+            <a:r>
+              <a:rPr b="0" lang="en-US" sz="1200" spc="-1" strike="noStrike">
+                <a:solidFill>
+                  <a:srgbClr val="0070c0"/>
+                </a:solidFill>
+                <a:latin typeface="Cambria"/>
+              </a:rPr>
+              <a:t>rt</a:t>
+            </a:r>
+            <a:r>
+              <a:rPr b="0" lang="en-US" sz="1200" spc="-1" strike="noStrike">
+                <a:solidFill>
+                  <a:srgbClr val="0070c0"/>
+                </a:solidFill>
+                <a:latin typeface="Cambria"/>
+              </a:rPr>
+              <a:t>ai</a:t>
+            </a:r>
+            <a:r>
+              <a:rPr b="0" lang="en-US" sz="1200" spc="-1" strike="noStrike">
+                <a:solidFill>
+                  <a:srgbClr val="0070c0"/>
+                </a:solidFill>
+                <a:latin typeface="Cambria"/>
+              </a:rPr>
+              <a:t>n </a:t>
+            </a:r>
+            <a:r>
+              <a:rPr b="0" lang="en-US" sz="1200" spc="-1" strike="noStrike">
+                <a:solidFill>
+                  <a:srgbClr val="0070c0"/>
+                </a:solidFill>
+                <a:latin typeface="Cambria"/>
+              </a:rPr>
+              <a:t>no</a:t>
+            </a:r>
+            <a:r>
+              <a:rPr b="0" lang="en-US" sz="1200" spc="-1" strike="noStrike">
+                <a:solidFill>
+                  <a:srgbClr val="0070c0"/>
+                </a:solidFill>
+                <a:latin typeface="Cambria"/>
+              </a:rPr>
+              <a:t>m</a:t>
+            </a:r>
+            <a:r>
+              <a:rPr b="0" lang="en-US" sz="1200" spc="-1" strike="noStrike">
+                <a:solidFill>
+                  <a:srgbClr val="0070c0"/>
+                </a:solidFill>
+                <a:latin typeface="Cambria"/>
+              </a:rPr>
+              <a:t>br</a:t>
+            </a:r>
+            <a:r>
+              <a:rPr b="0" lang="en-US" sz="1200" spc="-1" strike="noStrike">
+                <a:solidFill>
+                  <a:srgbClr val="0070c0"/>
+                </a:solidFill>
+                <a:latin typeface="Cambria"/>
+              </a:rPr>
+              <a:t>e </a:t>
+            </a:r>
+            <a:r>
+              <a:rPr b="0" lang="en-US" sz="1200" spc="-1" strike="noStrike">
+                <a:solidFill>
+                  <a:srgbClr val="0070c0"/>
+                </a:solidFill>
+                <a:latin typeface="Cambria"/>
+              </a:rPr>
+              <a:t>d’</a:t>
+            </a:r>
+            <a:r>
+              <a:rPr b="0" lang="en-US" sz="1200" spc="-1" strike="noStrike">
+                <a:solidFill>
+                  <a:srgbClr val="0070c0"/>
+                </a:solidFill>
+                <a:latin typeface="Cambria"/>
+              </a:rPr>
+              <a:t>ob</a:t>
+            </a:r>
+            <a:r>
+              <a:rPr b="0" lang="en-US" sz="1200" spc="-1" strike="noStrike">
+                <a:solidFill>
+                  <a:srgbClr val="0070c0"/>
+                </a:solidFill>
+                <a:latin typeface="Cambria"/>
+              </a:rPr>
+              <a:t>je</a:t>
+            </a:r>
+            <a:r>
+              <a:rPr b="0" lang="en-US" sz="1200" spc="-1" strike="noStrike">
+                <a:solidFill>
+                  <a:srgbClr val="0070c0"/>
+                </a:solidFill>
+                <a:latin typeface="Cambria"/>
+              </a:rPr>
+              <a:t>cti</a:t>
+            </a:r>
+            <a:r>
+              <a:rPr b="0" lang="en-US" sz="1200" spc="-1" strike="noStrike">
+                <a:solidFill>
+                  <a:srgbClr val="0070c0"/>
+                </a:solidFill>
+                <a:latin typeface="Cambria"/>
+              </a:rPr>
+              <a:t>fs:</a:t>
             </a:r>
             <a:endParaRPr b="0" lang="en-US" sz="1200" spc="-1" strike="noStrike">
               <a:latin typeface="Arial"/>
             </a:endParaRPr>
           </a:p>
           <a:p>
-            <a:pPr marL="216000" indent="-214560" algn="just">
+            <a:pPr marL="216000" indent="-213840" algn="just">
               <a:lnSpc>
                 <a:spcPct val="150000"/>
               </a:lnSpc>
@@ -563,14 +919,167 @@
                 </a:solidFill>
                 <a:latin typeface="Cambria"/>
               </a:rPr>
-              <a:t>Faciliter l’accès à l’information sportive;</a:t>
+              <a:t>Fa</a:t>
+            </a:r>
+            <a:r>
+              <a:rPr b="0" lang="en-US" sz="1200" spc="-1" strike="noStrike">
+                <a:solidFill>
+                  <a:srgbClr val="0070c0"/>
+                </a:solidFill>
+                <a:latin typeface="Cambria"/>
+              </a:rPr>
+              <a:t>cil</a:t>
+            </a:r>
+            <a:r>
+              <a:rPr b="0" lang="en-US" sz="1200" spc="-1" strike="noStrike">
+                <a:solidFill>
+                  <a:srgbClr val="0070c0"/>
+                </a:solidFill>
+                <a:latin typeface="Cambria"/>
+              </a:rPr>
+              <a:t>ite</a:t>
+            </a:r>
+            <a:r>
+              <a:rPr b="0" lang="en-US" sz="1200" spc="-1" strike="noStrike">
+                <a:solidFill>
+                  <a:srgbClr val="0070c0"/>
+                </a:solidFill>
+                <a:latin typeface="Cambria"/>
+              </a:rPr>
+              <a:t>r </a:t>
+            </a:r>
+            <a:r>
+              <a:rPr b="0" lang="en-US" sz="1200" spc="-1" strike="noStrike">
+                <a:solidFill>
+                  <a:srgbClr val="0070c0"/>
+                </a:solidFill>
+                <a:latin typeface="Cambria"/>
+              </a:rPr>
+              <a:t>l’a</a:t>
+            </a:r>
+            <a:r>
+              <a:rPr b="0" lang="en-US" sz="1200" spc="-1" strike="noStrike">
+                <a:solidFill>
+                  <a:srgbClr val="0070c0"/>
+                </a:solidFill>
+                <a:latin typeface="Cambria"/>
+              </a:rPr>
+              <a:t>cc</a:t>
+            </a:r>
+            <a:r>
+              <a:rPr b="0" lang="en-US" sz="1200" spc="-1" strike="noStrike">
+                <a:solidFill>
+                  <a:srgbClr val="0070c0"/>
+                </a:solidFill>
+                <a:latin typeface="Cambria"/>
+              </a:rPr>
+              <a:t>ès </a:t>
+            </a:r>
+            <a:r>
+              <a:rPr b="0" lang="en-US" sz="1200" spc="-1" strike="noStrike">
+                <a:solidFill>
+                  <a:srgbClr val="0070c0"/>
+                </a:solidFill>
+                <a:latin typeface="Cambria"/>
+              </a:rPr>
+              <a:t>à </a:t>
+            </a:r>
+            <a:r>
+              <a:rPr b="0" lang="en-US" sz="1200" spc="-1" strike="noStrike">
+                <a:solidFill>
+                  <a:srgbClr val="0070c0"/>
+                </a:solidFill>
+                <a:latin typeface="Cambria"/>
+              </a:rPr>
+              <a:t>l’i</a:t>
+            </a:r>
+            <a:r>
+              <a:rPr b="0" lang="en-US" sz="1200" spc="-1" strike="noStrike">
+                <a:solidFill>
+                  <a:srgbClr val="0070c0"/>
+                </a:solidFill>
+                <a:latin typeface="Cambria"/>
+              </a:rPr>
+              <a:t>nf</a:t>
+            </a:r>
+            <a:r>
+              <a:rPr b="0" lang="en-US" sz="1200" spc="-1" strike="noStrike">
+                <a:solidFill>
+                  <a:srgbClr val="0070c0"/>
+                </a:solidFill>
+                <a:latin typeface="Cambria"/>
+              </a:rPr>
+              <a:t>or</a:t>
+            </a:r>
+            <a:r>
+              <a:rPr b="0" lang="en-US" sz="1200" spc="-1" strike="noStrike">
+                <a:solidFill>
+                  <a:srgbClr val="0070c0"/>
+                </a:solidFill>
+                <a:latin typeface="Cambria"/>
+              </a:rPr>
+              <a:t>m</a:t>
+            </a:r>
+            <a:r>
+              <a:rPr b="0" lang="en-US" sz="1200" spc="-1" strike="noStrike">
+                <a:solidFill>
+                  <a:srgbClr val="0070c0"/>
+                </a:solidFill>
+                <a:latin typeface="Cambria"/>
+              </a:rPr>
+              <a:t>ati</a:t>
+            </a:r>
+            <a:r>
+              <a:rPr b="0" lang="en-US" sz="1200" spc="-1" strike="noStrike">
+                <a:solidFill>
+                  <a:srgbClr val="0070c0"/>
+                </a:solidFill>
+                <a:latin typeface="Cambria"/>
+              </a:rPr>
+              <a:t>on </a:t>
+            </a:r>
+            <a:r>
+              <a:rPr b="0" lang="en-US" sz="1200" spc="-1" strike="noStrike">
+                <a:solidFill>
+                  <a:srgbClr val="0070c0"/>
+                </a:solidFill>
+                <a:latin typeface="Cambria"/>
+              </a:rPr>
+              <a:t>sp</a:t>
+            </a:r>
+            <a:r>
+              <a:rPr b="0" lang="en-US" sz="1200" spc="-1" strike="noStrike">
+                <a:solidFill>
+                  <a:srgbClr val="0070c0"/>
+                </a:solidFill>
+                <a:latin typeface="Cambria"/>
+              </a:rPr>
+              <a:t>or</a:t>
+            </a:r>
+            <a:r>
+              <a:rPr b="0" lang="en-US" sz="1200" spc="-1" strike="noStrike">
+                <a:solidFill>
+                  <a:srgbClr val="0070c0"/>
+                </a:solidFill>
+                <a:latin typeface="Cambria"/>
+              </a:rPr>
+              <a:t>tiv</a:t>
+            </a:r>
+            <a:r>
+              <a:rPr b="0" lang="en-US" sz="1200" spc="-1" strike="noStrike">
+                <a:solidFill>
+                  <a:srgbClr val="0070c0"/>
+                </a:solidFill>
+                <a:latin typeface="Cambria"/>
+              </a:rPr>
+              <a:t>e;</a:t>
             </a:r>
             <a:endParaRPr b="0" lang="en-US" sz="1200" spc="-1" strike="noStrike">
               <a:latin typeface="Arial"/>
             </a:endParaRPr>
           </a:p>
           <a:p>
-            <a:pPr marL="216000" indent="-214560" algn="just">
+            <a:pPr marL="216000" indent="-213840" algn="just">
               <a:lnSpc>
                 <a:spcPct val="150000"/>
               </a:lnSpc>
@@ -587,14 +1096,194 @@
                 </a:solidFill>
                 <a:latin typeface="Cambria"/>
               </a:rPr>
-              <a:t>Rendre cet accès moins coûteux et rapide;</a:t>
+              <a:t>R</a:t>
+            </a:r>
+            <a:r>
+              <a:rPr b="0" lang="en-US" sz="1200" spc="-1" strike="noStrike">
+                <a:solidFill>
+                  <a:srgbClr val="0070c0"/>
+                </a:solidFill>
+                <a:latin typeface="Cambria"/>
+              </a:rPr>
+              <a:t>en</a:t>
+            </a:r>
+            <a:r>
+              <a:rPr b="0" lang="en-US" sz="1200" spc="-1" strike="noStrike">
+                <a:solidFill>
+                  <a:srgbClr val="0070c0"/>
+                </a:solidFill>
+                <a:latin typeface="Cambria"/>
+              </a:rPr>
+              <a:t>dr</a:t>
+            </a:r>
+            <a:r>
+              <a:rPr b="0" lang="en-US" sz="1200" spc="-1" strike="noStrike">
+                <a:solidFill>
+                  <a:srgbClr val="0070c0"/>
+                </a:solidFill>
+                <a:latin typeface="Cambria"/>
+              </a:rPr>
+              <a:t>e </a:t>
+            </a:r>
+            <a:r>
+              <a:rPr b="0" lang="en-US" sz="1200" spc="-1" strike="noStrike">
+                <a:solidFill>
+                  <a:srgbClr val="0070c0"/>
+                </a:solidFill>
+                <a:latin typeface="Cambria"/>
+              </a:rPr>
+              <a:t>ce</a:t>
+            </a:r>
+            <a:r>
+              <a:rPr b="0" lang="en-US" sz="1200" spc="-1" strike="noStrike">
+                <a:solidFill>
+                  <a:srgbClr val="0070c0"/>
+                </a:solidFill>
+                <a:latin typeface="Cambria"/>
+              </a:rPr>
+              <a:t>t </a:t>
+            </a:r>
+            <a:r>
+              <a:rPr b="0" lang="en-US" sz="1200" spc="-1" strike="noStrike">
+                <a:solidFill>
+                  <a:srgbClr val="0070c0"/>
+                </a:solidFill>
+                <a:latin typeface="Cambria"/>
+              </a:rPr>
+              <a:t>ac</a:t>
+            </a:r>
+            <a:r>
+              <a:rPr b="0" lang="en-US" sz="1200" spc="-1" strike="noStrike">
+                <a:solidFill>
+                  <a:srgbClr val="0070c0"/>
+                </a:solidFill>
+                <a:latin typeface="Cambria"/>
+              </a:rPr>
+              <a:t>cè</a:t>
+            </a:r>
+            <a:r>
+              <a:rPr b="0" lang="en-US" sz="1200" spc="-1" strike="noStrike">
+                <a:solidFill>
+                  <a:srgbClr val="0070c0"/>
+                </a:solidFill>
+                <a:latin typeface="Cambria"/>
+              </a:rPr>
+              <a:t>s </a:t>
+            </a:r>
+            <a:r>
+              <a:rPr b="0" lang="en-US" sz="1200" spc="-1" strike="noStrike">
+                <a:solidFill>
+                  <a:srgbClr val="0070c0"/>
+                </a:solidFill>
+                <a:latin typeface="Cambria"/>
+              </a:rPr>
+              <a:t>m</a:t>
+            </a:r>
+            <a:r>
+              <a:rPr b="0" lang="en-US" sz="1200" spc="-1" strike="noStrike">
+                <a:solidFill>
+                  <a:srgbClr val="0070c0"/>
+                </a:solidFill>
+                <a:latin typeface="Cambria"/>
+              </a:rPr>
+              <a:t>oi</a:t>
+            </a:r>
+            <a:r>
+              <a:rPr b="0" lang="en-US" sz="1200" spc="-1" strike="noStrike">
+                <a:solidFill>
+                  <a:srgbClr val="0070c0"/>
+                </a:solidFill>
+                <a:latin typeface="Cambria"/>
+              </a:rPr>
+              <a:t>ns </a:t>
+            </a:r>
+            <a:r>
+              <a:rPr b="0" lang="en-US" sz="1200" spc="-1" strike="noStrike">
+                <a:solidFill>
+                  <a:srgbClr val="0070c0"/>
+                </a:solidFill>
+                <a:latin typeface="Cambria"/>
+              </a:rPr>
+              <a:t>co</a:t>
+            </a:r>
+            <a:r>
+              <a:rPr b="0" lang="en-US" sz="1200" spc="-1" strike="noStrike">
+                <a:solidFill>
+                  <a:srgbClr val="0070c0"/>
+                </a:solidFill>
+                <a:latin typeface="Cambria"/>
+              </a:rPr>
+              <a:t>ût</a:t>
+            </a:r>
+            <a:r>
+              <a:rPr b="0" lang="en-US" sz="1200" spc="-1" strike="noStrike">
+                <a:solidFill>
+                  <a:srgbClr val="0070c0"/>
+                </a:solidFill>
+                <a:latin typeface="Cambria"/>
+              </a:rPr>
+              <a:t>eu</a:t>
+            </a:r>
+            <a:r>
+              <a:rPr b="0" lang="en-US" sz="1200" spc="-1" strike="noStrike">
+                <a:solidFill>
+                  <a:srgbClr val="0070c0"/>
+                </a:solidFill>
+                <a:latin typeface="Cambria"/>
+              </a:rPr>
+              <a:t>x </a:t>
+            </a:r>
+            <a:r>
+              <a:rPr b="0" lang="en-US" sz="1200" spc="-1" strike="noStrike">
+                <a:solidFill>
+                  <a:srgbClr val="0070c0"/>
+                </a:solidFill>
+                <a:latin typeface="Cambria"/>
+              </a:rPr>
+              <a:t>et </a:t>
+            </a:r>
+            <a:r>
+              <a:rPr b="0" lang="en-US" sz="1200" spc="-1" strike="noStrike">
+                <a:solidFill>
+                  <a:srgbClr val="0070c0"/>
+                </a:solidFill>
+                <a:latin typeface="Cambria"/>
+              </a:rPr>
+              <a:t>ra</a:t>
+            </a:r>
+            <a:r>
+              <a:rPr b="0" lang="en-US" sz="1200" spc="-1" strike="noStrike">
+                <a:solidFill>
+                  <a:srgbClr val="0070c0"/>
+                </a:solidFill>
+                <a:latin typeface="Cambria"/>
+              </a:rPr>
+              <a:t>pi</a:t>
+            </a:r>
+            <a:r>
+              <a:rPr b="0" lang="en-US" sz="1200" spc="-1" strike="noStrike">
+                <a:solidFill>
+                  <a:srgbClr val="0070c0"/>
+                </a:solidFill>
+                <a:latin typeface="Cambria"/>
+              </a:rPr>
+              <a:t>de</a:t>
+            </a:r>
+            <a:r>
+              <a:rPr b="0" lang="en-US" sz="1200" spc="-1" strike="noStrike">
+                <a:solidFill>
+                  <a:srgbClr val="0070c0"/>
+                </a:solidFill>
+                <a:latin typeface="Cambria"/>
+              </a:rPr>
+              <a:t>;</a:t>
             </a:r>
             <a:endParaRPr b="0" lang="en-US" sz="1200" spc="-1" strike="noStrike">
               <a:latin typeface="Arial"/>
             </a:endParaRPr>
           </a:p>
           <a:p>
-            <a:pPr marL="216000" indent="-214560" algn="just">
+            <a:pPr marL="216000" indent="-213840" algn="just">
               <a:lnSpc>
                 <a:spcPct val="150000"/>
               </a:lnSpc>
@@ -611,7 +1300,322 @@
                 </a:solidFill>
                 <a:latin typeface="Cambria"/>
               </a:rPr>
-              <a:t>Fournir des informations complètes en temps réel au public sportif togolais.</a:t>
+              <a:t>Fo</a:t>
+            </a:r>
+            <a:r>
+              <a:rPr b="0" lang="en-US" sz="1200" spc="-1" strike="noStrike">
+                <a:solidFill>
+                  <a:srgbClr val="0070c0"/>
+                </a:solidFill>
+                <a:latin typeface="Cambria"/>
+              </a:rPr>
+              <a:t>ur</a:t>
+            </a:r>
+            <a:r>
+              <a:rPr b="0" lang="en-US" sz="1200" spc="-1" strike="noStrike">
+                <a:solidFill>
+                  <a:srgbClr val="0070c0"/>
+                </a:solidFill>
+                <a:latin typeface="Cambria"/>
+              </a:rPr>
+              <a:t>ni</a:t>
+            </a:r>
+            <a:r>
+              <a:rPr b="0" lang="en-US" sz="1200" spc="-1" strike="noStrike">
+                <a:solidFill>
+                  <a:srgbClr val="0070c0"/>
+                </a:solidFill>
+                <a:latin typeface="Cambria"/>
+              </a:rPr>
+              <a:t>r </a:t>
+            </a:r>
+            <a:r>
+              <a:rPr b="0" lang="en-US" sz="1200" spc="-1" strike="noStrike">
+                <a:solidFill>
+                  <a:srgbClr val="0070c0"/>
+                </a:solidFill>
+                <a:latin typeface="Cambria"/>
+              </a:rPr>
+              <a:t>de</a:t>
+            </a:r>
+            <a:r>
+              <a:rPr b="0" lang="en-US" sz="1200" spc="-1" strike="noStrike">
+                <a:solidFill>
+                  <a:srgbClr val="0070c0"/>
+                </a:solidFill>
+                <a:latin typeface="Cambria"/>
+              </a:rPr>
+              <a:t>s </a:t>
+            </a:r>
+            <a:r>
+              <a:rPr b="0" lang="en-US" sz="1200" spc="-1" strike="noStrike">
+                <a:solidFill>
+                  <a:srgbClr val="0070c0"/>
+                </a:solidFill>
+                <a:latin typeface="Cambria"/>
+              </a:rPr>
+              <a:t>in</a:t>
+            </a:r>
+            <a:r>
+              <a:rPr b="0" lang="en-US" sz="1200" spc="-1" strike="noStrike">
+                <a:solidFill>
+                  <a:srgbClr val="0070c0"/>
+                </a:solidFill>
+                <a:latin typeface="Cambria"/>
+              </a:rPr>
+              <a:t>fo</a:t>
+            </a:r>
+            <a:r>
+              <a:rPr b="0" lang="en-US" sz="1200" spc="-1" strike="noStrike">
+                <a:solidFill>
+                  <a:srgbClr val="0070c0"/>
+                </a:solidFill>
+                <a:latin typeface="Cambria"/>
+              </a:rPr>
+              <a:t>r</a:t>
+            </a:r>
+            <a:r>
+              <a:rPr b="0" lang="en-US" sz="1200" spc="-1" strike="noStrike">
+                <a:solidFill>
+                  <a:srgbClr val="0070c0"/>
+                </a:solidFill>
+                <a:latin typeface="Cambria"/>
+              </a:rPr>
+              <a:t>m</a:t>
+            </a:r>
+            <a:r>
+              <a:rPr b="0" lang="en-US" sz="1200" spc="-1" strike="noStrike">
+                <a:solidFill>
+                  <a:srgbClr val="0070c0"/>
+                </a:solidFill>
+                <a:latin typeface="Cambria"/>
+              </a:rPr>
+              <a:t>ati</a:t>
+            </a:r>
+            <a:r>
+              <a:rPr b="0" lang="en-US" sz="1200" spc="-1" strike="noStrike">
+                <a:solidFill>
+                  <a:srgbClr val="0070c0"/>
+                </a:solidFill>
+                <a:latin typeface="Cambria"/>
+              </a:rPr>
+              <a:t>on</a:t>
+            </a:r>
+            <a:r>
+              <a:rPr b="0" lang="en-US" sz="1200" spc="-1" strike="noStrike">
+                <a:solidFill>
+                  <a:srgbClr val="0070c0"/>
+                </a:solidFill>
+                <a:latin typeface="Cambria"/>
+              </a:rPr>
+              <a:t>s </a:t>
+            </a:r>
+            <a:r>
+              <a:rPr b="0" lang="en-US" sz="1200" spc="-1" strike="noStrike">
+                <a:solidFill>
+                  <a:srgbClr val="0070c0"/>
+                </a:solidFill>
+                <a:latin typeface="Cambria"/>
+              </a:rPr>
+              <a:t>co</a:t>
+            </a:r>
+            <a:r>
+              <a:rPr b="0" lang="en-US" sz="1200" spc="-1" strike="noStrike">
+                <a:solidFill>
+                  <a:srgbClr val="0070c0"/>
+                </a:solidFill>
+                <a:latin typeface="Cambria"/>
+              </a:rPr>
+              <a:t>m</a:t>
+            </a:r>
+            <a:r>
+              <a:rPr b="0" lang="en-US" sz="1200" spc="-1" strike="noStrike">
+                <a:solidFill>
+                  <a:srgbClr val="0070c0"/>
+                </a:solidFill>
+                <a:latin typeface="Cambria"/>
+              </a:rPr>
+              <a:t>pl</a:t>
+            </a:r>
+            <a:r>
+              <a:rPr b="0" lang="en-US" sz="1200" spc="-1" strike="noStrike">
+                <a:solidFill>
+                  <a:srgbClr val="0070c0"/>
+                </a:solidFill>
+                <a:latin typeface="Cambria"/>
+              </a:rPr>
+              <a:t>èt</a:t>
+            </a:r>
+            <a:r>
+              <a:rPr b="0" lang="en-US" sz="1200" spc="-1" strike="noStrike">
+                <a:solidFill>
+                  <a:srgbClr val="0070c0"/>
+                </a:solidFill>
+                <a:latin typeface="Cambria"/>
+              </a:rPr>
+              <a:t>es </a:t>
+            </a:r>
+            <a:r>
+              <a:rPr b="0" lang="en-US" sz="1200" spc="-1" strike="noStrike">
+                <a:solidFill>
+                  <a:srgbClr val="0070c0"/>
+                </a:solidFill>
+                <a:latin typeface="Cambria"/>
+              </a:rPr>
+              <a:t>en </a:t>
+            </a:r>
+            <a:r>
+              <a:rPr b="0" lang="en-US" sz="1200" spc="-1" strike="noStrike">
+                <a:solidFill>
+                  <a:srgbClr val="0070c0"/>
+                </a:solidFill>
+                <a:latin typeface="Cambria"/>
+              </a:rPr>
+              <a:t>te</a:t>
+            </a:r>
+            <a:r>
+              <a:rPr b="0" lang="en-US" sz="1200" spc="-1" strike="noStrike">
+                <a:solidFill>
+                  <a:srgbClr val="0070c0"/>
+                </a:solidFill>
+                <a:latin typeface="Cambria"/>
+              </a:rPr>
+              <a:t>m</a:t>
+            </a:r>
+            <a:r>
+              <a:rPr b="0" lang="en-US" sz="1200" spc="-1" strike="noStrike">
+                <a:solidFill>
+                  <a:srgbClr val="0070c0"/>
+                </a:solidFill>
+                <a:latin typeface="Cambria"/>
+              </a:rPr>
+              <a:t>ps </a:t>
+            </a:r>
+            <a:r>
+              <a:rPr b="0" lang="en-US" sz="1200" spc="-1" strike="noStrike">
+                <a:solidFill>
+                  <a:srgbClr val="0070c0"/>
+                </a:solidFill>
+                <a:latin typeface="Cambria"/>
+              </a:rPr>
+              <a:t>ré</a:t>
+            </a:r>
+            <a:r>
+              <a:rPr b="0" lang="en-US" sz="1200" spc="-1" strike="noStrike">
+                <a:solidFill>
+                  <a:srgbClr val="0070c0"/>
+                </a:solidFill>
+                <a:latin typeface="Cambria"/>
+              </a:rPr>
+              <a:t>el </a:t>
+            </a:r>
+            <a:r>
+              <a:rPr b="0" lang="en-US" sz="1200" spc="-1" strike="noStrike">
+                <a:solidFill>
+                  <a:srgbClr val="0070c0"/>
+                </a:solidFill>
+                <a:latin typeface="Cambria"/>
+              </a:rPr>
+              <a:t>au </a:t>
+            </a:r>
+            <a:r>
+              <a:rPr b="0" lang="en-US" sz="1200" spc="-1" strike="noStrike">
+                <a:solidFill>
+                  <a:srgbClr val="0070c0"/>
+                </a:solidFill>
+                <a:latin typeface="Cambria"/>
+              </a:rPr>
+              <a:t>p</a:t>
+            </a:r>
+            <a:r>
+              <a:rPr b="0" lang="en-US" sz="1200" spc="-1" strike="noStrike">
+                <a:solidFill>
+                  <a:srgbClr val="0070c0"/>
+                </a:solidFill>
+                <a:latin typeface="Cambria"/>
+              </a:rPr>
+              <a:t>u</a:t>
+            </a:r>
+            <a:r>
+              <a:rPr b="0" lang="en-US" sz="1200" spc="-1" strike="noStrike">
+                <a:solidFill>
+                  <a:srgbClr val="0070c0"/>
+                </a:solidFill>
+                <a:latin typeface="Cambria"/>
+              </a:rPr>
+              <a:t>bli</a:t>
+            </a:r>
+            <a:r>
+              <a:rPr b="0" lang="en-US" sz="1200" spc="-1" strike="noStrike">
+                <a:solidFill>
+                  <a:srgbClr val="0070c0"/>
+                </a:solidFill>
+                <a:latin typeface="Cambria"/>
+              </a:rPr>
+              <a:t>c </a:t>
+            </a:r>
+            <a:r>
+              <a:rPr b="0" lang="en-US" sz="1200" spc="-1" strike="noStrike">
+                <a:solidFill>
+                  <a:srgbClr val="0070c0"/>
+                </a:solidFill>
+                <a:latin typeface="Cambria"/>
+              </a:rPr>
+              <a:t>sp</a:t>
+            </a:r>
+            <a:r>
+              <a:rPr b="0" lang="en-US" sz="1200" spc="-1" strike="noStrike">
+                <a:solidFill>
+                  <a:srgbClr val="0070c0"/>
+                </a:solidFill>
+                <a:latin typeface="Cambria"/>
+              </a:rPr>
+              <a:t>or</a:t>
+            </a:r>
+            <a:r>
+              <a:rPr b="0" lang="en-US" sz="1200" spc="-1" strike="noStrike">
+                <a:solidFill>
+                  <a:srgbClr val="0070c0"/>
+                </a:solidFill>
+                <a:latin typeface="Cambria"/>
+              </a:rPr>
+              <a:t>tif </a:t>
+            </a:r>
+            <a:r>
+              <a:rPr b="0" lang="en-US" sz="1200" spc="-1" strike="noStrike">
+                <a:solidFill>
+                  <a:srgbClr val="0070c0"/>
+                </a:solidFill>
+                <a:latin typeface="Cambria"/>
+              </a:rPr>
+              <a:t>to</a:t>
+            </a:r>
+            <a:r>
+              <a:rPr b="0" lang="en-US" sz="1200" spc="-1" strike="noStrike">
+                <a:solidFill>
+                  <a:srgbClr val="0070c0"/>
+                </a:solidFill>
+                <a:latin typeface="Cambria"/>
+              </a:rPr>
+              <a:t>go</a:t>
+            </a:r>
+            <a:r>
+              <a:rPr b="0" lang="en-US" sz="1200" spc="-1" strike="noStrike">
+                <a:solidFill>
+                  <a:srgbClr val="0070c0"/>
+                </a:solidFill>
+                <a:latin typeface="Cambria"/>
+              </a:rPr>
+              <a:t>lai</a:t>
+            </a:r>
+            <a:r>
+              <a:rPr b="0" lang="en-US" sz="1200" spc="-1" strike="noStrike">
+                <a:solidFill>
+                  <a:srgbClr val="0070c0"/>
+                </a:solidFill>
+                <a:latin typeface="Cambria"/>
+              </a:rPr>
+              <a:t>s.</a:t>
             </a:r>
             <a:endParaRPr b="0" lang="en-US" sz="1200" spc="-1" strike="noStrike">
               <a:latin typeface="Arial"/>
@@ -631,14 +1635,14 @@
       </p:sp>
       <p:sp>
         <p:nvSpPr>
-          <p:cNvPr id="212" name="CustomShape 2"/>
+          <p:cNvPr id="272" name="CustomShape 2"/>
           <p:cNvSpPr/>
           <p:nvPr/>
         </p:nvSpPr>
         <p:spPr>
           <a:xfrm>
             <a:off x="3884760" y="8685360"/>
-            <a:ext cx="2970000" cy="456840"/>
+            <a:ext cx="2969280" cy="456120"/>
           </a:xfrm>
           <a:prstGeom prst="rect">
             <a:avLst/>
@@ -662,7 +1666,7 @@
                 <a:spcPct val="100000"/>
               </a:lnSpc>
             </a:pPr>
-            <a:fld id="{BCB18F80-9745-44D0-A992-12FF537E54E6}" type="slidenum">
+            <a:fld id="{9E8B4836-88FB-4634-9087-8E10B3BFEC12}" type="slidenum">
               <a:rPr b="0" lang="en-US" sz="1200" spc="-1" strike="noStrike">
                 <a:solidFill>
                   <a:srgbClr val="000000"/>
@@ -670,7 +1674,7 @@
                 <a:latin typeface="+mn-lt"/>
                 <a:ea typeface="+mn-ea"/>
               </a:rPr>
-              <a:t>1</a:t>
+              <a:t>&lt;number&gt;</a:t>
             </a:fld>
             <a:endParaRPr b="0" lang="en-US" sz="1200" spc="-1" strike="noStrike">
               <a:latin typeface="Arial"/>
@@ -702,7 +1706,7 @@
       </p:grpSpPr>
       <p:sp>
         <p:nvSpPr>
-          <p:cNvPr id="213" name="PlaceHolder 1"/>
+          <p:cNvPr id="273" name="PlaceHolder 1"/>
           <p:cNvSpPr>
             <a:spLocks noGrp="1"/>
           </p:cNvSpPr>
@@ -713,7 +1717,7 @@
         <p:spPr>
           <a:xfrm>
             <a:off x="685800" y="4400640"/>
-            <a:ext cx="5484600" cy="3598560"/>
+            <a:ext cx="5483880" cy="3597840"/>
           </a:xfrm>
           <a:prstGeom prst="rect">
             <a:avLst/>
@@ -722,7 +1726,7 @@
         <p:txBody>
           <a:bodyPr lIns="0" rIns="0" tIns="0" bIns="0"/>
           <a:p>
-            <a:pPr marL="216000" indent="-214920">
+            <a:pPr marL="216000" indent="-214200">
               <a:lnSpc>
                 <a:spcPct val="100000"/>
               </a:lnSpc>
@@ -741,7 +1745,7 @@
             </a:endParaRPr>
           </a:p>
           <a:p>
-            <a:pPr marL="216000" indent="-214920">
+            <a:pPr marL="216000" indent="-214200">
               <a:lnSpc>
                 <a:spcPct val="100000"/>
               </a:lnSpc>
@@ -751,7 +1755,7 @@
             </a:endParaRPr>
           </a:p>
           <a:p>
-            <a:pPr marL="216000" indent="-214920">
+            <a:pPr marL="216000" indent="-214200">
               <a:lnSpc>
                 <a:spcPct val="100000"/>
               </a:lnSpc>
@@ -770,7 +1774,7 @@
             </a:endParaRPr>
           </a:p>
           <a:p>
-            <a:pPr marL="216000" indent="-214920">
+            <a:pPr marL="216000" indent="-214200">
               <a:lnSpc>
                 <a:spcPct val="100000"/>
               </a:lnSpc>
@@ -780,7 +1784,7 @@
             </a:endParaRPr>
           </a:p>
           <a:p>
-            <a:pPr marL="216000" indent="-214920" algn="just">
+            <a:pPr marL="216000" indent="-214200" algn="just">
               <a:lnSpc>
                 <a:spcPct val="150000"/>
               </a:lnSpc>
@@ -799,7 +1803,7 @@
             </a:endParaRPr>
           </a:p>
           <a:p>
-            <a:pPr marL="216000" indent="-214560" algn="just">
+            <a:pPr marL="216000" indent="-213840" algn="just">
               <a:lnSpc>
                 <a:spcPct val="150000"/>
               </a:lnSpc>
@@ -823,7 +1827,7 @@
             </a:endParaRPr>
           </a:p>
           <a:p>
-            <a:pPr marL="216000" indent="-214560" algn="just">
+            <a:pPr marL="216000" indent="-213840" algn="just">
               <a:lnSpc>
                 <a:spcPct val="150000"/>
               </a:lnSpc>
@@ -847,7 +1851,7 @@
             </a:endParaRPr>
           </a:p>
           <a:p>
-            <a:pPr marL="216000" indent="-214560" algn="just">
+            <a:pPr marL="216000" indent="-213840" algn="just">
               <a:lnSpc>
                 <a:spcPct val="150000"/>
               </a:lnSpc>
@@ -884,14 +1888,14 @@
       </p:sp>
       <p:sp>
         <p:nvSpPr>
-          <p:cNvPr id="214" name="CustomShape 2"/>
+          <p:cNvPr id="274" name="CustomShape 2"/>
           <p:cNvSpPr/>
           <p:nvPr/>
         </p:nvSpPr>
         <p:spPr>
           <a:xfrm>
             <a:off x="3884760" y="8685360"/>
-            <a:ext cx="2970000" cy="456840"/>
+            <a:ext cx="2969280" cy="456120"/>
           </a:xfrm>
           <a:prstGeom prst="rect">
             <a:avLst/>
@@ -915,7 +1919,7 @@
                 <a:spcPct val="100000"/>
               </a:lnSpc>
             </a:pPr>
-            <a:fld id="{C104C0BD-4E4C-4DF8-91F5-6CB254A7E337}" type="slidenum">
+            <a:fld id="{2D684A59-D522-4620-9CE2-72928E468A73}" type="slidenum">
               <a:rPr b="0" lang="en-US" sz="1200" spc="-1" strike="noStrike">
                 <a:solidFill>
                   <a:srgbClr val="000000"/>
@@ -923,7 +1927,7 @@
                 <a:latin typeface="+mn-lt"/>
                 <a:ea typeface="+mn-ea"/>
               </a:rPr>
-              <a:t>1</a:t>
+              <a:t>&lt;number&gt;</a:t>
             </a:fld>
             <a:endParaRPr b="0" lang="en-US" sz="1200" spc="-1" strike="noStrike">
               <a:latin typeface="Arial"/>
@@ -955,7 +1959,7 @@
       </p:grpSpPr>
       <p:sp>
         <p:nvSpPr>
-          <p:cNvPr id="215" name="PlaceHolder 1"/>
+          <p:cNvPr id="275" name="PlaceHolder 1"/>
           <p:cNvSpPr>
             <a:spLocks noGrp="1"/>
           </p:cNvSpPr>
@@ -966,7 +1970,7 @@
         <p:spPr>
           <a:xfrm>
             <a:off x="685800" y="4400640"/>
-            <a:ext cx="5484600" cy="3598560"/>
+            <a:ext cx="5483880" cy="3597840"/>
           </a:xfrm>
           <a:prstGeom prst="rect">
             <a:avLst/>
@@ -975,7 +1979,7 @@
         <p:txBody>
           <a:bodyPr lIns="0" rIns="0" tIns="0" bIns="0"/>
           <a:p>
-            <a:pPr marL="216000" indent="-214920">
+            <a:pPr marL="216000" indent="-214200">
               <a:lnSpc>
                 <a:spcPct val="100000"/>
               </a:lnSpc>
@@ -994,7 +1998,7 @@
             </a:endParaRPr>
           </a:p>
           <a:p>
-            <a:pPr marL="216000" indent="-214920">
+            <a:pPr marL="216000" indent="-214200">
               <a:lnSpc>
                 <a:spcPct val="100000"/>
               </a:lnSpc>
@@ -1004,7 +2008,7 @@
             </a:endParaRPr>
           </a:p>
           <a:p>
-            <a:pPr marL="216000" indent="-214920">
+            <a:pPr marL="216000" indent="-214200">
               <a:lnSpc>
                 <a:spcPct val="100000"/>
               </a:lnSpc>
@@ -1023,7 +2027,7 @@
             </a:endParaRPr>
           </a:p>
           <a:p>
-            <a:pPr marL="216000" indent="-214920">
+            <a:pPr marL="216000" indent="-214200">
               <a:lnSpc>
                 <a:spcPct val="100000"/>
               </a:lnSpc>
@@ -1033,7 +2037,7 @@
             </a:endParaRPr>
           </a:p>
           <a:p>
-            <a:pPr marL="216000" indent="-214920" algn="just">
+            <a:pPr marL="216000" indent="-214200" algn="just">
               <a:lnSpc>
                 <a:spcPct val="150000"/>
               </a:lnSpc>
@@ -1052,7 +2056,7 @@
             </a:endParaRPr>
           </a:p>
           <a:p>
-            <a:pPr marL="216000" indent="-214560" algn="just">
+            <a:pPr marL="216000" indent="-213840" algn="just">
               <a:lnSpc>
                 <a:spcPct val="150000"/>
               </a:lnSpc>
@@ -1076,7 +2080,7 @@
             </a:endParaRPr>
           </a:p>
           <a:p>
-            <a:pPr marL="216000" indent="-214560" algn="just">
+            <a:pPr marL="216000" indent="-213840" algn="just">
               <a:lnSpc>
                 <a:spcPct val="150000"/>
               </a:lnSpc>
@@ -1100,7 +2104,7 @@
             </a:endParaRPr>
           </a:p>
           <a:p>
-            <a:pPr marL="216000" indent="-214560" algn="just">
+            <a:pPr marL="216000" indent="-213840" algn="just">
               <a:lnSpc>
                 <a:spcPct val="150000"/>
               </a:lnSpc>
@@ -1137,14 +2141,14 @@
       </p:sp>
       <p:sp>
         <p:nvSpPr>
-          <p:cNvPr id="216" name="CustomShape 2"/>
+          <p:cNvPr id="276" name="CustomShape 2"/>
           <p:cNvSpPr/>
           <p:nvPr/>
         </p:nvSpPr>
         <p:spPr>
           <a:xfrm>
             <a:off x="3884760" y="8685360"/>
-            <a:ext cx="2970000" cy="456840"/>
+            <a:ext cx="2969280" cy="456120"/>
           </a:xfrm>
           <a:prstGeom prst="rect">
             <a:avLst/>
@@ -1168,7 +2172,7 @@
                 <a:spcPct val="100000"/>
               </a:lnSpc>
             </a:pPr>
-            <a:fld id="{143CF7EA-DBFC-44CD-BD19-363CF758AE2E}" type="slidenum">
+            <a:fld id="{554A5E46-9EF3-4EB3-98BE-73D3CE8CEA9C}" type="slidenum">
               <a:rPr b="0" lang="en-US" sz="1200" spc="-1" strike="noStrike">
                 <a:solidFill>
                   <a:srgbClr val="000000"/>
@@ -1176,7 +2180,7 @@
                 <a:latin typeface="+mn-lt"/>
                 <a:ea typeface="+mn-ea"/>
               </a:rPr>
-              <a:t>1</a:t>
+              <a:t>&lt;number&gt;</a:t>
             </a:fld>
             <a:endParaRPr b="0" lang="en-US" sz="1200" spc="-1" strike="noStrike">
               <a:latin typeface="Arial"/>
@@ -3886,7 +4890,7 @@
         <p:spPr>
           <a:xfrm>
             <a:off x="360" y="-3240"/>
-            <a:ext cx="12190320" cy="5202000"/>
+            <a:ext cx="12189600" cy="5201280"/>
           </a:xfrm>
           <a:custGeom>
             <a:avLst/>
@@ -3995,97 +4999,7 @@
               <a:rPr b="0" lang="en-US" sz="4400" spc="-1" strike="noStrike">
                 <a:latin typeface="Arial"/>
               </a:rPr>
-              <a:t>Cl</a:t>
-            </a:r>
-            <a:r>
-              <a:rPr b="0" lang="en-US" sz="4400" spc="-1" strike="noStrike">
-                <a:latin typeface="Arial"/>
-              </a:rPr>
-              <a:t>ic</a:t>
-            </a:r>
-            <a:r>
-              <a:rPr b="0" lang="en-US" sz="4400" spc="-1" strike="noStrike">
-                <a:latin typeface="Arial"/>
-              </a:rPr>
-              <a:t>k </a:t>
-            </a:r>
-            <a:r>
-              <a:rPr b="0" lang="en-US" sz="4400" spc="-1" strike="noStrike">
-                <a:latin typeface="Arial"/>
-              </a:rPr>
-              <a:t>to </a:t>
-            </a:r>
-            <a:r>
-              <a:rPr b="0" lang="en-US" sz="4400" spc="-1" strike="noStrike">
-                <a:latin typeface="Arial"/>
-              </a:rPr>
-              <a:t>ed</a:t>
-            </a:r>
-            <a:r>
-              <a:rPr b="0" lang="en-US" sz="4400" spc="-1" strike="noStrike">
-                <a:latin typeface="Arial"/>
-              </a:rPr>
-              <a:t>it </a:t>
-            </a:r>
-            <a:r>
-              <a:rPr b="0" lang="en-US" sz="4400" spc="-1" strike="noStrike">
-                <a:latin typeface="Arial"/>
-              </a:rPr>
-              <a:t>th</a:t>
-            </a:r>
-            <a:r>
-              <a:rPr b="0" lang="en-US" sz="4400" spc="-1" strike="noStrike">
-                <a:latin typeface="Arial"/>
-              </a:rPr>
-              <a:t>e </a:t>
-            </a:r>
-            <a:r>
-              <a:rPr b="0" lang="en-US" sz="4400" spc="-1" strike="noStrike">
-                <a:latin typeface="Arial"/>
-              </a:rPr>
-              <a:t>titl</a:t>
-            </a:r>
-            <a:r>
-              <a:rPr b="0" lang="en-US" sz="4400" spc="-1" strike="noStrike">
-                <a:latin typeface="Arial"/>
-              </a:rPr>
-              <a:t>e </a:t>
-            </a:r>
-            <a:r>
-              <a:rPr b="0" lang="en-US" sz="4400" spc="-1" strike="noStrike">
-                <a:latin typeface="Arial"/>
-              </a:rPr>
-              <a:t>te</a:t>
-            </a:r>
-            <a:r>
-              <a:rPr b="0" lang="en-US" sz="4400" spc="-1" strike="noStrike">
-                <a:latin typeface="Arial"/>
-              </a:rPr>
-              <a:t>xt </a:t>
-            </a:r>
-            <a:r>
-              <a:rPr b="0" lang="en-US" sz="4400" spc="-1" strike="noStrike">
-                <a:latin typeface="Arial"/>
-              </a:rPr>
-              <a:t>fo</a:t>
-            </a:r>
-            <a:r>
-              <a:rPr b="0" lang="en-US" sz="4400" spc="-1" strike="noStrike">
-                <a:latin typeface="Arial"/>
-              </a:rPr>
-              <a:t>r</a:t>
-            </a:r>
-            <a:r>
-              <a:rPr b="0" lang="en-US" sz="4400" spc="-1" strike="noStrike">
-                <a:latin typeface="Arial"/>
-              </a:rPr>
-              <a:t>m</a:t>
-            </a:r>
-            <a:r>
-              <a:rPr b="0" lang="en-US" sz="4400" spc="-1" strike="noStrike">
-                <a:latin typeface="Arial"/>
-              </a:rPr>
-              <a:t>at</a:t>
+              <a:t>Click to edit the title text format</a:t>
             </a:r>
             <a:endParaRPr b="0" lang="en-US" sz="4400" spc="-1" strike="noStrike">
               <a:latin typeface="Arial"/>
@@ -4325,7 +5239,7 @@
         <p:spPr>
           <a:xfrm>
             <a:off x="360" y="0"/>
-            <a:ext cx="12190320" cy="2184120"/>
+            <a:ext cx="12189600" cy="2183400"/>
           </a:xfrm>
           <a:custGeom>
             <a:avLst/>
@@ -4434,85 +5348,139 @@
               <a:rPr b="0" lang="en-US" sz="4400" spc="-1" strike="noStrike">
                 <a:latin typeface="Arial"/>
               </a:rPr>
-              <a:t>Cli</a:t>
+              <a:t>C</a:t>
             </a:r>
             <a:r>
               <a:rPr b="0" lang="en-US" sz="4400" spc="-1" strike="noStrike">
                 <a:latin typeface="Arial"/>
               </a:rPr>
-              <a:t>ck </a:t>
+              <a:t>li</a:t>
             </a:r>
             <a:r>
               <a:rPr b="0" lang="en-US" sz="4400" spc="-1" strike="noStrike">
                 <a:latin typeface="Arial"/>
               </a:rPr>
-              <a:t>to </a:t>
+              <a:t>c</a:t>
             </a:r>
             <a:r>
               <a:rPr b="0" lang="en-US" sz="4400" spc="-1" strike="noStrike">
                 <a:latin typeface="Arial"/>
               </a:rPr>
-              <a:t>ed</a:t>
+              <a:t>k </a:t>
             </a:r>
             <a:r>
               <a:rPr b="0" lang="en-US" sz="4400" spc="-1" strike="noStrike">
                 <a:latin typeface="Arial"/>
               </a:rPr>
-              <a:t>it </a:t>
+              <a:t>t</a:t>
             </a:r>
             <a:r>
               <a:rPr b="0" lang="en-US" sz="4400" spc="-1" strike="noStrike">
                 <a:latin typeface="Arial"/>
               </a:rPr>
-              <a:t>th</a:t>
+              <a:t>o </a:t>
             </a:r>
             <a:r>
               <a:rPr b="0" lang="en-US" sz="4400" spc="-1" strike="noStrike">
                 <a:latin typeface="Arial"/>
               </a:rPr>
-              <a:t>e </a:t>
+              <a:t>e</a:t>
             </a:r>
             <a:r>
               <a:rPr b="0" lang="en-US" sz="4400" spc="-1" strike="noStrike">
                 <a:latin typeface="Arial"/>
               </a:rPr>
-              <a:t>titl</a:t>
+              <a:t>di</a:t>
             </a:r>
             <a:r>
               <a:rPr b="0" lang="en-US" sz="4400" spc="-1" strike="noStrike">
                 <a:latin typeface="Arial"/>
               </a:rPr>
-              <a:t>e </a:t>
+              <a:t>t </a:t>
             </a:r>
             <a:r>
               <a:rPr b="0" lang="en-US" sz="4400" spc="-1" strike="noStrike">
                 <a:latin typeface="Arial"/>
               </a:rPr>
-              <a:t>te</a:t>
+              <a:t>t</a:t>
             </a:r>
             <a:r>
               <a:rPr b="0" lang="en-US" sz="4400" spc="-1" strike="noStrike">
                 <a:latin typeface="Arial"/>
               </a:rPr>
-              <a:t>xt </a:t>
+              <a:t>h</a:t>
             </a:r>
             <a:r>
               <a:rPr b="0" lang="en-US" sz="4400" spc="-1" strike="noStrike">
                 <a:latin typeface="Arial"/>
               </a:rPr>
-              <a:t>for</a:t>
+              <a:t>e </a:t>
             </a:r>
             <a:r>
               <a:rPr b="0" lang="en-US" sz="4400" spc="-1" strike="noStrike">
                 <a:latin typeface="Arial"/>
               </a:rPr>
-              <a:t>m</a:t>
+              <a:t>tit</a:t>
             </a:r>
             <a:r>
               <a:rPr b="0" lang="en-US" sz="4400" spc="-1" strike="noStrike">
                 <a:latin typeface="Arial"/>
               </a:rPr>
-              <a:t>at</a:t>
+              <a:t>le </a:t>
+            </a:r>
+            <a:r>
+              <a:rPr b="0" lang="en-US" sz="4400" spc="-1" strike="noStrike">
+                <a:latin typeface="Arial"/>
+              </a:rPr>
+              <a:t>t</a:t>
+            </a:r>
+            <a:r>
+              <a:rPr b="0" lang="en-US" sz="4400" spc="-1" strike="noStrike">
+                <a:latin typeface="Arial"/>
+              </a:rPr>
+              <a:t>e</a:t>
+            </a:r>
+            <a:r>
+              <a:rPr b="0" lang="en-US" sz="4400" spc="-1" strike="noStrike">
+                <a:latin typeface="Arial"/>
+              </a:rPr>
+              <a:t>xt </a:t>
+            </a:r>
+            <a:r>
+              <a:rPr b="0" lang="en-US" sz="4400" spc="-1" strike="noStrike">
+                <a:latin typeface="Arial"/>
+              </a:rPr>
+              <a:t>f</a:t>
+            </a:r>
+            <a:r>
+              <a:rPr b="0" lang="en-US" sz="4400" spc="-1" strike="noStrike">
+                <a:latin typeface="Arial"/>
+              </a:rPr>
+              <a:t>o</a:t>
+            </a:r>
+            <a:r>
+              <a:rPr b="0" lang="en-US" sz="4400" spc="-1" strike="noStrike">
+                <a:latin typeface="Arial"/>
+              </a:rPr>
+              <a:t>r</a:t>
+            </a:r>
+            <a:r>
+              <a:rPr b="0" lang="en-US" sz="4400" spc="-1" strike="noStrike">
+                <a:latin typeface="Arial"/>
+              </a:rPr>
+              <a:t>m</a:t>
+            </a:r>
+            <a:r>
+              <a:rPr b="0" lang="en-US" sz="4400" spc="-1" strike="noStrike">
+                <a:latin typeface="Arial"/>
+              </a:rPr>
+              <a:t>a</a:t>
+            </a:r>
+            <a:r>
+              <a:rPr b="0" lang="en-US" sz="4400" spc="-1" strike="noStrike">
+                <a:latin typeface="Arial"/>
+              </a:rPr>
+              <a:t>t</a:t>
             </a:r>
             <a:endParaRPr b="0" lang="en-US" sz="4400" spc="-1" strike="noStrike">
               <a:latin typeface="Arial"/>
@@ -4745,7 +5713,7 @@
         <p:spPr>
           <a:xfrm>
             <a:off x="492480" y="1371600"/>
-            <a:ext cx="10570320" cy="2060280"/>
+            <a:ext cx="10569600" cy="2059560"/>
           </a:xfrm>
           <a:prstGeom prst="rect">
             <a:avLst/>
@@ -4794,7 +5762,7 @@
         <p:spPr>
           <a:xfrm>
             <a:off x="809640" y="5280840"/>
-            <a:ext cx="10570320" cy="433080"/>
+            <a:ext cx="10569600" cy="432360"/>
           </a:xfrm>
           <a:prstGeom prst="rect">
             <a:avLst/>
@@ -4853,7 +5821,7 @@
         <p:spPr>
           <a:xfrm>
             <a:off x="6127200" y="5577840"/>
-            <a:ext cx="5393880" cy="351360"/>
+            <a:ext cx="5393160" cy="350640"/>
           </a:xfrm>
           <a:prstGeom prst="rect">
             <a:avLst/>
@@ -4906,7 +5874,7 @@
         <p:spPr>
           <a:xfrm>
             <a:off x="457200" y="5394960"/>
-            <a:ext cx="1737000" cy="822600"/>
+            <a:ext cx="1736280" cy="821880"/>
           </a:xfrm>
           <a:prstGeom prst="rect">
             <a:avLst/>
@@ -4929,7 +5897,7 @@
         <p:spPr>
           <a:xfrm>
             <a:off x="2827440" y="5486400"/>
-            <a:ext cx="2109960" cy="699480"/>
+            <a:ext cx="2109240" cy="698760"/>
           </a:xfrm>
           <a:prstGeom prst="rect">
             <a:avLst/>
@@ -4990,14 +5958,14 @@
       </p:grpSpPr>
       <p:sp>
         <p:nvSpPr>
-          <p:cNvPr id="130" name="CustomShape 1"/>
+          <p:cNvPr id="193" name="CustomShape 1"/>
           <p:cNvSpPr/>
           <p:nvPr/>
         </p:nvSpPr>
         <p:spPr>
           <a:xfrm>
             <a:off x="809640" y="447120"/>
-            <a:ext cx="10570320" cy="968760"/>
+            <a:ext cx="10569600" cy="968040"/>
           </a:xfrm>
           <a:prstGeom prst="rect">
             <a:avLst/>
@@ -5039,14 +6007,14 @@
       </p:sp>
       <p:sp>
         <p:nvSpPr>
-          <p:cNvPr id="131" name="CustomShape 2"/>
+          <p:cNvPr id="194" name="CustomShape 2"/>
           <p:cNvSpPr/>
           <p:nvPr/>
         </p:nvSpPr>
         <p:spPr>
           <a:xfrm>
             <a:off x="10677960" y="5915880"/>
-            <a:ext cx="1060200" cy="488880"/>
+            <a:ext cx="1059480" cy="488160"/>
           </a:xfrm>
           <a:prstGeom prst="rect">
             <a:avLst/>
@@ -5070,7 +6038,7 @@
                 <a:spcPct val="100000"/>
               </a:lnSpc>
             </a:pPr>
-            <a:fld id="{AE15D71D-BEBB-4B1C-A129-F5B5C8C0ACE5}" type="slidenum">
+            <a:fld id="{84CEB68B-3F03-4C1B-8AC3-B5AC969AB357}" type="slidenum">
               <a:rPr b="0" lang="en-US" sz="2000" spc="-1" strike="noStrike">
                 <a:solidFill>
                   <a:srgbClr val="00c6bb"/>
@@ -5078,7 +6046,7 @@
                 <a:latin typeface="Century Gothic"/>
                 <a:ea typeface="DejaVu Sans"/>
               </a:rPr>
-              <a:t>1</a:t>
+              <a:t>&lt;number&gt;</a:t>
             </a:fld>
             <a:endParaRPr b="0" lang="en-US" sz="2000" spc="-1" strike="noStrike">
               <a:latin typeface="Arial"/>
@@ -5088,14 +6056,14 @@
       </p:sp>
       <p:sp>
         <p:nvSpPr>
-          <p:cNvPr id="132" name="CustomShape 3"/>
+          <p:cNvPr id="195" name="CustomShape 3"/>
           <p:cNvSpPr/>
           <p:nvPr/>
         </p:nvSpPr>
         <p:spPr>
           <a:xfrm>
             <a:off x="809640" y="2179080"/>
-            <a:ext cx="10368720" cy="4226040"/>
+            <a:ext cx="10368000" cy="4225320"/>
           </a:xfrm>
           <a:prstGeom prst="rect">
             <a:avLst/>
@@ -5137,7 +6105,7 @@
       </p:sp>
       <p:pic>
         <p:nvPicPr>
-          <p:cNvPr id="133" name="" descr=""/>
+          <p:cNvPr id="196" name="" descr=""/>
           <p:cNvPicPr/>
           <p:nvPr/>
         </p:nvPicPr>
@@ -5148,7 +6116,7 @@
         <p:spPr>
           <a:xfrm>
             <a:off x="3286440" y="1913400"/>
-            <a:ext cx="15367320" cy="7596360"/>
+            <a:ext cx="15366600" cy="7595640"/>
           </a:xfrm>
           <a:prstGeom prst="rect">
             <a:avLst/>
@@ -5160,14 +6128,14 @@
       </p:pic>
       <p:sp>
         <p:nvSpPr>
-          <p:cNvPr id="134" name="CustomShape 4"/>
+          <p:cNvPr id="197" name="CustomShape 4"/>
           <p:cNvSpPr/>
           <p:nvPr/>
         </p:nvSpPr>
         <p:spPr>
           <a:xfrm>
             <a:off x="3200760" y="2468880"/>
-            <a:ext cx="2285640" cy="4297680"/>
+            <a:ext cx="2284920" cy="4296960"/>
           </a:xfrm>
           <a:prstGeom prst="rect">
             <a:avLst/>
@@ -5195,10 +6163,10 @@
   <p:timing>
     <p:tnLst>
       <p:par>
-        <p:cTn id="19" dur="indefinite" restart="never" nodeType="tmRoot">
+        <p:cTn id="71" dur="indefinite" restart="never" nodeType="tmRoot">
           <p:childTnLst>
             <p:seq>
-              <p:cTn id="20" dur="indefinite" nodeType="mainSeq"/>
+              <p:cTn id="72" dur="indefinite" nodeType="mainSeq"/>
               <p:prevCondLst>
                 <p:cond delay="0" evt="onPrev">
                   <p:tgtEl>
@@ -5241,14 +6209,14 @@
       </p:grpSpPr>
       <p:sp>
         <p:nvSpPr>
-          <p:cNvPr id="135" name="CustomShape 1"/>
+          <p:cNvPr id="198" name="CustomShape 1"/>
           <p:cNvSpPr/>
           <p:nvPr/>
         </p:nvSpPr>
         <p:spPr>
           <a:xfrm>
             <a:off x="809640" y="447120"/>
-            <a:ext cx="10570320" cy="968760"/>
+            <a:ext cx="10569600" cy="968040"/>
           </a:xfrm>
           <a:prstGeom prst="rect">
             <a:avLst/>
@@ -5290,14 +6258,14 @@
       </p:sp>
       <p:sp>
         <p:nvSpPr>
-          <p:cNvPr id="136" name="CustomShape 2"/>
+          <p:cNvPr id="199" name="CustomShape 2"/>
           <p:cNvSpPr/>
           <p:nvPr/>
         </p:nvSpPr>
         <p:spPr>
           <a:xfrm>
             <a:off x="10677960" y="5915880"/>
-            <a:ext cx="1060200" cy="488880"/>
+            <a:ext cx="1059480" cy="488160"/>
           </a:xfrm>
           <a:prstGeom prst="rect">
             <a:avLst/>
@@ -5321,7 +6289,7 @@
                 <a:spcPct val="100000"/>
               </a:lnSpc>
             </a:pPr>
-            <a:fld id="{E4517D17-7E9F-46C9-ADAA-79D89E0C224E}" type="slidenum">
+            <a:fld id="{93D91D62-A84D-4E03-8F51-5E6D340AA2BF}" type="slidenum">
               <a:rPr b="0" lang="en-US" sz="2000" spc="-1" strike="noStrike">
                 <a:solidFill>
                   <a:srgbClr val="00c6bb"/>
@@ -5329,7 +6297,7 @@
                 <a:latin typeface="Century Gothic"/>
                 <a:ea typeface="DejaVu Sans"/>
               </a:rPr>
-              <a:t>1</a:t>
+              <a:t>&lt;number&gt;</a:t>
             </a:fld>
             <a:endParaRPr b="0" lang="en-US" sz="2000" spc="-1" strike="noStrike">
               <a:latin typeface="Arial"/>
@@ -5339,14 +6307,14 @@
       </p:sp>
       <p:sp>
         <p:nvSpPr>
-          <p:cNvPr id="137" name="CustomShape 3"/>
+          <p:cNvPr id="200" name="CustomShape 3"/>
           <p:cNvSpPr/>
           <p:nvPr/>
         </p:nvSpPr>
         <p:spPr>
           <a:xfrm>
             <a:off x="809640" y="2179080"/>
-            <a:ext cx="10368720" cy="4226040"/>
+            <a:ext cx="10368000" cy="4225320"/>
           </a:xfrm>
           <a:prstGeom prst="rect">
             <a:avLst/>
@@ -5388,14 +6356,14 @@
       </p:sp>
       <p:sp>
         <p:nvSpPr>
-          <p:cNvPr id="138" name="CustomShape 4"/>
+          <p:cNvPr id="201" name="CustomShape 4"/>
           <p:cNvSpPr/>
           <p:nvPr/>
         </p:nvSpPr>
         <p:spPr>
           <a:xfrm>
             <a:off x="822960" y="2103120"/>
-            <a:ext cx="10915200" cy="4023000"/>
+            <a:ext cx="10914480" cy="4022280"/>
           </a:xfrm>
           <a:prstGeom prst="rect">
             <a:avLst/>
@@ -5416,14 +6384,14 @@
       </p:sp>
       <p:sp>
         <p:nvSpPr>
-          <p:cNvPr id="139" name="CustomShape 5"/>
+          <p:cNvPr id="202" name="CustomShape 5"/>
           <p:cNvSpPr/>
           <p:nvPr/>
         </p:nvSpPr>
         <p:spPr>
           <a:xfrm>
             <a:off x="4188600" y="5740560"/>
-            <a:ext cx="5229360" cy="385560"/>
+            <a:ext cx="5228640" cy="384840"/>
           </a:xfrm>
           <a:prstGeom prst="rect">
             <a:avLst/>
@@ -5449,21 +6417,13 @@
             </a:pPr>
             <a:r>
               <a:rPr b="1" lang="en-US" sz="2000" spc="-1" strike="noStrike">
+                <a:solidFill>
+                  <a:srgbClr val="000000"/>
+                </a:solidFill>
                 <a:latin typeface="Cambrai"/>
-              </a:rPr>
-              <a:t>TRAVIS </a:t>
-            </a:r>
-            <a:r>
-              <a:rPr b="1" lang="en-US" sz="2000" spc="-1" strike="noStrike">
-                <a:latin typeface="Cambrai"/>
-              </a:rPr>
-              <a:t>CONTINUOUS </a:t>
-            </a:r>
-            <a:r>
-              <a:rPr b="1" lang="en-US" sz="2000" spc="-1" strike="noStrike">
-                <a:latin typeface="Cambrai"/>
-              </a:rPr>
-              <a:t>INTEGRATION</a:t>
+                <a:ea typeface="DejaVu Sans"/>
+              </a:rPr>
+              <a:t>TRAVIS CONTINUOUS INTEGRATION</a:t>
             </a:r>
             <a:endParaRPr b="0" lang="en-US" sz="2000" spc="-1" strike="noStrike">
               <a:latin typeface="Arial"/>
@@ -5473,14 +6433,14 @@
       </p:sp>
       <p:sp>
         <p:nvSpPr>
-          <p:cNvPr id="140" name="TextShape 6"/>
-          <p:cNvSpPr txBox="1"/>
+          <p:cNvPr id="203" name="CustomShape 6"/>
+          <p:cNvSpPr/>
           <p:nvPr/>
         </p:nvSpPr>
         <p:spPr>
           <a:xfrm>
             <a:off x="5205240" y="1695600"/>
-            <a:ext cx="2377440" cy="684720"/>
+            <a:ext cx="2376720" cy="684000"/>
           </a:xfrm>
           <a:prstGeom prst="rect">
             <a:avLst/>
@@ -5490,10 +6450,20 @@
             <a:noFill/>
           </a:ln>
         </p:spPr>
+        <p:style>
+          <a:lnRef idx="0"/>
+          <a:fillRef idx="0"/>
+          <a:effectRef idx="0"/>
+          <a:fontRef idx="minor"/>
+        </p:style>
         <p:txBody>
           <a:bodyPr lIns="90000" rIns="90000" tIns="45000" bIns="45000"/>
           <a:p>
-            <a:pPr algn="ctr"/>
+            <a:pPr algn="ctr">
+              <a:lnSpc>
+                <a:spcPct val="100000"/>
+              </a:lnSpc>
+            </a:pPr>
             <a:r>
               <a:rPr b="1" lang="en-US" sz="4000" spc="-1" strike="noStrike">
                 <a:solidFill>
@@ -5515,10 +6485,10 @@
   <p:timing>
     <p:tnLst>
       <p:par>
-        <p:cTn id="21" dur="indefinite" restart="never" nodeType="tmRoot">
+        <p:cTn id="73" dur="indefinite" restart="never" nodeType="tmRoot">
           <p:childTnLst>
             <p:seq>
-              <p:cTn id="22" dur="indefinite" nodeType="mainSeq"/>
+              <p:cTn id="74" dur="indefinite" nodeType="mainSeq"/>
               <p:prevCondLst>
                 <p:cond delay="0" evt="onPrev">
                   <p:tgtEl>
@@ -5561,14 +6531,14 @@
       </p:grpSpPr>
       <p:sp>
         <p:nvSpPr>
-          <p:cNvPr id="141" name="CustomShape 1"/>
+          <p:cNvPr id="204" name="CustomShape 1"/>
           <p:cNvSpPr/>
           <p:nvPr/>
         </p:nvSpPr>
         <p:spPr>
           <a:xfrm>
             <a:off x="809640" y="447120"/>
-            <a:ext cx="10570320" cy="968760"/>
+            <a:ext cx="10569600" cy="968040"/>
           </a:xfrm>
           <a:prstGeom prst="rect">
             <a:avLst/>
@@ -5600,77 +6570,7 @@
                 <a:latin typeface="Cambria"/>
                 <a:ea typeface="DejaVu Sans"/>
               </a:rPr>
-              <a:t>Auto</a:t>
-            </a:r>
-            <a:r>
-              <a:rPr b="1" lang="en-US" sz="4800" spc="-1" strike="noStrike">
-                <a:solidFill>
-                  <a:srgbClr val="000000"/>
-                </a:solidFill>
-                <a:latin typeface="Cambria"/>
-                <a:ea typeface="DejaVu Sans"/>
-              </a:rPr>
-              <a:t>matic </a:t>
-            </a:r>
-            <a:r>
-              <a:rPr b="1" lang="en-US" sz="4800" spc="-1" strike="noStrike">
-                <a:solidFill>
-                  <a:srgbClr val="000000"/>
-                </a:solidFill>
-                <a:latin typeface="Cambria"/>
-                <a:ea typeface="DejaVu Sans"/>
-              </a:rPr>
-              <a:t>Depl</a:t>
-            </a:r>
-            <a:r>
-              <a:rPr b="1" lang="en-US" sz="4800" spc="-1" strike="noStrike">
-                <a:solidFill>
-                  <a:srgbClr val="000000"/>
-                </a:solidFill>
-                <a:latin typeface="Cambria"/>
-                <a:ea typeface="DejaVu Sans"/>
-              </a:rPr>
-              <a:t>oy : </a:t>
-            </a:r>
-            <a:r>
-              <a:rPr b="1" lang="en-US" sz="4800" spc="-1" strike="noStrike">
-                <a:solidFill>
-                  <a:srgbClr val="000000"/>
-                </a:solidFill>
-                <a:latin typeface="Cambria"/>
-                <a:ea typeface="DejaVu Sans"/>
-              </a:rPr>
-              <a:t>Githu</a:t>
-            </a:r>
-            <a:r>
-              <a:rPr b="1" lang="en-US" sz="4800" spc="-1" strike="noStrike">
-                <a:solidFill>
-                  <a:srgbClr val="000000"/>
-                </a:solidFill>
-                <a:latin typeface="Cambria"/>
-                <a:ea typeface="DejaVu Sans"/>
-              </a:rPr>
-              <a:t>b + </a:t>
-            </a:r>
-            <a:r>
-              <a:rPr b="1" lang="en-US" sz="4800" spc="-1" strike="noStrike">
-                <a:solidFill>
-                  <a:srgbClr val="000000"/>
-                </a:solidFill>
-                <a:latin typeface="Cambria"/>
-                <a:ea typeface="DejaVu Sans"/>
-              </a:rPr>
-              <a:t>Travi</a:t>
-            </a:r>
-            <a:r>
-              <a:rPr b="1" lang="en-US" sz="4800" spc="-1" strike="noStrike">
-                <a:solidFill>
-                  <a:srgbClr val="000000"/>
-                </a:solidFill>
-                <a:latin typeface="Cambria"/>
-                <a:ea typeface="DejaVu Sans"/>
-              </a:rPr>
-              <a:t>s</a:t>
+              <a:t>Automatic Deploy : Github + Travis</a:t>
             </a:r>
             <a:endParaRPr b="0" lang="en-US" sz="4800" spc="-1" strike="noStrike">
               <a:latin typeface="Arial"/>
@@ -5680,14 +6580,14 @@
       </p:sp>
       <p:sp>
         <p:nvSpPr>
-          <p:cNvPr id="142" name="CustomShape 2"/>
+          <p:cNvPr id="205" name="CustomShape 2"/>
           <p:cNvSpPr/>
           <p:nvPr/>
         </p:nvSpPr>
         <p:spPr>
           <a:xfrm>
             <a:off x="10677960" y="5915880"/>
-            <a:ext cx="1060200" cy="488880"/>
+            <a:ext cx="1059480" cy="488160"/>
           </a:xfrm>
           <a:prstGeom prst="rect">
             <a:avLst/>
@@ -5711,7 +6611,7 @@
                 <a:spcPct val="100000"/>
               </a:lnSpc>
             </a:pPr>
-            <a:fld id="{E8B4DCE4-ECB3-43AE-972D-387BA7BB5EE1}" type="slidenum">
+            <a:fld id="{4EE1C887-2367-40F5-AD34-7D4874C9333C}" type="slidenum">
               <a:rPr b="0" lang="en-US" sz="2000" spc="-1" strike="noStrike">
                 <a:solidFill>
                   <a:srgbClr val="00c6bb"/>
@@ -5719,7 +6619,7 @@
                 <a:latin typeface="Century Gothic"/>
                 <a:ea typeface="DejaVu Sans"/>
               </a:rPr>
-              <a:t>1</a:t>
+              <a:t>&lt;number&gt;</a:t>
             </a:fld>
             <a:endParaRPr b="0" lang="en-US" sz="2000" spc="-1" strike="noStrike">
               <a:latin typeface="Arial"/>
@@ -5729,14 +6629,14 @@
       </p:sp>
       <p:sp>
         <p:nvSpPr>
-          <p:cNvPr id="143" name="CustomShape 3"/>
+          <p:cNvPr id="206" name="CustomShape 3"/>
           <p:cNvSpPr/>
           <p:nvPr/>
         </p:nvSpPr>
         <p:spPr>
           <a:xfrm>
             <a:off x="809640" y="2179080"/>
-            <a:ext cx="10368720" cy="4226040"/>
+            <a:ext cx="10368000" cy="4225320"/>
           </a:xfrm>
           <a:prstGeom prst="rect">
             <a:avLst/>
@@ -5778,14 +6678,14 @@
       </p:sp>
       <p:sp>
         <p:nvSpPr>
-          <p:cNvPr id="144" name="CustomShape 4"/>
+          <p:cNvPr id="207" name="CustomShape 4"/>
           <p:cNvSpPr/>
           <p:nvPr/>
         </p:nvSpPr>
         <p:spPr>
           <a:xfrm>
             <a:off x="2194560" y="3642120"/>
-            <a:ext cx="1920240" cy="849960"/>
+            <a:ext cx="1919520" cy="849240"/>
           </a:xfrm>
           <a:prstGeom prst="curvedConnector3">
             <a:avLst>
@@ -5807,588 +6707,16 @@
           <a:fontRef idx="minor"/>
         </p:style>
       </p:sp>
-      <p:grpSp>
-        <p:nvGrpSpPr>
-          <p:cNvPr id="145" name="Group 5"/>
-          <p:cNvGrpSpPr/>
+      <p:sp>
+        <p:nvSpPr>
+          <p:cNvPr id="208" name="CustomShape 5"/>
+          <p:cNvSpPr/>
           <p:nvPr/>
-        </p:nvGrpSpPr>
-        <p:grpSpPr>
-          <a:xfrm>
-            <a:off x="822960" y="2103120"/>
-            <a:ext cx="10915200" cy="4023000"/>
-            <a:chOff x="822960" y="2103120"/>
-            <a:chExt cx="10915200" cy="4023000"/>
-          </a:xfrm>
-        </p:grpSpPr>
-        <p:grpSp>
-          <p:nvGrpSpPr>
-            <p:cNvPr id="146" name="Group 6"/>
-            <p:cNvGrpSpPr/>
-            <p:nvPr/>
-          </p:nvGrpSpPr>
-          <p:grpSpPr>
-            <a:xfrm>
-              <a:off x="1371600" y="2179080"/>
-              <a:ext cx="9692280" cy="3322440"/>
-              <a:chOff x="1371600" y="2179080"/>
-              <a:chExt cx="9692280" cy="3322440"/>
-            </a:xfrm>
-          </p:grpSpPr>
-          <p:sp>
-            <p:nvSpPr>
-              <p:cNvPr id="147" name="CustomShape 7"/>
-              <p:cNvSpPr/>
-              <p:nvPr/>
-            </p:nvSpPr>
-            <p:spPr>
-              <a:xfrm>
-                <a:off x="8412480" y="5196600"/>
-                <a:ext cx="2651400" cy="304920"/>
-              </a:xfrm>
-              <a:prstGeom prst="rect">
-                <a:avLst/>
-              </a:prstGeom>
-              <a:noFill/>
-              <a:ln>
-                <a:noFill/>
-              </a:ln>
-            </p:spPr>
-            <p:style>
-              <a:lnRef idx="0"/>
-              <a:fillRef idx="0"/>
-              <a:effectRef idx="0"/>
-              <a:fontRef idx="minor"/>
-            </p:style>
-            <p:txBody>
-              <a:bodyPr lIns="90000" rIns="90000" tIns="45000" bIns="45000"/>
-              <a:p>
-                <a:pPr algn="ctr">
-                  <a:lnSpc>
-                    <a:spcPct val="100000"/>
-                  </a:lnSpc>
-                </a:pPr>
-                <a:r>
-                  <a:rPr b="0" lang="en-US" sz="1800" spc="-1" strike="noStrike">
-                    <a:latin typeface="Arial"/>
-                  </a:rPr>
-                  <a:t>Github.io</a:t>
-                </a:r>
-                <a:endParaRPr b="0" lang="en-US" sz="1800" spc="-1" strike="noStrike">
-                  <a:latin typeface="Arial"/>
-                </a:endParaRPr>
-              </a:p>
-            </p:txBody>
-          </p:sp>
-          <p:grpSp>
-            <p:nvGrpSpPr>
-              <p:cNvPr id="148" name="Group 8"/>
-              <p:cNvGrpSpPr/>
-              <p:nvPr/>
-            </p:nvGrpSpPr>
-            <p:grpSpPr>
-              <a:xfrm>
-                <a:off x="1371600" y="2179080"/>
-                <a:ext cx="9600840" cy="3200040"/>
-                <a:chOff x="1371600" y="2179080"/>
-                <a:chExt cx="9600840" cy="3200040"/>
-              </a:xfrm>
-            </p:grpSpPr>
-            <p:sp>
-              <p:nvSpPr>
-                <p:cNvPr id="149" name="CustomShape 9"/>
-                <p:cNvSpPr/>
-                <p:nvPr/>
-              </p:nvSpPr>
-              <p:spPr>
-                <a:xfrm>
-                  <a:off x="1371600" y="3002040"/>
-                  <a:ext cx="822600" cy="1279800"/>
-                </a:xfrm>
-                <a:prstGeom prst="flowChartMagneticDisk">
-                  <a:avLst/>
-                </a:prstGeom>
-                <a:solidFill>
-                  <a:srgbClr val="ffffff"/>
-                </a:solidFill>
-                <a:ln>
-                  <a:solidFill>
-                    <a:srgbClr val="000000"/>
-                  </a:solidFill>
-                </a:ln>
-              </p:spPr>
-              <p:style>
-                <a:lnRef idx="0"/>
-                <a:fillRef idx="0"/>
-                <a:effectRef idx="0"/>
-                <a:fontRef idx="minor"/>
-              </p:style>
-              <p:txBody>
-                <a:bodyPr wrap="none" lIns="90000" rIns="90000" tIns="45000" bIns="45000" anchor="ctr"/>
-                <a:p>
-                  <a:pPr algn="ctr">
-                    <a:lnSpc>
-                      <a:spcPct val="100000"/>
-                    </a:lnSpc>
-                  </a:pPr>
-                  <a:r>
-                    <a:rPr b="0" lang="en-US" sz="1800" spc="-1" strike="noStrike">
-                      <a:solidFill>
-                        <a:srgbClr val="000000"/>
-                      </a:solidFill>
-                      <a:latin typeface="Arial"/>
-                      <a:ea typeface="DejaVu Sans"/>
-                    </a:rPr>
-                    <a:t>Github </a:t>
-                  </a:r>
-                  <a:endParaRPr b="0" lang="en-US" sz="1800" spc="-1" strike="noStrike">
-                    <a:latin typeface="Arial"/>
-                  </a:endParaRPr>
-                </a:p>
-                <a:p>
-                  <a:pPr algn="ctr">
-                    <a:lnSpc>
-                      <a:spcPct val="100000"/>
-                    </a:lnSpc>
-                  </a:pPr>
-                  <a:r>
-                    <a:rPr b="0" lang="en-US" sz="1800" spc="-1" strike="noStrike">
-                      <a:solidFill>
-                        <a:srgbClr val="000000"/>
-                      </a:solidFill>
-                      <a:latin typeface="Arial"/>
-                      <a:ea typeface="DejaVu Sans"/>
-                    </a:rPr>
-                    <a:t>repo</a:t>
-                  </a:r>
-                  <a:endParaRPr b="0" lang="en-US" sz="1800" spc="-1" strike="noStrike">
-                    <a:latin typeface="Arial"/>
-                  </a:endParaRPr>
-                </a:p>
-              </p:txBody>
-            </p:sp>
-            <p:sp>
-              <p:nvSpPr>
-                <p:cNvPr id="150" name="Line 10"/>
-                <p:cNvSpPr/>
-                <p:nvPr/>
-              </p:nvSpPr>
-              <p:spPr>
-                <a:xfrm>
-                  <a:off x="1809000" y="4373640"/>
-                  <a:ext cx="360" cy="822960"/>
-                </a:xfrm>
-                <a:prstGeom prst="line">
-                  <a:avLst/>
-                </a:prstGeom>
-                <a:ln>
-                  <a:solidFill>
-                    <a:srgbClr val="000000"/>
-                  </a:solidFill>
-                  <a:headEnd len="med" type="triangle" w="med"/>
-                </a:ln>
-              </p:spPr>
-              <p:style>
-                <a:lnRef idx="0"/>
-                <a:fillRef idx="0"/>
-                <a:effectRef idx="0"/>
-                <a:fontRef idx="minor"/>
-              </p:style>
-            </p:sp>
-            <p:sp>
-              <p:nvSpPr>
-                <p:cNvPr id="151" name="CustomShape 11"/>
-                <p:cNvSpPr/>
-                <p:nvPr/>
-              </p:nvSpPr>
-              <p:spPr>
-                <a:xfrm>
-                  <a:off x="1828800" y="4732560"/>
-                  <a:ext cx="1005480" cy="280800"/>
-                </a:xfrm>
-                <a:prstGeom prst="rect">
-                  <a:avLst/>
-                </a:prstGeom>
-                <a:noFill/>
-                <a:ln>
-                  <a:noFill/>
-                </a:ln>
-              </p:spPr>
-              <p:style>
-                <a:lnRef idx="0"/>
-                <a:fillRef idx="0"/>
-                <a:effectRef idx="0"/>
-                <a:fontRef idx="minor"/>
-              </p:style>
-              <p:txBody>
-                <a:bodyPr lIns="90000" rIns="90000" tIns="45000" bIns="45000"/>
-                <a:p>
-                  <a:pPr>
-                    <a:lnSpc>
-                      <a:spcPct val="100000"/>
-                    </a:lnSpc>
-                  </a:pPr>
-                  <a:r>
-                    <a:rPr b="0" lang="en-US" sz="1600" spc="-1" strike="noStrike">
-                      <a:latin typeface="Arial"/>
-                    </a:rPr>
-                    <a:t>commit</a:t>
-                  </a:r>
-                  <a:endParaRPr b="0" lang="en-US" sz="1600" spc="-1" strike="noStrike">
-                    <a:latin typeface="Arial"/>
-                  </a:endParaRPr>
-                </a:p>
-              </p:txBody>
-            </p:sp>
-            <p:sp>
-              <p:nvSpPr>
-                <p:cNvPr id="152" name="CustomShape 12"/>
-                <p:cNvSpPr/>
-                <p:nvPr/>
-              </p:nvSpPr>
-              <p:spPr>
-                <a:xfrm>
-                  <a:off x="4114800" y="3605040"/>
-                  <a:ext cx="1774080" cy="1774080"/>
-                </a:xfrm>
-                <a:prstGeom prst="rect">
-                  <a:avLst/>
-                </a:prstGeom>
-                <a:blipFill rotWithShape="0">
-                  <a:blip r:embed="rId1"/>
-                  <a:stretch>
-                    <a:fillRect/>
-                  </a:stretch>
-                </a:blipFill>
-                <a:ln>
-                  <a:noFill/>
-                </a:ln>
-              </p:spPr>
-              <p:style>
-                <a:lnRef idx="0"/>
-                <a:fillRef idx="0"/>
-                <a:effectRef idx="0"/>
-                <a:fontRef idx="minor"/>
-              </p:style>
-              <p:txBody>
-                <a:bodyPr lIns="90000" rIns="90000" tIns="45000" bIns="45000" anchor="ctr"/>
-                <a:p>
-                  <a:pPr algn="ctr">
-                    <a:lnSpc>
-                      <a:spcPct val="100000"/>
-                    </a:lnSpc>
-                  </a:pPr>
-                  <a:r>
-                    <a:rPr b="0" lang="en-US" sz="1800" spc="-1" strike="noStrike">
-                      <a:latin typeface="Arial"/>
-                    </a:rPr>
-                    <a:t>site</a:t>
-                  </a:r>
-                  <a:endParaRPr b="0" lang="en-US" sz="1800" spc="-1" strike="noStrike">
-                    <a:latin typeface="Arial"/>
-                  </a:endParaRPr>
-                </a:p>
-              </p:txBody>
-            </p:sp>
-            <p:sp>
-              <p:nvSpPr>
-                <p:cNvPr id="153" name="CustomShape 13"/>
-                <p:cNvSpPr/>
-                <p:nvPr/>
-              </p:nvSpPr>
-              <p:spPr>
-                <a:xfrm>
-                  <a:off x="8067960" y="2179080"/>
-                  <a:ext cx="2904480" cy="2980440"/>
-                </a:xfrm>
-                <a:prstGeom prst="rect">
-                  <a:avLst/>
-                </a:prstGeom>
-                <a:blipFill rotWithShape="0">
-                  <a:blip r:embed="rId2"/>
-                  <a:stretch>
-                    <a:fillRect/>
-                  </a:stretch>
-                </a:blipFill>
-                <a:ln>
-                  <a:noFill/>
-                </a:ln>
-              </p:spPr>
-              <p:style>
-                <a:lnRef idx="0"/>
-                <a:fillRef idx="0"/>
-                <a:effectRef idx="0"/>
-                <a:fontRef idx="minor"/>
-              </p:style>
-              <p:txBody>
-                <a:bodyPr lIns="90000" rIns="90000" tIns="45000" bIns="45000" anchor="ctr"/>
-                <a:p>
-                  <a:pPr algn="ctr">
-                    <a:lnSpc>
-                      <a:spcPct val="100000"/>
-                    </a:lnSpc>
-                  </a:pPr>
-                  <a:r>
-                    <a:rPr b="0" lang="en-US" sz="2200" spc="-1" strike="noStrike">
-                      <a:latin typeface="Arial"/>
-                    </a:rPr>
-                    <a:t>Html</a:t>
-                  </a:r>
-                  <a:endParaRPr b="0" lang="en-US" sz="2200" spc="-1" strike="noStrike">
-                    <a:latin typeface="Arial"/>
-                  </a:endParaRPr>
-                </a:p>
-              </p:txBody>
-            </p:sp>
-            <p:sp>
-              <p:nvSpPr>
-                <p:cNvPr id="154" name="CustomShape 14"/>
-                <p:cNvSpPr/>
-                <p:nvPr/>
-              </p:nvSpPr>
-              <p:spPr>
-                <a:xfrm flipV="1">
-                  <a:off x="5889240" y="2846160"/>
-                  <a:ext cx="2178720" cy="822600"/>
-                </a:xfrm>
-                <a:prstGeom prst="curvedConnector3">
-                  <a:avLst>
-                    <a:gd name="adj1" fmla="val 50000"/>
-                  </a:avLst>
-                </a:prstGeom>
-                <a:noFill/>
-                <a:ln>
-                  <a:solidFill>
-                    <a:srgbClr val="000000"/>
-                  </a:solidFill>
-                  <a:tailEnd len="med" type="triangle" w="med"/>
-                </a:ln>
-              </p:spPr>
-              <p:style>
-                <a:lnRef idx="0"/>
-                <a:fillRef idx="0"/>
-                <a:effectRef idx="0"/>
-                <a:fontRef idx="minor"/>
-              </p:style>
-            </p:sp>
-            <p:sp>
-              <p:nvSpPr>
-                <p:cNvPr id="155" name="CustomShape 15"/>
-                <p:cNvSpPr/>
-                <p:nvPr/>
-              </p:nvSpPr>
-              <p:spPr>
-                <a:xfrm>
-                  <a:off x="2834640" y="3550680"/>
-                  <a:ext cx="914040" cy="304920"/>
-                </a:xfrm>
-                <a:prstGeom prst="rect">
-                  <a:avLst/>
-                </a:prstGeom>
-                <a:noFill/>
-                <a:ln>
-                  <a:noFill/>
-                </a:ln>
-              </p:spPr>
-              <p:style>
-                <a:lnRef idx="0"/>
-                <a:fillRef idx="0"/>
-                <a:effectRef idx="0"/>
-                <a:fontRef idx="minor"/>
-              </p:style>
-              <p:txBody>
-                <a:bodyPr lIns="90000" rIns="90000" tIns="45000" bIns="45000"/>
-                <a:p>
-                  <a:pPr>
-                    <a:lnSpc>
-                      <a:spcPct val="100000"/>
-                    </a:lnSpc>
-                  </a:pPr>
-                  <a:r>
-                    <a:rPr b="0" lang="en-US" sz="1800" spc="-1" strike="noStrike">
-                      <a:latin typeface="Arial"/>
-                    </a:rPr>
-                    <a:t>build</a:t>
-                  </a:r>
-                  <a:endParaRPr b="0" lang="en-US" sz="1800" spc="-1" strike="noStrike">
-                    <a:latin typeface="Arial"/>
-                  </a:endParaRPr>
-                </a:p>
-              </p:txBody>
-            </p:sp>
-            <p:sp>
-              <p:nvSpPr>
-                <p:cNvPr id="156" name="CustomShape 16"/>
-                <p:cNvSpPr/>
-                <p:nvPr/>
-              </p:nvSpPr>
-              <p:spPr>
-                <a:xfrm>
-                  <a:off x="6217920" y="3642120"/>
-                  <a:ext cx="914040" cy="336960"/>
-                </a:xfrm>
-                <a:prstGeom prst="rect">
-                  <a:avLst/>
-                </a:prstGeom>
-                <a:noFill/>
-                <a:ln>
-                  <a:noFill/>
-                </a:ln>
-              </p:spPr>
-              <p:style>
-                <a:lnRef idx="0"/>
-                <a:fillRef idx="0"/>
-                <a:effectRef idx="0"/>
-                <a:fontRef idx="minor"/>
-              </p:style>
-              <p:txBody>
-                <a:bodyPr lIns="90000" rIns="90000" tIns="45000" bIns="45000"/>
-                <a:p>
-                  <a:pPr>
-                    <a:lnSpc>
-                      <a:spcPct val="100000"/>
-                    </a:lnSpc>
-                  </a:pPr>
-                  <a:r>
-                    <a:rPr b="0" lang="en-US" sz="1800" spc="-1" strike="noStrike">
-                      <a:latin typeface="Arial"/>
-                    </a:rPr>
-                    <a:t>deploy</a:t>
-                  </a:r>
-                  <a:endParaRPr b="0" lang="en-US" sz="1800" spc="-1" strike="noStrike">
-                    <a:latin typeface="Arial"/>
-                  </a:endParaRPr>
-                </a:p>
-              </p:txBody>
-            </p:sp>
-          </p:grpSp>
-        </p:grpSp>
-        <p:sp>
-          <p:nvSpPr>
-            <p:cNvPr id="157" name="CustomShape 17"/>
-            <p:cNvSpPr/>
-            <p:nvPr/>
-          </p:nvSpPr>
-          <p:spPr>
-            <a:xfrm>
-              <a:off x="822960" y="2103120"/>
-              <a:ext cx="10915200" cy="4023000"/>
-            </a:xfrm>
-            <a:prstGeom prst="rect">
-              <a:avLst/>
-            </a:prstGeom>
-            <a:noFill/>
-            <a:ln>
-              <a:solidFill>
-                <a:srgbClr val="0066b3"/>
-              </a:solidFill>
-            </a:ln>
-          </p:spPr>
-          <p:style>
-            <a:lnRef idx="0"/>
-            <a:fillRef idx="0"/>
-            <a:effectRef idx="0"/>
-            <a:fontRef idx="minor"/>
-          </p:style>
-        </p:sp>
-        <p:sp>
-          <p:nvSpPr>
-            <p:cNvPr id="158" name="CustomShape 18"/>
-            <p:cNvSpPr/>
-            <p:nvPr/>
-          </p:nvSpPr>
-          <p:spPr>
-            <a:xfrm>
-              <a:off x="4188600" y="5740560"/>
-              <a:ext cx="5229360" cy="385560"/>
-            </a:xfrm>
-            <a:prstGeom prst="rect">
-              <a:avLst/>
-            </a:prstGeom>
-            <a:noFill/>
-            <a:ln>
-              <a:noFill/>
-            </a:ln>
-          </p:spPr>
-          <p:style>
-            <a:lnRef idx="0"/>
-            <a:fillRef idx="0"/>
-            <a:effectRef idx="0"/>
-            <a:fontRef idx="minor"/>
-          </p:style>
-          <p:txBody>
-            <a:bodyPr lIns="90000" rIns="90000" tIns="45000" bIns="45000"/>
-            <a:p>
-              <a:pPr>
-                <a:lnSpc>
-                  <a:spcPct val="100000"/>
-                </a:lnSpc>
-              </a:pPr>
-              <a:r>
-                <a:rPr b="1" lang="en-US" sz="2000" spc="-1" strike="noStrike">
-                  <a:latin typeface="Cambrai"/>
-                </a:rPr>
-                <a:t>TRAVI</a:t>
-              </a:r>
-              <a:r>
-                <a:rPr b="1" lang="en-US" sz="2000" spc="-1" strike="noStrike">
-                  <a:latin typeface="Cambrai"/>
-                </a:rPr>
-                <a:t>S </a:t>
-              </a:r>
-              <a:r>
-                <a:rPr b="1" lang="en-US" sz="2000" spc="-1" strike="noStrike">
-                  <a:latin typeface="Cambrai"/>
-                </a:rPr>
-                <a:t>CONT</a:t>
-              </a:r>
-              <a:r>
-                <a:rPr b="1" lang="en-US" sz="2000" spc="-1" strike="noStrike">
-                  <a:latin typeface="Cambrai"/>
-                </a:rPr>
-                <a:t>INUO</a:t>
-              </a:r>
-              <a:r>
-                <a:rPr b="1" lang="en-US" sz="2000" spc="-1" strike="noStrike">
-                  <a:latin typeface="Cambrai"/>
-                </a:rPr>
-                <a:t>US </a:t>
-              </a:r>
-              <a:r>
-                <a:rPr b="1" lang="en-US" sz="2000" spc="-1" strike="noStrike">
-                  <a:latin typeface="Cambrai"/>
-                </a:rPr>
-                <a:t>INTEG</a:t>
-              </a:r>
-              <a:r>
-                <a:rPr b="1" lang="en-US" sz="2000" spc="-1" strike="noStrike">
-                  <a:latin typeface="Cambrai"/>
-                </a:rPr>
-                <a:t>RATIO</a:t>
-              </a:r>
-              <a:r>
-                <a:rPr b="1" lang="en-US" sz="2000" spc="-1" strike="noStrike">
-                  <a:latin typeface="Cambrai"/>
-                </a:rPr>
-                <a:t>N</a:t>
-              </a:r>
-              <a:endParaRPr b="0" lang="en-US" sz="2000" spc="-1" strike="noStrike">
-                <a:latin typeface="Arial"/>
-              </a:endParaRPr>
-            </a:p>
-          </p:txBody>
-        </p:sp>
-      </p:grpSp>
-      <p:sp>
-        <p:nvSpPr>
-          <p:cNvPr id="159" name="TextShape 19"/>
-          <p:cNvSpPr txBox="1"/>
-          <p:nvPr/>
-        </p:nvSpPr>
-        <p:spPr>
-          <a:xfrm>
-            <a:off x="5212080" y="1737360"/>
-            <a:ext cx="2103120" cy="684720"/>
+        </p:nvSpPr>
+        <p:spPr>
+          <a:xfrm>
+            <a:off x="8379000" y="5105880"/>
+            <a:ext cx="2650680" cy="304200"/>
           </a:xfrm>
           <a:prstGeom prst="rect">
             <a:avLst/>
@@ -6398,10 +6726,533 @@
             <a:noFill/>
           </a:ln>
         </p:spPr>
+        <p:style>
+          <a:lnRef idx="0"/>
+          <a:fillRef idx="0"/>
+          <a:effectRef idx="0"/>
+          <a:fontRef idx="minor"/>
+        </p:style>
         <p:txBody>
           <a:bodyPr lIns="90000" rIns="90000" tIns="45000" bIns="45000"/>
           <a:p>
-            <a:pPr algn="ctr"/>
+            <a:pPr algn="ctr">
+              <a:lnSpc>
+                <a:spcPct val="100000"/>
+              </a:lnSpc>
+            </a:pPr>
+            <a:r>
+              <a:rPr b="0" lang="en-US" sz="1800" spc="-1" strike="noStrike">
+                <a:solidFill>
+                  <a:srgbClr val="000000"/>
+                </a:solidFill>
+                <a:latin typeface="Arial"/>
+                <a:ea typeface="DejaVu Sans"/>
+              </a:rPr>
+              <a:t>Github.io</a:t>
+            </a:r>
+            <a:endParaRPr b="0" lang="en-US" sz="1800" spc="-1" strike="noStrike">
+              <a:latin typeface="Arial"/>
+            </a:endParaRPr>
+          </a:p>
+        </p:txBody>
+      </p:sp>
+      <p:sp>
+        <p:nvSpPr>
+          <p:cNvPr id="209" name="CustomShape 6"/>
+          <p:cNvSpPr/>
+          <p:nvPr/>
+        </p:nvSpPr>
+        <p:spPr>
+          <a:xfrm>
+            <a:off x="1280160" y="2926800"/>
+            <a:ext cx="821880" cy="1279080"/>
+          </a:xfrm>
+          <a:prstGeom prst="flowChartMagneticDisk">
+            <a:avLst/>
+          </a:prstGeom>
+          <a:solidFill>
+            <a:srgbClr val="ffffff"/>
+          </a:solidFill>
+          <a:ln>
+            <a:solidFill>
+              <a:srgbClr val="000000"/>
+            </a:solidFill>
+          </a:ln>
+        </p:spPr>
+        <p:style>
+          <a:lnRef idx="0"/>
+          <a:fillRef idx="0"/>
+          <a:effectRef idx="0"/>
+          <a:fontRef idx="minor"/>
+        </p:style>
+        <p:txBody>
+          <a:bodyPr wrap="none" lIns="90000" rIns="90000" tIns="45000" bIns="45000" anchor="ctr"/>
+          <a:p>
+            <a:pPr algn="ctr">
+              <a:lnSpc>
+                <a:spcPct val="100000"/>
+              </a:lnSpc>
+            </a:pPr>
+            <a:r>
+              <a:rPr b="0" lang="en-US" sz="1800" spc="-1" strike="noStrike">
+                <a:solidFill>
+                  <a:srgbClr val="000000"/>
+                </a:solidFill>
+                <a:latin typeface="Arial"/>
+                <a:ea typeface="DejaVu Sans"/>
+              </a:rPr>
+              <a:t>Github </a:t>
+            </a:r>
+            <a:endParaRPr b="0" lang="en-US" sz="1800" spc="-1" strike="noStrike">
+              <a:latin typeface="Arial"/>
+            </a:endParaRPr>
+          </a:p>
+          <a:p>
+            <a:pPr algn="ctr">
+              <a:lnSpc>
+                <a:spcPct val="100000"/>
+              </a:lnSpc>
+            </a:pPr>
+            <a:r>
+              <a:rPr b="0" lang="en-US" sz="1800" spc="-1" strike="noStrike">
+                <a:solidFill>
+                  <a:srgbClr val="000000"/>
+                </a:solidFill>
+                <a:latin typeface="Arial"/>
+                <a:ea typeface="DejaVu Sans"/>
+              </a:rPr>
+              <a:t>repo</a:t>
+            </a:r>
+            <a:endParaRPr b="0" lang="en-US" sz="1800" spc="-1" strike="noStrike">
+              <a:latin typeface="Arial"/>
+            </a:endParaRPr>
+          </a:p>
+        </p:txBody>
+      </p:sp>
+      <p:sp>
+        <p:nvSpPr>
+          <p:cNvPr id="210" name="Line 7"/>
+          <p:cNvSpPr/>
+          <p:nvPr/>
+        </p:nvSpPr>
+        <p:spPr>
+          <a:xfrm>
+            <a:off x="1717560" y="4298040"/>
+            <a:ext cx="360" cy="822960"/>
+          </a:xfrm>
+          <a:prstGeom prst="line">
+            <a:avLst/>
+          </a:prstGeom>
+          <a:ln>
+            <a:solidFill>
+              <a:srgbClr val="000000"/>
+            </a:solidFill>
+            <a:headEnd len="med" type="triangle" w="med"/>
+          </a:ln>
+        </p:spPr>
+        <p:style>
+          <a:lnRef idx="0"/>
+          <a:fillRef idx="0"/>
+          <a:effectRef idx="0"/>
+          <a:fontRef idx="minor"/>
+        </p:style>
+      </p:sp>
+      <p:sp>
+        <p:nvSpPr>
+          <p:cNvPr id="211" name="CustomShape 8"/>
+          <p:cNvSpPr/>
+          <p:nvPr/>
+        </p:nvSpPr>
+        <p:spPr>
+          <a:xfrm>
+            <a:off x="1737360" y="4657320"/>
+            <a:ext cx="1004760" cy="280080"/>
+          </a:xfrm>
+          <a:prstGeom prst="rect">
+            <a:avLst/>
+          </a:prstGeom>
+          <a:noFill/>
+          <a:ln>
+            <a:noFill/>
+          </a:ln>
+        </p:spPr>
+        <p:style>
+          <a:lnRef idx="0"/>
+          <a:fillRef idx="0"/>
+          <a:effectRef idx="0"/>
+          <a:fontRef idx="minor"/>
+        </p:style>
+        <p:txBody>
+          <a:bodyPr lIns="90000" rIns="90000" tIns="45000" bIns="45000"/>
+          <a:p>
+            <a:pPr>
+              <a:lnSpc>
+                <a:spcPct val="100000"/>
+              </a:lnSpc>
+            </a:pPr>
+            <a:r>
+              <a:rPr b="0" lang="en-US" sz="1600" spc="-1" strike="noStrike">
+                <a:solidFill>
+                  <a:srgbClr val="000000"/>
+                </a:solidFill>
+                <a:latin typeface="Arial"/>
+                <a:ea typeface="DejaVu Sans"/>
+              </a:rPr>
+              <a:t>commit</a:t>
+            </a:r>
+            <a:endParaRPr b="0" lang="en-US" sz="1600" spc="-1" strike="noStrike">
+              <a:latin typeface="Arial"/>
+            </a:endParaRPr>
+          </a:p>
+        </p:txBody>
+      </p:sp>
+      <p:sp>
+        <p:nvSpPr>
+          <p:cNvPr id="212" name="CustomShape 9"/>
+          <p:cNvSpPr/>
+          <p:nvPr/>
+        </p:nvSpPr>
+        <p:spPr>
+          <a:xfrm>
+            <a:off x="4169880" y="3474720"/>
+            <a:ext cx="1773360" cy="1773360"/>
+          </a:xfrm>
+          <a:prstGeom prst="rect">
+            <a:avLst/>
+          </a:prstGeom>
+          <a:blipFill rotWithShape="0">
+            <a:blip r:embed="rId1"/>
+            <a:stretch>
+              <a:fillRect/>
+            </a:stretch>
+          </a:blipFill>
+          <a:ln>
+            <a:noFill/>
+          </a:ln>
+        </p:spPr>
+        <p:style>
+          <a:lnRef idx="0"/>
+          <a:fillRef idx="0"/>
+          <a:effectRef idx="0"/>
+          <a:fontRef idx="minor"/>
+        </p:style>
+        <p:txBody>
+          <a:bodyPr lIns="90000" rIns="90000" tIns="45000" bIns="45000" anchor="ctr"/>
+          <a:p>
+            <a:pPr algn="ctr">
+              <a:lnSpc>
+                <a:spcPct val="100000"/>
+              </a:lnSpc>
+            </a:pPr>
+            <a:r>
+              <a:rPr b="0" lang="en-US" sz="1800" spc="-1" strike="noStrike">
+                <a:solidFill>
+                  <a:srgbClr val="000000"/>
+                </a:solidFill>
+                <a:latin typeface="Arial"/>
+                <a:ea typeface="DejaVu Sans"/>
+              </a:rPr>
+              <a:t>site</a:t>
+            </a:r>
+            <a:endParaRPr b="0" lang="en-US" sz="1800" spc="-1" strike="noStrike">
+              <a:latin typeface="Arial"/>
+            </a:endParaRPr>
+          </a:p>
+        </p:txBody>
+      </p:sp>
+      <p:sp>
+        <p:nvSpPr>
+          <p:cNvPr id="213" name="CustomShape 10"/>
+          <p:cNvSpPr/>
+          <p:nvPr/>
+        </p:nvSpPr>
+        <p:spPr>
+          <a:xfrm>
+            <a:off x="7976520" y="2103840"/>
+            <a:ext cx="2903760" cy="2979720"/>
+          </a:xfrm>
+          <a:prstGeom prst="rect">
+            <a:avLst/>
+          </a:prstGeom>
+          <a:blipFill rotWithShape="0">
+            <a:blip r:embed="rId2"/>
+            <a:stretch>
+              <a:fillRect/>
+            </a:stretch>
+          </a:blipFill>
+          <a:ln>
+            <a:noFill/>
+          </a:ln>
+        </p:spPr>
+        <p:style>
+          <a:lnRef idx="0"/>
+          <a:fillRef idx="0"/>
+          <a:effectRef idx="0"/>
+          <a:fontRef idx="minor"/>
+        </p:style>
+        <p:txBody>
+          <a:bodyPr lIns="90000" rIns="90000" tIns="45000" bIns="45000" anchor="ctr"/>
+          <a:p>
+            <a:pPr algn="ctr">
+              <a:lnSpc>
+                <a:spcPct val="100000"/>
+              </a:lnSpc>
+            </a:pPr>
+            <a:r>
+              <a:rPr b="0" lang="en-US" sz="2200" spc="-1" strike="noStrike">
+                <a:solidFill>
+                  <a:srgbClr val="000000"/>
+                </a:solidFill>
+                <a:latin typeface="Arial"/>
+                <a:ea typeface="DejaVu Sans"/>
+              </a:rPr>
+              <a:t>Html</a:t>
+            </a:r>
+            <a:endParaRPr b="0" lang="en-US" sz="2200" spc="-1" strike="noStrike">
+              <a:latin typeface="Arial"/>
+            </a:endParaRPr>
+          </a:p>
+        </p:txBody>
+      </p:sp>
+      <p:sp>
+        <p:nvSpPr>
+          <p:cNvPr id="214" name="CustomShape 11"/>
+          <p:cNvSpPr/>
+          <p:nvPr/>
+        </p:nvSpPr>
+        <p:spPr>
+          <a:xfrm flipV="1">
+            <a:off x="5943960" y="2561040"/>
+            <a:ext cx="2102760" cy="821880"/>
+          </a:xfrm>
+          <a:prstGeom prst="curvedConnector3">
+            <a:avLst>
+              <a:gd name="adj1" fmla="val 50000"/>
+            </a:avLst>
+          </a:prstGeom>
+          <a:noFill/>
+          <a:ln>
+            <a:solidFill>
+              <a:srgbClr val="000000"/>
+            </a:solidFill>
+            <a:tailEnd len="med" type="triangle" w="med"/>
+          </a:ln>
+        </p:spPr>
+        <p:style>
+          <a:lnRef idx="0"/>
+          <a:fillRef idx="0"/>
+          <a:effectRef idx="0"/>
+          <a:fontRef idx="minor"/>
+        </p:style>
+      </p:sp>
+      <p:sp>
+        <p:nvSpPr>
+          <p:cNvPr id="215" name="CustomShape 12"/>
+          <p:cNvSpPr/>
+          <p:nvPr/>
+        </p:nvSpPr>
+        <p:spPr>
+          <a:xfrm>
+            <a:off x="2743200" y="3475440"/>
+            <a:ext cx="913320" cy="304200"/>
+          </a:xfrm>
+          <a:prstGeom prst="rect">
+            <a:avLst/>
+          </a:prstGeom>
+          <a:noFill/>
+          <a:ln>
+            <a:noFill/>
+          </a:ln>
+        </p:spPr>
+        <p:style>
+          <a:lnRef idx="0"/>
+          <a:fillRef idx="0"/>
+          <a:effectRef idx="0"/>
+          <a:fontRef idx="minor"/>
+        </p:style>
+        <p:txBody>
+          <a:bodyPr lIns="90000" rIns="90000" tIns="45000" bIns="45000"/>
+          <a:p>
+            <a:pPr>
+              <a:lnSpc>
+                <a:spcPct val="100000"/>
+              </a:lnSpc>
+            </a:pPr>
+            <a:r>
+              <a:rPr b="0" lang="en-US" sz="1800" spc="-1" strike="noStrike">
+                <a:solidFill>
+                  <a:srgbClr val="000000"/>
+                </a:solidFill>
+                <a:latin typeface="Arial"/>
+                <a:ea typeface="DejaVu Sans"/>
+              </a:rPr>
+              <a:t>build</a:t>
+            </a:r>
+            <a:endParaRPr b="0" lang="en-US" sz="1800" spc="-1" strike="noStrike">
+              <a:latin typeface="Arial"/>
+            </a:endParaRPr>
+          </a:p>
+        </p:txBody>
+      </p:sp>
+      <p:sp>
+        <p:nvSpPr>
+          <p:cNvPr id="216" name="CustomShape 13"/>
+          <p:cNvSpPr/>
+          <p:nvPr/>
+        </p:nvSpPr>
+        <p:spPr>
+          <a:xfrm>
+            <a:off x="6126480" y="3566880"/>
+            <a:ext cx="913320" cy="336240"/>
+          </a:xfrm>
+          <a:prstGeom prst="rect">
+            <a:avLst/>
+          </a:prstGeom>
+          <a:noFill/>
+          <a:ln>
+            <a:noFill/>
+          </a:ln>
+        </p:spPr>
+        <p:style>
+          <a:lnRef idx="0"/>
+          <a:fillRef idx="0"/>
+          <a:effectRef idx="0"/>
+          <a:fontRef idx="minor"/>
+        </p:style>
+        <p:txBody>
+          <a:bodyPr lIns="90000" rIns="90000" tIns="45000" bIns="45000"/>
+          <a:p>
+            <a:pPr>
+              <a:lnSpc>
+                <a:spcPct val="100000"/>
+              </a:lnSpc>
+            </a:pPr>
+            <a:r>
+              <a:rPr b="0" lang="en-US" sz="1800" spc="-1" strike="noStrike">
+                <a:solidFill>
+                  <a:srgbClr val="000000"/>
+                </a:solidFill>
+                <a:latin typeface="Arial"/>
+                <a:ea typeface="DejaVu Sans"/>
+              </a:rPr>
+              <a:t>deploy</a:t>
+            </a:r>
+            <a:endParaRPr b="0" lang="en-US" sz="1800" spc="-1" strike="noStrike">
+              <a:latin typeface="Arial"/>
+            </a:endParaRPr>
+          </a:p>
+        </p:txBody>
+      </p:sp>
+      <p:sp>
+        <p:nvSpPr>
+          <p:cNvPr id="217" name="CustomShape 14"/>
+          <p:cNvSpPr/>
+          <p:nvPr/>
+        </p:nvSpPr>
+        <p:spPr>
+          <a:xfrm>
+            <a:off x="789480" y="2012400"/>
+            <a:ext cx="10914480" cy="4022280"/>
+          </a:xfrm>
+          <a:prstGeom prst="rect">
+            <a:avLst/>
+          </a:prstGeom>
+          <a:noFill/>
+          <a:ln>
+            <a:solidFill>
+              <a:srgbClr val="0066b3"/>
+            </a:solidFill>
+          </a:ln>
+        </p:spPr>
+        <p:style>
+          <a:lnRef idx="0"/>
+          <a:fillRef idx="0"/>
+          <a:effectRef idx="0"/>
+          <a:fontRef idx="minor"/>
+        </p:style>
+      </p:sp>
+      <p:sp>
+        <p:nvSpPr>
+          <p:cNvPr id="218" name="CustomShape 15"/>
+          <p:cNvSpPr/>
+          <p:nvPr/>
+        </p:nvSpPr>
+        <p:spPr>
+          <a:xfrm>
+            <a:off x="4155120" y="5649840"/>
+            <a:ext cx="5228640" cy="384840"/>
+          </a:xfrm>
+          <a:prstGeom prst="rect">
+            <a:avLst/>
+          </a:prstGeom>
+          <a:noFill/>
+          <a:ln>
+            <a:noFill/>
+          </a:ln>
+        </p:spPr>
+        <p:style>
+          <a:lnRef idx="0"/>
+          <a:fillRef idx="0"/>
+          <a:effectRef idx="0"/>
+          <a:fontRef idx="minor"/>
+        </p:style>
+        <p:txBody>
+          <a:bodyPr lIns="90000" rIns="90000" tIns="45000" bIns="45000"/>
+          <a:p>
+            <a:pPr>
+              <a:lnSpc>
+                <a:spcPct val="100000"/>
+              </a:lnSpc>
+            </a:pPr>
+            <a:r>
+              <a:rPr b="1" lang="en-US" sz="2000" spc="-1" strike="noStrike">
+                <a:solidFill>
+                  <a:srgbClr val="000000"/>
+                </a:solidFill>
+                <a:latin typeface="Cambrai"/>
+                <a:ea typeface="DejaVu Sans"/>
+              </a:rPr>
+              <a:t>TRAVIS CONTINUOUS INTEGRATION</a:t>
+            </a:r>
+            <a:endParaRPr b="0" lang="en-US" sz="2000" spc="-1" strike="noStrike">
+              <a:latin typeface="Arial"/>
+            </a:endParaRPr>
+          </a:p>
+        </p:txBody>
+      </p:sp>
+      <p:sp>
+        <p:nvSpPr>
+          <p:cNvPr id="219" name="CustomShape 16"/>
+          <p:cNvSpPr/>
+          <p:nvPr/>
+        </p:nvSpPr>
+        <p:spPr>
+          <a:xfrm>
+            <a:off x="5212080" y="1737360"/>
+            <a:ext cx="2102400" cy="684000"/>
+          </a:xfrm>
+          <a:prstGeom prst="rect">
+            <a:avLst/>
+          </a:prstGeom>
+          <a:noFill/>
+          <a:ln>
+            <a:noFill/>
+          </a:ln>
+        </p:spPr>
+        <p:style>
+          <a:lnRef idx="0"/>
+          <a:fillRef idx="0"/>
+          <a:effectRef idx="0"/>
+          <a:fontRef idx="minor"/>
+        </p:style>
+        <p:txBody>
+          <a:bodyPr lIns="90000" rIns="90000" tIns="45000" bIns="45000"/>
+          <a:p>
+            <a:pPr algn="ctr">
+              <a:lnSpc>
+                <a:spcPct val="100000"/>
+              </a:lnSpc>
+            </a:pPr>
             <a:r>
               <a:rPr b="1" lang="en-US" sz="4000" spc="-1" strike="noStrike">
                 <a:solidFill>
@@ -6410,27 +7261,7 @@
                 <a:latin typeface="Cambria"/>
                 <a:ea typeface="DejaVu Sans"/>
               </a:rPr>
-              <a:t>N</a:t>
-            </a:r>
-            <a:r>
-              <a:rPr b="1" lang="en-US" sz="4000" spc="-1" strike="noStrike">
-                <a:solidFill>
-                  <a:srgbClr val="000000"/>
-                </a:solidFill>
-                <a:latin typeface="Cambria"/>
-                <a:ea typeface="DejaVu Sans"/>
-              </a:rPr>
-              <a:t>o</a:t>
-            </a:r>
-            <a:r>
-              <a:rPr b="1" lang="en-US" sz="4000" spc="-1" strike="noStrike">
-                <a:solidFill>
-                  <a:srgbClr val="000000"/>
-                </a:solidFill>
-                <a:latin typeface="Cambria"/>
-                <a:ea typeface="DejaVu Sans"/>
-              </a:rPr>
-              <a:t>w</a:t>
+              <a:t>Now</a:t>
             </a:r>
             <a:endParaRPr b="0" lang="en-US" sz="4000" spc="-1" strike="noStrike">
               <a:latin typeface="Arial"/>
@@ -6443,10 +7274,10 @@
   <p:timing>
     <p:tnLst>
       <p:par>
-        <p:cTn id="23" dur="indefinite" restart="never" nodeType="tmRoot">
+        <p:cTn id="75" dur="indefinite" restart="never" nodeType="tmRoot">
           <p:childTnLst>
             <p:seq>
-              <p:cTn id="24" dur="indefinite" nodeType="mainSeq"/>
+              <p:cTn id="76" dur="indefinite" nodeType="mainSeq"/>
               <p:prevCondLst>
                 <p:cond delay="0" evt="onPrev">
                   <p:tgtEl>
@@ -6489,14 +7320,14 @@
       </p:grpSpPr>
       <p:sp>
         <p:nvSpPr>
-          <p:cNvPr id="160" name="CustomShape 1"/>
+          <p:cNvPr id="220" name="CustomShape 1"/>
           <p:cNvSpPr/>
           <p:nvPr/>
         </p:nvSpPr>
         <p:spPr>
           <a:xfrm>
             <a:off x="809640" y="447120"/>
-            <a:ext cx="10570320" cy="968760"/>
+            <a:ext cx="10569600" cy="968040"/>
           </a:xfrm>
           <a:prstGeom prst="rect">
             <a:avLst/>
@@ -6538,14 +7369,14 @@
       </p:sp>
       <p:sp>
         <p:nvSpPr>
-          <p:cNvPr id="161" name="CustomShape 2"/>
+          <p:cNvPr id="221" name="CustomShape 2"/>
           <p:cNvSpPr/>
           <p:nvPr/>
         </p:nvSpPr>
         <p:spPr>
           <a:xfrm>
             <a:off x="480240" y="2227320"/>
-            <a:ext cx="10899360" cy="4363560"/>
+            <a:ext cx="10898640" cy="4362840"/>
           </a:xfrm>
           <a:prstGeom prst="rect">
             <a:avLst/>
@@ -6564,7 +7395,7 @@
         <p:txBody>
           <a:bodyPr lIns="90000" rIns="90000" tIns="45000" bIns="45000" anchor="ctr"/>
           <a:p>
-            <a:pPr marL="514440" indent="-512640">
+            <a:pPr marL="514440" indent="-511920">
               <a:lnSpc>
                 <a:spcPct val="100000"/>
               </a:lnSpc>
@@ -6589,7 +7420,7 @@
             </a:endParaRPr>
           </a:p>
           <a:p>
-            <a:pPr marL="514440" indent="-512640">
+            <a:pPr marL="514440" indent="-511920">
               <a:lnSpc>
                 <a:spcPct val="100000"/>
               </a:lnSpc>
@@ -6614,7 +7445,7 @@
             </a:endParaRPr>
           </a:p>
           <a:p>
-            <a:pPr marL="514440" indent="-512640">
+            <a:pPr marL="514440" indent="-511920">
               <a:lnSpc>
                 <a:spcPct val="100000"/>
               </a:lnSpc>
@@ -6652,14 +7483,14 @@
       </p:sp>
       <p:sp>
         <p:nvSpPr>
-          <p:cNvPr id="162" name="CustomShape 3"/>
+          <p:cNvPr id="222" name="CustomShape 3"/>
           <p:cNvSpPr/>
           <p:nvPr/>
         </p:nvSpPr>
         <p:spPr>
           <a:xfrm>
             <a:off x="10677960" y="5915880"/>
-            <a:ext cx="1060200" cy="488880"/>
+            <a:ext cx="1059480" cy="488160"/>
           </a:xfrm>
           <a:prstGeom prst="rect">
             <a:avLst/>
@@ -6683,7 +7514,7 @@
                 <a:spcPct val="100000"/>
               </a:lnSpc>
             </a:pPr>
-            <a:fld id="{CFEFFE62-AD7F-4FA2-AB8B-2923E3F0619B}" type="slidenum">
+            <a:fld id="{7FD5AE67-F4C7-4CD6-8386-C23650DE48BE}" type="slidenum">
               <a:rPr b="0" lang="en-US" sz="2000" spc="-1" strike="noStrike">
                 <a:solidFill>
                   <a:srgbClr val="00c6bb"/>
@@ -6691,7 +7522,7 @@
                 <a:latin typeface="Century Gothic"/>
                 <a:ea typeface="DejaVu Sans"/>
               </a:rPr>
-              <a:t>1</a:t>
+              <a:t>&lt;number&gt;</a:t>
             </a:fld>
             <a:endParaRPr b="0" lang="en-US" sz="2000" spc="-1" strike="noStrike">
               <a:latin typeface="Arial"/>
@@ -6701,14 +7532,14 @@
       </p:sp>
       <p:sp>
         <p:nvSpPr>
-          <p:cNvPr id="163" name="TextShape 4"/>
-          <p:cNvSpPr txBox="1"/>
+          <p:cNvPr id="223" name="CustomShape 4"/>
+          <p:cNvSpPr/>
           <p:nvPr/>
         </p:nvSpPr>
         <p:spPr>
           <a:xfrm>
             <a:off x="5029200" y="2558520"/>
-            <a:ext cx="6583680" cy="550440"/>
+            <a:ext cx="6582960" cy="549720"/>
           </a:xfrm>
           <a:prstGeom prst="rect">
             <a:avLst/>
@@ -6718,9 +7549,20 @@
             <a:noFill/>
           </a:ln>
         </p:spPr>
+        <p:style>
+          <a:lnRef idx="0"/>
+          <a:fillRef idx="0"/>
+          <a:effectRef idx="0"/>
+          <a:fontRef idx="minor"/>
+        </p:style>
         <p:txBody>
           <a:bodyPr lIns="90000" rIns="90000" tIns="45000" bIns="45000"/>
           <a:p>
+            <a:pPr>
+              <a:lnSpc>
+                <a:spcPct val="100000"/>
+              </a:lnSpc>
+            </a:pPr>
             <a:r>
               <a:rPr b="0" lang="en-US" sz="2800" spc="-1" strike="noStrike">
                 <a:solidFill>
@@ -6732,7 +7574,7 @@
               <a:t>${docList:path=blogs|limit=5|sort=date}$</a:t>
             </a:r>
             <a:endParaRPr b="0" lang="en-US" sz="2800" spc="-1" strike="noStrike">
-              <a:latin typeface="Cambrai"/>
+              <a:latin typeface="Arial"/>
             </a:endParaRPr>
           </a:p>
         </p:txBody>
@@ -6742,10 +7584,10 @@
   <p:timing>
     <p:tnLst>
       <p:par>
-        <p:cTn id="25" dur="indefinite" restart="never" nodeType="tmRoot">
+        <p:cTn id="77" dur="indefinite" restart="never" nodeType="tmRoot">
           <p:childTnLst>
             <p:seq>
-              <p:cTn id="26" dur="indefinite" nodeType="mainSeq"/>
+              <p:cTn id="78" dur="indefinite" nodeType="mainSeq"/>
               <p:prevCondLst>
                 <p:cond delay="0" evt="onPrev">
                   <p:tgtEl>
@@ -6788,14 +7630,14 @@
       </p:grpSpPr>
       <p:sp>
         <p:nvSpPr>
-          <p:cNvPr id="164" name="CustomShape 1"/>
+          <p:cNvPr id="224" name="CustomShape 1"/>
           <p:cNvSpPr/>
           <p:nvPr/>
         </p:nvSpPr>
         <p:spPr>
           <a:xfrm>
             <a:off x="809640" y="447120"/>
-            <a:ext cx="10570320" cy="968760"/>
+            <a:ext cx="10569600" cy="968040"/>
           </a:xfrm>
           <a:prstGeom prst="rect">
             <a:avLst/>
@@ -6837,14 +7679,14 @@
       </p:sp>
       <p:sp>
         <p:nvSpPr>
-          <p:cNvPr id="165" name="CustomShape 2"/>
+          <p:cNvPr id="225" name="CustomShape 2"/>
           <p:cNvSpPr/>
           <p:nvPr/>
         </p:nvSpPr>
         <p:spPr>
           <a:xfrm>
             <a:off x="10677960" y="5915880"/>
-            <a:ext cx="1060200" cy="488880"/>
+            <a:ext cx="1059480" cy="488160"/>
           </a:xfrm>
           <a:prstGeom prst="rect">
             <a:avLst/>
@@ -6868,7 +7710,7 @@
                 <a:spcPct val="100000"/>
               </a:lnSpc>
             </a:pPr>
-            <a:fld id="{822367EB-983F-4486-B289-EBF701AF64B7}" type="slidenum">
+            <a:fld id="{E6CEEADA-9F8E-4537-8C1F-2B5295C96FC8}" type="slidenum">
               <a:rPr b="0" lang="en-US" sz="2000" spc="-1" strike="noStrike">
                 <a:solidFill>
                   <a:srgbClr val="00c6bb"/>
@@ -6876,7 +7718,7 @@
                 <a:latin typeface="Century Gothic"/>
                 <a:ea typeface="DejaVu Sans"/>
               </a:rPr>
-              <a:t>1</a:t>
+              <a:t>&lt;number&gt;</a:t>
             </a:fld>
             <a:endParaRPr b="0" lang="en-US" sz="2000" spc="-1" strike="noStrike">
               <a:latin typeface="Arial"/>
@@ -6886,7 +7728,7 @@
       </p:sp>
       <p:pic>
         <p:nvPicPr>
-          <p:cNvPr id="166" name="" descr=""/>
+          <p:cNvPr id="226" name="" descr=""/>
           <p:cNvPicPr/>
           <p:nvPr/>
         </p:nvPicPr>
@@ -6897,7 +7739,7 @@
         <p:spPr>
           <a:xfrm>
             <a:off x="5303520" y="4114800"/>
-            <a:ext cx="7768440" cy="3840120"/>
+            <a:ext cx="7767720" cy="3839400"/>
           </a:xfrm>
           <a:prstGeom prst="rect">
             <a:avLst/>
@@ -6914,7 +7756,7 @@
       </p:pic>
       <p:pic>
         <p:nvPicPr>
-          <p:cNvPr id="167" name="" descr=""/>
+          <p:cNvPr id="227" name="" descr=""/>
           <p:cNvPicPr/>
           <p:nvPr/>
         </p:nvPicPr>
@@ -6925,7 +7767,7 @@
         <p:spPr>
           <a:xfrm>
             <a:off x="-2286000" y="2468880"/>
-            <a:ext cx="7076520" cy="3291120"/>
+            <a:ext cx="7075800" cy="3290400"/>
           </a:xfrm>
           <a:prstGeom prst="rect">
             <a:avLst/>
@@ -6942,14 +7784,14 @@
       </p:pic>
       <p:sp>
         <p:nvSpPr>
-          <p:cNvPr id="168" name="CustomShape 3"/>
+          <p:cNvPr id="228" name="CustomShape 3"/>
           <p:cNvSpPr/>
           <p:nvPr/>
         </p:nvSpPr>
         <p:spPr>
           <a:xfrm>
             <a:off x="5943600" y="2103120"/>
-            <a:ext cx="639720" cy="822600"/>
+            <a:ext cx="639000" cy="821880"/>
           </a:xfrm>
           <a:prstGeom prst="flowChartMagneticDisk">
             <a:avLst/>
@@ -7015,7 +7857,7 @@
       </p:sp>
       <p:sp>
         <p:nvSpPr>
-          <p:cNvPr id="169" name="Line 4"/>
+          <p:cNvPr id="229" name="Line 4"/>
           <p:cNvSpPr/>
           <p:nvPr/>
         </p:nvSpPr>
@@ -7043,14 +7885,14 @@
       </p:sp>
       <p:sp>
         <p:nvSpPr>
-          <p:cNvPr id="170" name="CustomShape 5"/>
+          <p:cNvPr id="230" name="CustomShape 5"/>
           <p:cNvSpPr/>
           <p:nvPr/>
         </p:nvSpPr>
         <p:spPr>
           <a:xfrm>
             <a:off x="6309360" y="3200400"/>
-            <a:ext cx="1096920" cy="273960"/>
+            <a:ext cx="1096200" cy="273240"/>
           </a:xfrm>
           <a:prstGeom prst="rect">
             <a:avLst/>
@@ -7076,7 +7918,11 @@
             </a:pPr>
             <a:r>
               <a:rPr b="0" lang="en-US" sz="1200" spc="-1" strike="noStrike">
+                <a:solidFill>
+                  <a:srgbClr val="000000"/>
+                </a:solidFill>
                 <a:latin typeface="Cambrai"/>
+                <a:ea typeface="DejaVu Sans"/>
               </a:rPr>
               <a:t>commit</a:t>
             </a:r>
@@ -7088,14 +7934,14 @@
       </p:sp>
       <p:sp>
         <p:nvSpPr>
-          <p:cNvPr id="171" name="CustomShape 6"/>
+          <p:cNvPr id="231" name="CustomShape 6"/>
           <p:cNvSpPr/>
           <p:nvPr/>
         </p:nvSpPr>
         <p:spPr>
           <a:xfrm>
             <a:off x="8379360" y="2600280"/>
-            <a:ext cx="914040" cy="1188360"/>
+            <a:ext cx="913320" cy="1187640"/>
           </a:xfrm>
           <a:prstGeom prst="rect">
             <a:avLst/>
@@ -7126,7 +7972,11 @@
             </a:pPr>
             <a:r>
               <a:rPr b="0" lang="en-US" sz="1300" spc="-1" strike="noStrike">
+                <a:solidFill>
+                  <a:srgbClr val="000000"/>
+                </a:solidFill>
                 <a:latin typeface="Arial"/>
+                <a:ea typeface="DejaVu Sans"/>
               </a:rPr>
               <a:t>site</a:t>
             </a:r>
@@ -7138,7 +7988,7 @@
       </p:sp>
       <p:pic>
         <p:nvPicPr>
-          <p:cNvPr id="172" name="" descr=""/>
+          <p:cNvPr id="232" name="" descr=""/>
           <p:cNvPicPr/>
           <p:nvPr/>
         </p:nvPicPr>
@@ -7149,7 +7999,7 @@
         <p:spPr>
           <a:xfrm>
             <a:off x="10149840" y="2031480"/>
-            <a:ext cx="1371240" cy="894240"/>
+            <a:ext cx="1370520" cy="893520"/>
           </a:xfrm>
           <a:prstGeom prst="rect">
             <a:avLst/>
@@ -7161,14 +8011,14 @@
       </p:pic>
       <p:sp>
         <p:nvSpPr>
-          <p:cNvPr id="173" name="CustomShape 7"/>
+          <p:cNvPr id="233" name="CustomShape 7"/>
           <p:cNvSpPr/>
           <p:nvPr/>
         </p:nvSpPr>
         <p:spPr>
           <a:xfrm>
             <a:off x="10149840" y="3017520"/>
-            <a:ext cx="1554120" cy="245520"/>
+            <a:ext cx="1553400" cy="244800"/>
           </a:xfrm>
           <a:prstGeom prst="rect">
             <a:avLst/>
@@ -7194,7 +8044,11 @@
             </a:pPr>
             <a:r>
               <a:rPr b="0" lang="en-US" sz="1300" spc="-1" strike="noStrike">
+                <a:solidFill>
+                  <a:srgbClr val="000000"/>
+                </a:solidFill>
                 <a:latin typeface="Arial"/>
+                <a:ea typeface="DejaVu Sans"/>
               </a:rPr>
               <a:t>Github.io</a:t>
             </a:r>
@@ -7206,14 +8060,14 @@
       </p:sp>
       <p:sp>
         <p:nvSpPr>
-          <p:cNvPr id="174" name="CustomShape 8"/>
+          <p:cNvPr id="234" name="CustomShape 8"/>
           <p:cNvSpPr/>
           <p:nvPr/>
         </p:nvSpPr>
         <p:spPr>
           <a:xfrm>
             <a:off x="6583680" y="2514600"/>
-            <a:ext cx="1795680" cy="680040"/>
+            <a:ext cx="1794960" cy="679320"/>
           </a:xfrm>
           <a:prstGeom prst="curvedConnector3">
             <a:avLst>
@@ -7237,14 +8091,14 @@
       </p:sp>
       <p:sp>
         <p:nvSpPr>
-          <p:cNvPr id="175" name="CustomShape 9"/>
+          <p:cNvPr id="235" name="CustomShape 9"/>
           <p:cNvSpPr/>
           <p:nvPr/>
         </p:nvSpPr>
         <p:spPr>
           <a:xfrm flipV="1">
-            <a:off x="9293760" y="1761840"/>
-            <a:ext cx="856080" cy="716040"/>
+            <a:off x="9326880" y="1753200"/>
+            <a:ext cx="855360" cy="715320"/>
           </a:xfrm>
           <a:prstGeom prst="curvedConnector3">
             <a:avLst>
@@ -7268,14 +8122,14 @@
       </p:sp>
       <p:sp>
         <p:nvSpPr>
-          <p:cNvPr id="176" name="CustomShape 10"/>
+          <p:cNvPr id="236" name="CustomShape 10"/>
           <p:cNvSpPr/>
           <p:nvPr/>
         </p:nvSpPr>
         <p:spPr>
           <a:xfrm>
             <a:off x="7406640" y="2514600"/>
-            <a:ext cx="639720" cy="221040"/>
+            <a:ext cx="639000" cy="220320"/>
           </a:xfrm>
           <a:prstGeom prst="rect">
             <a:avLst/>
@@ -7301,7 +8155,11 @@
             </a:pPr>
             <a:r>
               <a:rPr b="0" lang="en-US" sz="1100" spc="-1" strike="noStrike">
+                <a:solidFill>
+                  <a:srgbClr val="000000"/>
+                </a:solidFill>
                 <a:latin typeface="Arial"/>
+                <a:ea typeface="DejaVu Sans"/>
               </a:rPr>
               <a:t>build</a:t>
             </a:r>
@@ -7313,14 +8171,14 @@
       </p:sp>
       <p:sp>
         <p:nvSpPr>
-          <p:cNvPr id="177" name="CustomShape 11"/>
+          <p:cNvPr id="237" name="CustomShape 11"/>
           <p:cNvSpPr/>
           <p:nvPr/>
         </p:nvSpPr>
         <p:spPr>
           <a:xfrm>
             <a:off x="9144000" y="2521800"/>
-            <a:ext cx="639720" cy="221040"/>
+            <a:ext cx="639000" cy="220320"/>
           </a:xfrm>
           <a:prstGeom prst="rect">
             <a:avLst/>
@@ -7346,7 +8204,11 @@
             </a:pPr>
             <a:r>
               <a:rPr b="0" lang="en-US" sz="1100" spc="-1" strike="noStrike">
+                <a:solidFill>
+                  <a:srgbClr val="000000"/>
+                </a:solidFill>
                 <a:latin typeface="Arial"/>
+                <a:ea typeface="DejaVu Sans"/>
               </a:rPr>
               <a:t>deploy</a:t>
             </a:r>
@@ -7358,14 +8220,14 @@
       </p:sp>
       <p:sp>
         <p:nvSpPr>
-          <p:cNvPr id="178" name="CustomShape 12"/>
+          <p:cNvPr id="238" name="CustomShape 12"/>
           <p:cNvSpPr/>
           <p:nvPr/>
         </p:nvSpPr>
         <p:spPr>
           <a:xfrm>
             <a:off x="7223760" y="3657600"/>
-            <a:ext cx="4297320" cy="304920"/>
+            <a:ext cx="4296600" cy="304200"/>
           </a:xfrm>
           <a:prstGeom prst="rect">
             <a:avLst/>
@@ -7391,7 +8253,11 @@
             </a:pPr>
             <a:r>
               <a:rPr b="0" lang="en-US" sz="1800" spc="-1" strike="noStrike">
+                <a:solidFill>
+                  <a:srgbClr val="000000"/>
+                </a:solidFill>
                 <a:latin typeface="Arial"/>
+                <a:ea typeface="DejaVu Sans"/>
               </a:rPr>
               <a:t>TRAVIS CONTINUOUS INTEGRATION</a:t>
             </a:r>
@@ -7406,10 +8272,10 @@
   <p:timing>
     <p:tnLst>
       <p:par>
-        <p:cTn id="27" dur="indefinite" restart="never" nodeType="tmRoot">
+        <p:cTn id="79" dur="indefinite" restart="never" nodeType="tmRoot">
           <p:childTnLst>
             <p:seq>
-              <p:cTn id="28" dur="indefinite" nodeType="mainSeq"/>
+              <p:cTn id="80" dur="indefinite" nodeType="mainSeq"/>
               <p:prevCondLst>
                 <p:cond delay="0" evt="onPrev">
                   <p:tgtEl>
@@ -7452,14 +8318,14 @@
       </p:grpSpPr>
       <p:sp>
         <p:nvSpPr>
-          <p:cNvPr id="179" name="CustomShape 1"/>
+          <p:cNvPr id="239" name="CustomShape 1"/>
           <p:cNvSpPr/>
           <p:nvPr/>
         </p:nvSpPr>
         <p:spPr>
           <a:xfrm>
             <a:off x="809640" y="447120"/>
-            <a:ext cx="10570320" cy="968760"/>
+            <a:ext cx="10569600" cy="968040"/>
           </a:xfrm>
           <a:prstGeom prst="rect">
             <a:avLst/>
@@ -7501,14 +8367,14 @@
       </p:sp>
       <p:sp>
         <p:nvSpPr>
-          <p:cNvPr id="180" name="CustomShape 2"/>
+          <p:cNvPr id="240" name="CustomShape 2"/>
           <p:cNvSpPr/>
           <p:nvPr/>
         </p:nvSpPr>
         <p:spPr>
           <a:xfrm>
             <a:off x="480240" y="2227320"/>
-            <a:ext cx="10899360" cy="4363560"/>
+            <a:ext cx="10898640" cy="4362840"/>
           </a:xfrm>
           <a:prstGeom prst="rect">
             <a:avLst/>
@@ -7550,14 +8416,14 @@
       </p:sp>
       <p:sp>
         <p:nvSpPr>
-          <p:cNvPr id="181" name="CustomShape 3"/>
+          <p:cNvPr id="241" name="CustomShape 3"/>
           <p:cNvSpPr/>
           <p:nvPr/>
         </p:nvSpPr>
         <p:spPr>
           <a:xfrm>
             <a:off x="10677960" y="5915880"/>
-            <a:ext cx="1060200" cy="488880"/>
+            <a:ext cx="1059480" cy="488160"/>
           </a:xfrm>
           <a:prstGeom prst="rect">
             <a:avLst/>
@@ -7581,7 +8447,7 @@
                 <a:spcPct val="100000"/>
               </a:lnSpc>
             </a:pPr>
-            <a:fld id="{73BA5E68-2905-4AF7-BD31-6F327684CAA6}" type="slidenum">
+            <a:fld id="{7523FC22-3ABB-4BD6-AF7C-163B09DB53DE}" type="slidenum">
               <a:rPr b="0" lang="en-US" sz="2000" spc="-1" strike="noStrike">
                 <a:solidFill>
                   <a:srgbClr val="00c6bb"/>
@@ -7589,7 +8455,7 @@
                 <a:latin typeface="Century Gothic"/>
                 <a:ea typeface="DejaVu Sans"/>
               </a:rPr>
-              <a:t>1</a:t>
+              <a:t>&lt;number&gt;</a:t>
             </a:fld>
             <a:endParaRPr b="0" lang="en-US" sz="2000" spc="-1" strike="noStrike">
               <a:latin typeface="Arial"/>
@@ -7599,7 +8465,7 @@
       </p:sp>
       <p:pic>
         <p:nvPicPr>
-          <p:cNvPr id="182" name="" descr=""/>
+          <p:cNvPr id="242" name="" descr=""/>
           <p:cNvPicPr/>
           <p:nvPr/>
         </p:nvPicPr>
@@ -7610,7 +8476,7 @@
         <p:spPr>
           <a:xfrm>
             <a:off x="4317120" y="2834640"/>
-            <a:ext cx="2814120" cy="2385360"/>
+            <a:ext cx="2813400" cy="2384640"/>
           </a:xfrm>
           <a:prstGeom prst="rect">
             <a:avLst/>
@@ -7625,10 +8491,10 @@
   <p:timing>
     <p:tnLst>
       <p:par>
-        <p:cTn id="29" dur="indefinite" restart="never" nodeType="tmRoot">
+        <p:cTn id="81" dur="indefinite" restart="never" nodeType="tmRoot">
           <p:childTnLst>
             <p:seq>
-              <p:cTn id="30" dur="indefinite" nodeType="mainSeq"/>
+              <p:cTn id="82" dur="indefinite" nodeType="mainSeq"/>
               <p:prevCondLst>
                 <p:cond delay="0" evt="onPrev">
                   <p:tgtEl>
@@ -7671,14 +8537,14 @@
       </p:grpSpPr>
       <p:sp>
         <p:nvSpPr>
-          <p:cNvPr id="183" name="CustomShape 1"/>
+          <p:cNvPr id="243" name="CustomShape 1"/>
           <p:cNvSpPr/>
           <p:nvPr/>
         </p:nvSpPr>
         <p:spPr>
           <a:xfrm>
             <a:off x="809640" y="447120"/>
-            <a:ext cx="10570320" cy="968760"/>
+            <a:ext cx="10569600" cy="968040"/>
           </a:xfrm>
           <a:prstGeom prst="rect">
             <a:avLst/>
@@ -7720,14 +8586,14 @@
       </p:sp>
       <p:sp>
         <p:nvSpPr>
-          <p:cNvPr id="184" name="CustomShape 2"/>
+          <p:cNvPr id="244" name="CustomShape 2"/>
           <p:cNvSpPr/>
           <p:nvPr/>
         </p:nvSpPr>
         <p:spPr>
           <a:xfrm>
             <a:off x="10677960" y="5915880"/>
-            <a:ext cx="1060200" cy="488880"/>
+            <a:ext cx="1059480" cy="488160"/>
           </a:xfrm>
           <a:prstGeom prst="rect">
             <a:avLst/>
@@ -7751,7 +8617,7 @@
                 <a:spcPct val="100000"/>
               </a:lnSpc>
             </a:pPr>
-            <a:fld id="{AA4458A2-A569-404B-AEC0-9656080BF231}" type="slidenum">
+            <a:fld id="{B73AD055-1865-4371-AFA8-D6D752386D9B}" type="slidenum">
               <a:rPr b="0" lang="en-US" sz="2000" spc="-1" strike="noStrike">
                 <a:solidFill>
                   <a:srgbClr val="00c6bb"/>
@@ -7759,7 +8625,7 @@
                 <a:latin typeface="Century Gothic"/>
                 <a:ea typeface="DejaVu Sans"/>
               </a:rPr>
-              <a:t>1</a:t>
+              <a:t>&lt;number&gt;</a:t>
             </a:fld>
             <a:endParaRPr b="0" lang="en-US" sz="2000" spc="-1" strike="noStrike">
               <a:latin typeface="Arial"/>
@@ -7769,14 +8635,14 @@
       </p:sp>
       <p:sp>
         <p:nvSpPr>
-          <p:cNvPr id="185" name="CustomShape 3"/>
+          <p:cNvPr id="245" name="CustomShape 3"/>
           <p:cNvSpPr/>
           <p:nvPr/>
         </p:nvSpPr>
         <p:spPr>
           <a:xfrm>
             <a:off x="809640" y="2179080"/>
-            <a:ext cx="10368720" cy="4226040"/>
+            <a:ext cx="10368000" cy="4225320"/>
           </a:xfrm>
           <a:prstGeom prst="rect">
             <a:avLst/>
@@ -7818,7 +8684,7 @@
       </p:sp>
       <p:pic>
         <p:nvPicPr>
-          <p:cNvPr id="186" name="" descr=""/>
+          <p:cNvPr id="246" name="" descr=""/>
           <p:cNvPicPr/>
           <p:nvPr/>
         </p:nvPicPr>
@@ -7829,7 +8695,7 @@
         <p:spPr>
           <a:xfrm>
             <a:off x="276120" y="1556640"/>
-            <a:ext cx="11647080" cy="5756760"/>
+            <a:ext cx="11646360" cy="5756040"/>
           </a:xfrm>
           <a:prstGeom prst="rect">
             <a:avLst/>
@@ -7844,10 +8710,10 @@
   <p:timing>
     <p:tnLst>
       <p:par>
-        <p:cTn id="31" dur="indefinite" restart="never" nodeType="tmRoot">
+        <p:cTn id="83" dur="indefinite" restart="never" nodeType="tmRoot">
           <p:childTnLst>
             <p:seq>
-              <p:cTn id="32" dur="indefinite" nodeType="mainSeq"/>
+              <p:cTn id="84" dur="indefinite" nodeType="mainSeq"/>
               <p:prevCondLst>
                 <p:cond delay="0" evt="onPrev">
                   <p:tgtEl>
@@ -7890,14 +8756,14 @@
       </p:grpSpPr>
       <p:sp>
         <p:nvSpPr>
-          <p:cNvPr id="187" name="CustomShape 1"/>
+          <p:cNvPr id="247" name="CustomShape 1"/>
           <p:cNvSpPr/>
           <p:nvPr/>
         </p:nvSpPr>
         <p:spPr>
           <a:xfrm>
             <a:off x="809640" y="447120"/>
-            <a:ext cx="10570320" cy="968760"/>
+            <a:ext cx="10569600" cy="968040"/>
           </a:xfrm>
           <a:prstGeom prst="rect">
             <a:avLst/>
@@ -7939,14 +8805,14 @@
       </p:sp>
       <p:sp>
         <p:nvSpPr>
-          <p:cNvPr id="188" name="CustomShape 2"/>
+          <p:cNvPr id="248" name="CustomShape 2"/>
           <p:cNvSpPr/>
           <p:nvPr/>
         </p:nvSpPr>
         <p:spPr>
           <a:xfrm>
             <a:off x="10677960" y="5915880"/>
-            <a:ext cx="1060200" cy="488880"/>
+            <a:ext cx="1059480" cy="488160"/>
           </a:xfrm>
           <a:prstGeom prst="rect">
             <a:avLst/>
@@ -7970,7 +8836,7 @@
                 <a:spcPct val="100000"/>
               </a:lnSpc>
             </a:pPr>
-            <a:fld id="{C2A42F26-D850-4437-AF98-3799E3E3922F}" type="slidenum">
+            <a:fld id="{CB3CC623-F5E6-45E7-8EA3-5CB1AFB19AE2}" type="slidenum">
               <a:rPr b="0" lang="en-US" sz="2000" spc="-1" strike="noStrike">
                 <a:solidFill>
                   <a:srgbClr val="00c6bb"/>
@@ -7978,7 +8844,7 @@
                 <a:latin typeface="Century Gothic"/>
                 <a:ea typeface="DejaVu Sans"/>
               </a:rPr>
-              <a:t>1</a:t>
+              <a:t>&lt;number&gt;</a:t>
             </a:fld>
             <a:endParaRPr b="0" lang="en-US" sz="2000" spc="-1" strike="noStrike">
               <a:latin typeface="Arial"/>
@@ -7988,14 +8854,14 @@
       </p:sp>
       <p:sp>
         <p:nvSpPr>
-          <p:cNvPr id="189" name="CustomShape 3"/>
+          <p:cNvPr id="249" name="CustomShape 3"/>
           <p:cNvSpPr/>
           <p:nvPr/>
         </p:nvSpPr>
         <p:spPr>
           <a:xfrm>
             <a:off x="809640" y="2179080"/>
-            <a:ext cx="10368720" cy="4226040"/>
+            <a:ext cx="10368000" cy="4225320"/>
           </a:xfrm>
           <a:prstGeom prst="rect">
             <a:avLst/>
@@ -8037,7 +8903,7 @@
       </p:sp>
       <p:pic>
         <p:nvPicPr>
-          <p:cNvPr id="190" name="" descr=""/>
+          <p:cNvPr id="250" name="" descr=""/>
           <p:cNvPicPr/>
           <p:nvPr/>
         </p:nvPicPr>
@@ -8048,7 +8914,7 @@
         <p:spPr>
           <a:xfrm>
             <a:off x="275040" y="1555560"/>
-            <a:ext cx="11649600" cy="5758920"/>
+            <a:ext cx="11648880" cy="5758200"/>
           </a:xfrm>
           <a:prstGeom prst="rect">
             <a:avLst/>
@@ -8063,10 +8929,10 @@
   <p:timing>
     <p:tnLst>
       <p:par>
-        <p:cTn id="33" dur="indefinite" restart="never" nodeType="tmRoot">
+        <p:cTn id="85" dur="indefinite" restart="never" nodeType="tmRoot">
           <p:childTnLst>
             <p:seq>
-              <p:cTn id="34" dur="indefinite" nodeType="mainSeq"/>
+              <p:cTn id="86" dur="indefinite" nodeType="mainSeq"/>
               <p:prevCondLst>
                 <p:cond delay="0" evt="onPrev">
                   <p:tgtEl>
@@ -8109,14 +8975,14 @@
       </p:grpSpPr>
       <p:sp>
         <p:nvSpPr>
-          <p:cNvPr id="191" name="CustomShape 1"/>
+          <p:cNvPr id="251" name="CustomShape 1"/>
           <p:cNvSpPr/>
           <p:nvPr/>
         </p:nvSpPr>
         <p:spPr>
           <a:xfrm>
             <a:off x="809640" y="447120"/>
-            <a:ext cx="10570320" cy="968760"/>
+            <a:ext cx="10569600" cy="968040"/>
           </a:xfrm>
           <a:prstGeom prst="rect">
             <a:avLst/>
@@ -8158,14 +9024,14 @@
       </p:sp>
       <p:sp>
         <p:nvSpPr>
-          <p:cNvPr id="192" name="CustomShape 2"/>
+          <p:cNvPr id="252" name="CustomShape 2"/>
           <p:cNvSpPr/>
           <p:nvPr/>
         </p:nvSpPr>
         <p:spPr>
           <a:xfrm>
             <a:off x="10677960" y="5915880"/>
-            <a:ext cx="1060200" cy="488880"/>
+            <a:ext cx="1059480" cy="488160"/>
           </a:xfrm>
           <a:prstGeom prst="rect">
             <a:avLst/>
@@ -8189,7 +9055,7 @@
                 <a:spcPct val="100000"/>
               </a:lnSpc>
             </a:pPr>
-            <a:fld id="{2B58E9B4-A788-41C8-8C39-8EE386679904}" type="slidenum">
+            <a:fld id="{F69F79A1-FD3B-4ADF-864F-9C1F4088B46C}" type="slidenum">
               <a:rPr b="0" lang="en-US" sz="2000" spc="-1" strike="noStrike">
                 <a:solidFill>
                   <a:srgbClr val="00c6bb"/>
@@ -8197,7 +9063,7 @@
                 <a:latin typeface="Century Gothic"/>
                 <a:ea typeface="DejaVu Sans"/>
               </a:rPr>
-              <a:t>1</a:t>
+              <a:t>&lt;number&gt;</a:t>
             </a:fld>
             <a:endParaRPr b="0" lang="en-US" sz="2000" spc="-1" strike="noStrike">
               <a:latin typeface="Arial"/>
@@ -8207,14 +9073,14 @@
       </p:sp>
       <p:sp>
         <p:nvSpPr>
-          <p:cNvPr id="193" name="CustomShape 3"/>
+          <p:cNvPr id="253" name="CustomShape 3"/>
           <p:cNvSpPr/>
           <p:nvPr/>
         </p:nvSpPr>
         <p:spPr>
           <a:xfrm>
             <a:off x="809640" y="2179080"/>
-            <a:ext cx="10368720" cy="4226040"/>
+            <a:ext cx="10368000" cy="4225320"/>
           </a:xfrm>
           <a:prstGeom prst="rect">
             <a:avLst/>
@@ -8256,7 +9122,7 @@
       </p:sp>
       <p:pic>
         <p:nvPicPr>
-          <p:cNvPr id="194" name="" descr=""/>
+          <p:cNvPr id="254" name="" descr=""/>
           <p:cNvPicPr/>
           <p:nvPr/>
         </p:nvPicPr>
@@ -8267,7 +9133,7 @@
         <p:spPr>
           <a:xfrm>
             <a:off x="275400" y="1555920"/>
-            <a:ext cx="11648520" cy="5758200"/>
+            <a:ext cx="11647800" cy="5757480"/>
           </a:xfrm>
           <a:prstGeom prst="rect">
             <a:avLst/>
@@ -8282,10 +9148,10 @@
   <p:timing>
     <p:tnLst>
       <p:par>
-        <p:cTn id="35" dur="indefinite" restart="never" nodeType="tmRoot">
+        <p:cTn id="87" dur="indefinite" restart="never" nodeType="tmRoot">
           <p:childTnLst>
             <p:seq>
-              <p:cTn id="36" dur="indefinite" nodeType="mainSeq"/>
+              <p:cTn id="88" dur="indefinite" nodeType="mainSeq"/>
               <p:prevCondLst>
                 <p:cond delay="0" evt="onPrev">
                   <p:tgtEl>
@@ -8328,14 +9194,14 @@
       </p:grpSpPr>
       <p:sp>
         <p:nvSpPr>
-          <p:cNvPr id="195" name="CustomShape 1"/>
+          <p:cNvPr id="255" name="CustomShape 1"/>
           <p:cNvSpPr/>
           <p:nvPr/>
         </p:nvSpPr>
         <p:spPr>
           <a:xfrm>
             <a:off x="809640" y="447120"/>
-            <a:ext cx="10570320" cy="968760"/>
+            <a:ext cx="10569600" cy="968040"/>
           </a:xfrm>
           <a:prstGeom prst="rect">
             <a:avLst/>
@@ -8377,14 +9243,14 @@
       </p:sp>
       <p:sp>
         <p:nvSpPr>
-          <p:cNvPr id="196" name="CustomShape 2"/>
+          <p:cNvPr id="256" name="CustomShape 2"/>
           <p:cNvSpPr/>
           <p:nvPr/>
         </p:nvSpPr>
         <p:spPr>
           <a:xfrm>
             <a:off x="10677960" y="5915880"/>
-            <a:ext cx="1060200" cy="488880"/>
+            <a:ext cx="1059480" cy="488160"/>
           </a:xfrm>
           <a:prstGeom prst="rect">
             <a:avLst/>
@@ -8408,7 +9274,7 @@
                 <a:spcPct val="100000"/>
               </a:lnSpc>
             </a:pPr>
-            <a:fld id="{47736E0F-D75F-4962-88A6-3542582839C3}" type="slidenum">
+            <a:fld id="{C60B8A65-2126-4419-9086-2B33BF7354CC}" type="slidenum">
               <a:rPr b="0" lang="en-US" sz="2000" spc="-1" strike="noStrike">
                 <a:solidFill>
                   <a:srgbClr val="00c6bb"/>
@@ -8416,7 +9282,7 @@
                 <a:latin typeface="Century Gothic"/>
                 <a:ea typeface="DejaVu Sans"/>
               </a:rPr>
-              <a:t>1</a:t>
+              <a:t>&lt;number&gt;</a:t>
             </a:fld>
             <a:endParaRPr b="0" lang="en-US" sz="2000" spc="-1" strike="noStrike">
               <a:latin typeface="Arial"/>
@@ -8426,14 +9292,14 @@
       </p:sp>
       <p:sp>
         <p:nvSpPr>
-          <p:cNvPr id="197" name="CustomShape 3"/>
+          <p:cNvPr id="257" name="CustomShape 3"/>
           <p:cNvSpPr/>
           <p:nvPr/>
         </p:nvSpPr>
         <p:spPr>
           <a:xfrm>
             <a:off x="809640" y="2179080"/>
-            <a:ext cx="10368720" cy="4226040"/>
+            <a:ext cx="10368000" cy="4225320"/>
           </a:xfrm>
           <a:prstGeom prst="rect">
             <a:avLst/>
@@ -8475,7 +9341,7 @@
       </p:sp>
       <p:pic>
         <p:nvPicPr>
-          <p:cNvPr id="198" name="" descr=""/>
+          <p:cNvPr id="258" name="" descr=""/>
           <p:cNvPicPr/>
           <p:nvPr/>
         </p:nvPicPr>
@@ -8486,7 +9352,7 @@
         <p:spPr>
           <a:xfrm>
             <a:off x="275760" y="1556280"/>
-            <a:ext cx="11647440" cy="5757480"/>
+            <a:ext cx="11646720" cy="5756760"/>
           </a:xfrm>
           <a:prstGeom prst="rect">
             <a:avLst/>
@@ -8501,10 +9367,10 @@
   <p:timing>
     <p:tnLst>
       <p:par>
-        <p:cTn id="37" dur="indefinite" restart="never" nodeType="tmRoot">
+        <p:cTn id="89" dur="indefinite" restart="never" nodeType="tmRoot">
           <p:childTnLst>
             <p:seq>
-              <p:cTn id="38" dur="indefinite" nodeType="mainSeq"/>
+              <p:cTn id="90" dur="indefinite" nodeType="mainSeq"/>
               <p:prevCondLst>
                 <p:cond delay="0" evt="onPrev">
                   <p:tgtEl>
@@ -8554,7 +9420,7 @@
         <p:spPr>
           <a:xfrm>
             <a:off x="809640" y="447120"/>
-            <a:ext cx="10570320" cy="968760"/>
+            <a:ext cx="10569600" cy="968040"/>
           </a:xfrm>
           <a:prstGeom prst="rect">
             <a:avLst/>
@@ -8603,7 +9469,7 @@
         <p:spPr>
           <a:xfrm>
             <a:off x="480240" y="2227320"/>
-            <a:ext cx="10899360" cy="4363560"/>
+            <a:ext cx="10898640" cy="4362840"/>
           </a:xfrm>
           <a:prstGeom prst="rect">
             <a:avLst/>
@@ -8622,7 +9488,7 @@
         <p:txBody>
           <a:bodyPr lIns="90000" rIns="90000" tIns="45000" bIns="45000" anchor="ctr"/>
           <a:p>
-            <a:pPr marL="514440" indent="-512640">
+            <a:pPr marL="514440" indent="-511920">
               <a:lnSpc>
                 <a:spcPct val="100000"/>
               </a:lnSpc>
@@ -8647,7 +9513,7 @@
             </a:endParaRPr>
           </a:p>
           <a:p>
-            <a:pPr marL="514440" indent="-512640">
+            <a:pPr marL="514440" indent="-511920">
               <a:lnSpc>
                 <a:spcPct val="100000"/>
               </a:lnSpc>
@@ -8672,7 +9538,7 @@
             </a:endParaRPr>
           </a:p>
           <a:p>
-            <a:pPr marL="514440" indent="-512640">
+            <a:pPr marL="514440" indent="-511920">
               <a:lnSpc>
                 <a:spcPct val="100000"/>
               </a:lnSpc>
@@ -8697,7 +9563,7 @@
             </a:endParaRPr>
           </a:p>
           <a:p>
-            <a:pPr marL="514440" indent="-512640">
+            <a:pPr marL="514440" indent="-511920">
               <a:lnSpc>
                 <a:spcPct val="100000"/>
               </a:lnSpc>
@@ -8742,7 +9608,7 @@
         <p:spPr>
           <a:xfrm>
             <a:off x="10677960" y="5915880"/>
-            <a:ext cx="1060200" cy="488880"/>
+            <a:ext cx="1059480" cy="488160"/>
           </a:xfrm>
           <a:prstGeom prst="rect">
             <a:avLst/>
@@ -8766,7 +9632,7 @@
                 <a:spcPct val="100000"/>
               </a:lnSpc>
             </a:pPr>
-            <a:fld id="{813F57A3-7C1C-4BD8-A2AE-3128E2C59D20}" type="slidenum">
+            <a:fld id="{2C4D7335-2640-4804-BF7F-0E1145D7F039}" type="slidenum">
               <a:rPr b="0" lang="en-US" sz="2000" spc="-1" strike="noStrike">
                 <a:solidFill>
                   <a:srgbClr val="00c6bb"/>
@@ -8833,14 +9699,14 @@
       </p:grpSpPr>
       <p:sp>
         <p:nvSpPr>
-          <p:cNvPr id="199" name="CustomShape 1"/>
+          <p:cNvPr id="259" name="CustomShape 1"/>
           <p:cNvSpPr/>
           <p:nvPr/>
         </p:nvSpPr>
         <p:spPr>
           <a:xfrm>
             <a:off x="809640" y="447120"/>
-            <a:ext cx="10570320" cy="968760"/>
+            <a:ext cx="10569600" cy="968040"/>
           </a:xfrm>
           <a:prstGeom prst="rect">
             <a:avLst/>
@@ -8882,14 +9748,14 @@
       </p:sp>
       <p:sp>
         <p:nvSpPr>
-          <p:cNvPr id="200" name="CustomShape 2"/>
+          <p:cNvPr id="260" name="CustomShape 2"/>
           <p:cNvSpPr/>
           <p:nvPr/>
         </p:nvSpPr>
         <p:spPr>
           <a:xfrm>
             <a:off x="10677960" y="5915880"/>
-            <a:ext cx="1060200" cy="488880"/>
+            <a:ext cx="1059480" cy="488160"/>
           </a:xfrm>
           <a:prstGeom prst="rect">
             <a:avLst/>
@@ -8913,7 +9779,7 @@
                 <a:spcPct val="100000"/>
               </a:lnSpc>
             </a:pPr>
-            <a:fld id="{86801B05-E085-4332-8540-DF6EB0F75F9B}" type="slidenum">
+            <a:fld id="{6A13CB71-BA90-473F-A998-97DA201D4624}" type="slidenum">
               <a:rPr b="0" lang="en-US" sz="2000" spc="-1" strike="noStrike">
                 <a:solidFill>
                   <a:srgbClr val="00c6bb"/>
@@ -8921,7 +9787,7 @@
                 <a:latin typeface="Century Gothic"/>
                 <a:ea typeface="DejaVu Sans"/>
               </a:rPr>
-              <a:t>1</a:t>
+              <a:t>&lt;number&gt;</a:t>
             </a:fld>
             <a:endParaRPr b="0" lang="en-US" sz="2000" spc="-1" strike="noStrike">
               <a:latin typeface="Arial"/>
@@ -8931,14 +9797,14 @@
       </p:sp>
       <p:sp>
         <p:nvSpPr>
-          <p:cNvPr id="201" name="CustomShape 3"/>
+          <p:cNvPr id="261" name="CustomShape 3"/>
           <p:cNvSpPr/>
           <p:nvPr/>
         </p:nvSpPr>
         <p:spPr>
           <a:xfrm>
             <a:off x="809640" y="2179080"/>
-            <a:ext cx="10368720" cy="4226040"/>
+            <a:ext cx="10368000" cy="4225320"/>
           </a:xfrm>
           <a:prstGeom prst="rect">
             <a:avLst/>
@@ -8980,7 +9846,7 @@
       </p:sp>
       <p:pic>
         <p:nvPicPr>
-          <p:cNvPr id="202" name="" descr=""/>
+          <p:cNvPr id="262" name="" descr=""/>
           <p:cNvPicPr/>
           <p:nvPr/>
         </p:nvPicPr>
@@ -8991,7 +9857,7 @@
         <p:spPr>
           <a:xfrm>
             <a:off x="276840" y="1557000"/>
-            <a:ext cx="11644920" cy="5755680"/>
+            <a:ext cx="11644200" cy="5754960"/>
           </a:xfrm>
           <a:prstGeom prst="rect">
             <a:avLst/>
@@ -9006,10 +9872,10 @@
   <p:timing>
     <p:tnLst>
       <p:par>
-        <p:cTn id="39" dur="indefinite" restart="never" nodeType="tmRoot">
+        <p:cTn id="91" dur="indefinite" restart="never" nodeType="tmRoot">
           <p:childTnLst>
             <p:seq>
-              <p:cTn id="40" dur="indefinite" nodeType="mainSeq"/>
+              <p:cTn id="92" dur="indefinite" nodeType="mainSeq"/>
               <p:prevCondLst>
                 <p:cond delay="0" evt="onPrev">
                   <p:tgtEl>
@@ -9052,14 +9918,14 @@
       </p:grpSpPr>
       <p:sp>
         <p:nvSpPr>
-          <p:cNvPr id="203" name="CustomShape 1"/>
+          <p:cNvPr id="263" name="CustomShape 1"/>
           <p:cNvSpPr/>
           <p:nvPr/>
         </p:nvSpPr>
         <p:spPr>
           <a:xfrm>
             <a:off x="809640" y="447120"/>
-            <a:ext cx="10570320" cy="968760"/>
+            <a:ext cx="10569600" cy="968040"/>
           </a:xfrm>
           <a:prstGeom prst="rect">
             <a:avLst/>
@@ -9101,14 +9967,14 @@
       </p:sp>
       <p:sp>
         <p:nvSpPr>
-          <p:cNvPr id="204" name="CustomShape 2"/>
+          <p:cNvPr id="264" name="CustomShape 2"/>
           <p:cNvSpPr/>
           <p:nvPr/>
         </p:nvSpPr>
         <p:spPr>
           <a:xfrm>
             <a:off x="10677960" y="5915880"/>
-            <a:ext cx="1060200" cy="488880"/>
+            <a:ext cx="1059480" cy="488160"/>
           </a:xfrm>
           <a:prstGeom prst="rect">
             <a:avLst/>
@@ -9132,7 +9998,7 @@
                 <a:spcPct val="100000"/>
               </a:lnSpc>
             </a:pPr>
-            <a:fld id="{36EBBC60-E3AC-4BFD-8B1C-06478B1BE118}" type="slidenum">
+            <a:fld id="{D77CA4E5-9E8F-4932-9338-2CE302F41060}" type="slidenum">
               <a:rPr b="0" lang="en-US" sz="2000" spc="-1" strike="noStrike">
                 <a:solidFill>
                   <a:srgbClr val="00c6bb"/>
@@ -9140,7 +10006,7 @@
                 <a:latin typeface="Century Gothic"/>
                 <a:ea typeface="DejaVu Sans"/>
               </a:rPr>
-              <a:t>1</a:t>
+              <a:t>&lt;number&gt;</a:t>
             </a:fld>
             <a:endParaRPr b="0" lang="en-US" sz="2000" spc="-1" strike="noStrike">
               <a:latin typeface="Arial"/>
@@ -9150,14 +10016,14 @@
       </p:sp>
       <p:sp>
         <p:nvSpPr>
-          <p:cNvPr id="205" name="CustomShape 3"/>
+          <p:cNvPr id="265" name="CustomShape 3"/>
           <p:cNvSpPr/>
           <p:nvPr/>
         </p:nvSpPr>
         <p:spPr>
           <a:xfrm>
             <a:off x="809640" y="2179080"/>
-            <a:ext cx="10368720" cy="4226040"/>
+            <a:ext cx="10368000" cy="4225320"/>
           </a:xfrm>
           <a:prstGeom prst="rect">
             <a:avLst/>
@@ -9199,7 +10065,7 @@
       </p:sp>
       <p:pic>
         <p:nvPicPr>
-          <p:cNvPr id="206" name="" descr=""/>
+          <p:cNvPr id="266" name="" descr=""/>
           <p:cNvPicPr/>
           <p:nvPr/>
         </p:nvPicPr>
@@ -9210,7 +10076,7 @@
         <p:spPr>
           <a:xfrm>
             <a:off x="277200" y="1557360"/>
-            <a:ext cx="11644200" cy="5754960"/>
+            <a:ext cx="11643480" cy="5754240"/>
           </a:xfrm>
           <a:prstGeom prst="rect">
             <a:avLst/>
@@ -9225,10 +10091,10 @@
   <p:timing>
     <p:tnLst>
       <p:par>
-        <p:cTn id="41" dur="indefinite" restart="never" nodeType="tmRoot">
+        <p:cTn id="93" dur="indefinite" restart="never" nodeType="tmRoot">
           <p:childTnLst>
             <p:seq>
-              <p:cTn id="42" dur="indefinite" nodeType="mainSeq"/>
+              <p:cTn id="94" dur="indefinite" nodeType="mainSeq"/>
               <p:prevCondLst>
                 <p:cond delay="0" evt="onPrev">
                   <p:tgtEl>
@@ -9278,7 +10144,7 @@
         <p:spPr>
           <a:xfrm>
             <a:off x="809640" y="447120"/>
-            <a:ext cx="10570320" cy="968760"/>
+            <a:ext cx="10569600" cy="968040"/>
           </a:xfrm>
           <a:prstGeom prst="rect">
             <a:avLst/>
@@ -9327,7 +10193,7 @@
         <p:spPr>
           <a:xfrm>
             <a:off x="10677960" y="5915880"/>
-            <a:ext cx="1060200" cy="488880"/>
+            <a:ext cx="1059480" cy="488160"/>
           </a:xfrm>
           <a:prstGeom prst="rect">
             <a:avLst/>
@@ -9351,7 +10217,7 @@
                 <a:spcPct val="100000"/>
               </a:lnSpc>
             </a:pPr>
-            <a:fld id="{0A2961CD-97E8-4394-8474-612134D5C8E8}" type="slidenum">
+            <a:fld id="{99A708A7-357E-4D19-A337-4096F5C79147}" type="slidenum">
               <a:rPr b="0" lang="en-US" sz="2000" spc="-1" strike="noStrike">
                 <a:solidFill>
                   <a:srgbClr val="00c6bb"/>
@@ -9376,7 +10242,7 @@
         <p:spPr>
           <a:xfrm>
             <a:off x="1463040" y="3566160"/>
-            <a:ext cx="914040" cy="1096920"/>
+            <a:ext cx="913320" cy="1096200"/>
           </a:xfrm>
           <a:prstGeom prst="foldedCorner">
             <a:avLst>
@@ -9451,7 +10317,7 @@
         <p:spPr>
           <a:xfrm>
             <a:off x="9326880" y="2103120"/>
-            <a:ext cx="822600" cy="1096920"/>
+            <a:ext cx="821880" cy="1096200"/>
           </a:xfrm>
           <a:prstGeom prst="foldedCorner">
             <a:avLst>
@@ -9506,7 +10372,7 @@
         <p:spPr>
           <a:xfrm>
             <a:off x="9326880" y="3566160"/>
-            <a:ext cx="822600" cy="1096920"/>
+            <a:ext cx="821880" cy="1096200"/>
           </a:xfrm>
           <a:prstGeom prst="foldedCorner">
             <a:avLst>
@@ -9561,7 +10427,7 @@
         <p:spPr>
           <a:xfrm>
             <a:off x="9326880" y="4937760"/>
-            <a:ext cx="822600" cy="1096920"/>
+            <a:ext cx="821880" cy="1096200"/>
           </a:xfrm>
           <a:prstGeom prst="foldedCorner">
             <a:avLst>
@@ -9615,8 +10481,8 @@
         </p:nvSpPr>
         <p:spPr>
           <a:xfrm rot="5400000">
-            <a:off x="1737720" y="4114800"/>
-            <a:ext cx="273960" cy="1554120"/>
+            <a:off x="1738440" y="4114800"/>
+            <a:ext cx="273240" cy="1553400"/>
           </a:xfrm>
           <a:custGeom>
             <a:avLst/>
@@ -9680,7 +10546,7 @@
         <p:spPr>
           <a:xfrm>
             <a:off x="-91440" y="5029200"/>
-            <a:ext cx="4023000" cy="1809360"/>
+            <a:ext cx="4022280" cy="1808640"/>
           </a:xfrm>
           <a:prstGeom prst="rect">
             <a:avLst/>
@@ -9706,7 +10572,11 @@
             </a:pPr>
             <a:r>
               <a:rPr b="0" lang="en-US" sz="1800" spc="-1" strike="noStrike">
+                <a:solidFill>
+                  <a:srgbClr val="000000"/>
+                </a:solidFill>
                 <a:latin typeface="Arial"/>
+                <a:ea typeface="DejaVu Sans"/>
               </a:rPr>
               <a:t>!! title</a:t>
             </a:r>
@@ -9722,7 +10592,11 @@
             </a:pPr>
             <a:r>
               <a:rPr b="0" lang="en-US" sz="1800" spc="-1" strike="noStrike">
+                <a:solidFill>
+                  <a:srgbClr val="000000"/>
+                </a:solidFill>
                 <a:latin typeface="Arial"/>
+                <a:ea typeface="DejaVu Sans"/>
               </a:rPr>
               <a:t>- list element 1</a:t>
             </a:r>
@@ -9738,7 +10612,11 @@
             </a:pPr>
             <a:r>
               <a:rPr b="0" lang="en-US" sz="1800" spc="-1" strike="noStrike">
+                <a:solidFill>
+                  <a:srgbClr val="000000"/>
+                </a:solidFill>
                 <a:latin typeface="Arial"/>
+                <a:ea typeface="DejaVu Sans"/>
               </a:rPr>
               <a:t>- list element 2</a:t>
             </a:r>
@@ -9754,7 +10632,11 @@
             </a:pPr>
             <a:r>
               <a:rPr b="0" lang="en-US" sz="1800" spc="-1" strike="noStrike">
+                <a:solidFill>
+                  <a:srgbClr val="000000"/>
+                </a:solidFill>
                 <a:latin typeface="Arial"/>
+                <a:ea typeface="DejaVu Sans"/>
               </a:rPr>
               <a:t>__underlined__</a:t>
             </a:r>
@@ -9775,6 +10657,7 @@
                 </a:solidFill>
                 <a:uFillTx/>
                 <a:latin typeface="Arial"/>
+                <a:ea typeface="DejaVu Sans"/>
                 <a:hlinkClick r:id="rId1"/>
               </a:rPr>
               <a:t>*@Internal</a:t>
@@ -9785,6 +10668,7 @@
                   <a:srgbClr val="0000ff"/>
                 </a:solidFill>
                 <a:latin typeface="Arial"/>
+                <a:ea typeface="DejaVu Sans"/>
               </a:rPr>
               <a:t> Link*</a:t>
             </a:r>
@@ -9804,6 +10688,7 @@
                   <a:srgbClr val="0000ff"/>
                 </a:solidFill>
                 <a:latin typeface="Arial"/>
+                <a:ea typeface="DejaVu Sans"/>
               </a:rPr>
               <a:t>${inputFile:path=MonRapport.pillar}$</a:t>
             </a:r>
@@ -9848,8 +10733,8 @@
         </p:nvSpPr>
         <p:spPr>
           <a:xfrm flipV="1">
-            <a:off x="6714000" y="1193760"/>
-            <a:ext cx="2612880" cy="1458000"/>
+            <a:off x="6675120" y="1199520"/>
+            <a:ext cx="2612160" cy="1457280"/>
           </a:xfrm>
           <a:prstGeom prst="curvedConnector3">
             <a:avLst>
@@ -9880,7 +10765,7 @@
         <p:spPr>
           <a:xfrm>
             <a:off x="6514200" y="4109760"/>
-            <a:ext cx="2812680" cy="5040"/>
+            <a:ext cx="2811960" cy="4320"/>
           </a:xfrm>
           <a:prstGeom prst="curvedConnector3">
             <a:avLst>
@@ -9911,7 +10796,7 @@
         <p:spPr>
           <a:xfrm>
             <a:off x="6594120" y="4103280"/>
-            <a:ext cx="2732760" cy="1383120"/>
+            <a:ext cx="2732040" cy="1382400"/>
           </a:xfrm>
           <a:prstGeom prst="curvedConnector3">
             <a:avLst>
@@ -9942,7 +10827,7 @@
         <p:spPr>
           <a:xfrm>
             <a:off x="3657600" y="3200400"/>
-            <a:ext cx="2834280" cy="1919880"/>
+            <a:ext cx="2833560" cy="1919160"/>
           </a:xfrm>
           <a:custGeom>
             <a:avLst/>
@@ -10181,7 +11066,7 @@
         <p:spPr>
           <a:xfrm>
             <a:off x="4480560" y="3657600"/>
-            <a:ext cx="1188360" cy="355320"/>
+            <a:ext cx="1187640" cy="354600"/>
           </a:xfrm>
           <a:prstGeom prst="rect">
             <a:avLst/>
@@ -10207,7 +11092,11 @@
             </a:pPr>
             <a:r>
               <a:rPr b="0" lang="en-US" sz="1800" spc="-1" strike="noStrike">
+                <a:solidFill>
+                  <a:srgbClr val="000000"/>
+                </a:solidFill>
                 <a:latin typeface="Cambrai"/>
+                <a:ea typeface="DejaVu Sans"/>
               </a:rPr>
               <a:t>Pillar</a:t>
             </a:r>
@@ -10275,7 +11164,7 @@
         <p:spPr>
           <a:xfrm>
             <a:off x="809640" y="447120"/>
-            <a:ext cx="10570320" cy="968760"/>
+            <a:ext cx="10569600" cy="968040"/>
           </a:xfrm>
           <a:prstGeom prst="rect">
             <a:avLst/>
@@ -10324,7 +11213,7 @@
         <p:spPr>
           <a:xfrm>
             <a:off x="809640" y="2350080"/>
-            <a:ext cx="10410480" cy="4226040"/>
+            <a:ext cx="10409760" cy="4225320"/>
           </a:xfrm>
           <a:prstGeom prst="rect">
             <a:avLst/>
@@ -10343,7 +11232,7 @@
         <p:txBody>
           <a:bodyPr lIns="90000" rIns="90000" tIns="45000" bIns="45000" anchor="ctr"/>
           <a:p>
-            <a:pPr marL="343080" indent="-341280">
+            <a:pPr marL="343080" indent="-340560">
               <a:lnSpc>
                 <a:spcPct val="100000"/>
               </a:lnSpc>
@@ -10374,7 +11263,7 @@
             </a:endParaRPr>
           </a:p>
           <a:p>
-            <a:pPr marL="343080" indent="-341280">
+            <a:pPr marL="343080" indent="-340560">
               <a:lnSpc>
                 <a:spcPct val="100000"/>
               </a:lnSpc>
@@ -10405,7 +11294,7 @@
             </a:endParaRPr>
           </a:p>
           <a:p>
-            <a:pPr marL="343080" indent="-341280">
+            <a:pPr marL="343080" indent="-340560">
               <a:lnSpc>
                 <a:spcPct val="100000"/>
               </a:lnSpc>
@@ -10436,7 +11325,7 @@
             </a:endParaRPr>
           </a:p>
           <a:p>
-            <a:pPr marL="343080" indent="-341280">
+            <a:pPr marL="343080" indent="-340560">
               <a:lnSpc>
                 <a:spcPct val="100000"/>
               </a:lnSpc>
@@ -10477,7 +11366,7 @@
         <p:spPr>
           <a:xfrm>
             <a:off x="10677960" y="5915880"/>
-            <a:ext cx="1060200" cy="488880"/>
+            <a:ext cx="1059480" cy="488160"/>
           </a:xfrm>
           <a:prstGeom prst="rect">
             <a:avLst/>
@@ -10501,7 +11390,7 @@
                 <a:spcPct val="100000"/>
               </a:lnSpc>
             </a:pPr>
-            <a:fld id="{773921FF-D7B8-4D5A-80BB-ED5CF01F348D}" type="slidenum">
+            <a:fld id="{73A29385-878F-41E1-8941-9A9BCBE7168E}" type="slidenum">
               <a:rPr b="0" lang="en-US" sz="2000" spc="-1" strike="noStrike">
                 <a:solidFill>
                   <a:srgbClr val="00c6bb"/>
@@ -10530,7 +11419,7 @@
         <p:spPr>
           <a:xfrm>
             <a:off x="6949440" y="2011680"/>
-            <a:ext cx="4762800" cy="3200400"/>
+            <a:ext cx="4762080" cy="3199680"/>
           </a:xfrm>
           <a:prstGeom prst="rect">
             <a:avLst/>
@@ -10598,7 +11487,7 @@
         <p:spPr>
           <a:xfrm>
             <a:off x="809640" y="447120"/>
-            <a:ext cx="10570320" cy="968760"/>
+            <a:ext cx="10569600" cy="968040"/>
           </a:xfrm>
           <a:prstGeom prst="rect">
             <a:avLst/>
@@ -10647,7 +11536,7 @@
         <p:spPr>
           <a:xfrm>
             <a:off x="809640" y="2178720"/>
-            <a:ext cx="10368720" cy="4226040"/>
+            <a:ext cx="10368000" cy="4225320"/>
           </a:xfrm>
           <a:prstGeom prst="rect">
             <a:avLst/>
@@ -10666,7 +11555,7 @@
         <p:txBody>
           <a:bodyPr lIns="90000" rIns="90000" tIns="45000" bIns="45000" anchor="ctr"/>
           <a:p>
-            <a:pPr marL="343080" indent="-341280" algn="just">
+            <a:pPr marL="343080" indent="-340560" algn="just">
               <a:lnSpc>
                 <a:spcPct val="150000"/>
               </a:lnSpc>
@@ -10691,7 +11580,7 @@
             </a:endParaRPr>
           </a:p>
           <a:p>
-            <a:pPr marL="343080" indent="-341280" algn="just">
+            <a:pPr marL="343080" indent="-340560" algn="just">
               <a:lnSpc>
                 <a:spcPct val="150000"/>
               </a:lnSpc>
@@ -10716,7 +11605,7 @@
             </a:endParaRPr>
           </a:p>
           <a:p>
-            <a:pPr marL="343080" indent="-341280" algn="just">
+            <a:pPr marL="343080" indent="-340560" algn="just">
               <a:lnSpc>
                 <a:spcPct val="150000"/>
               </a:lnSpc>
@@ -10741,7 +11630,7 @@
             </a:endParaRPr>
           </a:p>
           <a:p>
-            <a:pPr marL="343080" indent="-341280" algn="just">
+            <a:pPr marL="343080" indent="-340560" algn="just">
               <a:lnSpc>
                 <a:spcPct val="150000"/>
               </a:lnSpc>
@@ -10776,7 +11665,7 @@
         <p:spPr>
           <a:xfrm>
             <a:off x="10677960" y="5915880"/>
-            <a:ext cx="1060200" cy="488880"/>
+            <a:ext cx="1059480" cy="488160"/>
           </a:xfrm>
           <a:prstGeom prst="rect">
             <a:avLst/>
@@ -10800,7 +11689,7 @@
                 <a:spcPct val="100000"/>
               </a:lnSpc>
             </a:pPr>
-            <a:fld id="{DDC9E8AD-414B-4848-B0D9-76441A3AD613}" type="slidenum">
+            <a:fld id="{7FA37050-0FA4-43A9-A786-7F8E74D2F1E5}" type="slidenum">
               <a:rPr b="0" lang="en-US" sz="2000" spc="-1" strike="noStrike">
                 <a:solidFill>
                   <a:srgbClr val="00c6bb"/>
@@ -10874,7 +11763,7 @@
         <p:spPr>
           <a:xfrm>
             <a:off x="809640" y="447120"/>
-            <a:ext cx="10570320" cy="968760"/>
+            <a:ext cx="10569600" cy="968040"/>
           </a:xfrm>
           <a:prstGeom prst="rect">
             <a:avLst/>
@@ -10923,7 +11812,7 @@
         <p:spPr>
           <a:xfrm>
             <a:off x="809640" y="2178720"/>
-            <a:ext cx="10368720" cy="4226040"/>
+            <a:ext cx="10368000" cy="4225320"/>
           </a:xfrm>
           <a:prstGeom prst="rect">
             <a:avLst/>
@@ -10942,7 +11831,7 @@
         <p:txBody>
           <a:bodyPr lIns="90000" rIns="90000" tIns="45000" bIns="45000" anchor="ctr"/>
           <a:p>
-            <a:pPr marL="343080" indent="-341280" algn="just">
+            <a:pPr marL="343080" indent="-340560" algn="just">
               <a:lnSpc>
                 <a:spcPct val="150000"/>
               </a:lnSpc>
@@ -10967,7 +11856,7 @@
             </a:endParaRPr>
           </a:p>
           <a:p>
-            <a:pPr marL="343080" indent="-341280" algn="just">
+            <a:pPr marL="343080" indent="-340560" algn="just">
               <a:lnSpc>
                 <a:spcPct val="150000"/>
               </a:lnSpc>
@@ -10992,7 +11881,7 @@
             </a:endParaRPr>
           </a:p>
           <a:p>
-            <a:pPr marL="343080" indent="-341280" algn="just">
+            <a:pPr marL="343080" indent="-340560" algn="just">
               <a:lnSpc>
                 <a:spcPct val="150000"/>
               </a:lnSpc>
@@ -11027,7 +11916,7 @@
         <p:spPr>
           <a:xfrm>
             <a:off x="10677960" y="5915880"/>
-            <a:ext cx="1060200" cy="488880"/>
+            <a:ext cx="1059480" cy="488160"/>
           </a:xfrm>
           <a:prstGeom prst="rect">
             <a:avLst/>
@@ -11051,7 +11940,7 @@
                 <a:spcPct val="100000"/>
               </a:lnSpc>
             </a:pPr>
-            <a:fld id="{8756B0CF-D780-481B-A4E6-5586D7B619FE}" type="slidenum">
+            <a:fld id="{A54939F8-F636-42EA-8FFF-2B9F35B63599}" type="slidenum">
               <a:rPr b="0" lang="en-US" sz="2000" spc="-1" strike="noStrike">
                 <a:solidFill>
                   <a:srgbClr val="00c6bb"/>
@@ -11125,7 +12014,7 @@
         <p:spPr>
           <a:xfrm>
             <a:off x="809640" y="447120"/>
-            <a:ext cx="10570320" cy="968760"/>
+            <a:ext cx="10569600" cy="968040"/>
           </a:xfrm>
           <a:prstGeom prst="rect">
             <a:avLst/>
@@ -11174,7 +12063,7 @@
         <p:spPr>
           <a:xfrm>
             <a:off x="10677960" y="5915880"/>
-            <a:ext cx="1060200" cy="488880"/>
+            <a:ext cx="1059480" cy="488160"/>
           </a:xfrm>
           <a:prstGeom prst="rect">
             <a:avLst/>
@@ -11198,7 +12087,7 @@
                 <a:spcPct val="100000"/>
               </a:lnSpc>
             </a:pPr>
-            <a:fld id="{61EB596D-5209-46FC-A74A-3AD7F2172077}" type="slidenum">
+            <a:fld id="{8C49445A-1366-43F7-B320-043B4BCE32A2}" type="slidenum">
               <a:rPr b="0" lang="en-US" sz="2000" spc="-1" strike="noStrike">
                 <a:solidFill>
                   <a:srgbClr val="00c6bb"/>
@@ -11223,7 +12112,7 @@
         <p:spPr>
           <a:xfrm>
             <a:off x="809640" y="2179080"/>
-            <a:ext cx="10368720" cy="4226040"/>
+            <a:ext cx="10368000" cy="4225320"/>
           </a:xfrm>
           <a:prstGeom prst="rect">
             <a:avLst/>
@@ -11276,7 +12165,7 @@
         <p:spPr>
           <a:xfrm>
             <a:off x="274320" y="1555200"/>
-            <a:ext cx="11651400" cy="5759640"/>
+            <a:ext cx="11650680" cy="5758920"/>
           </a:xfrm>
           <a:prstGeom prst="rect">
             <a:avLst/>
@@ -11344,7 +12233,7 @@
         <p:spPr>
           <a:xfrm>
             <a:off x="809640" y="447120"/>
-            <a:ext cx="10570320" cy="968760"/>
+            <a:ext cx="10569600" cy="968040"/>
           </a:xfrm>
           <a:prstGeom prst="rect">
             <a:avLst/>
@@ -11376,117 +12265,7 @@
                 <a:latin typeface="Cambria"/>
                 <a:ea typeface="DejaVu Sans"/>
               </a:rPr>
-              <a:t>Pe</a:t>
-            </a:r>
-            <a:r>
-              <a:rPr b="1" lang="en-US" sz="4800" spc="-1" strike="noStrike">
-                <a:solidFill>
-                  <a:srgbClr val="000000"/>
-                </a:solidFill>
-                <a:latin typeface="Cambria"/>
-                <a:ea typeface="DejaVu Sans"/>
-              </a:rPr>
-              <a:t>rso</a:t>
-            </a:r>
-            <a:r>
-              <a:rPr b="1" lang="en-US" sz="4800" spc="-1" strike="noStrike">
-                <a:solidFill>
-                  <a:srgbClr val="000000"/>
-                </a:solidFill>
-                <a:latin typeface="Cambria"/>
-                <a:ea typeface="DejaVu Sans"/>
-              </a:rPr>
-              <a:t>nal </a:t>
-            </a:r>
-            <a:r>
-              <a:rPr b="1" lang="en-US" sz="4800" spc="-1" strike="noStrike">
-                <a:solidFill>
-                  <a:srgbClr val="000000"/>
-                </a:solidFill>
-                <a:latin typeface="Cambria"/>
-                <a:ea typeface="DejaVu Sans"/>
-              </a:rPr>
-              <a:t>Sit</a:t>
-            </a:r>
-            <a:r>
-              <a:rPr b="1" lang="en-US" sz="4800" spc="-1" strike="noStrike">
-                <a:solidFill>
-                  <a:srgbClr val="000000"/>
-                </a:solidFill>
-                <a:latin typeface="Cambria"/>
-                <a:ea typeface="DejaVu Sans"/>
-              </a:rPr>
-              <a:t>es </a:t>
-            </a:r>
-            <a:r>
-              <a:rPr b="1" lang="en-US" sz="4800" spc="-1" strike="noStrike">
-                <a:solidFill>
-                  <a:srgbClr val="000000"/>
-                </a:solidFill>
-                <a:latin typeface="Cambria"/>
-                <a:ea typeface="DejaVu Sans"/>
-              </a:rPr>
-              <a:t>Ar</a:t>
-            </a:r>
-            <a:r>
-              <a:rPr b="1" lang="en-US" sz="4800" spc="-1" strike="noStrike">
-                <a:solidFill>
-                  <a:srgbClr val="000000"/>
-                </a:solidFill>
-                <a:latin typeface="Cambria"/>
-                <a:ea typeface="DejaVu Sans"/>
-              </a:rPr>
-              <a:t>ch</a:t>
-            </a:r>
-            <a:r>
-              <a:rPr b="1" lang="en-US" sz="4800" spc="-1" strike="noStrike">
-                <a:solidFill>
-                  <a:srgbClr val="000000"/>
-                </a:solidFill>
-                <a:latin typeface="Cambria"/>
-                <a:ea typeface="DejaVu Sans"/>
-              </a:rPr>
-              <a:t>ety</a:t>
-            </a:r>
-            <a:r>
-              <a:rPr b="1" lang="en-US" sz="4800" spc="-1" strike="noStrike">
-                <a:solidFill>
-                  <a:srgbClr val="000000"/>
-                </a:solidFill>
-                <a:latin typeface="Cambria"/>
-                <a:ea typeface="DejaVu Sans"/>
-              </a:rPr>
-              <a:t>pe </a:t>
-            </a:r>
-            <a:r>
-              <a:rPr b="1" lang="en-US" sz="4800" spc="-1" strike="noStrike">
-                <a:solidFill>
-                  <a:srgbClr val="000000"/>
-                </a:solidFill>
-                <a:latin typeface="Cambria"/>
-                <a:ea typeface="DejaVu Sans"/>
-              </a:rPr>
-              <a:t>Ex</a:t>
-            </a:r>
-            <a:r>
-              <a:rPr b="1" lang="en-US" sz="4800" spc="-1" strike="noStrike">
-                <a:solidFill>
-                  <a:srgbClr val="000000"/>
-                </a:solidFill>
-                <a:latin typeface="Cambria"/>
-                <a:ea typeface="DejaVu Sans"/>
-              </a:rPr>
-              <a:t>am</a:t>
-            </a:r>
-            <a:r>
-              <a:rPr b="1" lang="en-US" sz="4800" spc="-1" strike="noStrike">
-                <a:solidFill>
-                  <a:srgbClr val="000000"/>
-                </a:solidFill>
-                <a:latin typeface="Cambria"/>
-                <a:ea typeface="DejaVu Sans"/>
-              </a:rPr>
-              <a:t>ple</a:t>
+              <a:t>Personal Sites Archetype Example</a:t>
             </a:r>
             <a:endParaRPr b="0" lang="en-US" sz="4800" spc="-1" strike="noStrike">
               <a:latin typeface="Arial"/>
@@ -11503,7 +12282,7 @@
         <p:spPr>
           <a:xfrm>
             <a:off x="10677960" y="5915880"/>
-            <a:ext cx="1060200" cy="488880"/>
+            <a:ext cx="1059480" cy="488160"/>
           </a:xfrm>
           <a:prstGeom prst="rect">
             <a:avLst/>
@@ -11527,7 +12306,7 @@
                 <a:spcPct val="100000"/>
               </a:lnSpc>
             </a:pPr>
-            <a:fld id="{DE7263AE-EF1D-4484-AEE4-A91678F2B812}" type="slidenum">
+            <a:fld id="{28A80236-AD7C-437B-81F3-53067F46B20F}" type="slidenum">
               <a:rPr b="0" lang="en-US" sz="2000" spc="-1" strike="noStrike">
                 <a:solidFill>
                   <a:srgbClr val="00c6bb"/>
@@ -11552,7 +12331,7 @@
         <p:spPr>
           <a:xfrm>
             <a:off x="809640" y="2179080"/>
-            <a:ext cx="10368720" cy="4226040"/>
+            <a:ext cx="10368000" cy="4225320"/>
           </a:xfrm>
           <a:prstGeom prst="rect">
             <a:avLst/>
@@ -11605,7 +12384,7 @@
         <p:spPr>
           <a:xfrm>
             <a:off x="-2743200" y="2221200"/>
-            <a:ext cx="17244360" cy="8020080"/>
+            <a:ext cx="17243640" cy="8019360"/>
           </a:xfrm>
           <a:prstGeom prst="rect">
             <a:avLst/>
@@ -11664,39 +12443,16 @@
           <a:chExt cx="0" cy="0"/>
         </a:xfrm>
       </p:grpSpPr>
-      <p:pic>
-        <p:nvPicPr>
-          <p:cNvPr id="124" name="" descr=""/>
-          <p:cNvPicPr/>
-          <p:nvPr/>
-        </p:nvPicPr>
-        <p:blipFill>
-          <a:blip r:embed="rId1"/>
-          <a:stretch/>
-        </p:blipFill>
-        <p:spPr>
-          <a:xfrm>
-            <a:off x="274320" y="2195640"/>
-            <a:ext cx="6582600" cy="4022280"/>
-          </a:xfrm>
-          <a:prstGeom prst="rect">
-            <a:avLst/>
-          </a:prstGeom>
-          <a:ln>
-            <a:noFill/>
-          </a:ln>
-        </p:spPr>
-      </p:pic>
-      <p:sp>
-        <p:nvSpPr>
-          <p:cNvPr id="125" name="CustomShape 1"/>
+      <p:sp>
+        <p:nvSpPr>
+          <p:cNvPr id="124" name="CustomShape 1"/>
           <p:cNvSpPr/>
           <p:nvPr/>
         </p:nvSpPr>
         <p:spPr>
           <a:xfrm>
             <a:off x="809640" y="447120"/>
-            <a:ext cx="10570320" cy="968760"/>
+            <a:ext cx="10569600" cy="968040"/>
           </a:xfrm>
           <a:prstGeom prst="rect">
             <a:avLst/>
@@ -11738,14 +12494,14 @@
       </p:sp>
       <p:sp>
         <p:nvSpPr>
-          <p:cNvPr id="126" name="CustomShape 2"/>
+          <p:cNvPr id="125" name="CustomShape 2"/>
           <p:cNvSpPr/>
           <p:nvPr/>
         </p:nvSpPr>
         <p:spPr>
           <a:xfrm>
             <a:off x="10677960" y="5915880"/>
-            <a:ext cx="1060200" cy="488880"/>
+            <a:ext cx="1059480" cy="488160"/>
           </a:xfrm>
           <a:prstGeom prst="rect">
             <a:avLst/>
@@ -11769,7 +12525,7 @@
                 <a:spcPct val="100000"/>
               </a:lnSpc>
             </a:pPr>
-            <a:fld id="{104D66AA-FC05-4F75-B909-8E310ECBCC81}" type="slidenum">
+            <a:fld id="{E643DC95-53E9-4794-B0C6-09E079DF0BCB}" type="slidenum">
               <a:rPr b="0" lang="en-US" sz="2000" spc="-1" strike="noStrike">
                 <a:solidFill>
                   <a:srgbClr val="00c6bb"/>
@@ -11787,14 +12543,14 @@
       </p:sp>
       <p:sp>
         <p:nvSpPr>
-          <p:cNvPr id="127" name="CustomShape 3"/>
+          <p:cNvPr id="126" name="CustomShape 3"/>
           <p:cNvSpPr/>
           <p:nvPr/>
         </p:nvSpPr>
         <p:spPr>
           <a:xfrm>
-            <a:off x="809640" y="2179080"/>
-            <a:ext cx="10368720" cy="4226040"/>
+            <a:off x="457200" y="2087640"/>
+            <a:ext cx="10368000" cy="4225320"/>
           </a:xfrm>
           <a:prstGeom prst="rect">
             <a:avLst/>
@@ -11834,23 +12590,1352 @@
           </a:p>
         </p:txBody>
       </p:sp>
-      <p:sp>
-        <p:nvSpPr>
-          <p:cNvPr id="128" name="CustomShape 4"/>
+      <p:grpSp>
+        <p:nvGrpSpPr>
+          <p:cNvPr id="127" name="Group 4"/>
+          <p:cNvGrpSpPr/>
+          <p:nvPr/>
+        </p:nvGrpSpPr>
+        <p:grpSpPr>
+          <a:xfrm>
+            <a:off x="3657600" y="1871640"/>
+            <a:ext cx="6764760" cy="4254480"/>
+            <a:chOff x="3657600" y="1871640"/>
+            <a:chExt cx="6764760" cy="4254480"/>
+          </a:xfrm>
+        </p:grpSpPr>
+        <p:pic>
+          <p:nvPicPr>
+            <p:cNvPr id="128" name="" descr=""/>
+            <p:cNvPicPr/>
+            <p:nvPr/>
+          </p:nvPicPr>
+          <p:blipFill>
+            <a:blip r:embed="rId1"/>
+            <a:stretch/>
+          </p:blipFill>
+          <p:spPr>
+            <a:xfrm>
+              <a:off x="3657600" y="2104560"/>
+              <a:ext cx="6581880" cy="4021560"/>
+            </a:xfrm>
+            <a:prstGeom prst="rect">
+              <a:avLst/>
+            </a:prstGeom>
+            <a:ln>
+              <a:noFill/>
+            </a:ln>
+          </p:spPr>
+        </p:pic>
+        <p:sp>
+          <p:nvSpPr>
+            <p:cNvPr id="129" name="CustomShape 5"/>
+            <p:cNvSpPr/>
+            <p:nvPr/>
+          </p:nvSpPr>
+          <p:spPr>
+            <a:xfrm>
+              <a:off x="8320320" y="1871640"/>
+              <a:ext cx="2102040" cy="414000"/>
+            </a:xfrm>
+            <a:prstGeom prst="rect">
+              <a:avLst/>
+            </a:prstGeom>
+            <a:noFill/>
+            <a:ln>
+              <a:noFill/>
+            </a:ln>
+          </p:spPr>
+          <p:style>
+            <a:lnRef idx="0"/>
+            <a:fillRef idx="0"/>
+            <a:effectRef idx="0"/>
+            <a:fontRef idx="minor"/>
+          </p:style>
+          <p:txBody>
+            <a:bodyPr lIns="90000" rIns="90000" tIns="45000" bIns="45000"/>
+            <a:p>
+              <a:pPr>
+                <a:lnSpc>
+                  <a:spcPct val="100000"/>
+                </a:lnSpc>
+              </a:pPr>
+              <a:r>
+                <a:rPr b="1" lang="en-US" sz="2200" spc="-1" strike="noStrike">
+                  <a:solidFill>
+                    <a:srgbClr val="ef413d"/>
+                  </a:solidFill>
+                  <a:latin typeface="Cambrai"/>
+                  <a:ea typeface="DejaVu Sans"/>
+                </a:rPr>
+                <a:t>Toc module</a:t>
+              </a:r>
+              <a:endParaRPr b="0" lang="en-US" sz="2200" spc="-1" strike="noStrike">
+                <a:latin typeface="Arial"/>
+              </a:endParaRPr>
+            </a:p>
+          </p:txBody>
+        </p:sp>
+        <p:sp>
+          <p:nvSpPr>
+            <p:cNvPr id="130" name="CustomShape 6"/>
+            <p:cNvSpPr/>
+            <p:nvPr/>
+          </p:nvSpPr>
+          <p:spPr>
+            <a:xfrm>
+              <a:off x="6307920" y="2286000"/>
+              <a:ext cx="3839400" cy="3473640"/>
+            </a:xfrm>
+            <a:prstGeom prst="rect">
+              <a:avLst/>
+            </a:prstGeom>
+            <a:noFill/>
+            <a:ln cap="rnd" w="38160">
+              <a:solidFill>
+                <a:srgbClr val="ef413d"/>
+              </a:solidFill>
+              <a:custDash>
+                <a:ds d="100000" sp="100000"/>
+              </a:custDash>
+              <a:round/>
+            </a:ln>
+          </p:spPr>
+          <p:style>
+            <a:lnRef idx="0"/>
+            <a:fillRef idx="0"/>
+            <a:effectRef idx="0"/>
+            <a:fontRef idx="minor"/>
+          </p:style>
+        </p:sp>
+      </p:grpSp>
+      <p:grpSp>
+        <p:nvGrpSpPr>
+          <p:cNvPr id="131" name="Group 7"/>
+          <p:cNvGrpSpPr/>
+          <p:nvPr/>
+        </p:nvGrpSpPr>
+        <p:grpSpPr>
+          <a:xfrm>
+            <a:off x="914760" y="2560680"/>
+            <a:ext cx="3840120" cy="2468520"/>
+            <a:chOff x="914760" y="2560680"/>
+            <a:chExt cx="3840120" cy="2468520"/>
+          </a:xfrm>
+        </p:grpSpPr>
+        <p:sp>
+          <p:nvSpPr>
+            <p:cNvPr id="132" name="CustomShape 8"/>
+            <p:cNvSpPr/>
+            <p:nvPr/>
+          </p:nvSpPr>
+          <p:spPr>
+            <a:xfrm>
+              <a:off x="1280520" y="2560680"/>
+              <a:ext cx="1005480" cy="365400"/>
+            </a:xfrm>
+            <a:prstGeom prst="ellipse">
+              <a:avLst/>
+            </a:prstGeom>
+            <a:noFill/>
+            <a:ln>
+              <a:solidFill>
+                <a:srgbClr val="000000"/>
+              </a:solidFill>
+            </a:ln>
+          </p:spPr>
+          <p:style>
+            <a:lnRef idx="0"/>
+            <a:fillRef idx="0"/>
+            <a:effectRef idx="0"/>
+            <a:fontRef idx="minor"/>
+          </p:style>
+          <p:txBody>
+            <a:bodyPr wrap="none" lIns="90000" rIns="90000" tIns="45000" bIns="45000" anchor="ctr"/>
+            <a:p>
+              <a:pPr algn="ctr">
+                <a:lnSpc>
+                  <a:spcPct val="100000"/>
+                </a:lnSpc>
+              </a:pPr>
+              <a:r>
+                <a:rPr b="0" lang="en-US" sz="1400" spc="-1" strike="noStrike">
+                  <a:solidFill>
+                    <a:srgbClr val="000000"/>
+                  </a:solidFill>
+                  <a:latin typeface="Arial"/>
+                  <a:ea typeface="DejaVu Sans"/>
+                </a:rPr>
+                <a:t>document</a:t>
+              </a:r>
+              <a:endParaRPr b="0" lang="en-US" sz="1400" spc="-1" strike="noStrike">
+                <a:latin typeface="Arial"/>
+              </a:endParaRPr>
+            </a:p>
+          </p:txBody>
+        </p:sp>
+        <p:sp>
+          <p:nvSpPr>
+            <p:cNvPr id="133" name="CustomShape 9"/>
+            <p:cNvSpPr/>
+            <p:nvPr/>
+          </p:nvSpPr>
+          <p:spPr>
+            <a:xfrm>
+              <a:off x="1737720" y="3292200"/>
+              <a:ext cx="639720" cy="273960"/>
+            </a:xfrm>
+            <a:prstGeom prst="ellipse">
+              <a:avLst/>
+            </a:prstGeom>
+            <a:noFill/>
+            <a:ln>
+              <a:solidFill>
+                <a:srgbClr val="000000"/>
+              </a:solidFill>
+            </a:ln>
+          </p:spPr>
+          <p:style>
+            <a:lnRef idx="0"/>
+            <a:fillRef idx="0"/>
+            <a:effectRef idx="0"/>
+            <a:fontRef idx="minor"/>
+          </p:style>
+          <p:txBody>
+            <a:bodyPr wrap="none" lIns="90000" rIns="90000" tIns="45000" bIns="45000" anchor="ctr"/>
+            <a:p>
+              <a:pPr algn="ctr">
+                <a:lnSpc>
+                  <a:spcPct val="100000"/>
+                </a:lnSpc>
+              </a:pPr>
+              <a:r>
+                <a:rPr b="0" lang="en-US" sz="1400" spc="-1" strike="noStrike">
+                  <a:solidFill>
+                    <a:srgbClr val="000000"/>
+                  </a:solidFill>
+                  <a:latin typeface="Arial"/>
+                  <a:ea typeface="DejaVu Sans"/>
+                </a:rPr>
+                <a:t>title1</a:t>
+              </a:r>
+              <a:endParaRPr b="0" lang="en-US" sz="1400" spc="-1" strike="noStrike">
+                <a:latin typeface="Arial"/>
+              </a:endParaRPr>
+            </a:p>
+          </p:txBody>
+        </p:sp>
+        <p:sp>
+          <p:nvSpPr>
+            <p:cNvPr id="134" name="CustomShape 10"/>
+            <p:cNvSpPr/>
+            <p:nvPr/>
+          </p:nvSpPr>
+          <p:spPr>
+            <a:xfrm>
+              <a:off x="2743560" y="3292200"/>
+              <a:ext cx="548280" cy="273960"/>
+            </a:xfrm>
+            <a:prstGeom prst="ellipse">
+              <a:avLst/>
+            </a:prstGeom>
+            <a:noFill/>
+            <a:ln>
+              <a:solidFill>
+                <a:srgbClr val="000000"/>
+              </a:solidFill>
+            </a:ln>
+          </p:spPr>
+          <p:style>
+            <a:lnRef idx="0"/>
+            <a:fillRef idx="0"/>
+            <a:effectRef idx="0"/>
+            <a:fontRef idx="minor"/>
+          </p:style>
+          <p:txBody>
+            <a:bodyPr wrap="none" lIns="90000" rIns="90000" tIns="45000" bIns="45000" anchor="ctr"/>
+            <a:p>
+              <a:pPr algn="ctr">
+                <a:lnSpc>
+                  <a:spcPct val="100000"/>
+                </a:lnSpc>
+              </a:pPr>
+              <a:r>
+                <a:rPr b="0" lang="en-US" sz="1400" spc="-1" strike="noStrike">
+                  <a:solidFill>
+                    <a:srgbClr val="000000"/>
+                  </a:solidFill>
+                  <a:latin typeface="Arial"/>
+                  <a:ea typeface="DejaVu Sans"/>
+                </a:rPr>
+                <a:t>title2</a:t>
+              </a:r>
+              <a:endParaRPr b="0" lang="en-US" sz="1400" spc="-1" strike="noStrike">
+                <a:latin typeface="Arial"/>
+              </a:endParaRPr>
+            </a:p>
+          </p:txBody>
+        </p:sp>
+        <p:sp>
+          <p:nvSpPr>
+            <p:cNvPr id="135" name="CustomShape 11"/>
+            <p:cNvSpPr/>
+            <p:nvPr/>
+          </p:nvSpPr>
+          <p:spPr>
+            <a:xfrm>
+              <a:off x="914760" y="3292200"/>
+              <a:ext cx="639720" cy="273960"/>
+            </a:xfrm>
+            <a:prstGeom prst="ellipse">
+              <a:avLst/>
+            </a:prstGeom>
+            <a:noFill/>
+            <a:ln>
+              <a:solidFill>
+                <a:srgbClr val="000000"/>
+              </a:solidFill>
+            </a:ln>
+          </p:spPr>
+          <p:style>
+            <a:lnRef idx="0"/>
+            <a:fillRef idx="0"/>
+            <a:effectRef idx="0"/>
+            <a:fontRef idx="minor"/>
+          </p:style>
+          <p:txBody>
+            <a:bodyPr wrap="none" lIns="90000" rIns="90000" tIns="45000" bIns="45000" anchor="ctr"/>
+            <a:p>
+              <a:pPr algn="ctr">
+                <a:lnSpc>
+                  <a:spcPct val="100000"/>
+                </a:lnSpc>
+              </a:pPr>
+              <a:r>
+                <a:rPr b="0" lang="en-US" sz="1400" spc="-1" strike="noStrike">
+                  <a:solidFill>
+                    <a:srgbClr val="000000"/>
+                  </a:solidFill>
+                  <a:latin typeface="Arial"/>
+                  <a:ea typeface="DejaVu Sans"/>
+                </a:rPr>
+                <a:t>content</a:t>
+              </a:r>
+              <a:endParaRPr b="0" lang="en-US" sz="1400" spc="-1" strike="noStrike">
+                <a:latin typeface="Arial"/>
+              </a:endParaRPr>
+            </a:p>
+          </p:txBody>
+        </p:sp>
+        <p:sp>
+          <p:nvSpPr>
+            <p:cNvPr id="136" name="Line 12"/>
+            <p:cNvSpPr/>
+            <p:nvPr/>
+          </p:nvSpPr>
+          <p:spPr>
+            <a:xfrm flipH="1">
+              <a:off x="1280520" y="2926440"/>
+              <a:ext cx="365760" cy="365760"/>
+            </a:xfrm>
+            <a:prstGeom prst="line">
+              <a:avLst/>
+            </a:prstGeom>
+            <a:ln>
+              <a:solidFill>
+                <a:srgbClr val="000000"/>
+              </a:solidFill>
+            </a:ln>
+          </p:spPr>
+          <p:style>
+            <a:lnRef idx="0"/>
+            <a:fillRef idx="0"/>
+            <a:effectRef idx="0"/>
+            <a:fontRef idx="minor"/>
+          </p:style>
+        </p:sp>
+        <p:sp>
+          <p:nvSpPr>
+            <p:cNvPr id="137" name="Line 13"/>
+            <p:cNvSpPr/>
+            <p:nvPr/>
+          </p:nvSpPr>
+          <p:spPr>
+            <a:xfrm>
+              <a:off x="1829160" y="2926440"/>
+              <a:ext cx="182880" cy="365760"/>
+            </a:xfrm>
+            <a:prstGeom prst="line">
+              <a:avLst/>
+            </a:prstGeom>
+            <a:ln>
+              <a:solidFill>
+                <a:srgbClr val="000000"/>
+              </a:solidFill>
+            </a:ln>
+          </p:spPr>
+          <p:style>
+            <a:lnRef idx="0"/>
+            <a:fillRef idx="0"/>
+            <a:effectRef idx="0"/>
+            <a:fontRef idx="minor"/>
+          </p:style>
+        </p:sp>
+        <p:sp>
+          <p:nvSpPr>
+            <p:cNvPr id="138" name="Line 14"/>
+            <p:cNvSpPr/>
+            <p:nvPr/>
+          </p:nvSpPr>
+          <p:spPr>
+            <a:xfrm>
+              <a:off x="1920600" y="2926440"/>
+              <a:ext cx="992520" cy="365760"/>
+            </a:xfrm>
+            <a:prstGeom prst="line">
+              <a:avLst/>
+            </a:prstGeom>
+            <a:ln>
+              <a:solidFill>
+                <a:srgbClr val="000000"/>
+              </a:solidFill>
+            </a:ln>
+          </p:spPr>
+          <p:style>
+            <a:lnRef idx="0"/>
+            <a:fillRef idx="0"/>
+            <a:effectRef idx="0"/>
+            <a:fontRef idx="minor"/>
+          </p:style>
+        </p:sp>
+        <p:sp>
+          <p:nvSpPr>
+            <p:cNvPr id="139" name="CustomShape 15"/>
+            <p:cNvSpPr/>
+            <p:nvPr/>
+          </p:nvSpPr>
+          <p:spPr>
+            <a:xfrm>
+              <a:off x="1006200" y="4115160"/>
+              <a:ext cx="548280" cy="182520"/>
+            </a:xfrm>
+            <a:prstGeom prst="ellipse">
+              <a:avLst/>
+            </a:prstGeom>
+            <a:noFill/>
+            <a:ln>
+              <a:solidFill>
+                <a:srgbClr val="000000"/>
+              </a:solidFill>
+            </a:ln>
+          </p:spPr>
+          <p:style>
+            <a:lnRef idx="0"/>
+            <a:fillRef idx="0"/>
+            <a:effectRef idx="0"/>
+            <a:fontRef idx="minor"/>
+          </p:style>
+          <p:txBody>
+            <a:bodyPr wrap="none" lIns="90000" rIns="90000" tIns="45000" bIns="45000" anchor="ctr"/>
+            <a:p>
+              <a:pPr algn="ctr">
+                <a:lnSpc>
+                  <a:spcPct val="100000"/>
+                </a:lnSpc>
+              </a:pPr>
+              <a:r>
+                <a:rPr b="0" lang="en-US" sz="1100" spc="-1" strike="noStrike">
+                  <a:solidFill>
+                    <a:srgbClr val="000000"/>
+                  </a:solidFill>
+                  <a:latin typeface="Arial"/>
+                  <a:ea typeface="DejaVu Sans"/>
+                </a:rPr>
+                <a:t>title11</a:t>
+              </a:r>
+              <a:endParaRPr b="0" lang="en-US" sz="1100" spc="-1" strike="noStrike">
+                <a:latin typeface="Arial"/>
+              </a:endParaRPr>
+            </a:p>
+          </p:txBody>
+        </p:sp>
+        <p:sp>
+          <p:nvSpPr>
+            <p:cNvPr id="140" name="CustomShape 16"/>
+            <p:cNvSpPr/>
+            <p:nvPr/>
+          </p:nvSpPr>
+          <p:spPr>
+            <a:xfrm>
+              <a:off x="1737720" y="4115160"/>
+              <a:ext cx="548280" cy="182520"/>
+            </a:xfrm>
+            <a:prstGeom prst="ellipse">
+              <a:avLst/>
+            </a:prstGeom>
+            <a:noFill/>
+            <a:ln>
+              <a:solidFill>
+                <a:srgbClr val="000000"/>
+              </a:solidFill>
+            </a:ln>
+          </p:spPr>
+          <p:style>
+            <a:lnRef idx="0"/>
+            <a:fillRef idx="0"/>
+            <a:effectRef idx="0"/>
+            <a:fontRef idx="minor"/>
+          </p:style>
+          <p:txBody>
+            <a:bodyPr wrap="none" lIns="90000" rIns="90000" tIns="45000" bIns="45000" anchor="ctr"/>
+            <a:p>
+              <a:pPr algn="ctr">
+                <a:lnSpc>
+                  <a:spcPct val="100000"/>
+                </a:lnSpc>
+              </a:pPr>
+              <a:r>
+                <a:rPr b="0" lang="en-US" sz="1100" spc="-1" strike="noStrike">
+                  <a:solidFill>
+                    <a:srgbClr val="000000"/>
+                  </a:solidFill>
+                  <a:latin typeface="Arial"/>
+                  <a:ea typeface="DejaVu Sans"/>
+                </a:rPr>
+                <a:t>title12</a:t>
+              </a:r>
+              <a:endParaRPr b="0" lang="en-US" sz="1100" spc="-1" strike="noStrike">
+                <a:latin typeface="Arial"/>
+              </a:endParaRPr>
+            </a:p>
+          </p:txBody>
+        </p:sp>
+        <p:sp>
+          <p:nvSpPr>
+            <p:cNvPr id="141" name="CustomShape 17"/>
+            <p:cNvSpPr/>
+            <p:nvPr/>
+          </p:nvSpPr>
+          <p:spPr>
+            <a:xfrm>
+              <a:off x="2469240" y="4115160"/>
+              <a:ext cx="639720" cy="182520"/>
+            </a:xfrm>
+            <a:prstGeom prst="ellipse">
+              <a:avLst/>
+            </a:prstGeom>
+            <a:noFill/>
+            <a:ln>
+              <a:solidFill>
+                <a:srgbClr val="000000"/>
+              </a:solidFill>
+            </a:ln>
+          </p:spPr>
+          <p:style>
+            <a:lnRef idx="0"/>
+            <a:fillRef idx="0"/>
+            <a:effectRef idx="0"/>
+            <a:fontRef idx="minor"/>
+          </p:style>
+          <p:txBody>
+            <a:bodyPr wrap="none" lIns="90000" rIns="90000" tIns="45000" bIns="45000" anchor="ctr"/>
+            <a:p>
+              <a:pPr algn="ctr">
+                <a:lnSpc>
+                  <a:spcPct val="100000"/>
+                </a:lnSpc>
+              </a:pPr>
+              <a:r>
+                <a:rPr b="0" lang="en-US" sz="1100" spc="-1" strike="noStrike">
+                  <a:solidFill>
+                    <a:srgbClr val="000000"/>
+                  </a:solidFill>
+                  <a:latin typeface="Arial"/>
+                  <a:ea typeface="DejaVu Sans"/>
+                </a:rPr>
+                <a:t>content1</a:t>
+              </a:r>
+              <a:endParaRPr b="0" lang="en-US" sz="1100" spc="-1" strike="noStrike">
+                <a:latin typeface="Arial"/>
+              </a:endParaRPr>
+            </a:p>
+          </p:txBody>
+        </p:sp>
+        <p:sp>
+          <p:nvSpPr>
+            <p:cNvPr id="142" name="CustomShape 18"/>
+            <p:cNvSpPr/>
+            <p:nvPr/>
+          </p:nvSpPr>
+          <p:spPr>
+            <a:xfrm>
+              <a:off x="3292200" y="4023720"/>
+              <a:ext cx="639720" cy="182520"/>
+            </a:xfrm>
+            <a:prstGeom prst="ellipse">
+              <a:avLst/>
+            </a:prstGeom>
+            <a:noFill/>
+            <a:ln>
+              <a:solidFill>
+                <a:srgbClr val="000000"/>
+              </a:solidFill>
+            </a:ln>
+          </p:spPr>
+          <p:style>
+            <a:lnRef idx="0"/>
+            <a:fillRef idx="0"/>
+            <a:effectRef idx="0"/>
+            <a:fontRef idx="minor"/>
+          </p:style>
+          <p:txBody>
+            <a:bodyPr wrap="none" lIns="90000" rIns="90000" tIns="45000" bIns="45000" anchor="ctr"/>
+            <a:p>
+              <a:pPr algn="ctr">
+                <a:lnSpc>
+                  <a:spcPct val="100000"/>
+                </a:lnSpc>
+              </a:pPr>
+              <a:r>
+                <a:rPr b="0" lang="en-US" sz="1100" spc="-1" strike="noStrike">
+                  <a:solidFill>
+                    <a:srgbClr val="000000"/>
+                  </a:solidFill>
+                  <a:latin typeface="Arial"/>
+                  <a:ea typeface="DejaVu Sans"/>
+                </a:rPr>
+                <a:t>content2</a:t>
+              </a:r>
+              <a:endParaRPr b="0" lang="en-US" sz="1100" spc="-1" strike="noStrike">
+                <a:latin typeface="Arial"/>
+              </a:endParaRPr>
+            </a:p>
+          </p:txBody>
+        </p:sp>
+        <p:sp>
+          <p:nvSpPr>
+            <p:cNvPr id="143" name="Line 19"/>
+            <p:cNvSpPr/>
+            <p:nvPr/>
+          </p:nvSpPr>
+          <p:spPr>
+            <a:xfrm flipH="1">
+              <a:off x="1371960" y="3566520"/>
+              <a:ext cx="548640" cy="548640"/>
+            </a:xfrm>
+            <a:prstGeom prst="line">
+              <a:avLst/>
+            </a:prstGeom>
+            <a:ln>
+              <a:solidFill>
+                <a:srgbClr val="000000"/>
+              </a:solidFill>
+            </a:ln>
+          </p:spPr>
+          <p:style>
+            <a:lnRef idx="0"/>
+            <a:fillRef idx="0"/>
+            <a:effectRef idx="0"/>
+            <a:fontRef idx="minor"/>
+          </p:style>
+        </p:sp>
+        <p:sp>
+          <p:nvSpPr>
+            <p:cNvPr id="144" name="Line 20"/>
+            <p:cNvSpPr/>
+            <p:nvPr/>
+          </p:nvSpPr>
+          <p:spPr>
+            <a:xfrm>
+              <a:off x="2012040" y="3566520"/>
+              <a:ext cx="360" cy="548640"/>
+            </a:xfrm>
+            <a:prstGeom prst="line">
+              <a:avLst/>
+            </a:prstGeom>
+            <a:ln>
+              <a:solidFill>
+                <a:srgbClr val="000000"/>
+              </a:solidFill>
+            </a:ln>
+          </p:spPr>
+          <p:style>
+            <a:lnRef idx="0"/>
+            <a:fillRef idx="0"/>
+            <a:effectRef idx="0"/>
+            <a:fontRef idx="minor"/>
+          </p:style>
+        </p:sp>
+        <p:sp>
+          <p:nvSpPr>
+            <p:cNvPr id="145" name="Line 21"/>
+            <p:cNvSpPr/>
+            <p:nvPr/>
+          </p:nvSpPr>
+          <p:spPr>
+            <a:xfrm>
+              <a:off x="2194920" y="3566520"/>
+              <a:ext cx="457200" cy="548640"/>
+            </a:xfrm>
+            <a:prstGeom prst="line">
+              <a:avLst/>
+            </a:prstGeom>
+            <a:ln>
+              <a:solidFill>
+                <a:srgbClr val="000000"/>
+              </a:solidFill>
+            </a:ln>
+          </p:spPr>
+          <p:style>
+            <a:lnRef idx="0"/>
+            <a:fillRef idx="0"/>
+            <a:effectRef idx="0"/>
+            <a:fontRef idx="minor"/>
+          </p:style>
+        </p:sp>
+        <p:sp>
+          <p:nvSpPr>
+            <p:cNvPr id="146" name="CustomShape 22"/>
+            <p:cNvSpPr/>
+            <p:nvPr/>
+          </p:nvSpPr>
+          <p:spPr>
+            <a:xfrm>
+              <a:off x="4206600" y="3932280"/>
+              <a:ext cx="548280" cy="182520"/>
+            </a:xfrm>
+            <a:prstGeom prst="ellipse">
+              <a:avLst/>
+            </a:prstGeom>
+            <a:noFill/>
+            <a:ln>
+              <a:solidFill>
+                <a:srgbClr val="000000"/>
+              </a:solidFill>
+            </a:ln>
+          </p:spPr>
+          <p:style>
+            <a:lnRef idx="0"/>
+            <a:fillRef idx="0"/>
+            <a:effectRef idx="0"/>
+            <a:fontRef idx="minor"/>
+          </p:style>
+          <p:txBody>
+            <a:bodyPr wrap="none" lIns="90000" rIns="90000" tIns="45000" bIns="45000" anchor="ctr"/>
+            <a:p>
+              <a:pPr algn="ctr">
+                <a:lnSpc>
+                  <a:spcPct val="100000"/>
+                </a:lnSpc>
+              </a:pPr>
+              <a:r>
+                <a:rPr b="0" lang="en-US" sz="1100" spc="-1" strike="noStrike">
+                  <a:solidFill>
+                    <a:srgbClr val="000000"/>
+                  </a:solidFill>
+                  <a:latin typeface="Arial"/>
+                  <a:ea typeface="DejaVu Sans"/>
+                </a:rPr>
+                <a:t>title21</a:t>
+              </a:r>
+              <a:endParaRPr b="0" lang="en-US" sz="1100" spc="-1" strike="noStrike">
+                <a:latin typeface="Arial"/>
+              </a:endParaRPr>
+            </a:p>
+          </p:txBody>
+        </p:sp>
+        <p:sp>
+          <p:nvSpPr>
+            <p:cNvPr id="147" name="Line 23"/>
+            <p:cNvSpPr/>
+            <p:nvPr/>
+          </p:nvSpPr>
+          <p:spPr>
+            <a:xfrm>
+              <a:off x="3109320" y="3566520"/>
+              <a:ext cx="457200" cy="457200"/>
+            </a:xfrm>
+            <a:prstGeom prst="line">
+              <a:avLst/>
+            </a:prstGeom>
+            <a:ln>
+              <a:solidFill>
+                <a:srgbClr val="000000"/>
+              </a:solidFill>
+            </a:ln>
+          </p:spPr>
+          <p:style>
+            <a:lnRef idx="0"/>
+            <a:fillRef idx="0"/>
+            <a:effectRef idx="0"/>
+            <a:fontRef idx="minor"/>
+          </p:style>
+        </p:sp>
+        <p:sp>
+          <p:nvSpPr>
+            <p:cNvPr id="148" name="Line 24"/>
+            <p:cNvSpPr/>
+            <p:nvPr/>
+          </p:nvSpPr>
+          <p:spPr>
+            <a:xfrm>
+              <a:off x="3292200" y="3475080"/>
+              <a:ext cx="1097280" cy="457200"/>
+            </a:xfrm>
+            <a:prstGeom prst="line">
+              <a:avLst/>
+            </a:prstGeom>
+            <a:ln>
+              <a:solidFill>
+                <a:srgbClr val="000000"/>
+              </a:solidFill>
+            </a:ln>
+          </p:spPr>
+          <p:style>
+            <a:lnRef idx="0"/>
+            <a:fillRef idx="0"/>
+            <a:effectRef idx="0"/>
+            <a:fontRef idx="minor"/>
+          </p:style>
+        </p:sp>
+        <p:sp>
+          <p:nvSpPr>
+            <p:cNvPr id="149" name="CustomShape 25"/>
+            <p:cNvSpPr/>
+            <p:nvPr/>
+          </p:nvSpPr>
+          <p:spPr>
+            <a:xfrm>
+              <a:off x="1189080" y="4846680"/>
+              <a:ext cx="456840" cy="182520"/>
+            </a:xfrm>
+            <a:prstGeom prst="ellipse">
+              <a:avLst/>
+            </a:prstGeom>
+            <a:noFill/>
+            <a:ln>
+              <a:solidFill>
+                <a:srgbClr val="000000"/>
+              </a:solidFill>
+            </a:ln>
+          </p:spPr>
+          <p:style>
+            <a:lnRef idx="0"/>
+            <a:fillRef idx="0"/>
+            <a:effectRef idx="0"/>
+            <a:fontRef idx="minor"/>
+          </p:style>
+          <p:txBody>
+            <a:bodyPr wrap="none" lIns="90000" rIns="90000" tIns="45000" bIns="45000" anchor="ctr"/>
+            <a:p>
+              <a:pPr algn="ctr">
+                <a:lnSpc>
+                  <a:spcPct val="100000"/>
+                </a:lnSpc>
+              </a:pPr>
+              <a:r>
+                <a:rPr b="0" lang="en-US" sz="900" spc="-1" strike="noStrike">
+                  <a:solidFill>
+                    <a:srgbClr val="000000"/>
+                  </a:solidFill>
+                  <a:latin typeface="Arial"/>
+                  <a:ea typeface="DejaVu Sans"/>
+                </a:rPr>
+                <a:t>title121</a:t>
+              </a:r>
+              <a:endParaRPr b="0" lang="en-US" sz="900" spc="-1" strike="noStrike">
+                <a:latin typeface="Arial"/>
+              </a:endParaRPr>
+            </a:p>
+          </p:txBody>
+        </p:sp>
+        <p:sp>
+          <p:nvSpPr>
+            <p:cNvPr id="150" name="CustomShape 26"/>
+            <p:cNvSpPr/>
+            <p:nvPr/>
+          </p:nvSpPr>
+          <p:spPr>
+            <a:xfrm>
+              <a:off x="2012040" y="4846680"/>
+              <a:ext cx="456840" cy="182520"/>
+            </a:xfrm>
+            <a:prstGeom prst="ellipse">
+              <a:avLst/>
+            </a:prstGeom>
+            <a:noFill/>
+            <a:ln>
+              <a:solidFill>
+                <a:srgbClr val="000000"/>
+              </a:solidFill>
+            </a:ln>
+          </p:spPr>
+          <p:style>
+            <a:lnRef idx="0"/>
+            <a:fillRef idx="0"/>
+            <a:effectRef idx="0"/>
+            <a:fontRef idx="minor"/>
+          </p:style>
+          <p:txBody>
+            <a:bodyPr wrap="none" lIns="90000" rIns="90000" tIns="45000" bIns="45000" anchor="ctr"/>
+            <a:p>
+              <a:pPr algn="ctr">
+                <a:lnSpc>
+                  <a:spcPct val="100000"/>
+                </a:lnSpc>
+              </a:pPr>
+              <a:r>
+                <a:rPr b="0" lang="en-US" sz="900" spc="-1" strike="noStrike">
+                  <a:solidFill>
+                    <a:srgbClr val="000000"/>
+                  </a:solidFill>
+                  <a:latin typeface="Arial"/>
+                  <a:ea typeface="DejaVu Sans"/>
+                </a:rPr>
+                <a:t>title122</a:t>
+              </a:r>
+              <a:endParaRPr b="0" lang="en-US" sz="900" spc="-1" strike="noStrike">
+                <a:latin typeface="Arial"/>
+              </a:endParaRPr>
+            </a:p>
+          </p:txBody>
+        </p:sp>
+        <p:sp>
+          <p:nvSpPr>
+            <p:cNvPr id="151" name="CustomShape 27"/>
+            <p:cNvSpPr/>
+            <p:nvPr/>
+          </p:nvSpPr>
+          <p:spPr>
+            <a:xfrm>
+              <a:off x="2743560" y="4846680"/>
+              <a:ext cx="548280" cy="182520"/>
+            </a:xfrm>
+            <a:prstGeom prst="ellipse">
+              <a:avLst/>
+            </a:prstGeom>
+            <a:noFill/>
+            <a:ln>
+              <a:solidFill>
+                <a:srgbClr val="000000"/>
+              </a:solidFill>
+            </a:ln>
+          </p:spPr>
+          <p:style>
+            <a:lnRef idx="0"/>
+            <a:fillRef idx="0"/>
+            <a:effectRef idx="0"/>
+            <a:fontRef idx="minor"/>
+          </p:style>
+          <p:txBody>
+            <a:bodyPr wrap="none" lIns="90000" rIns="90000" tIns="45000" bIns="45000" anchor="ctr"/>
+            <a:p>
+              <a:pPr algn="ctr">
+                <a:lnSpc>
+                  <a:spcPct val="100000"/>
+                </a:lnSpc>
+              </a:pPr>
+              <a:r>
+                <a:rPr b="0" lang="en-US" sz="1800" spc="-1" strike="noStrike">
+                  <a:solidFill>
+                    <a:srgbClr val="000000"/>
+                  </a:solidFill>
+                  <a:latin typeface="Arial"/>
+                  <a:ea typeface="DejaVu Sans"/>
+                </a:rPr>
+                <a:t>...</a:t>
+              </a:r>
+              <a:endParaRPr b="0" lang="en-US" sz="1800" spc="-1" strike="noStrike">
+                <a:latin typeface="Arial"/>
+              </a:endParaRPr>
+            </a:p>
+          </p:txBody>
+        </p:sp>
+        <p:sp>
+          <p:nvSpPr>
+            <p:cNvPr id="152" name="Line 28"/>
+            <p:cNvSpPr/>
+            <p:nvPr/>
+          </p:nvSpPr>
+          <p:spPr>
+            <a:xfrm flipH="1">
+              <a:off x="1371960" y="4298040"/>
+              <a:ext cx="548640" cy="548640"/>
+            </a:xfrm>
+            <a:prstGeom prst="line">
+              <a:avLst/>
+            </a:prstGeom>
+            <a:ln>
+              <a:solidFill>
+                <a:srgbClr val="000000"/>
+              </a:solidFill>
+            </a:ln>
+          </p:spPr>
+          <p:style>
+            <a:lnRef idx="0"/>
+            <a:fillRef idx="0"/>
+            <a:effectRef idx="0"/>
+            <a:fontRef idx="minor"/>
+          </p:style>
+        </p:sp>
+        <p:sp>
+          <p:nvSpPr>
+            <p:cNvPr id="153" name="Line 29"/>
+            <p:cNvSpPr/>
+            <p:nvPr/>
+          </p:nvSpPr>
+          <p:spPr>
+            <a:xfrm>
+              <a:off x="2012040" y="4298040"/>
+              <a:ext cx="182880" cy="548640"/>
+            </a:xfrm>
+            <a:prstGeom prst="line">
+              <a:avLst/>
+            </a:prstGeom>
+            <a:ln>
+              <a:solidFill>
+                <a:srgbClr val="000000"/>
+              </a:solidFill>
+            </a:ln>
+          </p:spPr>
+          <p:style>
+            <a:lnRef idx="0"/>
+            <a:fillRef idx="0"/>
+            <a:effectRef idx="0"/>
+            <a:fontRef idx="minor"/>
+          </p:style>
+        </p:sp>
+        <p:sp>
+          <p:nvSpPr>
+            <p:cNvPr id="154" name="Line 30"/>
+            <p:cNvSpPr/>
+            <p:nvPr/>
+          </p:nvSpPr>
+          <p:spPr>
+            <a:xfrm>
+              <a:off x="2103480" y="4298040"/>
+              <a:ext cx="822960" cy="548640"/>
+            </a:xfrm>
+            <a:prstGeom prst="line">
+              <a:avLst/>
+            </a:prstGeom>
+            <a:ln>
+              <a:solidFill>
+                <a:srgbClr val="000000"/>
+              </a:solidFill>
+            </a:ln>
+          </p:spPr>
+          <p:style>
+            <a:lnRef idx="0"/>
+            <a:fillRef idx="0"/>
+            <a:effectRef idx="0"/>
+            <a:fontRef idx="minor"/>
+          </p:style>
+        </p:sp>
+      </p:grpSp>
+      <p:grpSp>
+        <p:nvGrpSpPr>
+          <p:cNvPr id="155" name="Group 31"/>
+          <p:cNvGrpSpPr/>
+          <p:nvPr/>
+        </p:nvGrpSpPr>
+        <p:grpSpPr>
+          <a:xfrm>
+            <a:off x="1097280" y="2468880"/>
+            <a:ext cx="2377440" cy="548280"/>
+            <a:chOff x="1097280" y="2468880"/>
+            <a:chExt cx="2377440" cy="548280"/>
+          </a:xfrm>
+        </p:grpSpPr>
+        <p:sp>
+          <p:nvSpPr>
+            <p:cNvPr id="156" name="CustomShape 32"/>
+            <p:cNvSpPr/>
+            <p:nvPr/>
+          </p:nvSpPr>
+          <p:spPr>
+            <a:xfrm>
+              <a:off x="1097280" y="2468880"/>
+              <a:ext cx="1279800" cy="548280"/>
+            </a:xfrm>
+            <a:prstGeom prst="ellipse">
+              <a:avLst/>
+            </a:prstGeom>
+            <a:noFill/>
+            <a:ln>
+              <a:solidFill>
+                <a:srgbClr val="ed1c24"/>
+              </a:solidFill>
+            </a:ln>
+          </p:spPr>
+          <p:style>
+            <a:lnRef idx="0"/>
+            <a:fillRef idx="0"/>
+            <a:effectRef idx="0"/>
+            <a:fontRef idx="minor"/>
+          </p:style>
+        </p:sp>
+        <p:sp>
+          <p:nvSpPr>
+            <p:cNvPr id="157" name="Line 33"/>
+            <p:cNvSpPr/>
+            <p:nvPr/>
+          </p:nvSpPr>
+          <p:spPr>
+            <a:xfrm>
+              <a:off x="2377440" y="2743200"/>
+              <a:ext cx="1097280" cy="360"/>
+            </a:xfrm>
+            <a:prstGeom prst="line">
+              <a:avLst/>
+            </a:prstGeom>
+            <a:ln>
+              <a:solidFill>
+                <a:srgbClr val="ed1c24"/>
+              </a:solidFill>
+              <a:tailEnd len="med" type="triangle" w="med"/>
+            </a:ln>
+          </p:spPr>
+          <p:style>
+            <a:lnRef idx="0"/>
+            <a:fillRef idx="0"/>
+            <a:effectRef idx="0"/>
+            <a:fontRef idx="minor"/>
+          </p:style>
+        </p:sp>
+      </p:grpSp>
+      <p:grpSp>
+        <p:nvGrpSpPr>
+          <p:cNvPr id="158" name="Group 34"/>
+          <p:cNvGrpSpPr/>
+          <p:nvPr/>
+        </p:nvGrpSpPr>
+        <p:grpSpPr>
+          <a:xfrm>
+            <a:off x="1646280" y="3200760"/>
+            <a:ext cx="1920240" cy="456840"/>
+            <a:chOff x="1646280" y="3200760"/>
+            <a:chExt cx="1920240" cy="456840"/>
+          </a:xfrm>
+        </p:grpSpPr>
+        <p:sp>
+          <p:nvSpPr>
+            <p:cNvPr id="159" name="CustomShape 35"/>
+            <p:cNvSpPr/>
+            <p:nvPr/>
+          </p:nvSpPr>
+          <p:spPr>
+            <a:xfrm>
+              <a:off x="1646280" y="3200760"/>
+              <a:ext cx="822600" cy="456840"/>
+            </a:xfrm>
+            <a:prstGeom prst="ellipse">
+              <a:avLst/>
+            </a:prstGeom>
+            <a:noFill/>
+            <a:ln>
+              <a:solidFill>
+                <a:srgbClr val="ed1c24"/>
+              </a:solidFill>
+            </a:ln>
+          </p:spPr>
+          <p:style>
+            <a:lnRef idx="0"/>
+            <a:fillRef idx="0"/>
+            <a:effectRef idx="0"/>
+            <a:fontRef idx="minor"/>
+          </p:style>
+        </p:sp>
+        <p:sp>
+          <p:nvSpPr>
+            <p:cNvPr id="160" name="Line 36"/>
+            <p:cNvSpPr/>
+            <p:nvPr/>
+          </p:nvSpPr>
+          <p:spPr>
+            <a:xfrm>
+              <a:off x="2469240" y="3383640"/>
+              <a:ext cx="1097280" cy="360"/>
+            </a:xfrm>
+            <a:prstGeom prst="line">
+              <a:avLst/>
+            </a:prstGeom>
+            <a:ln>
+              <a:solidFill>
+                <a:srgbClr val="ed1c24"/>
+              </a:solidFill>
+              <a:tailEnd len="med" type="triangle" w="med"/>
+            </a:ln>
+          </p:spPr>
+          <p:style>
+            <a:lnRef idx="0"/>
+            <a:fillRef idx="0"/>
+            <a:effectRef idx="0"/>
+            <a:fontRef idx="minor"/>
+          </p:style>
+        </p:sp>
+      </p:grpSp>
+      <p:grpSp>
+        <p:nvGrpSpPr>
+          <p:cNvPr id="161" name="Group 37"/>
+          <p:cNvGrpSpPr/>
+          <p:nvPr/>
+        </p:nvGrpSpPr>
+        <p:grpSpPr>
+          <a:xfrm>
+            <a:off x="822960" y="3931920"/>
+            <a:ext cx="1920240" cy="456840"/>
+            <a:chOff x="822960" y="3931920"/>
+            <a:chExt cx="1920240" cy="456840"/>
+          </a:xfrm>
+        </p:grpSpPr>
+        <p:sp>
+          <p:nvSpPr>
+            <p:cNvPr id="162" name="CustomShape 38"/>
+            <p:cNvSpPr/>
+            <p:nvPr/>
+          </p:nvSpPr>
+          <p:spPr>
+            <a:xfrm>
+              <a:off x="822960" y="3931920"/>
+              <a:ext cx="822600" cy="456840"/>
+            </a:xfrm>
+            <a:prstGeom prst="ellipse">
+              <a:avLst/>
+            </a:prstGeom>
+            <a:noFill/>
+            <a:ln>
+              <a:solidFill>
+                <a:srgbClr val="ed1c24"/>
+              </a:solidFill>
+            </a:ln>
+          </p:spPr>
+          <p:style>
+            <a:lnRef idx="0"/>
+            <a:fillRef idx="0"/>
+            <a:effectRef idx="0"/>
+            <a:fontRef idx="minor"/>
+          </p:style>
+        </p:sp>
+        <p:sp>
+          <p:nvSpPr>
+            <p:cNvPr id="163" name="Line 39"/>
+            <p:cNvSpPr/>
+            <p:nvPr/>
+          </p:nvSpPr>
+          <p:spPr>
+            <a:xfrm>
+              <a:off x="1645920" y="4114800"/>
+              <a:ext cx="1097280" cy="360"/>
+            </a:xfrm>
+            <a:prstGeom prst="line">
+              <a:avLst/>
+            </a:prstGeom>
+            <a:ln>
+              <a:solidFill>
+                <a:srgbClr val="ed1c24"/>
+              </a:solidFill>
+              <a:tailEnd len="med" type="triangle" w="med"/>
+            </a:ln>
+          </p:spPr>
+          <p:style>
+            <a:lnRef idx="0"/>
+            <a:fillRef idx="0"/>
+            <a:effectRef idx="0"/>
+            <a:fontRef idx="minor"/>
+          </p:style>
+        </p:sp>
+      </p:grpSp>
+      <p:grpSp>
+        <p:nvGrpSpPr>
+          <p:cNvPr id="164" name="Group 40"/>
+          <p:cNvGrpSpPr/>
+          <p:nvPr/>
+        </p:nvGrpSpPr>
+        <p:grpSpPr>
+          <a:xfrm>
+            <a:off x="1828800" y="4754880"/>
+            <a:ext cx="1920240" cy="456840"/>
+            <a:chOff x="1828800" y="4754880"/>
+            <a:chExt cx="1920240" cy="456840"/>
+          </a:xfrm>
+        </p:grpSpPr>
+        <p:sp>
+          <p:nvSpPr>
+            <p:cNvPr id="165" name="CustomShape 41"/>
+            <p:cNvSpPr/>
+            <p:nvPr/>
+          </p:nvSpPr>
+          <p:spPr>
+            <a:xfrm>
+              <a:off x="1828800" y="4754880"/>
+              <a:ext cx="822600" cy="456840"/>
+            </a:xfrm>
+            <a:prstGeom prst="ellipse">
+              <a:avLst/>
+            </a:prstGeom>
+            <a:noFill/>
+            <a:ln>
+              <a:solidFill>
+                <a:srgbClr val="ed1c24"/>
+              </a:solidFill>
+            </a:ln>
+          </p:spPr>
+          <p:style>
+            <a:lnRef idx="0"/>
+            <a:fillRef idx="0"/>
+            <a:effectRef idx="0"/>
+            <a:fontRef idx="minor"/>
+          </p:style>
+        </p:sp>
+        <p:sp>
+          <p:nvSpPr>
+            <p:cNvPr id="166" name="Line 42"/>
+            <p:cNvSpPr/>
+            <p:nvPr/>
+          </p:nvSpPr>
+          <p:spPr>
+            <a:xfrm>
+              <a:off x="2651760" y="4937760"/>
+              <a:ext cx="1097280" cy="360"/>
+            </a:xfrm>
+            <a:prstGeom prst="line">
+              <a:avLst/>
+            </a:prstGeom>
+            <a:ln>
+              <a:solidFill>
+                <a:srgbClr val="ed1c24"/>
+              </a:solidFill>
+              <a:tailEnd len="med" type="triangle" w="med"/>
+            </a:ln>
+          </p:spPr>
+          <p:style>
+            <a:lnRef idx="0"/>
+            <a:fillRef idx="0"/>
+            <a:effectRef idx="0"/>
+            <a:fontRef idx="minor"/>
+          </p:style>
+        </p:sp>
+      </p:grpSp>
+      <p:sp>
+        <p:nvSpPr>
+          <p:cNvPr id="167" name="CustomShape 43"/>
           <p:cNvSpPr/>
           <p:nvPr/>
         </p:nvSpPr>
         <p:spPr>
           <a:xfrm>
-            <a:off x="5852520" y="2067840"/>
-            <a:ext cx="2102760" cy="414720"/>
-          </a:xfrm>
-          <a:prstGeom prst="rect">
+            <a:off x="7040880" y="2468880"/>
+            <a:ext cx="1737360" cy="2560320"/>
+          </a:xfrm>
+          <a:prstGeom prst="flowChartDocument">
             <a:avLst/>
           </a:prstGeom>
           <a:noFill/>
           <a:ln>
-            <a:noFill/>
+            <a:solidFill>
+              <a:srgbClr val="000000"/>
+            </a:solidFill>
           </a:ln>
         </p:spPr>
         <p:style>
@@ -11859,52 +13944,24 @@
           <a:effectRef idx="0"/>
           <a:fontRef idx="minor"/>
         </p:style>
-        <p:txBody>
-          <a:bodyPr lIns="90000" rIns="90000" tIns="45000" bIns="45000"/>
-          <a:p>
-            <a:pPr>
-              <a:lnSpc>
-                <a:spcPct val="100000"/>
-              </a:lnSpc>
-            </a:pPr>
-            <a:r>
-              <a:rPr b="1" lang="en-US" sz="2200" spc="-1" strike="noStrike">
-                <a:solidFill>
-                  <a:srgbClr val="ef413d"/>
-                </a:solidFill>
-                <a:latin typeface="Cambrai"/>
-              </a:rPr>
-              <a:t>Toc module</a:t>
-            </a:r>
-            <a:endParaRPr b="0" lang="en-US" sz="2200" spc="-1" strike="noStrike">
-              <a:latin typeface="Arial"/>
-            </a:endParaRPr>
-          </a:p>
-        </p:txBody>
-      </p:sp>
-      <p:sp>
-        <p:nvSpPr>
-          <p:cNvPr id="129" name="CustomShape 5"/>
+      </p:sp>
+      <p:sp>
+        <p:nvSpPr>
+          <p:cNvPr id="168" name="CustomShape 44"/>
           <p:cNvSpPr/>
           <p:nvPr/>
         </p:nvSpPr>
         <p:spPr>
           <a:xfrm>
-            <a:off x="3252240" y="2482560"/>
-            <a:ext cx="3840120" cy="3474360"/>
+            <a:off x="7132320" y="2651760"/>
+            <a:ext cx="1371240" cy="273960"/>
           </a:xfrm>
           <a:prstGeom prst="rect">
             <a:avLst/>
           </a:prstGeom>
           <a:noFill/>
-          <a:ln cap="rnd" w="38160">
-            <a:solidFill>
-              <a:srgbClr val="ef413d"/>
-            </a:solidFill>
-            <a:custDash>
-              <a:ds d="100000" sp="100000"/>
-            </a:custDash>
-            <a:round/>
+          <a:ln>
+            <a:noFill/>
           </a:ln>
         </p:spPr>
         <p:style>
@@ -11913,7 +13970,849 @@
           <a:effectRef idx="0"/>
           <a:fontRef idx="minor"/>
         </p:style>
-      </p:sp>
+        <p:txBody>
+          <a:bodyPr lIns="90000" rIns="90000" tIns="45000" bIns="45000"/>
+          <a:p>
+            <a:pPr>
+              <a:lnSpc>
+                <a:spcPct val="100000"/>
+              </a:lnSpc>
+            </a:pPr>
+            <a:r>
+              <a:rPr b="0" lang="en-US" sz="1100" spc="-1" strike="noStrike">
+                <a:solidFill>
+                  <a:srgbClr val="ed1c24"/>
+                </a:solidFill>
+                <a:latin typeface="Arial"/>
+              </a:rPr>
+              <a:t>Document : toc</a:t>
+            </a:r>
+            <a:endParaRPr b="0" lang="en-US" sz="1100" spc="-1" strike="noStrike">
+              <a:latin typeface="Arial"/>
+            </a:endParaRPr>
+          </a:p>
+        </p:txBody>
+      </p:sp>
+      <p:sp>
+        <p:nvSpPr>
+          <p:cNvPr id="169" name="CustomShape 45"/>
+          <p:cNvSpPr/>
+          <p:nvPr/>
+        </p:nvSpPr>
+        <p:spPr>
+          <a:xfrm>
+            <a:off x="10970280" y="3566160"/>
+            <a:ext cx="180360" cy="304920"/>
+          </a:xfrm>
+          <a:prstGeom prst="rect">
+            <a:avLst/>
+          </a:prstGeom>
+          <a:noFill/>
+          <a:ln>
+            <a:noFill/>
+          </a:ln>
+        </p:spPr>
+        <p:style>
+          <a:lnRef idx="0"/>
+          <a:fillRef idx="0"/>
+          <a:effectRef idx="0"/>
+          <a:fontRef idx="minor"/>
+        </p:style>
+      </p:sp>
+      <p:grpSp>
+        <p:nvGrpSpPr>
+          <p:cNvPr id="170" name="Group 46"/>
+          <p:cNvGrpSpPr/>
+          <p:nvPr/>
+        </p:nvGrpSpPr>
+        <p:grpSpPr>
+          <a:xfrm>
+            <a:off x="7406640" y="2926080"/>
+            <a:ext cx="731520" cy="1554480"/>
+            <a:chOff x="7406640" y="2926080"/>
+            <a:chExt cx="731520" cy="1554480"/>
+          </a:xfrm>
+        </p:grpSpPr>
+        <p:grpSp>
+          <p:nvGrpSpPr>
+            <p:cNvPr id="171" name="Group 47"/>
+            <p:cNvGrpSpPr/>
+            <p:nvPr/>
+          </p:nvGrpSpPr>
+          <p:grpSpPr>
+            <a:xfrm>
+              <a:off x="7406640" y="2926080"/>
+              <a:ext cx="731160" cy="1554480"/>
+              <a:chOff x="7406640" y="2926080"/>
+              <a:chExt cx="731160" cy="1554480"/>
+            </a:xfrm>
+          </p:grpSpPr>
+          <p:sp>
+            <p:nvSpPr>
+              <p:cNvPr id="172" name="Line 48"/>
+              <p:cNvSpPr/>
+              <p:nvPr/>
+            </p:nvSpPr>
+            <p:spPr>
+              <a:xfrm>
+                <a:off x="7406640" y="2926080"/>
+                <a:ext cx="360" cy="1554480"/>
+              </a:xfrm>
+              <a:prstGeom prst="line">
+                <a:avLst/>
+              </a:prstGeom>
+              <a:ln>
+                <a:solidFill>
+                  <a:srgbClr val="ed1c24"/>
+                </a:solidFill>
+              </a:ln>
+            </p:spPr>
+            <p:style>
+              <a:lnRef idx="0"/>
+              <a:fillRef idx="0"/>
+              <a:effectRef idx="0"/>
+              <a:fontRef idx="minor"/>
+            </p:style>
+          </p:sp>
+          <p:sp>
+            <p:nvSpPr>
+              <p:cNvPr id="173" name="Line 49"/>
+              <p:cNvSpPr/>
+              <p:nvPr/>
+            </p:nvSpPr>
+            <p:spPr>
+              <a:xfrm>
+                <a:off x="7406640" y="3200400"/>
+                <a:ext cx="274320" cy="360"/>
+              </a:xfrm>
+              <a:prstGeom prst="line">
+                <a:avLst/>
+              </a:prstGeom>
+              <a:ln>
+                <a:solidFill>
+                  <a:srgbClr val="ed1c24"/>
+                </a:solidFill>
+              </a:ln>
+            </p:spPr>
+            <p:style>
+              <a:lnRef idx="0"/>
+              <a:fillRef idx="0"/>
+              <a:effectRef idx="0"/>
+              <a:fontRef idx="minor"/>
+            </p:style>
+            <p:txBody>
+              <a:bodyPr lIns="90000" rIns="90000" tIns="45000" bIns="45000" anchor="ctr" anchorCtr="1"/>
+              <a:p>
+                <a:pPr algn="ctr">
+                  <a:lnSpc>
+                    <a:spcPct val="100000"/>
+                  </a:lnSpc>
+                </a:pPr>
+                <a:r>
+                  <a:rPr b="0" lang="en-US" sz="900" spc="-1" strike="noStrike">
+                    <a:solidFill>
+                      <a:srgbClr val="000000"/>
+                    </a:solidFill>
+                    <a:latin typeface="Arial"/>
+                    <a:ea typeface="DejaVu Sans"/>
+                  </a:rPr>
+                  <a:t>	</a:t>
+                </a:r>
+                <a:endParaRPr b="0" lang="en-US" sz="900" spc="-1" strike="noStrike">
+                  <a:latin typeface="Arial"/>
+                </a:endParaRPr>
+              </a:p>
+            </p:txBody>
+          </p:sp>
+          <p:sp>
+            <p:nvSpPr>
+              <p:cNvPr id="174" name="CustomShape 50"/>
+              <p:cNvSpPr/>
+              <p:nvPr/>
+            </p:nvSpPr>
+            <p:spPr>
+              <a:xfrm>
+                <a:off x="7680960" y="3093120"/>
+                <a:ext cx="456840" cy="198360"/>
+              </a:xfrm>
+              <a:prstGeom prst="rect">
+                <a:avLst/>
+              </a:prstGeom>
+              <a:noFill/>
+              <a:ln>
+                <a:noFill/>
+              </a:ln>
+            </p:spPr>
+            <p:style>
+              <a:lnRef idx="0"/>
+              <a:fillRef idx="0"/>
+              <a:effectRef idx="0"/>
+              <a:fontRef idx="minor"/>
+            </p:style>
+            <p:txBody>
+              <a:bodyPr lIns="90000" rIns="90000" tIns="45000" bIns="45000"/>
+              <a:p>
+                <a:pPr>
+                  <a:lnSpc>
+                    <a:spcPct val="100000"/>
+                  </a:lnSpc>
+                </a:pPr>
+                <a:r>
+                  <a:rPr b="0" lang="en-US" sz="1000" spc="-1" strike="noStrike">
+                    <a:solidFill>
+                      <a:srgbClr val="ed1c24"/>
+                    </a:solidFill>
+                    <a:latin typeface="Arial"/>
+                  </a:rPr>
+                  <a:t>title1</a:t>
+                </a:r>
+                <a:endParaRPr b="0" lang="en-US" sz="1000" spc="-1" strike="noStrike">
+                  <a:solidFill>
+                    <a:srgbClr val="ed1c24"/>
+                  </a:solidFill>
+                  <a:latin typeface="Arial"/>
+                </a:endParaRPr>
+              </a:p>
+            </p:txBody>
+          </p:sp>
+        </p:grpSp>
+        <p:sp>
+          <p:nvSpPr>
+            <p:cNvPr id="175" name="Line 51"/>
+            <p:cNvSpPr/>
+            <p:nvPr/>
+          </p:nvSpPr>
+          <p:spPr>
+            <a:xfrm>
+              <a:off x="7885800" y="3474720"/>
+              <a:ext cx="252360" cy="0"/>
+            </a:xfrm>
+            <a:prstGeom prst="line">
+              <a:avLst/>
+            </a:prstGeom>
+            <a:ln>
+              <a:solidFill>
+                <a:srgbClr val="ed1c24"/>
+              </a:solidFill>
+            </a:ln>
+          </p:spPr>
+          <p:style>
+            <a:lnRef idx="0"/>
+            <a:fillRef idx="0"/>
+            <a:effectRef idx="0"/>
+            <a:fontRef idx="minor"/>
+          </p:style>
+        </p:sp>
+      </p:grpSp>
+      <p:grpSp>
+        <p:nvGrpSpPr>
+          <p:cNvPr id="176" name="Group 52"/>
+          <p:cNvGrpSpPr/>
+          <p:nvPr/>
+        </p:nvGrpSpPr>
+        <p:grpSpPr>
+          <a:xfrm>
+            <a:off x="7406640" y="3266640"/>
+            <a:ext cx="1279800" cy="1213920"/>
+            <a:chOff x="7406640" y="3266640"/>
+            <a:chExt cx="1279800" cy="1213920"/>
+          </a:xfrm>
+        </p:grpSpPr>
+        <p:sp>
+          <p:nvSpPr>
+            <p:cNvPr id="177" name="Line 53"/>
+            <p:cNvSpPr/>
+            <p:nvPr/>
+          </p:nvSpPr>
+          <p:spPr>
+            <a:xfrm>
+              <a:off x="7885440" y="3266640"/>
+              <a:ext cx="0" cy="640440"/>
+            </a:xfrm>
+            <a:prstGeom prst="line">
+              <a:avLst/>
+            </a:prstGeom>
+            <a:ln>
+              <a:solidFill>
+                <a:srgbClr val="ed1c24"/>
+              </a:solidFill>
+            </a:ln>
+          </p:spPr>
+          <p:style>
+            <a:lnRef idx="0"/>
+            <a:fillRef idx="0"/>
+            <a:effectRef idx="0"/>
+            <a:fontRef idx="minor"/>
+          </p:style>
+        </p:sp>
+        <p:sp>
+          <p:nvSpPr>
+            <p:cNvPr id="178" name="TextShape 54"/>
+            <p:cNvSpPr txBox="1"/>
+            <p:nvPr/>
+          </p:nvSpPr>
+          <p:spPr>
+            <a:xfrm>
+              <a:off x="8137800" y="3358440"/>
+              <a:ext cx="548640" cy="207720"/>
+            </a:xfrm>
+            <a:prstGeom prst="rect">
+              <a:avLst/>
+            </a:prstGeom>
+            <a:noFill/>
+            <a:ln>
+              <a:noFill/>
+            </a:ln>
+          </p:spPr>
+          <p:txBody>
+            <a:bodyPr lIns="90000" rIns="90000" tIns="45000" bIns="45000"/>
+            <a:p>
+              <a:r>
+                <a:rPr b="0" lang="en-US" sz="1000" spc="-1" strike="noStrike">
+                  <a:solidFill>
+                    <a:srgbClr val="ed1c24"/>
+                  </a:solidFill>
+                  <a:latin typeface="Arial"/>
+                </a:rPr>
+                <a:t>title11</a:t>
+              </a:r>
+              <a:endParaRPr b="0" lang="en-US" sz="1000" spc="-1" strike="noStrike">
+                <a:solidFill>
+                  <a:srgbClr val="ed1c24"/>
+                </a:solidFill>
+                <a:latin typeface="Arial"/>
+              </a:endParaRPr>
+            </a:p>
+          </p:txBody>
+        </p:sp>
+        <p:sp>
+          <p:nvSpPr>
+            <p:cNvPr id="179" name="Line 55"/>
+            <p:cNvSpPr/>
+            <p:nvPr/>
+          </p:nvSpPr>
+          <p:spPr>
+            <a:xfrm>
+              <a:off x="7406640" y="4364280"/>
+              <a:ext cx="273960" cy="0"/>
+            </a:xfrm>
+            <a:prstGeom prst="line">
+              <a:avLst/>
+            </a:prstGeom>
+            <a:ln>
+              <a:solidFill>
+                <a:srgbClr val="ed1c24"/>
+              </a:solidFill>
+            </a:ln>
+          </p:spPr>
+          <p:style>
+            <a:lnRef idx="0"/>
+            <a:fillRef idx="0"/>
+            <a:effectRef idx="0"/>
+            <a:fontRef idx="minor"/>
+          </p:style>
+        </p:sp>
+        <p:sp>
+          <p:nvSpPr>
+            <p:cNvPr id="180" name="TextShape 56"/>
+            <p:cNvSpPr txBox="1"/>
+            <p:nvPr/>
+          </p:nvSpPr>
+          <p:spPr>
+            <a:xfrm>
+              <a:off x="7680600" y="4272840"/>
+              <a:ext cx="457200" cy="207720"/>
+            </a:xfrm>
+            <a:prstGeom prst="rect">
+              <a:avLst/>
+            </a:prstGeom>
+            <a:noFill/>
+            <a:ln>
+              <a:noFill/>
+            </a:ln>
+          </p:spPr>
+          <p:txBody>
+            <a:bodyPr lIns="90000" rIns="90000" tIns="45000" bIns="45000"/>
+            <a:p>
+              <a:r>
+                <a:rPr b="0" lang="en-US" sz="1000" spc="-1" strike="noStrike">
+                  <a:solidFill>
+                    <a:srgbClr val="ed1c24"/>
+                  </a:solidFill>
+                  <a:latin typeface="Arial"/>
+                </a:rPr>
+                <a:t>title2</a:t>
+              </a:r>
+              <a:endParaRPr b="0" lang="en-US" sz="1000" spc="-1" strike="noStrike">
+                <a:solidFill>
+                  <a:srgbClr val="ed1c24"/>
+                </a:solidFill>
+                <a:latin typeface="Arial"/>
+              </a:endParaRPr>
+            </a:p>
+          </p:txBody>
+        </p:sp>
+      </p:grpSp>
+      <p:grpSp>
+        <p:nvGrpSpPr>
+          <p:cNvPr id="181" name="Group 57"/>
+          <p:cNvGrpSpPr/>
+          <p:nvPr/>
+        </p:nvGrpSpPr>
+        <p:grpSpPr>
+          <a:xfrm>
+            <a:off x="7772400" y="3657600"/>
+            <a:ext cx="1280160" cy="1127520"/>
+            <a:chOff x="7772400" y="3657600"/>
+            <a:chExt cx="1280160" cy="1127520"/>
+          </a:xfrm>
+        </p:grpSpPr>
+        <p:sp>
+          <p:nvSpPr>
+            <p:cNvPr id="182" name="Line 58"/>
+            <p:cNvSpPr/>
+            <p:nvPr/>
+          </p:nvSpPr>
+          <p:spPr>
+            <a:xfrm>
+              <a:off x="7772400" y="4602240"/>
+              <a:ext cx="182880" cy="0"/>
+            </a:xfrm>
+            <a:prstGeom prst="line">
+              <a:avLst/>
+            </a:prstGeom>
+            <a:ln>
+              <a:solidFill>
+                <a:srgbClr val="ed1c24"/>
+              </a:solidFill>
+            </a:ln>
+          </p:spPr>
+          <p:style>
+            <a:lnRef idx="0"/>
+            <a:fillRef idx="0"/>
+            <a:effectRef idx="0"/>
+            <a:fontRef idx="minor"/>
+          </p:style>
+        </p:sp>
+        <p:grpSp>
+          <p:nvGrpSpPr>
+            <p:cNvPr id="183" name="Group 59"/>
+            <p:cNvGrpSpPr/>
+            <p:nvPr/>
+          </p:nvGrpSpPr>
+          <p:grpSpPr>
+            <a:xfrm>
+              <a:off x="7772400" y="3657600"/>
+              <a:ext cx="1280160" cy="1127520"/>
+              <a:chOff x="7772400" y="3657600"/>
+              <a:chExt cx="1280160" cy="1127520"/>
+            </a:xfrm>
+          </p:grpSpPr>
+          <p:sp>
+            <p:nvSpPr>
+              <p:cNvPr id="184" name="Line 60"/>
+              <p:cNvSpPr/>
+              <p:nvPr/>
+            </p:nvSpPr>
+            <p:spPr>
+              <a:xfrm>
+                <a:off x="7885800" y="3718440"/>
+                <a:ext cx="252360" cy="0"/>
+              </a:xfrm>
+              <a:prstGeom prst="line">
+                <a:avLst/>
+              </a:prstGeom>
+              <a:ln>
+                <a:solidFill>
+                  <a:srgbClr val="ed1c24"/>
+                </a:solidFill>
+              </a:ln>
+            </p:spPr>
+            <p:style>
+              <a:lnRef idx="0"/>
+              <a:fillRef idx="0"/>
+              <a:effectRef idx="0"/>
+              <a:fontRef idx="minor"/>
+            </p:style>
+          </p:sp>
+          <p:sp>
+            <p:nvSpPr>
+              <p:cNvPr id="185" name="TextShape 61"/>
+              <p:cNvSpPr txBox="1"/>
+              <p:nvPr/>
+            </p:nvSpPr>
+            <p:spPr>
+              <a:xfrm>
+                <a:off x="8046720" y="3657600"/>
+                <a:ext cx="670680" cy="274320"/>
+              </a:xfrm>
+              <a:prstGeom prst="rect">
+                <a:avLst/>
+              </a:prstGeom>
+              <a:noFill/>
+              <a:ln>
+                <a:noFill/>
+              </a:ln>
+            </p:spPr>
+            <p:txBody>
+              <a:bodyPr lIns="90000" rIns="90000" tIns="45000" bIns="45000"/>
+              <a:p>
+                <a:r>
+                  <a:rPr b="0" lang="en-US" sz="1000" spc="-1" strike="noStrike">
+                    <a:solidFill>
+                      <a:srgbClr val="ed1c24"/>
+                    </a:solidFill>
+                    <a:latin typeface="Arial"/>
+                  </a:rPr>
+                  <a:t>  </a:t>
+                </a:r>
+                <a:r>
+                  <a:rPr b="0" lang="en-US" sz="1000" spc="-1" strike="noStrike">
+                    <a:solidFill>
+                      <a:srgbClr val="ed1c24"/>
+                    </a:solidFill>
+                    <a:latin typeface="Arial"/>
+                  </a:rPr>
+                  <a:t>ti</a:t>
+                </a:r>
+                <a:r>
+                  <a:rPr b="0" lang="en-US" sz="1000" spc="-1" strike="noStrike">
+                    <a:solidFill>
+                      <a:srgbClr val="ed1c24"/>
+                    </a:solidFill>
+                    <a:latin typeface="Arial"/>
+                  </a:rPr>
+                  <a:t>tl</a:t>
+                </a:r>
+                <a:r>
+                  <a:rPr b="0" lang="en-US" sz="1000" spc="-1" strike="noStrike">
+                    <a:solidFill>
+                      <a:srgbClr val="ed1c24"/>
+                    </a:solidFill>
+                    <a:latin typeface="Arial"/>
+                  </a:rPr>
+                  <a:t>e</a:t>
+                </a:r>
+                <a:r>
+                  <a:rPr b="0" lang="en-US" sz="1000" spc="-1" strike="noStrike">
+                    <a:solidFill>
+                      <a:srgbClr val="ed1c24"/>
+                    </a:solidFill>
+                    <a:latin typeface="Arial"/>
+                  </a:rPr>
+                  <a:t>1</a:t>
+                </a:r>
+                <a:r>
+                  <a:rPr b="0" lang="en-US" sz="1000" spc="-1" strike="noStrike">
+                    <a:solidFill>
+                      <a:srgbClr val="ed1c24"/>
+                    </a:solidFill>
+                    <a:latin typeface="Arial"/>
+                  </a:rPr>
+                  <a:t>2</a:t>
+                </a:r>
+                <a:endParaRPr b="0" lang="en-US" sz="1000" spc="-1" strike="noStrike">
+                  <a:solidFill>
+                    <a:srgbClr val="ed1c24"/>
+                  </a:solidFill>
+                  <a:latin typeface="Arial"/>
+                </a:endParaRPr>
+              </a:p>
+            </p:txBody>
+          </p:sp>
+          <p:sp>
+            <p:nvSpPr>
+              <p:cNvPr id="186" name="Line 62"/>
+              <p:cNvSpPr/>
+              <p:nvPr/>
+            </p:nvSpPr>
+            <p:spPr>
+              <a:xfrm>
+                <a:off x="8229600" y="3931920"/>
+                <a:ext cx="0" cy="457200"/>
+              </a:xfrm>
+              <a:prstGeom prst="line">
+                <a:avLst/>
+              </a:prstGeom>
+              <a:ln>
+                <a:solidFill>
+                  <a:srgbClr val="ed1c24"/>
+                </a:solidFill>
+              </a:ln>
+            </p:spPr>
+            <p:style>
+              <a:lnRef idx="0"/>
+              <a:fillRef idx="0"/>
+              <a:effectRef idx="0"/>
+              <a:fontRef idx="minor"/>
+            </p:style>
+          </p:sp>
+          <p:sp>
+            <p:nvSpPr>
+              <p:cNvPr id="187" name="Line 63"/>
+              <p:cNvSpPr/>
+              <p:nvPr/>
+            </p:nvSpPr>
+            <p:spPr>
+              <a:xfrm>
+                <a:off x="8229600" y="4053600"/>
+                <a:ext cx="182880" cy="0"/>
+              </a:xfrm>
+              <a:prstGeom prst="line">
+                <a:avLst/>
+              </a:prstGeom>
+              <a:ln>
+                <a:solidFill>
+                  <a:srgbClr val="ed1c24"/>
+                </a:solidFill>
+              </a:ln>
+            </p:spPr>
+            <p:style>
+              <a:lnRef idx="0"/>
+              <a:fillRef idx="0"/>
+              <a:effectRef idx="0"/>
+              <a:fontRef idx="minor"/>
+            </p:style>
+          </p:sp>
+          <p:sp>
+            <p:nvSpPr>
+              <p:cNvPr id="188" name="Line 64"/>
+              <p:cNvSpPr/>
+              <p:nvPr/>
+            </p:nvSpPr>
+            <p:spPr>
+              <a:xfrm>
+                <a:off x="8229600" y="4236480"/>
+                <a:ext cx="182880" cy="0"/>
+              </a:xfrm>
+              <a:prstGeom prst="line">
+                <a:avLst/>
+              </a:prstGeom>
+              <a:ln>
+                <a:solidFill>
+                  <a:srgbClr val="ed1c24"/>
+                </a:solidFill>
+              </a:ln>
+            </p:spPr>
+            <p:style>
+              <a:lnRef idx="0"/>
+              <a:fillRef idx="0"/>
+              <a:effectRef idx="0"/>
+              <a:fontRef idx="minor"/>
+            </p:style>
+          </p:sp>
+          <p:sp>
+            <p:nvSpPr>
+              <p:cNvPr id="189" name="TextShape 65"/>
+              <p:cNvSpPr txBox="1"/>
+              <p:nvPr/>
+            </p:nvSpPr>
+            <p:spPr>
+              <a:xfrm>
+                <a:off x="8412480" y="4145040"/>
+                <a:ext cx="640080" cy="198720"/>
+              </a:xfrm>
+              <a:prstGeom prst="rect">
+                <a:avLst/>
+              </a:prstGeom>
+              <a:noFill/>
+              <a:ln>
+                <a:noFill/>
+              </a:ln>
+            </p:spPr>
+            <p:txBody>
+              <a:bodyPr lIns="90000" rIns="90000" tIns="45000" bIns="45000"/>
+              <a:p>
+                <a:r>
+                  <a:rPr b="0" lang="en-US" sz="900" spc="-1" strike="noStrike">
+                    <a:solidFill>
+                      <a:srgbClr val="ed1c24"/>
+                    </a:solidFill>
+                    <a:latin typeface="Arial"/>
+                  </a:rPr>
+                  <a:t>title1</a:t>
+                </a:r>
+                <a:r>
+                  <a:rPr b="0" lang="en-US" sz="900" spc="-1" strike="noStrike">
+                    <a:solidFill>
+                      <a:srgbClr val="ed1c24"/>
+                    </a:solidFill>
+                    <a:latin typeface="Arial"/>
+                  </a:rPr>
+                  <a:t>22</a:t>
+                </a:r>
+                <a:endParaRPr b="0" lang="en-US" sz="900" spc="-1" strike="noStrike">
+                  <a:solidFill>
+                    <a:srgbClr val="ed1c24"/>
+                  </a:solidFill>
+                  <a:latin typeface="Arial"/>
+                </a:endParaRPr>
+              </a:p>
+            </p:txBody>
+          </p:sp>
+          <p:sp>
+            <p:nvSpPr>
+              <p:cNvPr id="190" name="TextShape 66"/>
+              <p:cNvSpPr txBox="1"/>
+              <p:nvPr/>
+            </p:nvSpPr>
+            <p:spPr>
+              <a:xfrm>
+                <a:off x="8412480" y="3931920"/>
+                <a:ext cx="640080" cy="198720"/>
+              </a:xfrm>
+              <a:prstGeom prst="rect">
+                <a:avLst/>
+              </a:prstGeom>
+              <a:noFill/>
+              <a:ln>
+                <a:noFill/>
+              </a:ln>
+            </p:spPr>
+            <p:txBody>
+              <a:bodyPr lIns="90000" rIns="90000" tIns="45000" bIns="45000"/>
+              <a:p>
+                <a:r>
+                  <a:rPr b="0" lang="en-US" sz="900" spc="-1" strike="noStrike">
+                    <a:solidFill>
+                      <a:srgbClr val="ed1c24"/>
+                    </a:solidFill>
+                    <a:latin typeface="Arial"/>
+                  </a:rPr>
+                  <a:t>title121</a:t>
+                </a:r>
+                <a:endParaRPr b="0" lang="en-US" sz="900" spc="-1" strike="noStrike">
+                  <a:solidFill>
+                    <a:srgbClr val="ed1c24"/>
+                  </a:solidFill>
+                  <a:latin typeface="Arial"/>
+                </a:endParaRPr>
+              </a:p>
+            </p:txBody>
+          </p:sp>
+          <p:sp>
+            <p:nvSpPr>
+              <p:cNvPr id="191" name="Line 67"/>
+              <p:cNvSpPr/>
+              <p:nvPr/>
+            </p:nvSpPr>
+            <p:spPr>
+              <a:xfrm>
+                <a:off x="7772400" y="4419360"/>
+                <a:ext cx="0" cy="365760"/>
+              </a:xfrm>
+              <a:prstGeom prst="line">
+                <a:avLst/>
+              </a:prstGeom>
+              <a:ln>
+                <a:solidFill>
+                  <a:srgbClr val="ed1c24"/>
+                </a:solidFill>
+              </a:ln>
+            </p:spPr>
+            <p:style>
+              <a:lnRef idx="0"/>
+              <a:fillRef idx="0"/>
+              <a:effectRef idx="0"/>
+              <a:fontRef idx="minor"/>
+            </p:style>
+          </p:sp>
+          <p:sp>
+            <p:nvSpPr>
+              <p:cNvPr id="192" name="TextShape 68"/>
+              <p:cNvSpPr txBox="1"/>
+              <p:nvPr/>
+            </p:nvSpPr>
+            <p:spPr>
+              <a:xfrm>
+                <a:off x="8046720" y="4510800"/>
+                <a:ext cx="548640" cy="198720"/>
+              </a:xfrm>
+              <a:prstGeom prst="rect">
+                <a:avLst/>
+              </a:prstGeom>
+              <a:noFill/>
+              <a:ln>
+                <a:noFill/>
+              </a:ln>
+            </p:spPr>
+            <p:txBody>
+              <a:bodyPr lIns="90000" rIns="90000" tIns="45000" bIns="45000"/>
+              <a:p>
+                <a:r>
+                  <a:rPr b="0" lang="en-US" sz="900" spc="-1" strike="noStrike">
+                    <a:solidFill>
+                      <a:srgbClr val="ed1c24"/>
+                    </a:solidFill>
+                    <a:latin typeface="Arial"/>
+                  </a:rPr>
+                  <a:t>t</a:t>
+                </a:r>
+                <a:r>
+                  <a:rPr b="0" lang="en-US" sz="900" spc="-1" strike="noStrike">
+                    <a:solidFill>
+                      <a:srgbClr val="ed1c24"/>
+                    </a:solidFill>
+                    <a:latin typeface="Arial"/>
+                  </a:rPr>
+                  <a:t>i</a:t>
+                </a:r>
+                <a:r>
+                  <a:rPr b="0" lang="en-US" sz="900" spc="-1" strike="noStrike">
+                    <a:solidFill>
+                      <a:srgbClr val="ed1c24"/>
+                    </a:solidFill>
+                    <a:latin typeface="Arial"/>
+                  </a:rPr>
+                  <a:t>t</a:t>
+                </a:r>
+                <a:r>
+                  <a:rPr b="0" lang="en-US" sz="900" spc="-1" strike="noStrike">
+                    <a:solidFill>
+                      <a:srgbClr val="ed1c24"/>
+                    </a:solidFill>
+                    <a:latin typeface="Arial"/>
+                  </a:rPr>
+                  <a:t>l</a:t>
+                </a:r>
+                <a:r>
+                  <a:rPr b="0" lang="en-US" sz="900" spc="-1" strike="noStrike">
+                    <a:solidFill>
+                      <a:srgbClr val="ed1c24"/>
+                    </a:solidFill>
+                    <a:latin typeface="Arial"/>
+                  </a:rPr>
+                  <a:t>e</a:t>
+                </a:r>
+                <a:r>
+                  <a:rPr b="0" lang="en-US" sz="900" spc="-1" strike="noStrike">
+                    <a:solidFill>
+                      <a:srgbClr val="ed1c24"/>
+                    </a:solidFill>
+                    <a:latin typeface="Arial"/>
+                  </a:rPr>
+                  <a:t>2</a:t>
+                </a:r>
+                <a:r>
+                  <a:rPr b="0" lang="en-US" sz="900" spc="-1" strike="noStrike">
+                    <a:solidFill>
+                      <a:srgbClr val="ed1c24"/>
+                    </a:solidFill>
+                    <a:latin typeface="Arial"/>
+                  </a:rPr>
+                  <a:t>1</a:t>
+                </a:r>
+                <a:endParaRPr b="0" lang="en-US" sz="900" spc="-1" strike="noStrike">
+                  <a:solidFill>
+                    <a:srgbClr val="ed1c24"/>
+                  </a:solidFill>
+                  <a:latin typeface="Arial"/>
+                </a:endParaRPr>
+              </a:p>
+            </p:txBody>
+          </p:sp>
+        </p:grpSp>
+      </p:grpSp>
     </p:spTree>
   </p:cSld>
   <p:timing>
@@ -11922,7 +14821,670 @@
         <p:cTn id="17" dur="indefinite" restart="never" nodeType="tmRoot">
           <p:childTnLst>
             <p:seq>
-              <p:cTn id="18" dur="indefinite" nodeType="mainSeq"/>
+              <p:cTn id="18" dur="indefinite" nodeType="mainSeq">
+                <p:childTnLst>
+                  <p:par>
+                    <p:cTn id="19" fill="hold">
+                      <p:stCondLst>
+                        <p:cond delay="indefinite"/>
+                      </p:stCondLst>
+                      <p:childTnLst>
+                        <p:par>
+                          <p:cTn id="20" fill="hold">
+                            <p:stCondLst>
+                              <p:cond delay="0"/>
+                            </p:stCondLst>
+                            <p:childTnLst>
+                              <p:par>
+                                <p:cTn id="21" nodeType="clickEffect" fill="hold" presetClass="exit" presetID="47">
+                                  <p:stCondLst>
+                                    <p:cond delay="0"/>
+                                  </p:stCondLst>
+                                  <p:childTnLst>
+                                    <p:animEffect filter="fade" transition="out">
+                                      <p:cBhvr additive="repl">
+                                        <p:cTn id="22" dur="500"/>
+                                        <p:tgtEl>
+                                          <p:spTgt spid="127"/>
+                                        </p:tgtEl>
+                                      </p:cBhvr>
+                                    </p:animEffect>
+                                    <p:anim calcmode="lin" valueType="num">
+                                      <p:cBhvr additive="repl">
+                                        <p:cTn id="23" dur="500"/>
+                                        <p:tgtEl>
+                                          <p:spTgt spid="127"/>
+                                        </p:tgtEl>
+                                        <p:attrNameLst>
+                                          <p:attrName>ppt_x</p:attrName>
+                                        </p:attrNameLst>
+                                      </p:cBhvr>
+                                      <p:tavLst>
+                                        <p:tav tm="0">
+                                          <p:val>
+                                            <p:strVal val="#ppt_x"/>
+                                          </p:val>
+                                        </p:tav>
+                                        <p:tav tm="100000">
+                                          <p:val>
+                                            <p:strVal val="#ppt_x"/>
+                                          </p:val>
+                                        </p:tav>
+                                      </p:tavLst>
+                                    </p:anim>
+                                    <p:anim calcmode="lin" valueType="num">
+                                      <p:cBhvr additive="repl">
+                                        <p:cTn id="24" dur="500"/>
+                                        <p:tgtEl>
+                                          <p:spTgt spid="127"/>
+                                        </p:tgtEl>
+                                        <p:attrNameLst>
+                                          <p:attrName>ppt_y</p:attrName>
+                                        </p:attrNameLst>
+                                      </p:cBhvr>
+                                      <p:tavLst>
+                                        <p:tav tm="0">
+                                          <p:val>
+                                            <p:strVal val="#ppt_y"/>
+                                          </p:val>
+                                        </p:tav>
+                                        <p:tav tm="100000">
+                                          <p:val>
+                                            <p:strVal val="#ppt_y-.1"/>
+                                          </p:val>
+                                        </p:tav>
+                                      </p:tavLst>
+                                    </p:anim>
+                                    <p:set>
+                                      <p:cBhvr>
+                                        <p:cTn id="25" fill="hold">
+                                          <p:stCondLst>
+                                            <p:cond delay="499"/>
+                                          </p:stCondLst>
+                                        </p:cTn>
+                                        <p:tgtEl>
+                                          <p:spTgt spid="127"/>
+                                        </p:tgtEl>
+                                        <p:attrNameLst>
+                                          <p:attrName>style.visibility</p:attrName>
+                                        </p:attrNameLst>
+                                      </p:cBhvr>
+                                      <p:to>
+                                        <p:strVal val="hidden"/>
+                                      </p:to>
+                                    </p:set>
+                                  </p:childTnLst>
+                                </p:cTn>
+                              </p:par>
+                              <p:par>
+                                <p:cTn id="26" nodeType="withEffect" fill="hold" presetClass="entr" presetID="3" presetSubtype="10">
+                                  <p:stCondLst>
+                                    <p:cond delay="0"/>
+                                  </p:stCondLst>
+                                  <p:childTnLst>
+                                    <p:set>
+                                      <p:cBhvr>
+                                        <p:cTn id="27" dur="1" fill="hold">
+                                          <p:stCondLst>
+                                            <p:cond delay="0"/>
+                                          </p:stCondLst>
+                                        </p:cTn>
+                                        <p:tgtEl>
+                                          <p:spTgt spid="131"/>
+                                        </p:tgtEl>
+                                        <p:attrNameLst>
+                                          <p:attrName>style.visibility</p:attrName>
+                                        </p:attrNameLst>
+                                      </p:cBhvr>
+                                      <p:to>
+                                        <p:strVal val="visible"/>
+                                      </p:to>
+                                    </p:set>
+                                    <p:animEffect filter="blinds(horizontal)" transition="in">
+                                      <p:cBhvr additive="repl">
+                                        <p:cTn id="28" dur="500"/>
+                                        <p:tgtEl>
+                                          <p:spTgt spid="131"/>
+                                        </p:tgtEl>
+                                      </p:cBhvr>
+                                    </p:animEffect>
+                                  </p:childTnLst>
+                                </p:cTn>
+                              </p:par>
+                              <p:par>
+                                <p:cTn id="29" nodeType="withEffect" fill="hold" presetClass="entr" presetID="3" presetSubtype="10">
+                                  <p:stCondLst>
+                                    <p:cond delay="0"/>
+                                  </p:stCondLst>
+                                  <p:childTnLst>
+                                    <p:set>
+                                      <p:cBhvr>
+                                        <p:cTn id="30" dur="1" fill="hold">
+                                          <p:stCondLst>
+                                            <p:cond delay="0"/>
+                                          </p:stCondLst>
+                                        </p:cTn>
+                                        <p:tgtEl>
+                                          <p:spTgt spid="167"/>
+                                        </p:tgtEl>
+                                        <p:attrNameLst>
+                                          <p:attrName>style.visibility</p:attrName>
+                                        </p:attrNameLst>
+                                      </p:cBhvr>
+                                      <p:to>
+                                        <p:strVal val="visible"/>
+                                      </p:to>
+                                    </p:set>
+                                    <p:animEffect filter="blinds(horizontal)" transition="in">
+                                      <p:cBhvr additive="repl">
+                                        <p:cTn id="31" dur="500"/>
+                                        <p:tgtEl>
+                                          <p:spTgt spid="167"/>
+                                        </p:tgtEl>
+                                      </p:cBhvr>
+                                    </p:animEffect>
+                                  </p:childTnLst>
+                                </p:cTn>
+                              </p:par>
+                            </p:childTnLst>
+                          </p:cTn>
+                        </p:par>
+                      </p:childTnLst>
+                    </p:cTn>
+                  </p:par>
+                  <p:par>
+                    <p:cTn id="32" fill="hold">
+                      <p:stCondLst>
+                        <p:cond delay="indefinite"/>
+                      </p:stCondLst>
+                      <p:childTnLst>
+                        <p:par>
+                          <p:cTn id="33" fill="hold">
+                            <p:stCondLst>
+                              <p:cond delay="0"/>
+                            </p:stCondLst>
+                            <p:childTnLst>
+                              <p:par>
+                                <p:cTn id="34" nodeType="clickEffect" fill="hold" presetClass="entr" presetID="2" presetSubtype="4">
+                                  <p:stCondLst>
+                                    <p:cond delay="0"/>
+                                  </p:stCondLst>
+                                  <p:childTnLst>
+                                    <p:set>
+                                      <p:cBhvr>
+                                        <p:cTn id="35" fill="hold">
+                                          <p:stCondLst>
+                                            <p:cond delay="0"/>
+                                          </p:stCondLst>
+                                        </p:cTn>
+                                        <p:tgtEl>
+                                          <p:spTgt spid="155"/>
+                                        </p:tgtEl>
+                                        <p:attrNameLst>
+                                          <p:attrName>style.visibility</p:attrName>
+                                        </p:attrNameLst>
+                                      </p:cBhvr>
+                                      <p:to>
+                                        <p:strVal val="visible"/>
+                                      </p:to>
+                                    </p:set>
+                                    <p:anim calcmode="lin" valueType="num">
+                                      <p:cBhvr additive="repl">
+                                        <p:cTn id="36" dur="250" fill="hold"/>
+                                        <p:tgtEl>
+                                          <p:spTgt spid="155"/>
+                                        </p:tgtEl>
+                                        <p:attrNameLst>
+                                          <p:attrName>ppt_x</p:attrName>
+                                        </p:attrNameLst>
+                                      </p:cBhvr>
+                                      <p:tavLst>
+                                        <p:tav tm="0">
+                                          <p:val>
+                                            <p:strVal val="#ppt_x"/>
+                                          </p:val>
+                                        </p:tav>
+                                        <p:tav tm="100000">
+                                          <p:val>
+                                            <p:strVal val="#ppt_x"/>
+                                          </p:val>
+                                        </p:tav>
+                                      </p:tavLst>
+                                    </p:anim>
+                                    <p:anim calcmode="lin" valueType="num">
+                                      <p:cBhvr additive="repl">
+                                        <p:cTn id="37" dur="250" fill="hold"/>
+                                        <p:tgtEl>
+                                          <p:spTgt spid="155"/>
+                                        </p:tgtEl>
+                                        <p:attrNameLst>
+                                          <p:attrName>ppt_y</p:attrName>
+                                        </p:attrNameLst>
+                                      </p:cBhvr>
+                                      <p:tavLst>
+                                        <p:tav tm="0">
+                                          <p:val>
+                                            <p:strVal val="1+#ppt_h/2"/>
+                                          </p:val>
+                                        </p:tav>
+                                        <p:tav tm="100000">
+                                          <p:val>
+                                            <p:strVal val="#ppt_y"/>
+                                          </p:val>
+                                        </p:tav>
+                                      </p:tavLst>
+                                    </p:anim>
+                                  </p:childTnLst>
+                                </p:cTn>
+                              </p:par>
+                              <p:par>
+                                <p:cTn id="38" nodeType="withEffect" fill="hold" presetClass="entr" presetID="1">
+                                  <p:stCondLst>
+                                    <p:cond delay="0"/>
+                                  </p:stCondLst>
+                                  <p:childTnLst>
+                                    <p:set>
+                                      <p:cBhvr>
+                                        <p:cTn id="39" dur="1" fill="hold">
+                                          <p:stCondLst>
+                                            <p:cond delay="0"/>
+                                          </p:stCondLst>
+                                        </p:cTn>
+                                        <p:tgtEl>
+                                          <p:spTgt spid="168">
+                                            <p:txEl>
+                                              <p:pRg st="0" end="0"/>
+                                            </p:txEl>
+                                          </p:spTgt>
+                                        </p:tgtEl>
+                                        <p:attrNameLst>
+                                          <p:attrName>style.visibility</p:attrName>
+                                        </p:attrNameLst>
+                                      </p:cBhvr>
+                                      <p:to>
+                                        <p:strVal val="visible"/>
+                                      </p:to>
+                                    </p:set>
+                                  </p:childTnLst>
+                                </p:cTn>
+                              </p:par>
+                            </p:childTnLst>
+                          </p:cTn>
+                        </p:par>
+                      </p:childTnLst>
+                    </p:cTn>
+                  </p:par>
+                  <p:par>
+                    <p:cTn id="40" fill="hold">
+                      <p:stCondLst>
+                        <p:cond delay="indefinite"/>
+                      </p:stCondLst>
+                      <p:childTnLst>
+                        <p:par>
+                          <p:cTn id="41" fill="hold">
+                            <p:stCondLst>
+                              <p:cond delay="0"/>
+                            </p:stCondLst>
+                            <p:childTnLst>
+                              <p:par>
+                                <p:cTn id="42" nodeType="clickEffect" fill="hold" presetClass="exit" presetID="1">
+                                  <p:stCondLst>
+                                    <p:cond delay="0"/>
+                                  </p:stCondLst>
+                                  <p:childTnLst>
+                                    <p:set>
+                                      <p:cBhvr>
+                                        <p:cTn id="43" dur="1" fill="hold">
+                                          <p:stCondLst>
+                                            <p:cond delay="0"/>
+                                          </p:stCondLst>
+                                        </p:cTn>
+                                        <p:tgtEl>
+                                          <p:spTgt spid="155"/>
+                                        </p:tgtEl>
+                                        <p:attrNameLst>
+                                          <p:attrName>style.visibility</p:attrName>
+                                        </p:attrNameLst>
+                                      </p:cBhvr>
+                                      <p:to>
+                                        <p:strVal val="hidden"/>
+                                      </p:to>
+                                    </p:set>
+                                  </p:childTnLst>
+                                </p:cTn>
+                              </p:par>
+                            </p:childTnLst>
+                          </p:cTn>
+                        </p:par>
+                        <p:par>
+                          <p:cTn id="44" fill="hold">
+                            <p:stCondLst>
+                              <p:cond delay="1"/>
+                            </p:stCondLst>
+                            <p:childTnLst>
+                              <p:par>
+                                <p:cTn id="45" nodeType="afterEffect" fill="hold" presetClass="entr" presetID="1">
+                                  <p:stCondLst>
+                                    <p:cond delay="0"/>
+                                  </p:stCondLst>
+                                  <p:childTnLst>
+                                    <p:set>
+                                      <p:cBhvr>
+                                        <p:cTn id="46" dur="1" fill="hold">
+                                          <p:stCondLst>
+                                            <p:cond delay="0"/>
+                                          </p:stCondLst>
+                                        </p:cTn>
+                                        <p:tgtEl>
+                                          <p:spTgt spid="158"/>
+                                        </p:tgtEl>
+                                        <p:attrNameLst>
+                                          <p:attrName>style.visibility</p:attrName>
+                                        </p:attrNameLst>
+                                      </p:cBhvr>
+                                      <p:to>
+                                        <p:strVal val="visible"/>
+                                      </p:to>
+                                    </p:set>
+                                  </p:childTnLst>
+                                </p:cTn>
+                              </p:par>
+                              <p:par>
+                                <p:cTn id="47" nodeType="withEffect" fill="hold" presetClass="entr" presetID="1">
+                                  <p:stCondLst>
+                                    <p:cond delay="0"/>
+                                  </p:stCondLst>
+                                  <p:childTnLst>
+                                    <p:set>
+                                      <p:cBhvr>
+                                        <p:cTn id="48" dur="1" fill="hold">
+                                          <p:stCondLst>
+                                            <p:cond delay="0"/>
+                                          </p:stCondLst>
+                                        </p:cTn>
+                                        <p:tgtEl>
+                                          <p:spTgt spid="170"/>
+                                        </p:tgtEl>
+                                        <p:attrNameLst>
+                                          <p:attrName>style.visibility</p:attrName>
+                                        </p:attrNameLst>
+                                      </p:cBhvr>
+                                      <p:to>
+                                        <p:strVal val="visible"/>
+                                      </p:to>
+                                    </p:set>
+                                  </p:childTnLst>
+                                </p:cTn>
+                              </p:par>
+                            </p:childTnLst>
+                          </p:cTn>
+                        </p:par>
+                      </p:childTnLst>
+                    </p:cTn>
+                  </p:par>
+                  <p:par>
+                    <p:cTn id="49" fill="hold">
+                      <p:stCondLst>
+                        <p:cond delay="indefinite"/>
+                      </p:stCondLst>
+                      <p:childTnLst>
+                        <p:par>
+                          <p:cTn id="50" fill="hold">
+                            <p:stCondLst>
+                              <p:cond delay="0"/>
+                            </p:stCondLst>
+                            <p:childTnLst>
+                              <p:par>
+                                <p:cTn id="51" nodeType="clickEffect" fill="hold" presetClass="exit" presetID="1">
+                                  <p:stCondLst>
+                                    <p:cond delay="0"/>
+                                  </p:stCondLst>
+                                  <p:childTnLst>
+                                    <p:set>
+                                      <p:cBhvr>
+                                        <p:cTn id="52" dur="1" fill="hold">
+                                          <p:stCondLst>
+                                            <p:cond delay="0"/>
+                                          </p:stCondLst>
+                                        </p:cTn>
+                                        <p:tgtEl>
+                                          <p:spTgt spid="158"/>
+                                        </p:tgtEl>
+                                        <p:attrNameLst>
+                                          <p:attrName>style.visibility</p:attrName>
+                                        </p:attrNameLst>
+                                      </p:cBhvr>
+                                      <p:to>
+                                        <p:strVal val="hidden"/>
+                                      </p:to>
+                                    </p:set>
+                                  </p:childTnLst>
+                                </p:cTn>
+                              </p:par>
+                            </p:childTnLst>
+                          </p:cTn>
+                        </p:par>
+                        <p:par>
+                          <p:cTn id="53" fill="hold">
+                            <p:stCondLst>
+                              <p:cond delay="1"/>
+                            </p:stCondLst>
+                            <p:childTnLst>
+                              <p:par>
+                                <p:cTn id="54" nodeType="afterEffect" fill="hold" presetClass="entr" presetID="1">
+                                  <p:stCondLst>
+                                    <p:cond delay="0"/>
+                                  </p:stCondLst>
+                                  <p:childTnLst>
+                                    <p:set>
+                                      <p:cBhvr>
+                                        <p:cTn id="55" dur="1" fill="hold">
+                                          <p:stCondLst>
+                                            <p:cond delay="0"/>
+                                          </p:stCondLst>
+                                        </p:cTn>
+                                        <p:tgtEl>
+                                          <p:spTgt spid="161"/>
+                                        </p:tgtEl>
+                                        <p:attrNameLst>
+                                          <p:attrName>style.visibility</p:attrName>
+                                        </p:attrNameLst>
+                                      </p:cBhvr>
+                                      <p:to>
+                                        <p:strVal val="visible"/>
+                                      </p:to>
+                                    </p:set>
+                                  </p:childTnLst>
+                                </p:cTn>
+                              </p:par>
+                              <p:par>
+                                <p:cTn id="56" nodeType="withEffect" fill="hold" presetClass="entr" presetID="1">
+                                  <p:stCondLst>
+                                    <p:cond delay="0"/>
+                                  </p:stCondLst>
+                                  <p:childTnLst>
+                                    <p:set>
+                                      <p:cBhvr>
+                                        <p:cTn id="57" dur="1" fill="hold">
+                                          <p:stCondLst>
+                                            <p:cond delay="0"/>
+                                          </p:stCondLst>
+                                        </p:cTn>
+                                        <p:tgtEl>
+                                          <p:spTgt spid="176"/>
+                                        </p:tgtEl>
+                                        <p:attrNameLst>
+                                          <p:attrName>style.visibility</p:attrName>
+                                        </p:attrNameLst>
+                                      </p:cBhvr>
+                                      <p:to>
+                                        <p:strVal val="visible"/>
+                                      </p:to>
+                                    </p:set>
+                                  </p:childTnLst>
+                                </p:cTn>
+                              </p:par>
+                            </p:childTnLst>
+                          </p:cTn>
+                        </p:par>
+                      </p:childTnLst>
+                    </p:cTn>
+                  </p:par>
+                  <p:par>
+                    <p:cTn id="58" fill="hold">
+                      <p:stCondLst>
+                        <p:cond delay="indefinite"/>
+                      </p:stCondLst>
+                      <p:childTnLst>
+                        <p:par>
+                          <p:cTn id="59" fill="hold">
+                            <p:stCondLst>
+                              <p:cond delay="0"/>
+                            </p:stCondLst>
+                            <p:childTnLst>
+                              <p:par>
+                                <p:cTn id="60" nodeType="clickEffect" fill="hold" presetClass="exit" presetID="1">
+                                  <p:stCondLst>
+                                    <p:cond delay="0"/>
+                                  </p:stCondLst>
+                                  <p:childTnLst>
+                                    <p:set>
+                                      <p:cBhvr>
+                                        <p:cTn id="61" dur="1" fill="hold">
+                                          <p:stCondLst>
+                                            <p:cond delay="0"/>
+                                          </p:stCondLst>
+                                        </p:cTn>
+                                        <p:tgtEl>
+                                          <p:spTgt spid="161"/>
+                                        </p:tgtEl>
+                                        <p:attrNameLst>
+                                          <p:attrName>style.visibility</p:attrName>
+                                        </p:attrNameLst>
+                                      </p:cBhvr>
+                                      <p:to>
+                                        <p:strVal val="hidden"/>
+                                      </p:to>
+                                    </p:set>
+                                  </p:childTnLst>
+                                </p:cTn>
+                              </p:par>
+                            </p:childTnLst>
+                          </p:cTn>
+                        </p:par>
+                        <p:par>
+                          <p:cTn id="62" fill="hold">
+                            <p:stCondLst>
+                              <p:cond delay="1"/>
+                            </p:stCondLst>
+                            <p:childTnLst>
+                              <p:par>
+                                <p:cTn id="63" nodeType="afterEffect" fill="hold" presetClass="entr" presetID="1">
+                                  <p:stCondLst>
+                                    <p:cond delay="0"/>
+                                  </p:stCondLst>
+                                  <p:childTnLst>
+                                    <p:set>
+                                      <p:cBhvr>
+                                        <p:cTn id="64" dur="1" fill="hold">
+                                          <p:stCondLst>
+                                            <p:cond delay="0"/>
+                                          </p:stCondLst>
+                                        </p:cTn>
+                                        <p:tgtEl>
+                                          <p:spTgt spid="164"/>
+                                        </p:tgtEl>
+                                        <p:attrNameLst>
+                                          <p:attrName>style.visibility</p:attrName>
+                                        </p:attrNameLst>
+                                      </p:cBhvr>
+                                      <p:to>
+                                        <p:strVal val="visible"/>
+                                      </p:to>
+                                    </p:set>
+                                  </p:childTnLst>
+                                </p:cTn>
+                              </p:par>
+                              <p:par>
+                                <p:cTn id="65" nodeType="withEffect" fill="hold" presetClass="entr" presetID="1">
+                                  <p:stCondLst>
+                                    <p:cond delay="0"/>
+                                  </p:stCondLst>
+                                  <p:childTnLst>
+                                    <p:set>
+                                      <p:cBhvr>
+                                        <p:cTn id="66" dur="1" fill="hold">
+                                          <p:stCondLst>
+                                            <p:cond delay="0"/>
+                                          </p:stCondLst>
+                                        </p:cTn>
+                                        <p:tgtEl>
+                                          <p:spTgt spid="181"/>
+                                        </p:tgtEl>
+                                        <p:attrNameLst>
+                                          <p:attrName>style.visibility</p:attrName>
+                                        </p:attrNameLst>
+                                      </p:cBhvr>
+                                      <p:to>
+                                        <p:strVal val="visible"/>
+                                      </p:to>
+                                    </p:set>
+                                  </p:childTnLst>
+                                </p:cTn>
+                              </p:par>
+                            </p:childTnLst>
+                          </p:cTn>
+                        </p:par>
+                      </p:childTnLst>
+                    </p:cTn>
+                  </p:par>
+                  <p:par>
+                    <p:cTn id="67" fill="hold">
+                      <p:stCondLst>
+                        <p:cond delay="indefinite"/>
+                      </p:stCondLst>
+                      <p:childTnLst>
+                        <p:par>
+                          <p:cTn id="68" fill="hold">
+                            <p:stCondLst>
+                              <p:cond delay="0"/>
+                            </p:stCondLst>
+                            <p:childTnLst>
+                              <p:par>
+                                <p:cTn id="69" nodeType="clickEffect" fill="hold" presetClass="exit" presetID="1">
+                                  <p:stCondLst>
+                                    <p:cond delay="0"/>
+                                  </p:stCondLst>
+                                  <p:childTnLst>
+                                    <p:set>
+                                      <p:cBhvr>
+                                        <p:cTn id="70" dur="1" fill="hold">
+                                          <p:stCondLst>
+                                            <p:cond delay="0"/>
+                                          </p:stCondLst>
+                                        </p:cTn>
+                                        <p:tgtEl>
+                                          <p:spTgt spid="164"/>
+                                        </p:tgtEl>
+                                        <p:attrNameLst>
+                                          <p:attrName>style.visibility</p:attrName>
+                                        </p:attrNameLst>
+                                      </p:cBhvr>
+                                      <p:to>
+                                        <p:strVal val="hidden"/>
+                                      </p:to>
+                                    </p:set>
+                                  </p:childTnLst>
+                                </p:cTn>
+                              </p:par>
+                            </p:childTnLst>
+                          </p:cTn>
+                        </p:par>
+                      </p:childTnLst>
+                    </p:cTn>
+                  </p:par>
+                </p:childTnLst>
+              </p:cTn>
               <p:prevCondLst>
                 <p:cond delay="0" evt="onPrev">
                   <p:tgtEl>
